--- a/Images/Figures_PPT/AlvRhizHeatPlotMetaPlot.pptx
+++ b/Images/Figures_PPT/AlvRhizHeatPlotMetaPlot.pptx
@@ -55206,7 +55206,7 @@
               <a:avLst/>
             </a:prstGeom>
             <a:solidFill>
-              <a:srgbClr val="A020F0">
+              <a:srgbClr val="3CBA26">
                 <a:alpha val="100000"/>
               </a:srgbClr>
             </a:solidFill>
@@ -55241,7 +55241,7 @@
               <a:avLst/>
             </a:prstGeom>
             <a:solidFill>
-              <a:srgbClr val="A020F0">
+              <a:srgbClr val="3CBA26">
                 <a:alpha val="100000"/>
               </a:srgbClr>
             </a:solidFill>
@@ -55311,7 +55311,7 @@
               <a:avLst/>
             </a:prstGeom>
             <a:solidFill>
-              <a:srgbClr val="A020F0">
+              <a:srgbClr val="3CBA26">
                 <a:alpha val="100000"/>
               </a:srgbClr>
             </a:solidFill>

--- a/Images/Figures_PPT/AlvRhizHeatPlotMetaPlot.pptx
+++ b/Images/Figures_PPT/AlvRhizHeatPlotMetaPlot.pptx
@@ -55206,7 +55206,7 @@
               <a:avLst/>
             </a:prstGeom>
             <a:solidFill>
-              <a:srgbClr val="3CBA26">
+              <a:srgbClr val="A020F0">
                 <a:alpha val="100000"/>
               </a:srgbClr>
             </a:solidFill>
@@ -55241,7 +55241,7 @@
               <a:avLst/>
             </a:prstGeom>
             <a:solidFill>
-              <a:srgbClr val="3CBA26">
+              <a:srgbClr val="A020F0">
                 <a:alpha val="100000"/>
               </a:srgbClr>
             </a:solidFill>
@@ -55311,7 +55311,7 @@
               <a:avLst/>
             </a:prstGeom>
             <a:solidFill>
-              <a:srgbClr val="3CBA26">
+              <a:srgbClr val="A020F0">
                 <a:alpha val="100000"/>
               </a:srgbClr>
             </a:solidFill>

--- a/Images/Figures_PPT/AlvRhizHeatPlotMetaPlot.pptx
+++ b/Images/Figures_PPT/AlvRhizHeatPlotMetaPlot.pptx
@@ -16768,8 +16768,8 @@
           </p:nvSpPr>
           <p:spPr>
             <a:xfrm>
-              <a:off x="5585063" y="7166405"/>
-              <a:ext cx="245719" cy="44410"/>
+              <a:off x="5636255" y="7166405"/>
+              <a:ext cx="348102" cy="44410"/>
             </a:xfrm>
             <a:prstGeom prst="rect">
               <a:avLst/>
@@ -16803,8 +16803,8 @@
           </p:nvSpPr>
           <p:spPr>
             <a:xfrm>
-              <a:off x="5585063" y="7121994"/>
-              <a:ext cx="245719" cy="44410"/>
+              <a:off x="5636255" y="7121994"/>
+              <a:ext cx="348102" cy="44410"/>
             </a:xfrm>
             <a:prstGeom prst="rect">
               <a:avLst/>
@@ -16838,8 +16838,8 @@
           </p:nvSpPr>
           <p:spPr>
             <a:xfrm>
-              <a:off x="5585063" y="7077583"/>
-              <a:ext cx="245719" cy="44410"/>
+              <a:off x="5636255" y="7077583"/>
+              <a:ext cx="348102" cy="44410"/>
             </a:xfrm>
             <a:prstGeom prst="rect">
               <a:avLst/>
@@ -16873,8 +16873,8 @@
           </p:nvSpPr>
           <p:spPr>
             <a:xfrm>
-              <a:off x="5585063" y="7033172"/>
-              <a:ext cx="245719" cy="44410"/>
+              <a:off x="5636255" y="7033172"/>
+              <a:ext cx="348102" cy="44410"/>
             </a:xfrm>
             <a:prstGeom prst="rect">
               <a:avLst/>
@@ -16908,8 +16908,8 @@
           </p:nvSpPr>
           <p:spPr>
             <a:xfrm>
-              <a:off x="5585063" y="6988761"/>
-              <a:ext cx="245719" cy="44410"/>
+              <a:off x="5636255" y="6988761"/>
+              <a:ext cx="348102" cy="44410"/>
             </a:xfrm>
             <a:prstGeom prst="rect">
               <a:avLst/>
@@ -16943,8 +16943,8 @@
           </p:nvSpPr>
           <p:spPr>
             <a:xfrm>
-              <a:off x="5585063" y="6944351"/>
-              <a:ext cx="245719" cy="44410"/>
+              <a:off x="5636255" y="6944351"/>
+              <a:ext cx="348102" cy="44410"/>
             </a:xfrm>
             <a:prstGeom prst="rect">
               <a:avLst/>
@@ -16978,8 +16978,8 @@
           </p:nvSpPr>
           <p:spPr>
             <a:xfrm>
-              <a:off x="5585063" y="6899940"/>
-              <a:ext cx="245719" cy="44410"/>
+              <a:off x="5636255" y="6899940"/>
+              <a:ext cx="348102" cy="44410"/>
             </a:xfrm>
             <a:prstGeom prst="rect">
               <a:avLst/>
@@ -17013,8 +17013,8 @@
           </p:nvSpPr>
           <p:spPr>
             <a:xfrm>
-              <a:off x="5585063" y="6855529"/>
-              <a:ext cx="245719" cy="44410"/>
+              <a:off x="5636255" y="6855529"/>
+              <a:ext cx="348102" cy="44410"/>
             </a:xfrm>
             <a:prstGeom prst="rect">
               <a:avLst/>
@@ -17048,8 +17048,8 @@
           </p:nvSpPr>
           <p:spPr>
             <a:xfrm>
-              <a:off x="5585063" y="6811118"/>
-              <a:ext cx="245719" cy="44410"/>
+              <a:off x="5636255" y="6811118"/>
+              <a:ext cx="348102" cy="44410"/>
             </a:xfrm>
             <a:prstGeom prst="rect">
               <a:avLst/>
@@ -17083,8 +17083,8 @@
           </p:nvSpPr>
           <p:spPr>
             <a:xfrm>
-              <a:off x="5585063" y="6766707"/>
-              <a:ext cx="245719" cy="44410"/>
+              <a:off x="5636255" y="6766707"/>
+              <a:ext cx="348102" cy="44410"/>
             </a:xfrm>
             <a:prstGeom prst="rect">
               <a:avLst/>
@@ -17118,8 +17118,8 @@
           </p:nvSpPr>
           <p:spPr>
             <a:xfrm>
-              <a:off x="5585063" y="6722296"/>
-              <a:ext cx="245719" cy="44410"/>
+              <a:off x="5636255" y="6722296"/>
+              <a:ext cx="348102" cy="44410"/>
             </a:xfrm>
             <a:prstGeom prst="rect">
               <a:avLst/>
@@ -17153,8 +17153,8 @@
           </p:nvSpPr>
           <p:spPr>
             <a:xfrm>
-              <a:off x="5585063" y="6677885"/>
-              <a:ext cx="245719" cy="44410"/>
+              <a:off x="5636255" y="6677885"/>
+              <a:ext cx="348102" cy="44410"/>
             </a:xfrm>
             <a:prstGeom prst="rect">
               <a:avLst/>
@@ -17188,8 +17188,8 @@
           </p:nvSpPr>
           <p:spPr>
             <a:xfrm>
-              <a:off x="5585063" y="6633474"/>
-              <a:ext cx="245719" cy="44410"/>
+              <a:off x="5636255" y="6633474"/>
+              <a:ext cx="348102" cy="44410"/>
             </a:xfrm>
             <a:prstGeom prst="rect">
               <a:avLst/>
@@ -17223,8 +17223,8 @@
           </p:nvSpPr>
           <p:spPr>
             <a:xfrm>
-              <a:off x="5585063" y="6589063"/>
-              <a:ext cx="245719" cy="44410"/>
+              <a:off x="5636255" y="6589063"/>
+              <a:ext cx="348102" cy="44410"/>
             </a:xfrm>
             <a:prstGeom prst="rect">
               <a:avLst/>
@@ -17258,8 +17258,8 @@
           </p:nvSpPr>
           <p:spPr>
             <a:xfrm>
-              <a:off x="5585063" y="6544653"/>
-              <a:ext cx="245719" cy="44410"/>
+              <a:off x="5636255" y="6544653"/>
+              <a:ext cx="348102" cy="44410"/>
             </a:xfrm>
             <a:prstGeom prst="rect">
               <a:avLst/>
@@ -17293,8 +17293,8 @@
           </p:nvSpPr>
           <p:spPr>
             <a:xfrm>
-              <a:off x="5585063" y="6500242"/>
-              <a:ext cx="245719" cy="44410"/>
+              <a:off x="5636255" y="6500242"/>
+              <a:ext cx="348102" cy="44410"/>
             </a:xfrm>
             <a:prstGeom prst="rect">
               <a:avLst/>
@@ -17328,8 +17328,8 @@
           </p:nvSpPr>
           <p:spPr>
             <a:xfrm>
-              <a:off x="5585063" y="6455831"/>
-              <a:ext cx="245719" cy="44410"/>
+              <a:off x="5636255" y="6455831"/>
+              <a:ext cx="348102" cy="44410"/>
             </a:xfrm>
             <a:prstGeom prst="rect">
               <a:avLst/>
@@ -17363,8 +17363,8 @@
           </p:nvSpPr>
           <p:spPr>
             <a:xfrm>
-              <a:off x="5585063" y="6411420"/>
-              <a:ext cx="245719" cy="44410"/>
+              <a:off x="5636255" y="6411420"/>
+              <a:ext cx="348102" cy="44410"/>
             </a:xfrm>
             <a:prstGeom prst="rect">
               <a:avLst/>
@@ -17398,8 +17398,8 @@
           </p:nvSpPr>
           <p:spPr>
             <a:xfrm>
-              <a:off x="5585063" y="6367009"/>
-              <a:ext cx="245719" cy="44410"/>
+              <a:off x="5636255" y="6367009"/>
+              <a:ext cx="348102" cy="44410"/>
             </a:xfrm>
             <a:prstGeom prst="rect">
               <a:avLst/>
@@ -17433,8 +17433,8 @@
           </p:nvSpPr>
           <p:spPr>
             <a:xfrm>
-              <a:off x="5585063" y="6322598"/>
-              <a:ext cx="245719" cy="44410"/>
+              <a:off x="5636255" y="6322598"/>
+              <a:ext cx="348102" cy="44410"/>
             </a:xfrm>
             <a:prstGeom prst="rect">
               <a:avLst/>
@@ -17468,8 +17468,8 @@
           </p:nvSpPr>
           <p:spPr>
             <a:xfrm>
-              <a:off x="5585063" y="6278187"/>
-              <a:ext cx="245719" cy="44410"/>
+              <a:off x="5636255" y="6278187"/>
+              <a:ext cx="348102" cy="44410"/>
             </a:xfrm>
             <a:prstGeom prst="rect">
               <a:avLst/>
@@ -17503,8 +17503,8 @@
           </p:nvSpPr>
           <p:spPr>
             <a:xfrm>
-              <a:off x="5585063" y="6233776"/>
-              <a:ext cx="245719" cy="44410"/>
+              <a:off x="5636255" y="6233776"/>
+              <a:ext cx="348102" cy="44410"/>
             </a:xfrm>
             <a:prstGeom prst="rect">
               <a:avLst/>
@@ -17538,8 +17538,8 @@
           </p:nvSpPr>
           <p:spPr>
             <a:xfrm>
-              <a:off x="5585063" y="6189366"/>
-              <a:ext cx="245719" cy="44410"/>
+              <a:off x="5636255" y="6189366"/>
+              <a:ext cx="348102" cy="44410"/>
             </a:xfrm>
             <a:prstGeom prst="rect">
               <a:avLst/>
@@ -17573,8 +17573,8 @@
           </p:nvSpPr>
           <p:spPr>
             <a:xfrm>
-              <a:off x="5585063" y="6144955"/>
-              <a:ext cx="245719" cy="44410"/>
+              <a:off x="5636255" y="6144955"/>
+              <a:ext cx="348102" cy="44410"/>
             </a:xfrm>
             <a:prstGeom prst="rect">
               <a:avLst/>
@@ -17608,8 +17608,8 @@
           </p:nvSpPr>
           <p:spPr>
             <a:xfrm>
-              <a:off x="5585063" y="6100544"/>
-              <a:ext cx="245719" cy="44410"/>
+              <a:off x="5636255" y="6100544"/>
+              <a:ext cx="348102" cy="44410"/>
             </a:xfrm>
             <a:prstGeom prst="rect">
               <a:avLst/>
@@ -17643,8 +17643,8 @@
           </p:nvSpPr>
           <p:spPr>
             <a:xfrm>
-              <a:off x="5585063" y="6056133"/>
-              <a:ext cx="245719" cy="44410"/>
+              <a:off x="5636255" y="6056133"/>
+              <a:ext cx="348102" cy="44410"/>
             </a:xfrm>
             <a:prstGeom prst="rect">
               <a:avLst/>
@@ -17678,8 +17678,8 @@
           </p:nvSpPr>
           <p:spPr>
             <a:xfrm>
-              <a:off x="5585063" y="6011722"/>
-              <a:ext cx="245719" cy="44410"/>
+              <a:off x="5636255" y="6011722"/>
+              <a:ext cx="348102" cy="44410"/>
             </a:xfrm>
             <a:prstGeom prst="rect">
               <a:avLst/>
@@ -17713,8 +17713,8 @@
           </p:nvSpPr>
           <p:spPr>
             <a:xfrm>
-              <a:off x="5585063" y="5967311"/>
-              <a:ext cx="245719" cy="44410"/>
+              <a:off x="5636255" y="5967311"/>
+              <a:ext cx="348102" cy="44410"/>
             </a:xfrm>
             <a:prstGeom prst="rect">
               <a:avLst/>
@@ -17748,8 +17748,8 @@
           </p:nvSpPr>
           <p:spPr>
             <a:xfrm>
-              <a:off x="5585063" y="5922900"/>
-              <a:ext cx="245719" cy="44410"/>
+              <a:off x="5636255" y="5922900"/>
+              <a:ext cx="348102" cy="44410"/>
             </a:xfrm>
             <a:prstGeom prst="rect">
               <a:avLst/>
@@ -17783,8 +17783,8 @@
           </p:nvSpPr>
           <p:spPr>
             <a:xfrm>
-              <a:off x="5585063" y="5878489"/>
-              <a:ext cx="245719" cy="44410"/>
+              <a:off x="5636255" y="5878489"/>
+              <a:ext cx="348102" cy="44410"/>
             </a:xfrm>
             <a:prstGeom prst="rect">
               <a:avLst/>
@@ -17818,8 +17818,8 @@
           </p:nvSpPr>
           <p:spPr>
             <a:xfrm>
-              <a:off x="5585063" y="5834078"/>
-              <a:ext cx="245719" cy="44410"/>
+              <a:off x="5636255" y="5834078"/>
+              <a:ext cx="348102" cy="44410"/>
             </a:xfrm>
             <a:prstGeom prst="rect">
               <a:avLst/>
@@ -17853,8 +17853,8 @@
           </p:nvSpPr>
           <p:spPr>
             <a:xfrm>
-              <a:off x="5585063" y="5789668"/>
-              <a:ext cx="245719" cy="44410"/>
+              <a:off x="5636255" y="5789668"/>
+              <a:ext cx="348102" cy="44410"/>
             </a:xfrm>
             <a:prstGeom prst="rect">
               <a:avLst/>
@@ -17888,8 +17888,8 @@
           </p:nvSpPr>
           <p:spPr>
             <a:xfrm>
-              <a:off x="5585063" y="5745257"/>
-              <a:ext cx="245719" cy="44410"/>
+              <a:off x="5636255" y="5745257"/>
+              <a:ext cx="348102" cy="44410"/>
             </a:xfrm>
             <a:prstGeom prst="rect">
               <a:avLst/>
@@ -17923,8 +17923,8 @@
           </p:nvSpPr>
           <p:spPr>
             <a:xfrm>
-              <a:off x="5585063" y="5700846"/>
-              <a:ext cx="245719" cy="44410"/>
+              <a:off x="5636255" y="5700846"/>
+              <a:ext cx="348102" cy="44410"/>
             </a:xfrm>
             <a:prstGeom prst="rect">
               <a:avLst/>
@@ -17958,8 +17958,8 @@
           </p:nvSpPr>
           <p:spPr>
             <a:xfrm>
-              <a:off x="5585063" y="5656435"/>
-              <a:ext cx="245719" cy="44410"/>
+              <a:off x="5636255" y="5656435"/>
+              <a:ext cx="348102" cy="44410"/>
             </a:xfrm>
             <a:prstGeom prst="rect">
               <a:avLst/>
@@ -17993,8 +17993,8 @@
           </p:nvSpPr>
           <p:spPr>
             <a:xfrm>
-              <a:off x="5585063" y="5612024"/>
-              <a:ext cx="245719" cy="44410"/>
+              <a:off x="5636255" y="5612024"/>
+              <a:ext cx="348102" cy="44410"/>
             </a:xfrm>
             <a:prstGeom prst="rect">
               <a:avLst/>
@@ -18028,8 +18028,8 @@
           </p:nvSpPr>
           <p:spPr>
             <a:xfrm>
-              <a:off x="5585063" y="5567613"/>
-              <a:ext cx="245719" cy="44410"/>
+              <a:off x="5636255" y="5567613"/>
+              <a:ext cx="348102" cy="44410"/>
             </a:xfrm>
             <a:prstGeom prst="rect">
               <a:avLst/>
@@ -18063,8 +18063,8 @@
           </p:nvSpPr>
           <p:spPr>
             <a:xfrm>
-              <a:off x="5585063" y="5523202"/>
-              <a:ext cx="245719" cy="44410"/>
+              <a:off x="5636255" y="5523202"/>
+              <a:ext cx="348102" cy="44410"/>
             </a:xfrm>
             <a:prstGeom prst="rect">
               <a:avLst/>
@@ -18098,8 +18098,8 @@
           </p:nvSpPr>
           <p:spPr>
             <a:xfrm>
-              <a:off x="5585063" y="5478791"/>
-              <a:ext cx="245719" cy="44410"/>
+              <a:off x="5636255" y="5478791"/>
+              <a:ext cx="348102" cy="44410"/>
             </a:xfrm>
             <a:prstGeom prst="rect">
               <a:avLst/>
@@ -18133,8 +18133,8 @@
           </p:nvSpPr>
           <p:spPr>
             <a:xfrm>
-              <a:off x="5585063" y="5434380"/>
-              <a:ext cx="245719" cy="44410"/>
+              <a:off x="5636255" y="5434380"/>
+              <a:ext cx="348102" cy="44410"/>
             </a:xfrm>
             <a:prstGeom prst="rect">
               <a:avLst/>
@@ -18168,8 +18168,8 @@
           </p:nvSpPr>
           <p:spPr>
             <a:xfrm>
-              <a:off x="5585063" y="5389970"/>
-              <a:ext cx="245719" cy="44410"/>
+              <a:off x="5636255" y="5389970"/>
+              <a:ext cx="348102" cy="44410"/>
             </a:xfrm>
             <a:prstGeom prst="rect">
               <a:avLst/>
@@ -18203,8 +18203,8 @@
           </p:nvSpPr>
           <p:spPr>
             <a:xfrm>
-              <a:off x="5585063" y="5345559"/>
-              <a:ext cx="245719" cy="44410"/>
+              <a:off x="5636255" y="5345559"/>
+              <a:ext cx="348102" cy="44410"/>
             </a:xfrm>
             <a:prstGeom prst="rect">
               <a:avLst/>
@@ -18238,8 +18238,8 @@
           </p:nvSpPr>
           <p:spPr>
             <a:xfrm>
-              <a:off x="5585063" y="5301148"/>
-              <a:ext cx="245719" cy="44410"/>
+              <a:off x="5636255" y="5301148"/>
+              <a:ext cx="348102" cy="44410"/>
             </a:xfrm>
             <a:prstGeom prst="rect">
               <a:avLst/>
@@ -18273,8 +18273,8 @@
           </p:nvSpPr>
           <p:spPr>
             <a:xfrm>
-              <a:off x="5585063" y="5256737"/>
-              <a:ext cx="245719" cy="44410"/>
+              <a:off x="5636255" y="5256737"/>
+              <a:ext cx="348102" cy="44410"/>
             </a:xfrm>
             <a:prstGeom prst="rect">
               <a:avLst/>
@@ -18308,8 +18308,8 @@
           </p:nvSpPr>
           <p:spPr>
             <a:xfrm>
-              <a:off x="5585063" y="5212326"/>
-              <a:ext cx="245719" cy="44410"/>
+              <a:off x="5636255" y="5212326"/>
+              <a:ext cx="348102" cy="44410"/>
             </a:xfrm>
             <a:prstGeom prst="rect">
               <a:avLst/>
@@ -18343,8 +18343,8 @@
           </p:nvSpPr>
           <p:spPr>
             <a:xfrm>
-              <a:off x="5585063" y="5167915"/>
-              <a:ext cx="245719" cy="44410"/>
+              <a:off x="5636255" y="5167915"/>
+              <a:ext cx="348102" cy="44410"/>
             </a:xfrm>
             <a:prstGeom prst="rect">
               <a:avLst/>
@@ -18378,8 +18378,8 @@
           </p:nvSpPr>
           <p:spPr>
             <a:xfrm>
-              <a:off x="5585063" y="5123504"/>
-              <a:ext cx="245719" cy="44410"/>
+              <a:off x="5636255" y="5123504"/>
+              <a:ext cx="348102" cy="44410"/>
             </a:xfrm>
             <a:prstGeom prst="rect">
               <a:avLst/>
@@ -18413,8 +18413,8 @@
           </p:nvSpPr>
           <p:spPr>
             <a:xfrm>
-              <a:off x="5585063" y="5079093"/>
-              <a:ext cx="245719" cy="44410"/>
+              <a:off x="5636255" y="5079093"/>
+              <a:ext cx="348102" cy="44410"/>
             </a:xfrm>
             <a:prstGeom prst="rect">
               <a:avLst/>
@@ -18448,8 +18448,8 @@
           </p:nvSpPr>
           <p:spPr>
             <a:xfrm>
-              <a:off x="5585063" y="5034682"/>
-              <a:ext cx="245719" cy="44410"/>
+              <a:off x="5636255" y="5034682"/>
+              <a:ext cx="348102" cy="44410"/>
             </a:xfrm>
             <a:prstGeom prst="rect">
               <a:avLst/>
@@ -18483,8 +18483,8 @@
           </p:nvSpPr>
           <p:spPr>
             <a:xfrm>
-              <a:off x="5585063" y="4990272"/>
-              <a:ext cx="245719" cy="44410"/>
+              <a:off x="5636255" y="4990272"/>
+              <a:ext cx="348102" cy="44410"/>
             </a:xfrm>
             <a:prstGeom prst="rect">
               <a:avLst/>
@@ -18518,8 +18518,8 @@
           </p:nvSpPr>
           <p:spPr>
             <a:xfrm>
-              <a:off x="5585063" y="4945861"/>
-              <a:ext cx="245719" cy="44410"/>
+              <a:off x="5636255" y="4945861"/>
+              <a:ext cx="348102" cy="44410"/>
             </a:xfrm>
             <a:prstGeom prst="rect">
               <a:avLst/>
@@ -18553,8 +18553,8 @@
           </p:nvSpPr>
           <p:spPr>
             <a:xfrm>
-              <a:off x="5585063" y="4901450"/>
-              <a:ext cx="245719" cy="44410"/>
+              <a:off x="5636255" y="4901450"/>
+              <a:ext cx="348102" cy="44410"/>
             </a:xfrm>
             <a:prstGeom prst="rect">
               <a:avLst/>
@@ -18588,8 +18588,8 @@
           </p:nvSpPr>
           <p:spPr>
             <a:xfrm>
-              <a:off x="5585063" y="4857039"/>
-              <a:ext cx="245719" cy="44410"/>
+              <a:off x="5636255" y="4857039"/>
+              <a:ext cx="348102" cy="44410"/>
             </a:xfrm>
             <a:prstGeom prst="rect">
               <a:avLst/>
@@ -18623,8 +18623,8 @@
           </p:nvSpPr>
           <p:spPr>
             <a:xfrm>
-              <a:off x="5585063" y="4812628"/>
-              <a:ext cx="245719" cy="44410"/>
+              <a:off x="5636255" y="4812628"/>
+              <a:ext cx="348102" cy="44410"/>
             </a:xfrm>
             <a:prstGeom prst="rect">
               <a:avLst/>
@@ -18658,8 +18658,8 @@
           </p:nvSpPr>
           <p:spPr>
             <a:xfrm>
-              <a:off x="5585063" y="4768217"/>
-              <a:ext cx="245719" cy="44410"/>
+              <a:off x="5636255" y="4768217"/>
+              <a:ext cx="348102" cy="44410"/>
             </a:xfrm>
             <a:prstGeom prst="rect">
               <a:avLst/>
@@ -18693,8 +18693,8 @@
           </p:nvSpPr>
           <p:spPr>
             <a:xfrm>
-              <a:off x="5585063" y="4723806"/>
-              <a:ext cx="245719" cy="44410"/>
+              <a:off x="5636255" y="4723806"/>
+              <a:ext cx="348102" cy="44410"/>
             </a:xfrm>
             <a:prstGeom prst="rect">
               <a:avLst/>
@@ -18728,8 +18728,8 @@
           </p:nvSpPr>
           <p:spPr>
             <a:xfrm>
-              <a:off x="5585063" y="4679395"/>
-              <a:ext cx="245719" cy="44410"/>
+              <a:off x="5636255" y="4679395"/>
+              <a:ext cx="348102" cy="44410"/>
             </a:xfrm>
             <a:prstGeom prst="rect">
               <a:avLst/>
@@ -18763,8 +18763,8 @@
           </p:nvSpPr>
           <p:spPr>
             <a:xfrm>
-              <a:off x="5585063" y="4634984"/>
-              <a:ext cx="245719" cy="44410"/>
+              <a:off x="5636255" y="4634984"/>
+              <a:ext cx="348102" cy="44410"/>
             </a:xfrm>
             <a:prstGeom prst="rect">
               <a:avLst/>
@@ -18798,8 +18798,8 @@
           </p:nvSpPr>
           <p:spPr>
             <a:xfrm>
-              <a:off x="5585063" y="4590574"/>
-              <a:ext cx="245719" cy="44410"/>
+              <a:off x="5636255" y="4590574"/>
+              <a:ext cx="348102" cy="44410"/>
             </a:xfrm>
             <a:prstGeom prst="rect">
               <a:avLst/>
@@ -18833,8 +18833,8 @@
           </p:nvSpPr>
           <p:spPr>
             <a:xfrm>
-              <a:off x="5585063" y="4546163"/>
-              <a:ext cx="245719" cy="44410"/>
+              <a:off x="5636255" y="4546163"/>
+              <a:ext cx="348102" cy="44410"/>
             </a:xfrm>
             <a:prstGeom prst="rect">
               <a:avLst/>
@@ -18868,8 +18868,8 @@
           </p:nvSpPr>
           <p:spPr>
             <a:xfrm>
-              <a:off x="5585063" y="4501752"/>
-              <a:ext cx="245719" cy="44410"/>
+              <a:off x="5636255" y="4501752"/>
+              <a:ext cx="348102" cy="44410"/>
             </a:xfrm>
             <a:prstGeom prst="rect">
               <a:avLst/>
@@ -18903,8 +18903,8 @@
           </p:nvSpPr>
           <p:spPr>
             <a:xfrm>
-              <a:off x="5585063" y="4457341"/>
-              <a:ext cx="245719" cy="44410"/>
+              <a:off x="5636255" y="4457341"/>
+              <a:ext cx="348102" cy="44410"/>
             </a:xfrm>
             <a:prstGeom prst="rect">
               <a:avLst/>
@@ -18938,8 +18938,8 @@
           </p:nvSpPr>
           <p:spPr>
             <a:xfrm>
-              <a:off x="5585063" y="4412930"/>
-              <a:ext cx="245719" cy="44410"/>
+              <a:off x="5636255" y="4412930"/>
+              <a:ext cx="348102" cy="44410"/>
             </a:xfrm>
             <a:prstGeom prst="rect">
               <a:avLst/>
@@ -18973,8 +18973,8 @@
           </p:nvSpPr>
           <p:spPr>
             <a:xfrm>
-              <a:off x="5585063" y="4368519"/>
-              <a:ext cx="245719" cy="44410"/>
+              <a:off x="5636255" y="4368519"/>
+              <a:ext cx="348102" cy="44410"/>
             </a:xfrm>
             <a:prstGeom prst="rect">
               <a:avLst/>
@@ -19008,8 +19008,8 @@
           </p:nvSpPr>
           <p:spPr>
             <a:xfrm>
-              <a:off x="5585063" y="4324108"/>
-              <a:ext cx="245719" cy="44410"/>
+              <a:off x="5636255" y="4324108"/>
+              <a:ext cx="348102" cy="44410"/>
             </a:xfrm>
             <a:prstGeom prst="rect">
               <a:avLst/>
@@ -19043,8 +19043,8 @@
           </p:nvSpPr>
           <p:spPr>
             <a:xfrm>
-              <a:off x="5585063" y="4279697"/>
-              <a:ext cx="245719" cy="44410"/>
+              <a:off x="5636255" y="4279697"/>
+              <a:ext cx="348102" cy="44410"/>
             </a:xfrm>
             <a:prstGeom prst="rect">
               <a:avLst/>
@@ -19078,8 +19078,8 @@
           </p:nvSpPr>
           <p:spPr>
             <a:xfrm>
-              <a:off x="5585063" y="4235286"/>
-              <a:ext cx="245719" cy="44410"/>
+              <a:off x="5636255" y="4235286"/>
+              <a:ext cx="348102" cy="44410"/>
             </a:xfrm>
             <a:prstGeom prst="rect">
               <a:avLst/>
@@ -19113,8 +19113,8 @@
           </p:nvSpPr>
           <p:spPr>
             <a:xfrm>
-              <a:off x="5585063" y="4190876"/>
-              <a:ext cx="245719" cy="44410"/>
+              <a:off x="5636255" y="4190876"/>
+              <a:ext cx="348102" cy="44410"/>
             </a:xfrm>
             <a:prstGeom prst="rect">
               <a:avLst/>
@@ -19148,8 +19148,8 @@
           </p:nvSpPr>
           <p:spPr>
             <a:xfrm>
-              <a:off x="5585063" y="4146465"/>
-              <a:ext cx="245719" cy="44410"/>
+              <a:off x="5636255" y="4146465"/>
+              <a:ext cx="348102" cy="44410"/>
             </a:xfrm>
             <a:prstGeom prst="rect">
               <a:avLst/>
@@ -19183,8 +19183,8 @@
           </p:nvSpPr>
           <p:spPr>
             <a:xfrm>
-              <a:off x="5585063" y="4102054"/>
-              <a:ext cx="245719" cy="44410"/>
+              <a:off x="5636255" y="4102054"/>
+              <a:ext cx="348102" cy="44410"/>
             </a:xfrm>
             <a:prstGeom prst="rect">
               <a:avLst/>
@@ -19218,8 +19218,8 @@
           </p:nvSpPr>
           <p:spPr>
             <a:xfrm>
-              <a:off x="5585063" y="4057643"/>
-              <a:ext cx="245719" cy="44410"/>
+              <a:off x="5636255" y="4057643"/>
+              <a:ext cx="348102" cy="44410"/>
             </a:xfrm>
             <a:prstGeom prst="rect">
               <a:avLst/>
@@ -19253,8 +19253,8 @@
           </p:nvSpPr>
           <p:spPr>
             <a:xfrm>
-              <a:off x="5585063" y="4013232"/>
-              <a:ext cx="245719" cy="44410"/>
+              <a:off x="5636255" y="4013232"/>
+              <a:ext cx="348102" cy="44410"/>
             </a:xfrm>
             <a:prstGeom prst="rect">
               <a:avLst/>
@@ -19288,8 +19288,8 @@
           </p:nvSpPr>
           <p:spPr>
             <a:xfrm>
-              <a:off x="5585063" y="3968821"/>
-              <a:ext cx="245719" cy="44410"/>
+              <a:off x="5636255" y="3968821"/>
+              <a:ext cx="348102" cy="44410"/>
             </a:xfrm>
             <a:prstGeom prst="rect">
               <a:avLst/>
@@ -19323,8 +19323,8 @@
           </p:nvSpPr>
           <p:spPr>
             <a:xfrm>
-              <a:off x="5585063" y="3924410"/>
-              <a:ext cx="245719" cy="44410"/>
+              <a:off x="5636255" y="3924410"/>
+              <a:ext cx="348102" cy="44410"/>
             </a:xfrm>
             <a:prstGeom prst="rect">
               <a:avLst/>
@@ -19358,8 +19358,8 @@
           </p:nvSpPr>
           <p:spPr>
             <a:xfrm>
-              <a:off x="5585063" y="3879999"/>
-              <a:ext cx="245719" cy="44410"/>
+              <a:off x="5636255" y="3879999"/>
+              <a:ext cx="348102" cy="44410"/>
             </a:xfrm>
             <a:prstGeom prst="rect">
               <a:avLst/>
@@ -19393,8 +19393,8 @@
           </p:nvSpPr>
           <p:spPr>
             <a:xfrm>
-              <a:off x="5585063" y="3835588"/>
-              <a:ext cx="245719" cy="44410"/>
+              <a:off x="5636255" y="3835588"/>
+              <a:ext cx="348102" cy="44410"/>
             </a:xfrm>
             <a:prstGeom prst="rect">
               <a:avLst/>
@@ -19428,8 +19428,8 @@
           </p:nvSpPr>
           <p:spPr>
             <a:xfrm>
-              <a:off x="5585063" y="3791178"/>
-              <a:ext cx="245719" cy="44410"/>
+              <a:off x="5636255" y="3791178"/>
+              <a:ext cx="348102" cy="44410"/>
             </a:xfrm>
             <a:prstGeom prst="rect">
               <a:avLst/>
@@ -19463,8 +19463,8 @@
           </p:nvSpPr>
           <p:spPr>
             <a:xfrm>
-              <a:off x="5585063" y="3746767"/>
-              <a:ext cx="245719" cy="44410"/>
+              <a:off x="5636255" y="3746767"/>
+              <a:ext cx="348102" cy="44410"/>
             </a:xfrm>
             <a:prstGeom prst="rect">
               <a:avLst/>
@@ -19498,8 +19498,8 @@
           </p:nvSpPr>
           <p:spPr>
             <a:xfrm>
-              <a:off x="5585063" y="3702356"/>
-              <a:ext cx="245719" cy="44410"/>
+              <a:off x="5636255" y="3702356"/>
+              <a:ext cx="348102" cy="44410"/>
             </a:xfrm>
             <a:prstGeom prst="rect">
               <a:avLst/>
@@ -19533,8 +19533,8 @@
           </p:nvSpPr>
           <p:spPr>
             <a:xfrm>
-              <a:off x="5585063" y="3657945"/>
-              <a:ext cx="245719" cy="44410"/>
+              <a:off x="5636255" y="3657945"/>
+              <a:ext cx="348102" cy="44410"/>
             </a:xfrm>
             <a:prstGeom prst="rect">
               <a:avLst/>
@@ -19568,8 +19568,8 @@
           </p:nvSpPr>
           <p:spPr>
             <a:xfrm>
-              <a:off x="5585063" y="3613534"/>
-              <a:ext cx="245719" cy="44410"/>
+              <a:off x="5636255" y="3613534"/>
+              <a:ext cx="348102" cy="44410"/>
             </a:xfrm>
             <a:prstGeom prst="rect">
               <a:avLst/>
@@ -19603,8 +19603,8 @@
           </p:nvSpPr>
           <p:spPr>
             <a:xfrm>
-              <a:off x="5585063" y="3569123"/>
-              <a:ext cx="245719" cy="44410"/>
+              <a:off x="5636255" y="3569123"/>
+              <a:ext cx="348102" cy="44410"/>
             </a:xfrm>
             <a:prstGeom prst="rect">
               <a:avLst/>
@@ -19638,8 +19638,8 @@
           </p:nvSpPr>
           <p:spPr>
             <a:xfrm>
-              <a:off x="5585063" y="3524712"/>
-              <a:ext cx="245719" cy="44410"/>
+              <a:off x="5636255" y="3524712"/>
+              <a:ext cx="348102" cy="44410"/>
             </a:xfrm>
             <a:prstGeom prst="rect">
               <a:avLst/>
@@ -19673,8 +19673,8 @@
           </p:nvSpPr>
           <p:spPr>
             <a:xfrm>
-              <a:off x="5585063" y="3480301"/>
-              <a:ext cx="245719" cy="44410"/>
+              <a:off x="5636255" y="3480301"/>
+              <a:ext cx="348102" cy="44410"/>
             </a:xfrm>
             <a:prstGeom prst="rect">
               <a:avLst/>
@@ -19708,8 +19708,8 @@
           </p:nvSpPr>
           <p:spPr>
             <a:xfrm>
-              <a:off x="5585063" y="3435890"/>
-              <a:ext cx="245719" cy="44410"/>
+              <a:off x="5636255" y="3435890"/>
+              <a:ext cx="348102" cy="44410"/>
             </a:xfrm>
             <a:prstGeom prst="rect">
               <a:avLst/>
@@ -19743,8 +19743,8 @@
           </p:nvSpPr>
           <p:spPr>
             <a:xfrm>
-              <a:off x="5585063" y="3391480"/>
-              <a:ext cx="245719" cy="44410"/>
+              <a:off x="5636255" y="3391480"/>
+              <a:ext cx="348102" cy="44410"/>
             </a:xfrm>
             <a:prstGeom prst="rect">
               <a:avLst/>
@@ -19778,8 +19778,8 @@
           </p:nvSpPr>
           <p:spPr>
             <a:xfrm>
-              <a:off x="5585063" y="3347069"/>
-              <a:ext cx="245719" cy="44410"/>
+              <a:off x="5636255" y="3347069"/>
+              <a:ext cx="348102" cy="44410"/>
             </a:xfrm>
             <a:prstGeom prst="rect">
               <a:avLst/>
@@ -19813,8 +19813,8 @@
           </p:nvSpPr>
           <p:spPr>
             <a:xfrm>
-              <a:off x="5585063" y="3302658"/>
-              <a:ext cx="245719" cy="44410"/>
+              <a:off x="5636255" y="3302658"/>
+              <a:ext cx="348102" cy="44410"/>
             </a:xfrm>
             <a:prstGeom prst="rect">
               <a:avLst/>
@@ -19848,8 +19848,8 @@
           </p:nvSpPr>
           <p:spPr>
             <a:xfrm>
-              <a:off x="5585063" y="3258247"/>
-              <a:ext cx="245719" cy="44410"/>
+              <a:off x="5636255" y="3258247"/>
+              <a:ext cx="348102" cy="44410"/>
             </a:xfrm>
             <a:prstGeom prst="rect">
               <a:avLst/>
@@ -19883,8 +19883,8 @@
           </p:nvSpPr>
           <p:spPr>
             <a:xfrm>
-              <a:off x="5585063" y="3213836"/>
-              <a:ext cx="245719" cy="44410"/>
+              <a:off x="5636255" y="3213836"/>
+              <a:ext cx="348102" cy="44410"/>
             </a:xfrm>
             <a:prstGeom prst="rect">
               <a:avLst/>
@@ -19918,8 +19918,8 @@
           </p:nvSpPr>
           <p:spPr>
             <a:xfrm>
-              <a:off x="5585063" y="3169425"/>
-              <a:ext cx="245719" cy="44410"/>
+              <a:off x="5636255" y="3169425"/>
+              <a:ext cx="348102" cy="44410"/>
             </a:xfrm>
             <a:prstGeom prst="rect">
               <a:avLst/>
@@ -19953,8 +19953,8 @@
           </p:nvSpPr>
           <p:spPr>
             <a:xfrm>
-              <a:off x="5585063" y="3125014"/>
-              <a:ext cx="245719" cy="44410"/>
+              <a:off x="5636255" y="3125014"/>
+              <a:ext cx="348102" cy="44410"/>
             </a:xfrm>
             <a:prstGeom prst="rect">
               <a:avLst/>
@@ -19988,8 +19988,8 @@
           </p:nvSpPr>
           <p:spPr>
             <a:xfrm>
-              <a:off x="5585063" y="3080603"/>
-              <a:ext cx="245719" cy="44410"/>
+              <a:off x="5636255" y="3080603"/>
+              <a:ext cx="348102" cy="44410"/>
             </a:xfrm>
             <a:prstGeom prst="rect">
               <a:avLst/>
@@ -20023,8 +20023,8 @@
           </p:nvSpPr>
           <p:spPr>
             <a:xfrm>
-              <a:off x="5585063" y="3036192"/>
-              <a:ext cx="245719" cy="44410"/>
+              <a:off x="5636255" y="3036192"/>
+              <a:ext cx="348102" cy="44410"/>
             </a:xfrm>
             <a:prstGeom prst="rect">
               <a:avLst/>
@@ -20058,8 +20058,8 @@
           </p:nvSpPr>
           <p:spPr>
             <a:xfrm>
-              <a:off x="5585063" y="2991782"/>
-              <a:ext cx="245719" cy="44410"/>
+              <a:off x="5636255" y="2991782"/>
+              <a:ext cx="348102" cy="44410"/>
             </a:xfrm>
             <a:prstGeom prst="rect">
               <a:avLst/>
@@ -20093,8 +20093,8 @@
           </p:nvSpPr>
           <p:spPr>
             <a:xfrm>
-              <a:off x="5585063" y="2947371"/>
-              <a:ext cx="245719" cy="44410"/>
+              <a:off x="5636255" y="2947371"/>
+              <a:ext cx="348102" cy="44410"/>
             </a:xfrm>
             <a:prstGeom prst="rect">
               <a:avLst/>
@@ -20128,8 +20128,8 @@
           </p:nvSpPr>
           <p:spPr>
             <a:xfrm>
-              <a:off x="5585063" y="2902960"/>
-              <a:ext cx="245719" cy="44410"/>
+              <a:off x="5636255" y="2902960"/>
+              <a:ext cx="348102" cy="44410"/>
             </a:xfrm>
             <a:prstGeom prst="rect">
               <a:avLst/>
@@ -20163,8 +20163,8 @@
           </p:nvSpPr>
           <p:spPr>
             <a:xfrm>
-              <a:off x="5585063" y="2858549"/>
-              <a:ext cx="245719" cy="44410"/>
+              <a:off x="5636255" y="2858549"/>
+              <a:ext cx="348102" cy="44410"/>
             </a:xfrm>
             <a:prstGeom prst="rect">
               <a:avLst/>
@@ -20198,8 +20198,8 @@
           </p:nvSpPr>
           <p:spPr>
             <a:xfrm>
-              <a:off x="5585063" y="2814138"/>
-              <a:ext cx="245719" cy="44410"/>
+              <a:off x="5636255" y="2814138"/>
+              <a:ext cx="348102" cy="44410"/>
             </a:xfrm>
             <a:prstGeom prst="rect">
               <a:avLst/>
@@ -20233,8 +20233,8 @@
           </p:nvSpPr>
           <p:spPr>
             <a:xfrm>
-              <a:off x="5585063" y="2769727"/>
-              <a:ext cx="245719" cy="44410"/>
+              <a:off x="5636255" y="2769727"/>
+              <a:ext cx="348102" cy="44410"/>
             </a:xfrm>
             <a:prstGeom prst="rect">
               <a:avLst/>
@@ -20268,8 +20268,8 @@
           </p:nvSpPr>
           <p:spPr>
             <a:xfrm>
-              <a:off x="5585063" y="2725316"/>
-              <a:ext cx="245719" cy="44410"/>
+              <a:off x="5636255" y="2725316"/>
+              <a:ext cx="348102" cy="44410"/>
             </a:xfrm>
             <a:prstGeom prst="rect">
               <a:avLst/>
@@ -20303,8 +20303,8 @@
           </p:nvSpPr>
           <p:spPr>
             <a:xfrm>
-              <a:off x="5585063" y="2680905"/>
-              <a:ext cx="245719" cy="44410"/>
+              <a:off x="5636255" y="2680905"/>
+              <a:ext cx="348102" cy="44410"/>
             </a:xfrm>
             <a:prstGeom prst="rect">
               <a:avLst/>
@@ -20338,8 +20338,8 @@
           </p:nvSpPr>
           <p:spPr>
             <a:xfrm>
-              <a:off x="5585063" y="2636494"/>
-              <a:ext cx="245719" cy="44410"/>
+              <a:off x="5636255" y="2636494"/>
+              <a:ext cx="348102" cy="44410"/>
             </a:xfrm>
             <a:prstGeom prst="rect">
               <a:avLst/>
@@ -20373,8 +20373,8 @@
           </p:nvSpPr>
           <p:spPr>
             <a:xfrm>
-              <a:off x="5585063" y="2592084"/>
-              <a:ext cx="245719" cy="44410"/>
+              <a:off x="5636255" y="2592084"/>
+              <a:ext cx="348102" cy="44410"/>
             </a:xfrm>
             <a:prstGeom prst="rect">
               <a:avLst/>
@@ -20408,8 +20408,8 @@
           </p:nvSpPr>
           <p:spPr>
             <a:xfrm>
-              <a:off x="5585063" y="2547673"/>
-              <a:ext cx="245719" cy="44410"/>
+              <a:off x="5636255" y="2547673"/>
+              <a:ext cx="348102" cy="44410"/>
             </a:xfrm>
             <a:prstGeom prst="rect">
               <a:avLst/>
@@ -20443,8 +20443,8 @@
           </p:nvSpPr>
           <p:spPr>
             <a:xfrm>
-              <a:off x="5585063" y="2503262"/>
-              <a:ext cx="245719" cy="44410"/>
+              <a:off x="5636255" y="2503262"/>
+              <a:ext cx="348102" cy="44410"/>
             </a:xfrm>
             <a:prstGeom prst="rect">
               <a:avLst/>
@@ -20478,8 +20478,8 @@
           </p:nvSpPr>
           <p:spPr>
             <a:xfrm>
-              <a:off x="5585063" y="2458851"/>
-              <a:ext cx="245719" cy="44410"/>
+              <a:off x="5636255" y="2458851"/>
+              <a:ext cx="348102" cy="44410"/>
             </a:xfrm>
             <a:prstGeom prst="rect">
               <a:avLst/>
@@ -20513,8 +20513,8 @@
           </p:nvSpPr>
           <p:spPr>
             <a:xfrm>
-              <a:off x="5585063" y="2414440"/>
-              <a:ext cx="245719" cy="44410"/>
+              <a:off x="5636255" y="2414440"/>
+              <a:ext cx="348102" cy="44410"/>
             </a:xfrm>
             <a:prstGeom prst="rect">
               <a:avLst/>
@@ -20548,8 +20548,8 @@
           </p:nvSpPr>
           <p:spPr>
             <a:xfrm>
-              <a:off x="5585063" y="2370029"/>
-              <a:ext cx="245719" cy="44410"/>
+              <a:off x="5636255" y="2370029"/>
+              <a:ext cx="348102" cy="44410"/>
             </a:xfrm>
             <a:prstGeom prst="rect">
               <a:avLst/>
@@ -20583,8 +20583,8 @@
           </p:nvSpPr>
           <p:spPr>
             <a:xfrm>
-              <a:off x="5585063" y="2325618"/>
-              <a:ext cx="245719" cy="44410"/>
+              <a:off x="5636255" y="2325618"/>
+              <a:ext cx="348102" cy="44410"/>
             </a:xfrm>
             <a:prstGeom prst="rect">
               <a:avLst/>
@@ -20618,8 +20618,8 @@
           </p:nvSpPr>
           <p:spPr>
             <a:xfrm>
-              <a:off x="5585063" y="2281207"/>
-              <a:ext cx="245719" cy="44410"/>
+              <a:off x="5636255" y="2281207"/>
+              <a:ext cx="348102" cy="44410"/>
             </a:xfrm>
             <a:prstGeom prst="rect">
               <a:avLst/>
@@ -20653,8 +20653,8 @@
           </p:nvSpPr>
           <p:spPr>
             <a:xfrm>
-              <a:off x="5585063" y="2236796"/>
-              <a:ext cx="245719" cy="44410"/>
+              <a:off x="5636255" y="2236796"/>
+              <a:ext cx="348102" cy="44410"/>
             </a:xfrm>
             <a:prstGeom prst="rect">
               <a:avLst/>
@@ -20688,8 +20688,8 @@
           </p:nvSpPr>
           <p:spPr>
             <a:xfrm>
-              <a:off x="5585063" y="2192386"/>
-              <a:ext cx="245719" cy="44410"/>
+              <a:off x="5636255" y="2192386"/>
+              <a:ext cx="348102" cy="44410"/>
             </a:xfrm>
             <a:prstGeom prst="rect">
               <a:avLst/>
@@ -20723,8 +20723,8 @@
           </p:nvSpPr>
           <p:spPr>
             <a:xfrm>
-              <a:off x="5585063" y="2147975"/>
-              <a:ext cx="245719" cy="44410"/>
+              <a:off x="5636255" y="2147975"/>
+              <a:ext cx="348102" cy="44410"/>
             </a:xfrm>
             <a:prstGeom prst="rect">
               <a:avLst/>
@@ -20758,8 +20758,8 @@
           </p:nvSpPr>
           <p:spPr>
             <a:xfrm>
-              <a:off x="5585063" y="2103564"/>
-              <a:ext cx="245719" cy="44410"/>
+              <a:off x="5636255" y="2103564"/>
+              <a:ext cx="348102" cy="44410"/>
             </a:xfrm>
             <a:prstGeom prst="rect">
               <a:avLst/>
@@ -20793,8 +20793,8 @@
           </p:nvSpPr>
           <p:spPr>
             <a:xfrm>
-              <a:off x="5585063" y="2059153"/>
-              <a:ext cx="245719" cy="44410"/>
+              <a:off x="5636255" y="2059153"/>
+              <a:ext cx="348102" cy="44410"/>
             </a:xfrm>
             <a:prstGeom prst="rect">
               <a:avLst/>
@@ -20828,8 +20828,8 @@
           </p:nvSpPr>
           <p:spPr>
             <a:xfrm>
-              <a:off x="5585063" y="2014742"/>
-              <a:ext cx="245719" cy="44410"/>
+              <a:off x="5636255" y="2014742"/>
+              <a:ext cx="348102" cy="44410"/>
             </a:xfrm>
             <a:prstGeom prst="rect">
               <a:avLst/>
@@ -20863,8 +20863,8 @@
           </p:nvSpPr>
           <p:spPr>
             <a:xfrm>
-              <a:off x="5585063" y="1970331"/>
-              <a:ext cx="245719" cy="44410"/>
+              <a:off x="5636255" y="1970331"/>
+              <a:ext cx="348102" cy="44410"/>
             </a:xfrm>
             <a:prstGeom prst="rect">
               <a:avLst/>
@@ -20898,8 +20898,8 @@
           </p:nvSpPr>
           <p:spPr>
             <a:xfrm>
-              <a:off x="5585063" y="1925920"/>
-              <a:ext cx="245719" cy="44410"/>
+              <a:off x="5636255" y="1925920"/>
+              <a:ext cx="348102" cy="44410"/>
             </a:xfrm>
             <a:prstGeom prst="rect">
               <a:avLst/>
@@ -20933,8 +20933,8 @@
           </p:nvSpPr>
           <p:spPr>
             <a:xfrm>
-              <a:off x="5585063" y="1881509"/>
-              <a:ext cx="245719" cy="44410"/>
+              <a:off x="5636255" y="1881509"/>
+              <a:ext cx="348102" cy="44410"/>
             </a:xfrm>
             <a:prstGeom prst="rect">
               <a:avLst/>
@@ -20968,8 +20968,8 @@
           </p:nvSpPr>
           <p:spPr>
             <a:xfrm>
-              <a:off x="5585063" y="1837098"/>
-              <a:ext cx="245719" cy="44410"/>
+              <a:off x="5636255" y="1837098"/>
+              <a:ext cx="348102" cy="44410"/>
             </a:xfrm>
             <a:prstGeom prst="rect">
               <a:avLst/>
@@ -21003,8 +21003,8 @@
           </p:nvSpPr>
           <p:spPr>
             <a:xfrm>
-              <a:off x="5585063" y="1792688"/>
-              <a:ext cx="245719" cy="44410"/>
+              <a:off x="5636255" y="1792688"/>
+              <a:ext cx="348102" cy="44410"/>
             </a:xfrm>
             <a:prstGeom prst="rect">
               <a:avLst/>
@@ -21038,8 +21038,8 @@
           </p:nvSpPr>
           <p:spPr>
             <a:xfrm>
-              <a:off x="5585063" y="1748277"/>
-              <a:ext cx="245719" cy="44410"/>
+              <a:off x="5636255" y="1748277"/>
+              <a:ext cx="348102" cy="44410"/>
             </a:xfrm>
             <a:prstGeom prst="rect">
               <a:avLst/>
@@ -21073,8 +21073,8 @@
           </p:nvSpPr>
           <p:spPr>
             <a:xfrm>
-              <a:off x="5585063" y="1703866"/>
-              <a:ext cx="245719" cy="44410"/>
+              <a:off x="5636255" y="1703866"/>
+              <a:ext cx="348102" cy="44410"/>
             </a:xfrm>
             <a:prstGeom prst="rect">
               <a:avLst/>
@@ -21108,8 +21108,8 @@
           </p:nvSpPr>
           <p:spPr>
             <a:xfrm>
-              <a:off x="5585063" y="1659455"/>
-              <a:ext cx="245719" cy="44410"/>
+              <a:off x="5636255" y="1659455"/>
+              <a:ext cx="348102" cy="44410"/>
             </a:xfrm>
             <a:prstGeom prst="rect">
               <a:avLst/>
@@ -21143,8 +21143,8 @@
           </p:nvSpPr>
           <p:spPr>
             <a:xfrm>
-              <a:off x="5585063" y="1615044"/>
-              <a:ext cx="245719" cy="44410"/>
+              <a:off x="5636255" y="1615044"/>
+              <a:ext cx="348102" cy="44410"/>
             </a:xfrm>
             <a:prstGeom prst="rect">
               <a:avLst/>
@@ -21178,8 +21178,8 @@
           </p:nvSpPr>
           <p:spPr>
             <a:xfrm>
-              <a:off x="5585063" y="1570633"/>
-              <a:ext cx="245719" cy="44410"/>
+              <a:off x="5636255" y="1570633"/>
+              <a:ext cx="348102" cy="44410"/>
             </a:xfrm>
             <a:prstGeom prst="rect">
               <a:avLst/>
@@ -21213,8 +21213,8 @@
           </p:nvSpPr>
           <p:spPr>
             <a:xfrm>
-              <a:off x="5585063" y="1526222"/>
-              <a:ext cx="245719" cy="44410"/>
+              <a:off x="5636255" y="1526222"/>
+              <a:ext cx="348102" cy="44410"/>
             </a:xfrm>
             <a:prstGeom prst="rect">
               <a:avLst/>
@@ -21248,8 +21248,8 @@
           </p:nvSpPr>
           <p:spPr>
             <a:xfrm>
-              <a:off x="5585063" y="1481811"/>
-              <a:ext cx="245719" cy="44410"/>
+              <a:off x="5636255" y="1481811"/>
+              <a:ext cx="348102" cy="44410"/>
             </a:xfrm>
             <a:prstGeom prst="rect">
               <a:avLst/>
@@ -21283,8 +21283,8 @@
           </p:nvSpPr>
           <p:spPr>
             <a:xfrm>
-              <a:off x="5585063" y="1437400"/>
-              <a:ext cx="245719" cy="44410"/>
+              <a:off x="5636255" y="1437400"/>
+              <a:ext cx="348102" cy="44410"/>
             </a:xfrm>
             <a:prstGeom prst="rect">
               <a:avLst/>
@@ -21318,8 +21318,8 @@
           </p:nvSpPr>
           <p:spPr>
             <a:xfrm>
-              <a:off x="5585063" y="1392990"/>
-              <a:ext cx="245719" cy="44410"/>
+              <a:off x="5636255" y="1392990"/>
+              <a:ext cx="348102" cy="44410"/>
             </a:xfrm>
             <a:prstGeom prst="rect">
               <a:avLst/>
@@ -21353,8 +21353,8 @@
           </p:nvSpPr>
           <p:spPr>
             <a:xfrm>
-              <a:off x="5830783" y="7166405"/>
-              <a:ext cx="245719" cy="44410"/>
+              <a:off x="5984357" y="7166405"/>
+              <a:ext cx="348102" cy="44410"/>
             </a:xfrm>
             <a:prstGeom prst="rect">
               <a:avLst/>
@@ -21388,8 +21388,8 @@
           </p:nvSpPr>
           <p:spPr>
             <a:xfrm>
-              <a:off x="5830783" y="7121994"/>
-              <a:ext cx="245719" cy="44410"/>
+              <a:off x="5984357" y="7121994"/>
+              <a:ext cx="348102" cy="44410"/>
             </a:xfrm>
             <a:prstGeom prst="rect">
               <a:avLst/>
@@ -21423,8 +21423,8 @@
           </p:nvSpPr>
           <p:spPr>
             <a:xfrm>
-              <a:off x="5830783" y="7077583"/>
-              <a:ext cx="245719" cy="44410"/>
+              <a:off x="5984357" y="7077583"/>
+              <a:ext cx="348102" cy="44410"/>
             </a:xfrm>
             <a:prstGeom prst="rect">
               <a:avLst/>
@@ -21458,8 +21458,8 @@
           </p:nvSpPr>
           <p:spPr>
             <a:xfrm>
-              <a:off x="5830783" y="7033172"/>
-              <a:ext cx="245719" cy="44410"/>
+              <a:off x="5984357" y="7033172"/>
+              <a:ext cx="348102" cy="44410"/>
             </a:xfrm>
             <a:prstGeom prst="rect">
               <a:avLst/>
@@ -21493,8 +21493,8 @@
           </p:nvSpPr>
           <p:spPr>
             <a:xfrm>
-              <a:off x="5830783" y="6988761"/>
-              <a:ext cx="245719" cy="44410"/>
+              <a:off x="5984357" y="6988761"/>
+              <a:ext cx="348102" cy="44410"/>
             </a:xfrm>
             <a:prstGeom prst="rect">
               <a:avLst/>
@@ -21528,8 +21528,8 @@
           </p:nvSpPr>
           <p:spPr>
             <a:xfrm>
-              <a:off x="5830783" y="6944351"/>
-              <a:ext cx="245719" cy="44410"/>
+              <a:off x="5984357" y="6944351"/>
+              <a:ext cx="348102" cy="44410"/>
             </a:xfrm>
             <a:prstGeom prst="rect">
               <a:avLst/>
@@ -21563,8 +21563,8 @@
           </p:nvSpPr>
           <p:spPr>
             <a:xfrm>
-              <a:off x="5830783" y="6899940"/>
-              <a:ext cx="245719" cy="44410"/>
+              <a:off x="5984357" y="6899940"/>
+              <a:ext cx="348102" cy="44410"/>
             </a:xfrm>
             <a:prstGeom prst="rect">
               <a:avLst/>
@@ -21598,8 +21598,8 @@
           </p:nvSpPr>
           <p:spPr>
             <a:xfrm>
-              <a:off x="5830783" y="6855529"/>
-              <a:ext cx="245719" cy="44410"/>
+              <a:off x="5984357" y="6855529"/>
+              <a:ext cx="348102" cy="44410"/>
             </a:xfrm>
             <a:prstGeom prst="rect">
               <a:avLst/>
@@ -21633,8 +21633,8 @@
           </p:nvSpPr>
           <p:spPr>
             <a:xfrm>
-              <a:off x="5830783" y="6811118"/>
-              <a:ext cx="245719" cy="44410"/>
+              <a:off x="5984357" y="6811118"/>
+              <a:ext cx="348102" cy="44410"/>
             </a:xfrm>
             <a:prstGeom prst="rect">
               <a:avLst/>
@@ -21668,8 +21668,8 @@
           </p:nvSpPr>
           <p:spPr>
             <a:xfrm>
-              <a:off x="5830783" y="6766707"/>
-              <a:ext cx="245719" cy="44410"/>
+              <a:off x="5984357" y="6766707"/>
+              <a:ext cx="348102" cy="44410"/>
             </a:xfrm>
             <a:prstGeom prst="rect">
               <a:avLst/>
@@ -21703,8 +21703,8 @@
           </p:nvSpPr>
           <p:spPr>
             <a:xfrm>
-              <a:off x="5830783" y="6722296"/>
-              <a:ext cx="245719" cy="44410"/>
+              <a:off x="5984357" y="6722296"/>
+              <a:ext cx="348102" cy="44410"/>
             </a:xfrm>
             <a:prstGeom prst="rect">
               <a:avLst/>
@@ -21738,8 +21738,8 @@
           </p:nvSpPr>
           <p:spPr>
             <a:xfrm>
-              <a:off x="5830783" y="6677885"/>
-              <a:ext cx="245719" cy="44410"/>
+              <a:off x="5984357" y="6677885"/>
+              <a:ext cx="348102" cy="44410"/>
             </a:xfrm>
             <a:prstGeom prst="rect">
               <a:avLst/>
@@ -21773,8 +21773,8 @@
           </p:nvSpPr>
           <p:spPr>
             <a:xfrm>
-              <a:off x="5830783" y="6633474"/>
-              <a:ext cx="245719" cy="44410"/>
+              <a:off x="5984357" y="6633474"/>
+              <a:ext cx="348102" cy="44410"/>
             </a:xfrm>
             <a:prstGeom prst="rect">
               <a:avLst/>
@@ -21808,8 +21808,8 @@
           </p:nvSpPr>
           <p:spPr>
             <a:xfrm>
-              <a:off x="5830783" y="6589063"/>
-              <a:ext cx="245719" cy="44410"/>
+              <a:off x="5984357" y="6589063"/>
+              <a:ext cx="348102" cy="44410"/>
             </a:xfrm>
             <a:prstGeom prst="rect">
               <a:avLst/>
@@ -21843,8 +21843,8 @@
           </p:nvSpPr>
           <p:spPr>
             <a:xfrm>
-              <a:off x="5830783" y="6544653"/>
-              <a:ext cx="245719" cy="44410"/>
+              <a:off x="5984357" y="6544653"/>
+              <a:ext cx="348102" cy="44410"/>
             </a:xfrm>
             <a:prstGeom prst="rect">
               <a:avLst/>
@@ -21878,8 +21878,8 @@
           </p:nvSpPr>
           <p:spPr>
             <a:xfrm>
-              <a:off x="5830783" y="6500242"/>
-              <a:ext cx="245719" cy="44410"/>
+              <a:off x="5984357" y="6500242"/>
+              <a:ext cx="348102" cy="44410"/>
             </a:xfrm>
             <a:prstGeom prst="rect">
               <a:avLst/>
@@ -21913,8 +21913,8 @@
           </p:nvSpPr>
           <p:spPr>
             <a:xfrm>
-              <a:off x="5830783" y="6455831"/>
-              <a:ext cx="245719" cy="44410"/>
+              <a:off x="5984357" y="6455831"/>
+              <a:ext cx="348102" cy="44410"/>
             </a:xfrm>
             <a:prstGeom prst="rect">
               <a:avLst/>
@@ -21948,8 +21948,8 @@
           </p:nvSpPr>
           <p:spPr>
             <a:xfrm>
-              <a:off x="5830783" y="6411420"/>
-              <a:ext cx="245719" cy="44410"/>
+              <a:off x="5984357" y="6411420"/>
+              <a:ext cx="348102" cy="44410"/>
             </a:xfrm>
             <a:prstGeom prst="rect">
               <a:avLst/>
@@ -21983,8 +21983,8 @@
           </p:nvSpPr>
           <p:spPr>
             <a:xfrm>
-              <a:off x="5830783" y="6367009"/>
-              <a:ext cx="245719" cy="44410"/>
+              <a:off x="5984357" y="6367009"/>
+              <a:ext cx="348102" cy="44410"/>
             </a:xfrm>
             <a:prstGeom prst="rect">
               <a:avLst/>
@@ -22018,8 +22018,8 @@
           </p:nvSpPr>
           <p:spPr>
             <a:xfrm>
-              <a:off x="5830783" y="6322598"/>
-              <a:ext cx="245719" cy="44410"/>
+              <a:off x="5984357" y="6322598"/>
+              <a:ext cx="348102" cy="44410"/>
             </a:xfrm>
             <a:prstGeom prst="rect">
               <a:avLst/>
@@ -22053,8 +22053,8 @@
           </p:nvSpPr>
           <p:spPr>
             <a:xfrm>
-              <a:off x="5830783" y="6278187"/>
-              <a:ext cx="245719" cy="44410"/>
+              <a:off x="5984357" y="6278187"/>
+              <a:ext cx="348102" cy="44410"/>
             </a:xfrm>
             <a:prstGeom prst="rect">
               <a:avLst/>
@@ -22088,8 +22088,8 @@
           </p:nvSpPr>
           <p:spPr>
             <a:xfrm>
-              <a:off x="5830783" y="6233776"/>
-              <a:ext cx="245719" cy="44410"/>
+              <a:off x="5984357" y="6233776"/>
+              <a:ext cx="348102" cy="44410"/>
             </a:xfrm>
             <a:prstGeom prst="rect">
               <a:avLst/>
@@ -22123,8 +22123,8 @@
           </p:nvSpPr>
           <p:spPr>
             <a:xfrm>
-              <a:off x="5830783" y="6189366"/>
-              <a:ext cx="245719" cy="44410"/>
+              <a:off x="5984357" y="6189366"/>
+              <a:ext cx="348102" cy="44410"/>
             </a:xfrm>
             <a:prstGeom prst="rect">
               <a:avLst/>
@@ -22158,8 +22158,8 @@
           </p:nvSpPr>
           <p:spPr>
             <a:xfrm>
-              <a:off x="5830783" y="6144955"/>
-              <a:ext cx="245719" cy="44410"/>
+              <a:off x="5984357" y="6144955"/>
+              <a:ext cx="348102" cy="44410"/>
             </a:xfrm>
             <a:prstGeom prst="rect">
               <a:avLst/>
@@ -22193,8 +22193,8 @@
           </p:nvSpPr>
           <p:spPr>
             <a:xfrm>
-              <a:off x="5830783" y="6100544"/>
-              <a:ext cx="245719" cy="44410"/>
+              <a:off x="5984357" y="6100544"/>
+              <a:ext cx="348102" cy="44410"/>
             </a:xfrm>
             <a:prstGeom prst="rect">
               <a:avLst/>
@@ -22228,8 +22228,8 @@
           </p:nvSpPr>
           <p:spPr>
             <a:xfrm>
-              <a:off x="5830783" y="6056133"/>
-              <a:ext cx="245719" cy="44410"/>
+              <a:off x="5984357" y="6056133"/>
+              <a:ext cx="348102" cy="44410"/>
             </a:xfrm>
             <a:prstGeom prst="rect">
               <a:avLst/>
@@ -22263,8 +22263,8 @@
           </p:nvSpPr>
           <p:spPr>
             <a:xfrm>
-              <a:off x="5830783" y="6011722"/>
-              <a:ext cx="245719" cy="44410"/>
+              <a:off x="5984357" y="6011722"/>
+              <a:ext cx="348102" cy="44410"/>
             </a:xfrm>
             <a:prstGeom prst="rect">
               <a:avLst/>
@@ -22298,8 +22298,8 @@
           </p:nvSpPr>
           <p:spPr>
             <a:xfrm>
-              <a:off x="5830783" y="5967311"/>
-              <a:ext cx="245719" cy="44410"/>
+              <a:off x="5984357" y="5967311"/>
+              <a:ext cx="348102" cy="44410"/>
             </a:xfrm>
             <a:prstGeom prst="rect">
               <a:avLst/>
@@ -22333,8 +22333,8 @@
           </p:nvSpPr>
           <p:spPr>
             <a:xfrm>
-              <a:off x="5830783" y="5922900"/>
-              <a:ext cx="245719" cy="44410"/>
+              <a:off x="5984357" y="5922900"/>
+              <a:ext cx="348102" cy="44410"/>
             </a:xfrm>
             <a:prstGeom prst="rect">
               <a:avLst/>
@@ -22368,8 +22368,8 @@
           </p:nvSpPr>
           <p:spPr>
             <a:xfrm>
-              <a:off x="5830783" y="5878489"/>
-              <a:ext cx="245719" cy="44410"/>
+              <a:off x="5984357" y="5878489"/>
+              <a:ext cx="348102" cy="44410"/>
             </a:xfrm>
             <a:prstGeom prst="rect">
               <a:avLst/>
@@ -22403,8 +22403,8 @@
           </p:nvSpPr>
           <p:spPr>
             <a:xfrm>
-              <a:off x="5830783" y="5834078"/>
-              <a:ext cx="245719" cy="44410"/>
+              <a:off x="5984357" y="5834078"/>
+              <a:ext cx="348102" cy="44410"/>
             </a:xfrm>
             <a:prstGeom prst="rect">
               <a:avLst/>
@@ -22438,8 +22438,8 @@
           </p:nvSpPr>
           <p:spPr>
             <a:xfrm>
-              <a:off x="5830783" y="5789668"/>
-              <a:ext cx="245719" cy="44410"/>
+              <a:off x="5984357" y="5789668"/>
+              <a:ext cx="348102" cy="44410"/>
             </a:xfrm>
             <a:prstGeom prst="rect">
               <a:avLst/>
@@ -22473,8 +22473,8 @@
           </p:nvSpPr>
           <p:spPr>
             <a:xfrm>
-              <a:off x="5830783" y="5745257"/>
-              <a:ext cx="245719" cy="44410"/>
+              <a:off x="5984357" y="5745257"/>
+              <a:ext cx="348102" cy="44410"/>
             </a:xfrm>
             <a:prstGeom prst="rect">
               <a:avLst/>
@@ -22508,8 +22508,8 @@
           </p:nvSpPr>
           <p:spPr>
             <a:xfrm>
-              <a:off x="5830783" y="5700846"/>
-              <a:ext cx="245719" cy="44410"/>
+              <a:off x="5984357" y="5700846"/>
+              <a:ext cx="348102" cy="44410"/>
             </a:xfrm>
             <a:prstGeom prst="rect">
               <a:avLst/>
@@ -22543,8 +22543,8 @@
           </p:nvSpPr>
           <p:spPr>
             <a:xfrm>
-              <a:off x="5830783" y="5656435"/>
-              <a:ext cx="245719" cy="44410"/>
+              <a:off x="5984357" y="5656435"/>
+              <a:ext cx="348102" cy="44410"/>
             </a:xfrm>
             <a:prstGeom prst="rect">
               <a:avLst/>
@@ -22578,8 +22578,8 @@
           </p:nvSpPr>
           <p:spPr>
             <a:xfrm>
-              <a:off x="5830783" y="5612024"/>
-              <a:ext cx="245719" cy="44410"/>
+              <a:off x="5984357" y="5612024"/>
+              <a:ext cx="348102" cy="44410"/>
             </a:xfrm>
             <a:prstGeom prst="rect">
               <a:avLst/>
@@ -22613,8 +22613,8 @@
           </p:nvSpPr>
           <p:spPr>
             <a:xfrm>
-              <a:off x="5830783" y="5567613"/>
-              <a:ext cx="245719" cy="44410"/>
+              <a:off x="5984357" y="5567613"/>
+              <a:ext cx="348102" cy="44410"/>
             </a:xfrm>
             <a:prstGeom prst="rect">
               <a:avLst/>
@@ -22648,8 +22648,8 @@
           </p:nvSpPr>
           <p:spPr>
             <a:xfrm>
-              <a:off x="5830783" y="5523202"/>
-              <a:ext cx="245719" cy="44410"/>
+              <a:off x="5984357" y="5523202"/>
+              <a:ext cx="348102" cy="44410"/>
             </a:xfrm>
             <a:prstGeom prst="rect">
               <a:avLst/>
@@ -22683,8 +22683,8 @@
           </p:nvSpPr>
           <p:spPr>
             <a:xfrm>
-              <a:off x="5830783" y="5478791"/>
-              <a:ext cx="245719" cy="44410"/>
+              <a:off x="5984357" y="5478791"/>
+              <a:ext cx="348102" cy="44410"/>
             </a:xfrm>
             <a:prstGeom prst="rect">
               <a:avLst/>
@@ -22718,8 +22718,8 @@
           </p:nvSpPr>
           <p:spPr>
             <a:xfrm>
-              <a:off x="5830783" y="5434380"/>
-              <a:ext cx="245719" cy="44410"/>
+              <a:off x="5984357" y="5434380"/>
+              <a:ext cx="348102" cy="44410"/>
             </a:xfrm>
             <a:prstGeom prst="rect">
               <a:avLst/>
@@ -22753,8 +22753,8 @@
           </p:nvSpPr>
           <p:spPr>
             <a:xfrm>
-              <a:off x="5830783" y="5389970"/>
-              <a:ext cx="245719" cy="44410"/>
+              <a:off x="5984357" y="5389970"/>
+              <a:ext cx="348102" cy="44410"/>
             </a:xfrm>
             <a:prstGeom prst="rect">
               <a:avLst/>
@@ -22788,8 +22788,8 @@
           </p:nvSpPr>
           <p:spPr>
             <a:xfrm>
-              <a:off x="5830783" y="5345559"/>
-              <a:ext cx="245719" cy="44410"/>
+              <a:off x="5984357" y="5345559"/>
+              <a:ext cx="348102" cy="44410"/>
             </a:xfrm>
             <a:prstGeom prst="rect">
               <a:avLst/>
@@ -22823,8 +22823,8 @@
           </p:nvSpPr>
           <p:spPr>
             <a:xfrm>
-              <a:off x="5830783" y="5301148"/>
-              <a:ext cx="245719" cy="44410"/>
+              <a:off x="5984357" y="5301148"/>
+              <a:ext cx="348102" cy="44410"/>
             </a:xfrm>
             <a:prstGeom prst="rect">
               <a:avLst/>
@@ -22858,8 +22858,8 @@
           </p:nvSpPr>
           <p:spPr>
             <a:xfrm>
-              <a:off x="5830783" y="5256737"/>
-              <a:ext cx="245719" cy="44410"/>
+              <a:off x="5984357" y="5256737"/>
+              <a:ext cx="348102" cy="44410"/>
             </a:xfrm>
             <a:prstGeom prst="rect">
               <a:avLst/>
@@ -22893,8 +22893,8 @@
           </p:nvSpPr>
           <p:spPr>
             <a:xfrm>
-              <a:off x="5830783" y="5212326"/>
-              <a:ext cx="245719" cy="44410"/>
+              <a:off x="5984357" y="5212326"/>
+              <a:ext cx="348102" cy="44410"/>
             </a:xfrm>
             <a:prstGeom prst="rect">
               <a:avLst/>
@@ -22928,8 +22928,8 @@
           </p:nvSpPr>
           <p:spPr>
             <a:xfrm>
-              <a:off x="5830783" y="5167915"/>
-              <a:ext cx="245719" cy="44410"/>
+              <a:off x="5984357" y="5167915"/>
+              <a:ext cx="348102" cy="44410"/>
             </a:xfrm>
             <a:prstGeom prst="rect">
               <a:avLst/>
@@ -22963,8 +22963,8 @@
           </p:nvSpPr>
           <p:spPr>
             <a:xfrm>
-              <a:off x="5830783" y="5123504"/>
-              <a:ext cx="245719" cy="44410"/>
+              <a:off x="5984357" y="5123504"/>
+              <a:ext cx="348102" cy="44410"/>
             </a:xfrm>
             <a:prstGeom prst="rect">
               <a:avLst/>
@@ -22998,8 +22998,8 @@
           </p:nvSpPr>
           <p:spPr>
             <a:xfrm>
-              <a:off x="5830783" y="5079093"/>
-              <a:ext cx="245719" cy="44410"/>
+              <a:off x="5984357" y="5079093"/>
+              <a:ext cx="348102" cy="44410"/>
             </a:xfrm>
             <a:prstGeom prst="rect">
               <a:avLst/>
@@ -23033,8 +23033,8 @@
           </p:nvSpPr>
           <p:spPr>
             <a:xfrm>
-              <a:off x="5830783" y="5034682"/>
-              <a:ext cx="245719" cy="44410"/>
+              <a:off x="5984357" y="5034682"/>
+              <a:ext cx="348102" cy="44410"/>
             </a:xfrm>
             <a:prstGeom prst="rect">
               <a:avLst/>
@@ -23068,8 +23068,8 @@
           </p:nvSpPr>
           <p:spPr>
             <a:xfrm>
-              <a:off x="5830783" y="4990272"/>
-              <a:ext cx="245719" cy="44410"/>
+              <a:off x="5984357" y="4990272"/>
+              <a:ext cx="348102" cy="44410"/>
             </a:xfrm>
             <a:prstGeom prst="rect">
               <a:avLst/>
@@ -23103,8 +23103,8 @@
           </p:nvSpPr>
           <p:spPr>
             <a:xfrm>
-              <a:off x="5830783" y="4945861"/>
-              <a:ext cx="245719" cy="44410"/>
+              <a:off x="5984357" y="4945861"/>
+              <a:ext cx="348102" cy="44410"/>
             </a:xfrm>
             <a:prstGeom prst="rect">
               <a:avLst/>
@@ -23138,8 +23138,8 @@
           </p:nvSpPr>
           <p:spPr>
             <a:xfrm>
-              <a:off x="5830783" y="4901450"/>
-              <a:ext cx="245719" cy="44410"/>
+              <a:off x="5984357" y="4901450"/>
+              <a:ext cx="348102" cy="44410"/>
             </a:xfrm>
             <a:prstGeom prst="rect">
               <a:avLst/>
@@ -23173,8 +23173,8 @@
           </p:nvSpPr>
           <p:spPr>
             <a:xfrm>
-              <a:off x="5830783" y="4857039"/>
-              <a:ext cx="245719" cy="44410"/>
+              <a:off x="5984357" y="4857039"/>
+              <a:ext cx="348102" cy="44410"/>
             </a:xfrm>
             <a:prstGeom prst="rect">
               <a:avLst/>
@@ -23208,8 +23208,8 @@
           </p:nvSpPr>
           <p:spPr>
             <a:xfrm>
-              <a:off x="5830783" y="4812628"/>
-              <a:ext cx="245719" cy="44410"/>
+              <a:off x="5984357" y="4812628"/>
+              <a:ext cx="348102" cy="44410"/>
             </a:xfrm>
             <a:prstGeom prst="rect">
               <a:avLst/>
@@ -23243,8 +23243,8 @@
           </p:nvSpPr>
           <p:spPr>
             <a:xfrm>
-              <a:off x="5830783" y="4768217"/>
-              <a:ext cx="245719" cy="44410"/>
+              <a:off x="5984357" y="4768217"/>
+              <a:ext cx="348102" cy="44410"/>
             </a:xfrm>
             <a:prstGeom prst="rect">
               <a:avLst/>
@@ -23278,8 +23278,8 @@
           </p:nvSpPr>
           <p:spPr>
             <a:xfrm>
-              <a:off x="5830783" y="4723806"/>
-              <a:ext cx="245719" cy="44410"/>
+              <a:off x="5984357" y="4723806"/>
+              <a:ext cx="348102" cy="44410"/>
             </a:xfrm>
             <a:prstGeom prst="rect">
               <a:avLst/>
@@ -23313,8 +23313,8 @@
           </p:nvSpPr>
           <p:spPr>
             <a:xfrm>
-              <a:off x="5830783" y="4679395"/>
-              <a:ext cx="245719" cy="44410"/>
+              <a:off x="5984357" y="4679395"/>
+              <a:ext cx="348102" cy="44410"/>
             </a:xfrm>
             <a:prstGeom prst="rect">
               <a:avLst/>
@@ -23348,8 +23348,8 @@
           </p:nvSpPr>
           <p:spPr>
             <a:xfrm>
-              <a:off x="5830783" y="4634984"/>
-              <a:ext cx="245719" cy="44410"/>
+              <a:off x="5984357" y="4634984"/>
+              <a:ext cx="348102" cy="44410"/>
             </a:xfrm>
             <a:prstGeom prst="rect">
               <a:avLst/>
@@ -23383,8 +23383,8 @@
           </p:nvSpPr>
           <p:spPr>
             <a:xfrm>
-              <a:off x="5830783" y="4590574"/>
-              <a:ext cx="245719" cy="44410"/>
+              <a:off x="5984357" y="4590574"/>
+              <a:ext cx="348102" cy="44410"/>
             </a:xfrm>
             <a:prstGeom prst="rect">
               <a:avLst/>
@@ -23418,8 +23418,8 @@
           </p:nvSpPr>
           <p:spPr>
             <a:xfrm>
-              <a:off x="5830783" y="4546163"/>
-              <a:ext cx="245719" cy="44410"/>
+              <a:off x="5984357" y="4546163"/>
+              <a:ext cx="348102" cy="44410"/>
             </a:xfrm>
             <a:prstGeom prst="rect">
               <a:avLst/>
@@ -23453,8 +23453,8 @@
           </p:nvSpPr>
           <p:spPr>
             <a:xfrm>
-              <a:off x="5830783" y="4501752"/>
-              <a:ext cx="245719" cy="44410"/>
+              <a:off x="5984357" y="4501752"/>
+              <a:ext cx="348102" cy="44410"/>
             </a:xfrm>
             <a:prstGeom prst="rect">
               <a:avLst/>
@@ -23488,8 +23488,8 @@
           </p:nvSpPr>
           <p:spPr>
             <a:xfrm>
-              <a:off x="5830783" y="4457341"/>
-              <a:ext cx="245719" cy="44410"/>
+              <a:off x="5984357" y="4457341"/>
+              <a:ext cx="348102" cy="44410"/>
             </a:xfrm>
             <a:prstGeom prst="rect">
               <a:avLst/>
@@ -23523,8 +23523,8 @@
           </p:nvSpPr>
           <p:spPr>
             <a:xfrm>
-              <a:off x="5830783" y="4412930"/>
-              <a:ext cx="245719" cy="44410"/>
+              <a:off x="5984357" y="4412930"/>
+              <a:ext cx="348102" cy="44410"/>
             </a:xfrm>
             <a:prstGeom prst="rect">
               <a:avLst/>
@@ -23558,8 +23558,8 @@
           </p:nvSpPr>
           <p:spPr>
             <a:xfrm>
-              <a:off x="5830783" y="4368519"/>
-              <a:ext cx="245719" cy="44410"/>
+              <a:off x="5984357" y="4368519"/>
+              <a:ext cx="348102" cy="44410"/>
             </a:xfrm>
             <a:prstGeom prst="rect">
               <a:avLst/>
@@ -23593,8 +23593,8 @@
           </p:nvSpPr>
           <p:spPr>
             <a:xfrm>
-              <a:off x="5830783" y="4324108"/>
-              <a:ext cx="245719" cy="44410"/>
+              <a:off x="5984357" y="4324108"/>
+              <a:ext cx="348102" cy="44410"/>
             </a:xfrm>
             <a:prstGeom prst="rect">
               <a:avLst/>
@@ -23628,8 +23628,8 @@
           </p:nvSpPr>
           <p:spPr>
             <a:xfrm>
-              <a:off x="5830783" y="4279697"/>
-              <a:ext cx="245719" cy="44410"/>
+              <a:off x="5984357" y="4279697"/>
+              <a:ext cx="348102" cy="44410"/>
             </a:xfrm>
             <a:prstGeom prst="rect">
               <a:avLst/>
@@ -23663,8 +23663,8 @@
           </p:nvSpPr>
           <p:spPr>
             <a:xfrm>
-              <a:off x="5830783" y="4235286"/>
-              <a:ext cx="245719" cy="44410"/>
+              <a:off x="5984357" y="4235286"/>
+              <a:ext cx="348102" cy="44410"/>
             </a:xfrm>
             <a:prstGeom prst="rect">
               <a:avLst/>
@@ -23698,8 +23698,8 @@
           </p:nvSpPr>
           <p:spPr>
             <a:xfrm>
-              <a:off x="5830783" y="4190876"/>
-              <a:ext cx="245719" cy="44410"/>
+              <a:off x="5984357" y="4190876"/>
+              <a:ext cx="348102" cy="44410"/>
             </a:xfrm>
             <a:prstGeom prst="rect">
               <a:avLst/>
@@ -23733,8 +23733,8 @@
           </p:nvSpPr>
           <p:spPr>
             <a:xfrm>
-              <a:off x="5830783" y="4146465"/>
-              <a:ext cx="245719" cy="44410"/>
+              <a:off x="5984357" y="4146465"/>
+              <a:ext cx="348102" cy="44410"/>
             </a:xfrm>
             <a:prstGeom prst="rect">
               <a:avLst/>
@@ -23768,8 +23768,8 @@
           </p:nvSpPr>
           <p:spPr>
             <a:xfrm>
-              <a:off x="5830783" y="4102054"/>
-              <a:ext cx="245719" cy="44410"/>
+              <a:off x="5984357" y="4102054"/>
+              <a:ext cx="348102" cy="44410"/>
             </a:xfrm>
             <a:prstGeom prst="rect">
               <a:avLst/>
@@ -23803,8 +23803,8 @@
           </p:nvSpPr>
           <p:spPr>
             <a:xfrm>
-              <a:off x="5830783" y="4057643"/>
-              <a:ext cx="245719" cy="44410"/>
+              <a:off x="5984357" y="4057643"/>
+              <a:ext cx="348102" cy="44410"/>
             </a:xfrm>
             <a:prstGeom prst="rect">
               <a:avLst/>
@@ -23838,8 +23838,8 @@
           </p:nvSpPr>
           <p:spPr>
             <a:xfrm>
-              <a:off x="5830783" y="4013232"/>
-              <a:ext cx="245719" cy="44410"/>
+              <a:off x="5984357" y="4013232"/>
+              <a:ext cx="348102" cy="44410"/>
             </a:xfrm>
             <a:prstGeom prst="rect">
               <a:avLst/>
@@ -23873,8 +23873,8 @@
           </p:nvSpPr>
           <p:spPr>
             <a:xfrm>
-              <a:off x="5830783" y="3968821"/>
-              <a:ext cx="245719" cy="44410"/>
+              <a:off x="5984357" y="3968821"/>
+              <a:ext cx="348102" cy="44410"/>
             </a:xfrm>
             <a:prstGeom prst="rect">
               <a:avLst/>
@@ -23908,8 +23908,8 @@
           </p:nvSpPr>
           <p:spPr>
             <a:xfrm>
-              <a:off x="5830783" y="3924410"/>
-              <a:ext cx="245719" cy="44410"/>
+              <a:off x="5984357" y="3924410"/>
+              <a:ext cx="348102" cy="44410"/>
             </a:xfrm>
             <a:prstGeom prst="rect">
               <a:avLst/>
@@ -23943,8 +23943,8 @@
           </p:nvSpPr>
           <p:spPr>
             <a:xfrm>
-              <a:off x="5830783" y="3879999"/>
-              <a:ext cx="245719" cy="44410"/>
+              <a:off x="5984357" y="3879999"/>
+              <a:ext cx="348102" cy="44410"/>
             </a:xfrm>
             <a:prstGeom prst="rect">
               <a:avLst/>
@@ -23978,8 +23978,8 @@
           </p:nvSpPr>
           <p:spPr>
             <a:xfrm>
-              <a:off x="5830783" y="3835588"/>
-              <a:ext cx="245719" cy="44410"/>
+              <a:off x="5984357" y="3835588"/>
+              <a:ext cx="348102" cy="44410"/>
             </a:xfrm>
             <a:prstGeom prst="rect">
               <a:avLst/>
@@ -24013,8 +24013,8 @@
           </p:nvSpPr>
           <p:spPr>
             <a:xfrm>
-              <a:off x="5830783" y="3791178"/>
-              <a:ext cx="245719" cy="44410"/>
+              <a:off x="5984357" y="3791178"/>
+              <a:ext cx="348102" cy="44410"/>
             </a:xfrm>
             <a:prstGeom prst="rect">
               <a:avLst/>
@@ -24048,8 +24048,8 @@
           </p:nvSpPr>
           <p:spPr>
             <a:xfrm>
-              <a:off x="5830783" y="3746767"/>
-              <a:ext cx="245719" cy="44410"/>
+              <a:off x="5984357" y="3746767"/>
+              <a:ext cx="348102" cy="44410"/>
             </a:xfrm>
             <a:prstGeom prst="rect">
               <a:avLst/>
@@ -24083,8 +24083,8 @@
           </p:nvSpPr>
           <p:spPr>
             <a:xfrm>
-              <a:off x="5830783" y="3702356"/>
-              <a:ext cx="245719" cy="44410"/>
+              <a:off x="5984357" y="3702356"/>
+              <a:ext cx="348102" cy="44410"/>
             </a:xfrm>
             <a:prstGeom prst="rect">
               <a:avLst/>
@@ -24118,8 +24118,8 @@
           </p:nvSpPr>
           <p:spPr>
             <a:xfrm>
-              <a:off x="5830783" y="3657945"/>
-              <a:ext cx="245719" cy="44410"/>
+              <a:off x="5984357" y="3657945"/>
+              <a:ext cx="348102" cy="44410"/>
             </a:xfrm>
             <a:prstGeom prst="rect">
               <a:avLst/>
@@ -24153,8 +24153,8 @@
           </p:nvSpPr>
           <p:spPr>
             <a:xfrm>
-              <a:off x="5830783" y="3613534"/>
-              <a:ext cx="245719" cy="44410"/>
+              <a:off x="5984357" y="3613534"/>
+              <a:ext cx="348102" cy="44410"/>
             </a:xfrm>
             <a:prstGeom prst="rect">
               <a:avLst/>
@@ -24188,8 +24188,8 @@
           </p:nvSpPr>
           <p:spPr>
             <a:xfrm>
-              <a:off x="5830783" y="3569123"/>
-              <a:ext cx="245719" cy="44410"/>
+              <a:off x="5984357" y="3569123"/>
+              <a:ext cx="348102" cy="44410"/>
             </a:xfrm>
             <a:prstGeom prst="rect">
               <a:avLst/>
@@ -24223,8 +24223,8 @@
           </p:nvSpPr>
           <p:spPr>
             <a:xfrm>
-              <a:off x="5830783" y="3524712"/>
-              <a:ext cx="245719" cy="44410"/>
+              <a:off x="5984357" y="3524712"/>
+              <a:ext cx="348102" cy="44410"/>
             </a:xfrm>
             <a:prstGeom prst="rect">
               <a:avLst/>
@@ -24258,8 +24258,8 @@
           </p:nvSpPr>
           <p:spPr>
             <a:xfrm>
-              <a:off x="5830783" y="3480301"/>
-              <a:ext cx="245719" cy="44410"/>
+              <a:off x="5984357" y="3480301"/>
+              <a:ext cx="348102" cy="44410"/>
             </a:xfrm>
             <a:prstGeom prst="rect">
               <a:avLst/>
@@ -24293,8 +24293,8 @@
           </p:nvSpPr>
           <p:spPr>
             <a:xfrm>
-              <a:off x="5830783" y="3435890"/>
-              <a:ext cx="245719" cy="44410"/>
+              <a:off x="5984357" y="3435890"/>
+              <a:ext cx="348102" cy="44410"/>
             </a:xfrm>
             <a:prstGeom prst="rect">
               <a:avLst/>
@@ -24328,8 +24328,8 @@
           </p:nvSpPr>
           <p:spPr>
             <a:xfrm>
-              <a:off x="5830783" y="3391480"/>
-              <a:ext cx="245719" cy="44410"/>
+              <a:off x="5984357" y="3391480"/>
+              <a:ext cx="348102" cy="44410"/>
             </a:xfrm>
             <a:prstGeom prst="rect">
               <a:avLst/>
@@ -24363,8 +24363,8 @@
           </p:nvSpPr>
           <p:spPr>
             <a:xfrm>
-              <a:off x="5830783" y="3347069"/>
-              <a:ext cx="245719" cy="44410"/>
+              <a:off x="5984357" y="3347069"/>
+              <a:ext cx="348102" cy="44410"/>
             </a:xfrm>
             <a:prstGeom prst="rect">
               <a:avLst/>
@@ -24398,8 +24398,8 @@
           </p:nvSpPr>
           <p:spPr>
             <a:xfrm>
-              <a:off x="5830783" y="3302658"/>
-              <a:ext cx="245719" cy="44410"/>
+              <a:off x="5984357" y="3302658"/>
+              <a:ext cx="348102" cy="44410"/>
             </a:xfrm>
             <a:prstGeom prst="rect">
               <a:avLst/>
@@ -24433,8 +24433,8 @@
           </p:nvSpPr>
           <p:spPr>
             <a:xfrm>
-              <a:off x="5830783" y="3258247"/>
-              <a:ext cx="245719" cy="44410"/>
+              <a:off x="5984357" y="3258247"/>
+              <a:ext cx="348102" cy="44410"/>
             </a:xfrm>
             <a:prstGeom prst="rect">
               <a:avLst/>
@@ -24468,8 +24468,8 @@
           </p:nvSpPr>
           <p:spPr>
             <a:xfrm>
-              <a:off x="5830783" y="3213836"/>
-              <a:ext cx="245719" cy="44410"/>
+              <a:off x="5984357" y="3213836"/>
+              <a:ext cx="348102" cy="44410"/>
             </a:xfrm>
             <a:prstGeom prst="rect">
               <a:avLst/>
@@ -24503,8 +24503,8 @@
           </p:nvSpPr>
           <p:spPr>
             <a:xfrm>
-              <a:off x="5830783" y="3169425"/>
-              <a:ext cx="245719" cy="44410"/>
+              <a:off x="5984357" y="3169425"/>
+              <a:ext cx="348102" cy="44410"/>
             </a:xfrm>
             <a:prstGeom prst="rect">
               <a:avLst/>
@@ -24538,8 +24538,8 @@
           </p:nvSpPr>
           <p:spPr>
             <a:xfrm>
-              <a:off x="5830783" y="3125014"/>
-              <a:ext cx="245719" cy="44410"/>
+              <a:off x="5984357" y="3125014"/>
+              <a:ext cx="348102" cy="44410"/>
             </a:xfrm>
             <a:prstGeom prst="rect">
               <a:avLst/>
@@ -24573,8 +24573,8 @@
           </p:nvSpPr>
           <p:spPr>
             <a:xfrm>
-              <a:off x="5830783" y="3080603"/>
-              <a:ext cx="245719" cy="44410"/>
+              <a:off x="5984357" y="3080603"/>
+              <a:ext cx="348102" cy="44410"/>
             </a:xfrm>
             <a:prstGeom prst="rect">
               <a:avLst/>
@@ -24608,8 +24608,8 @@
           </p:nvSpPr>
           <p:spPr>
             <a:xfrm>
-              <a:off x="5830783" y="3036192"/>
-              <a:ext cx="245719" cy="44410"/>
+              <a:off x="5984357" y="3036192"/>
+              <a:ext cx="348102" cy="44410"/>
             </a:xfrm>
             <a:prstGeom prst="rect">
               <a:avLst/>
@@ -24643,8 +24643,8 @@
           </p:nvSpPr>
           <p:spPr>
             <a:xfrm>
-              <a:off x="5830783" y="2991782"/>
-              <a:ext cx="245719" cy="44410"/>
+              <a:off x="5984357" y="2991782"/>
+              <a:ext cx="348102" cy="44410"/>
             </a:xfrm>
             <a:prstGeom prst="rect">
               <a:avLst/>
@@ -24678,8 +24678,8 @@
           </p:nvSpPr>
           <p:spPr>
             <a:xfrm>
-              <a:off x="5830783" y="2947371"/>
-              <a:ext cx="245719" cy="44410"/>
+              <a:off x="5984357" y="2947371"/>
+              <a:ext cx="348102" cy="44410"/>
             </a:xfrm>
             <a:prstGeom prst="rect">
               <a:avLst/>
@@ -24713,8 +24713,8 @@
           </p:nvSpPr>
           <p:spPr>
             <a:xfrm>
-              <a:off x="5830783" y="2902960"/>
-              <a:ext cx="245719" cy="44410"/>
+              <a:off x="5984357" y="2902960"/>
+              <a:ext cx="348102" cy="44410"/>
             </a:xfrm>
             <a:prstGeom prst="rect">
               <a:avLst/>
@@ -24748,8 +24748,8 @@
           </p:nvSpPr>
           <p:spPr>
             <a:xfrm>
-              <a:off x="5830783" y="2858549"/>
-              <a:ext cx="245719" cy="44410"/>
+              <a:off x="5984357" y="2858549"/>
+              <a:ext cx="348102" cy="44410"/>
             </a:xfrm>
             <a:prstGeom prst="rect">
               <a:avLst/>
@@ -24783,8 +24783,8 @@
           </p:nvSpPr>
           <p:spPr>
             <a:xfrm>
-              <a:off x="5830783" y="2814138"/>
-              <a:ext cx="245719" cy="44410"/>
+              <a:off x="5984357" y="2814138"/>
+              <a:ext cx="348102" cy="44410"/>
             </a:xfrm>
             <a:prstGeom prst="rect">
               <a:avLst/>
@@ -24818,8 +24818,8 @@
           </p:nvSpPr>
           <p:spPr>
             <a:xfrm>
-              <a:off x="5830783" y="2769727"/>
-              <a:ext cx="245719" cy="44410"/>
+              <a:off x="5984357" y="2769727"/>
+              <a:ext cx="348102" cy="44410"/>
             </a:xfrm>
             <a:prstGeom prst="rect">
               <a:avLst/>
@@ -24853,8 +24853,8 @@
           </p:nvSpPr>
           <p:spPr>
             <a:xfrm>
-              <a:off x="5830783" y="2725316"/>
-              <a:ext cx="245719" cy="44410"/>
+              <a:off x="5984357" y="2725316"/>
+              <a:ext cx="348102" cy="44410"/>
             </a:xfrm>
             <a:prstGeom prst="rect">
               <a:avLst/>
@@ -24888,8 +24888,8 @@
           </p:nvSpPr>
           <p:spPr>
             <a:xfrm>
-              <a:off x="5830783" y="2680905"/>
-              <a:ext cx="245719" cy="44410"/>
+              <a:off x="5984357" y="2680905"/>
+              <a:ext cx="348102" cy="44410"/>
             </a:xfrm>
             <a:prstGeom prst="rect">
               <a:avLst/>
@@ -24923,8 +24923,8 @@
           </p:nvSpPr>
           <p:spPr>
             <a:xfrm>
-              <a:off x="5830783" y="2636494"/>
-              <a:ext cx="245719" cy="44410"/>
+              <a:off x="5984357" y="2636494"/>
+              <a:ext cx="348102" cy="44410"/>
             </a:xfrm>
             <a:prstGeom prst="rect">
               <a:avLst/>
@@ -24958,8 +24958,8 @@
           </p:nvSpPr>
           <p:spPr>
             <a:xfrm>
-              <a:off x="5830783" y="2592084"/>
-              <a:ext cx="245719" cy="44410"/>
+              <a:off x="5984357" y="2592084"/>
+              <a:ext cx="348102" cy="44410"/>
             </a:xfrm>
             <a:prstGeom prst="rect">
               <a:avLst/>
@@ -24993,8 +24993,8 @@
           </p:nvSpPr>
           <p:spPr>
             <a:xfrm>
-              <a:off x="5830783" y="2547673"/>
-              <a:ext cx="245719" cy="44410"/>
+              <a:off x="5984357" y="2547673"/>
+              <a:ext cx="348102" cy="44410"/>
             </a:xfrm>
             <a:prstGeom prst="rect">
               <a:avLst/>
@@ -25028,8 +25028,8 @@
           </p:nvSpPr>
           <p:spPr>
             <a:xfrm>
-              <a:off x="5830783" y="2503262"/>
-              <a:ext cx="245719" cy="44410"/>
+              <a:off x="5984357" y="2503262"/>
+              <a:ext cx="348102" cy="44410"/>
             </a:xfrm>
             <a:prstGeom prst="rect">
               <a:avLst/>
@@ -25063,8 +25063,8 @@
           </p:nvSpPr>
           <p:spPr>
             <a:xfrm>
-              <a:off x="5830783" y="2458851"/>
-              <a:ext cx="245719" cy="44410"/>
+              <a:off x="5984357" y="2458851"/>
+              <a:ext cx="348102" cy="44410"/>
             </a:xfrm>
             <a:prstGeom prst="rect">
               <a:avLst/>
@@ -25098,8 +25098,8 @@
           </p:nvSpPr>
           <p:spPr>
             <a:xfrm>
-              <a:off x="5830783" y="2414440"/>
-              <a:ext cx="245719" cy="44410"/>
+              <a:off x="5984357" y="2414440"/>
+              <a:ext cx="348102" cy="44410"/>
             </a:xfrm>
             <a:prstGeom prst="rect">
               <a:avLst/>
@@ -25133,8 +25133,8 @@
           </p:nvSpPr>
           <p:spPr>
             <a:xfrm>
-              <a:off x="5830783" y="2370029"/>
-              <a:ext cx="245719" cy="44410"/>
+              <a:off x="5984357" y="2370029"/>
+              <a:ext cx="348102" cy="44410"/>
             </a:xfrm>
             <a:prstGeom prst="rect">
               <a:avLst/>
@@ -25168,8 +25168,8 @@
           </p:nvSpPr>
           <p:spPr>
             <a:xfrm>
-              <a:off x="5830783" y="2325618"/>
-              <a:ext cx="245719" cy="44410"/>
+              <a:off x="5984357" y="2325618"/>
+              <a:ext cx="348102" cy="44410"/>
             </a:xfrm>
             <a:prstGeom prst="rect">
               <a:avLst/>
@@ -25203,8 +25203,8 @@
           </p:nvSpPr>
           <p:spPr>
             <a:xfrm>
-              <a:off x="5830783" y="2281207"/>
-              <a:ext cx="245719" cy="44410"/>
+              <a:off x="5984357" y="2281207"/>
+              <a:ext cx="348102" cy="44410"/>
             </a:xfrm>
             <a:prstGeom prst="rect">
               <a:avLst/>
@@ -25238,8 +25238,8 @@
           </p:nvSpPr>
           <p:spPr>
             <a:xfrm>
-              <a:off x="5830783" y="2236796"/>
-              <a:ext cx="245719" cy="44410"/>
+              <a:off x="5984357" y="2236796"/>
+              <a:ext cx="348102" cy="44410"/>
             </a:xfrm>
             <a:prstGeom prst="rect">
               <a:avLst/>
@@ -25273,8 +25273,8 @@
           </p:nvSpPr>
           <p:spPr>
             <a:xfrm>
-              <a:off x="5830783" y="2192386"/>
-              <a:ext cx="245719" cy="44410"/>
+              <a:off x="5984357" y="2192386"/>
+              <a:ext cx="348102" cy="44410"/>
             </a:xfrm>
             <a:prstGeom prst="rect">
               <a:avLst/>
@@ -25308,8 +25308,8 @@
           </p:nvSpPr>
           <p:spPr>
             <a:xfrm>
-              <a:off x="5830783" y="2147975"/>
-              <a:ext cx="245719" cy="44410"/>
+              <a:off x="5984357" y="2147975"/>
+              <a:ext cx="348102" cy="44410"/>
             </a:xfrm>
             <a:prstGeom prst="rect">
               <a:avLst/>
@@ -25343,8 +25343,8 @@
           </p:nvSpPr>
           <p:spPr>
             <a:xfrm>
-              <a:off x="5830783" y="2103564"/>
-              <a:ext cx="245719" cy="44410"/>
+              <a:off x="5984357" y="2103564"/>
+              <a:ext cx="348102" cy="44410"/>
             </a:xfrm>
             <a:prstGeom prst="rect">
               <a:avLst/>
@@ -25378,8 +25378,8 @@
           </p:nvSpPr>
           <p:spPr>
             <a:xfrm>
-              <a:off x="5830783" y="2059153"/>
-              <a:ext cx="245719" cy="44410"/>
+              <a:off x="5984357" y="2059153"/>
+              <a:ext cx="348102" cy="44410"/>
             </a:xfrm>
             <a:prstGeom prst="rect">
               <a:avLst/>
@@ -25413,8 +25413,8 @@
           </p:nvSpPr>
           <p:spPr>
             <a:xfrm>
-              <a:off x="5830783" y="2014742"/>
-              <a:ext cx="245719" cy="44410"/>
+              <a:off x="5984357" y="2014742"/>
+              <a:ext cx="348102" cy="44410"/>
             </a:xfrm>
             <a:prstGeom prst="rect">
               <a:avLst/>
@@ -25448,8 +25448,8 @@
           </p:nvSpPr>
           <p:spPr>
             <a:xfrm>
-              <a:off x="5830783" y="1970331"/>
-              <a:ext cx="245719" cy="44410"/>
+              <a:off x="5984357" y="1970331"/>
+              <a:ext cx="348102" cy="44410"/>
             </a:xfrm>
             <a:prstGeom prst="rect">
               <a:avLst/>
@@ -25483,8 +25483,8 @@
           </p:nvSpPr>
           <p:spPr>
             <a:xfrm>
-              <a:off x="5830783" y="1925920"/>
-              <a:ext cx="245719" cy="44410"/>
+              <a:off x="5984357" y="1925920"/>
+              <a:ext cx="348102" cy="44410"/>
             </a:xfrm>
             <a:prstGeom prst="rect">
               <a:avLst/>
@@ -25518,8 +25518,8 @@
           </p:nvSpPr>
           <p:spPr>
             <a:xfrm>
-              <a:off x="5830783" y="1881509"/>
-              <a:ext cx="245719" cy="44410"/>
+              <a:off x="5984357" y="1881509"/>
+              <a:ext cx="348102" cy="44410"/>
             </a:xfrm>
             <a:prstGeom prst="rect">
               <a:avLst/>
@@ -25553,8 +25553,8 @@
           </p:nvSpPr>
           <p:spPr>
             <a:xfrm>
-              <a:off x="5830783" y="1837098"/>
-              <a:ext cx="245719" cy="44410"/>
+              <a:off x="5984357" y="1837098"/>
+              <a:ext cx="348102" cy="44410"/>
             </a:xfrm>
             <a:prstGeom prst="rect">
               <a:avLst/>
@@ -25588,8 +25588,8 @@
           </p:nvSpPr>
           <p:spPr>
             <a:xfrm>
-              <a:off x="5830783" y="1792688"/>
-              <a:ext cx="245719" cy="44410"/>
+              <a:off x="5984357" y="1792688"/>
+              <a:ext cx="348102" cy="44410"/>
             </a:xfrm>
             <a:prstGeom prst="rect">
               <a:avLst/>
@@ -25623,8 +25623,8 @@
           </p:nvSpPr>
           <p:spPr>
             <a:xfrm>
-              <a:off x="5830783" y="1748277"/>
-              <a:ext cx="245719" cy="44410"/>
+              <a:off x="5984357" y="1748277"/>
+              <a:ext cx="348102" cy="44410"/>
             </a:xfrm>
             <a:prstGeom prst="rect">
               <a:avLst/>
@@ -25658,8 +25658,8 @@
           </p:nvSpPr>
           <p:spPr>
             <a:xfrm>
-              <a:off x="5830783" y="1703866"/>
-              <a:ext cx="245719" cy="44410"/>
+              <a:off x="5984357" y="1703866"/>
+              <a:ext cx="348102" cy="44410"/>
             </a:xfrm>
             <a:prstGeom prst="rect">
               <a:avLst/>
@@ -25693,8 +25693,8 @@
           </p:nvSpPr>
           <p:spPr>
             <a:xfrm>
-              <a:off x="5830783" y="1659455"/>
-              <a:ext cx="245719" cy="44410"/>
+              <a:off x="5984357" y="1659455"/>
+              <a:ext cx="348102" cy="44410"/>
             </a:xfrm>
             <a:prstGeom prst="rect">
               <a:avLst/>
@@ -25728,8 +25728,8 @@
           </p:nvSpPr>
           <p:spPr>
             <a:xfrm>
-              <a:off x="5830783" y="1615044"/>
-              <a:ext cx="245719" cy="44410"/>
+              <a:off x="5984357" y="1615044"/>
+              <a:ext cx="348102" cy="44410"/>
             </a:xfrm>
             <a:prstGeom prst="rect">
               <a:avLst/>
@@ -25763,8 +25763,8 @@
           </p:nvSpPr>
           <p:spPr>
             <a:xfrm>
-              <a:off x="5830783" y="1570633"/>
-              <a:ext cx="245719" cy="44410"/>
+              <a:off x="5984357" y="1570633"/>
+              <a:ext cx="348102" cy="44410"/>
             </a:xfrm>
             <a:prstGeom prst="rect">
               <a:avLst/>
@@ -25798,8 +25798,8 @@
           </p:nvSpPr>
           <p:spPr>
             <a:xfrm>
-              <a:off x="5830783" y="1526222"/>
-              <a:ext cx="245719" cy="44410"/>
+              <a:off x="5984357" y="1526222"/>
+              <a:ext cx="348102" cy="44410"/>
             </a:xfrm>
             <a:prstGeom prst="rect">
               <a:avLst/>
@@ -25833,8 +25833,8 @@
           </p:nvSpPr>
           <p:spPr>
             <a:xfrm>
-              <a:off x="5830783" y="1481811"/>
-              <a:ext cx="245719" cy="44410"/>
+              <a:off x="5984357" y="1481811"/>
+              <a:ext cx="348102" cy="44410"/>
             </a:xfrm>
             <a:prstGeom prst="rect">
               <a:avLst/>
@@ -25868,8 +25868,8 @@
           </p:nvSpPr>
           <p:spPr>
             <a:xfrm>
-              <a:off x="5830783" y="1437400"/>
-              <a:ext cx="245719" cy="44410"/>
+              <a:off x="5984357" y="1437400"/>
+              <a:ext cx="348102" cy="44410"/>
             </a:xfrm>
             <a:prstGeom prst="rect">
               <a:avLst/>
@@ -25903,8 +25903,8 @@
           </p:nvSpPr>
           <p:spPr>
             <a:xfrm>
-              <a:off x="5830783" y="1392990"/>
-              <a:ext cx="245719" cy="44410"/>
+              <a:off x="5984357" y="1392990"/>
+              <a:ext cx="348102" cy="44410"/>
             </a:xfrm>
             <a:prstGeom prst="rect">
               <a:avLst/>
@@ -25938,8 +25938,8 @@
           </p:nvSpPr>
           <p:spPr>
             <a:xfrm>
-              <a:off x="6076502" y="7166405"/>
-              <a:ext cx="245719" cy="44410"/>
+              <a:off x="6332459" y="7166405"/>
+              <a:ext cx="348102" cy="44410"/>
             </a:xfrm>
             <a:prstGeom prst="rect">
               <a:avLst/>
@@ -25973,8 +25973,8 @@
           </p:nvSpPr>
           <p:spPr>
             <a:xfrm>
-              <a:off x="6076502" y="7121994"/>
-              <a:ext cx="245719" cy="44410"/>
+              <a:off x="6332459" y="7121994"/>
+              <a:ext cx="348102" cy="44410"/>
             </a:xfrm>
             <a:prstGeom prst="rect">
               <a:avLst/>
@@ -26008,8 +26008,8 @@
           </p:nvSpPr>
           <p:spPr>
             <a:xfrm>
-              <a:off x="6076502" y="7077583"/>
-              <a:ext cx="245719" cy="44410"/>
+              <a:off x="6332459" y="7077583"/>
+              <a:ext cx="348102" cy="44410"/>
             </a:xfrm>
             <a:prstGeom prst="rect">
               <a:avLst/>
@@ -26043,8 +26043,8 @@
           </p:nvSpPr>
           <p:spPr>
             <a:xfrm>
-              <a:off x="6076502" y="7033172"/>
-              <a:ext cx="245719" cy="44410"/>
+              <a:off x="6332459" y="7033172"/>
+              <a:ext cx="348102" cy="44410"/>
             </a:xfrm>
             <a:prstGeom prst="rect">
               <a:avLst/>
@@ -26078,8 +26078,8 @@
           </p:nvSpPr>
           <p:spPr>
             <a:xfrm>
-              <a:off x="6076502" y="6988761"/>
-              <a:ext cx="245719" cy="44410"/>
+              <a:off x="6332459" y="6988761"/>
+              <a:ext cx="348102" cy="44410"/>
             </a:xfrm>
             <a:prstGeom prst="rect">
               <a:avLst/>
@@ -26113,8 +26113,8 @@
           </p:nvSpPr>
           <p:spPr>
             <a:xfrm>
-              <a:off x="6076502" y="6944351"/>
-              <a:ext cx="245719" cy="44410"/>
+              <a:off x="6332459" y="6944351"/>
+              <a:ext cx="348102" cy="44410"/>
             </a:xfrm>
             <a:prstGeom prst="rect">
               <a:avLst/>
@@ -26148,8 +26148,8 @@
           </p:nvSpPr>
           <p:spPr>
             <a:xfrm>
-              <a:off x="6076502" y="6899940"/>
-              <a:ext cx="245719" cy="44410"/>
+              <a:off x="6332459" y="6899940"/>
+              <a:ext cx="348102" cy="44410"/>
             </a:xfrm>
             <a:prstGeom prst="rect">
               <a:avLst/>
@@ -26183,8 +26183,8 @@
           </p:nvSpPr>
           <p:spPr>
             <a:xfrm>
-              <a:off x="6076502" y="6855529"/>
-              <a:ext cx="245719" cy="44410"/>
+              <a:off x="6332459" y="6855529"/>
+              <a:ext cx="348102" cy="44410"/>
             </a:xfrm>
             <a:prstGeom prst="rect">
               <a:avLst/>
@@ -26218,8 +26218,8 @@
           </p:nvSpPr>
           <p:spPr>
             <a:xfrm>
-              <a:off x="6076502" y="6811118"/>
-              <a:ext cx="245719" cy="44410"/>
+              <a:off x="6332459" y="6811118"/>
+              <a:ext cx="348102" cy="44410"/>
             </a:xfrm>
             <a:prstGeom prst="rect">
               <a:avLst/>
@@ -26253,8 +26253,8 @@
           </p:nvSpPr>
           <p:spPr>
             <a:xfrm>
-              <a:off x="6076502" y="6766707"/>
-              <a:ext cx="245719" cy="44410"/>
+              <a:off x="6332459" y="6766707"/>
+              <a:ext cx="348102" cy="44410"/>
             </a:xfrm>
             <a:prstGeom prst="rect">
               <a:avLst/>
@@ -26288,8 +26288,8 @@
           </p:nvSpPr>
           <p:spPr>
             <a:xfrm>
-              <a:off x="6076502" y="6722296"/>
-              <a:ext cx="245719" cy="44410"/>
+              <a:off x="6332459" y="6722296"/>
+              <a:ext cx="348102" cy="44410"/>
             </a:xfrm>
             <a:prstGeom prst="rect">
               <a:avLst/>
@@ -26323,8 +26323,8 @@
           </p:nvSpPr>
           <p:spPr>
             <a:xfrm>
-              <a:off x="6076502" y="6677885"/>
-              <a:ext cx="245719" cy="44410"/>
+              <a:off x="6332459" y="6677885"/>
+              <a:ext cx="348102" cy="44410"/>
             </a:xfrm>
             <a:prstGeom prst="rect">
               <a:avLst/>
@@ -26358,8 +26358,8 @@
           </p:nvSpPr>
           <p:spPr>
             <a:xfrm>
-              <a:off x="6076502" y="6633474"/>
-              <a:ext cx="245719" cy="44410"/>
+              <a:off x="6332459" y="6633474"/>
+              <a:ext cx="348102" cy="44410"/>
             </a:xfrm>
             <a:prstGeom prst="rect">
               <a:avLst/>
@@ -26393,8 +26393,8 @@
           </p:nvSpPr>
           <p:spPr>
             <a:xfrm>
-              <a:off x="6076502" y="6589063"/>
-              <a:ext cx="245719" cy="44410"/>
+              <a:off x="6332459" y="6589063"/>
+              <a:ext cx="348102" cy="44410"/>
             </a:xfrm>
             <a:prstGeom prst="rect">
               <a:avLst/>
@@ -26428,8 +26428,8 @@
           </p:nvSpPr>
           <p:spPr>
             <a:xfrm>
-              <a:off x="6076502" y="6544653"/>
-              <a:ext cx="245719" cy="44410"/>
+              <a:off x="6332459" y="6544653"/>
+              <a:ext cx="348102" cy="44410"/>
             </a:xfrm>
             <a:prstGeom prst="rect">
               <a:avLst/>
@@ -26463,8 +26463,8 @@
           </p:nvSpPr>
           <p:spPr>
             <a:xfrm>
-              <a:off x="6076502" y="6500242"/>
-              <a:ext cx="245719" cy="44410"/>
+              <a:off x="6332459" y="6500242"/>
+              <a:ext cx="348102" cy="44410"/>
             </a:xfrm>
             <a:prstGeom prst="rect">
               <a:avLst/>
@@ -26498,8 +26498,8 @@
           </p:nvSpPr>
           <p:spPr>
             <a:xfrm>
-              <a:off x="6076502" y="6455831"/>
-              <a:ext cx="245719" cy="44410"/>
+              <a:off x="6332459" y="6455831"/>
+              <a:ext cx="348102" cy="44410"/>
             </a:xfrm>
             <a:prstGeom prst="rect">
               <a:avLst/>
@@ -26533,8 +26533,8 @@
           </p:nvSpPr>
           <p:spPr>
             <a:xfrm>
-              <a:off x="6076502" y="6411420"/>
-              <a:ext cx="245719" cy="44410"/>
+              <a:off x="6332459" y="6411420"/>
+              <a:ext cx="348102" cy="44410"/>
             </a:xfrm>
             <a:prstGeom prst="rect">
               <a:avLst/>
@@ -26568,8 +26568,8 @@
           </p:nvSpPr>
           <p:spPr>
             <a:xfrm>
-              <a:off x="6076502" y="6367009"/>
-              <a:ext cx="245719" cy="44410"/>
+              <a:off x="6332459" y="6367009"/>
+              <a:ext cx="348102" cy="44410"/>
             </a:xfrm>
             <a:prstGeom prst="rect">
               <a:avLst/>
@@ -26603,8 +26603,8 @@
           </p:nvSpPr>
           <p:spPr>
             <a:xfrm>
-              <a:off x="6076502" y="6322598"/>
-              <a:ext cx="245719" cy="44410"/>
+              <a:off x="6332459" y="6322598"/>
+              <a:ext cx="348102" cy="44410"/>
             </a:xfrm>
             <a:prstGeom prst="rect">
               <a:avLst/>
@@ -26638,8 +26638,8 @@
           </p:nvSpPr>
           <p:spPr>
             <a:xfrm>
-              <a:off x="6076502" y="6278187"/>
-              <a:ext cx="245719" cy="44410"/>
+              <a:off x="6332459" y="6278187"/>
+              <a:ext cx="348102" cy="44410"/>
             </a:xfrm>
             <a:prstGeom prst="rect">
               <a:avLst/>
@@ -26673,8 +26673,8 @@
           </p:nvSpPr>
           <p:spPr>
             <a:xfrm>
-              <a:off x="6076502" y="6233776"/>
-              <a:ext cx="245719" cy="44410"/>
+              <a:off x="6332459" y="6233776"/>
+              <a:ext cx="348102" cy="44410"/>
             </a:xfrm>
             <a:prstGeom prst="rect">
               <a:avLst/>
@@ -26708,8 +26708,8 @@
           </p:nvSpPr>
           <p:spPr>
             <a:xfrm>
-              <a:off x="6076502" y="6189366"/>
-              <a:ext cx="245719" cy="44410"/>
+              <a:off x="6332459" y="6189366"/>
+              <a:ext cx="348102" cy="44410"/>
             </a:xfrm>
             <a:prstGeom prst="rect">
               <a:avLst/>
@@ -26743,8 +26743,8 @@
           </p:nvSpPr>
           <p:spPr>
             <a:xfrm>
-              <a:off x="6076502" y="6144955"/>
-              <a:ext cx="245719" cy="44410"/>
+              <a:off x="6332459" y="6144955"/>
+              <a:ext cx="348102" cy="44410"/>
             </a:xfrm>
             <a:prstGeom prst="rect">
               <a:avLst/>
@@ -26778,8 +26778,8 @@
           </p:nvSpPr>
           <p:spPr>
             <a:xfrm>
-              <a:off x="6076502" y="6100544"/>
-              <a:ext cx="245719" cy="44410"/>
+              <a:off x="6332459" y="6100544"/>
+              <a:ext cx="348102" cy="44410"/>
             </a:xfrm>
             <a:prstGeom prst="rect">
               <a:avLst/>
@@ -26813,8 +26813,8 @@
           </p:nvSpPr>
           <p:spPr>
             <a:xfrm>
-              <a:off x="6076502" y="6056133"/>
-              <a:ext cx="245719" cy="44410"/>
+              <a:off x="6332459" y="6056133"/>
+              <a:ext cx="348102" cy="44410"/>
             </a:xfrm>
             <a:prstGeom prst="rect">
               <a:avLst/>
@@ -26848,8 +26848,8 @@
           </p:nvSpPr>
           <p:spPr>
             <a:xfrm>
-              <a:off x="6076502" y="6011722"/>
-              <a:ext cx="245719" cy="44410"/>
+              <a:off x="6332459" y="6011722"/>
+              <a:ext cx="348102" cy="44410"/>
             </a:xfrm>
             <a:prstGeom prst="rect">
               <a:avLst/>
@@ -26883,8 +26883,8 @@
           </p:nvSpPr>
           <p:spPr>
             <a:xfrm>
-              <a:off x="6076502" y="5967311"/>
-              <a:ext cx="245719" cy="44410"/>
+              <a:off x="6332459" y="5967311"/>
+              <a:ext cx="348102" cy="44410"/>
             </a:xfrm>
             <a:prstGeom prst="rect">
               <a:avLst/>
@@ -26918,8 +26918,8 @@
           </p:nvSpPr>
           <p:spPr>
             <a:xfrm>
-              <a:off x="6076502" y="5922900"/>
-              <a:ext cx="245719" cy="44410"/>
+              <a:off x="6332459" y="5922900"/>
+              <a:ext cx="348102" cy="44410"/>
             </a:xfrm>
             <a:prstGeom prst="rect">
               <a:avLst/>
@@ -26953,8 +26953,8 @@
           </p:nvSpPr>
           <p:spPr>
             <a:xfrm>
-              <a:off x="6076502" y="5878489"/>
-              <a:ext cx="245719" cy="44410"/>
+              <a:off x="6332459" y="5878489"/>
+              <a:ext cx="348102" cy="44410"/>
             </a:xfrm>
             <a:prstGeom prst="rect">
               <a:avLst/>
@@ -26988,8 +26988,8 @@
           </p:nvSpPr>
           <p:spPr>
             <a:xfrm>
-              <a:off x="6076502" y="5834078"/>
-              <a:ext cx="245719" cy="44410"/>
+              <a:off x="6332459" y="5834078"/>
+              <a:ext cx="348102" cy="44410"/>
             </a:xfrm>
             <a:prstGeom prst="rect">
               <a:avLst/>
@@ -27023,8 +27023,8 @@
           </p:nvSpPr>
           <p:spPr>
             <a:xfrm>
-              <a:off x="6076502" y="5789668"/>
-              <a:ext cx="245719" cy="44410"/>
+              <a:off x="6332459" y="5789668"/>
+              <a:ext cx="348102" cy="44410"/>
             </a:xfrm>
             <a:prstGeom prst="rect">
               <a:avLst/>
@@ -27058,8 +27058,8 @@
           </p:nvSpPr>
           <p:spPr>
             <a:xfrm>
-              <a:off x="6076502" y="5745257"/>
-              <a:ext cx="245719" cy="44410"/>
+              <a:off x="6332459" y="5745257"/>
+              <a:ext cx="348102" cy="44410"/>
             </a:xfrm>
             <a:prstGeom prst="rect">
               <a:avLst/>
@@ -27093,8 +27093,8 @@
           </p:nvSpPr>
           <p:spPr>
             <a:xfrm>
-              <a:off x="6076502" y="5700846"/>
-              <a:ext cx="245719" cy="44410"/>
+              <a:off x="6332459" y="5700846"/>
+              <a:ext cx="348102" cy="44410"/>
             </a:xfrm>
             <a:prstGeom prst="rect">
               <a:avLst/>
@@ -27128,8 +27128,8 @@
           </p:nvSpPr>
           <p:spPr>
             <a:xfrm>
-              <a:off x="6076502" y="5656435"/>
-              <a:ext cx="245719" cy="44410"/>
+              <a:off x="6332459" y="5656435"/>
+              <a:ext cx="348102" cy="44410"/>
             </a:xfrm>
             <a:prstGeom prst="rect">
               <a:avLst/>
@@ -27163,8 +27163,8 @@
           </p:nvSpPr>
           <p:spPr>
             <a:xfrm>
-              <a:off x="6076502" y="5612024"/>
-              <a:ext cx="245719" cy="44410"/>
+              <a:off x="6332459" y="5612024"/>
+              <a:ext cx="348102" cy="44410"/>
             </a:xfrm>
             <a:prstGeom prst="rect">
               <a:avLst/>
@@ -27198,8 +27198,8 @@
           </p:nvSpPr>
           <p:spPr>
             <a:xfrm>
-              <a:off x="6076502" y="5567613"/>
-              <a:ext cx="245719" cy="44410"/>
+              <a:off x="6332459" y="5567613"/>
+              <a:ext cx="348102" cy="44410"/>
             </a:xfrm>
             <a:prstGeom prst="rect">
               <a:avLst/>
@@ -27233,8 +27233,8 @@
           </p:nvSpPr>
           <p:spPr>
             <a:xfrm>
-              <a:off x="6076502" y="5523202"/>
-              <a:ext cx="245719" cy="44410"/>
+              <a:off x="6332459" y="5523202"/>
+              <a:ext cx="348102" cy="44410"/>
             </a:xfrm>
             <a:prstGeom prst="rect">
               <a:avLst/>
@@ -27268,8 +27268,8 @@
           </p:nvSpPr>
           <p:spPr>
             <a:xfrm>
-              <a:off x="6076502" y="5478791"/>
-              <a:ext cx="245719" cy="44410"/>
+              <a:off x="6332459" y="5478791"/>
+              <a:ext cx="348102" cy="44410"/>
             </a:xfrm>
             <a:prstGeom prst="rect">
               <a:avLst/>
@@ -27303,8 +27303,8 @@
           </p:nvSpPr>
           <p:spPr>
             <a:xfrm>
-              <a:off x="6076502" y="5434380"/>
-              <a:ext cx="245719" cy="44410"/>
+              <a:off x="6332459" y="5434380"/>
+              <a:ext cx="348102" cy="44410"/>
             </a:xfrm>
             <a:prstGeom prst="rect">
               <a:avLst/>
@@ -27338,8 +27338,8 @@
           </p:nvSpPr>
           <p:spPr>
             <a:xfrm>
-              <a:off x="6076502" y="5389970"/>
-              <a:ext cx="245719" cy="44410"/>
+              <a:off x="6332459" y="5389970"/>
+              <a:ext cx="348102" cy="44410"/>
             </a:xfrm>
             <a:prstGeom prst="rect">
               <a:avLst/>
@@ -27373,8 +27373,8 @@
           </p:nvSpPr>
           <p:spPr>
             <a:xfrm>
-              <a:off x="6076502" y="5345559"/>
-              <a:ext cx="245719" cy="44410"/>
+              <a:off x="6332459" y="5345559"/>
+              <a:ext cx="348102" cy="44410"/>
             </a:xfrm>
             <a:prstGeom prst="rect">
               <a:avLst/>
@@ -27408,8 +27408,8 @@
           </p:nvSpPr>
           <p:spPr>
             <a:xfrm>
-              <a:off x="6076502" y="5301148"/>
-              <a:ext cx="245719" cy="44410"/>
+              <a:off x="6332459" y="5301148"/>
+              <a:ext cx="348102" cy="44410"/>
             </a:xfrm>
             <a:prstGeom prst="rect">
               <a:avLst/>
@@ -27443,8 +27443,8 @@
           </p:nvSpPr>
           <p:spPr>
             <a:xfrm>
-              <a:off x="6076502" y="5256737"/>
-              <a:ext cx="245719" cy="44410"/>
+              <a:off x="6332459" y="5256737"/>
+              <a:ext cx="348102" cy="44410"/>
             </a:xfrm>
             <a:prstGeom prst="rect">
               <a:avLst/>
@@ -27478,8 +27478,8 @@
           </p:nvSpPr>
           <p:spPr>
             <a:xfrm>
-              <a:off x="6076502" y="5212326"/>
-              <a:ext cx="245719" cy="44410"/>
+              <a:off x="6332459" y="5212326"/>
+              <a:ext cx="348102" cy="44410"/>
             </a:xfrm>
             <a:prstGeom prst="rect">
               <a:avLst/>
@@ -27513,8 +27513,8 @@
           </p:nvSpPr>
           <p:spPr>
             <a:xfrm>
-              <a:off x="6076502" y="5167915"/>
-              <a:ext cx="245719" cy="44410"/>
+              <a:off x="6332459" y="5167915"/>
+              <a:ext cx="348102" cy="44410"/>
             </a:xfrm>
             <a:prstGeom prst="rect">
               <a:avLst/>
@@ -27548,8 +27548,8 @@
           </p:nvSpPr>
           <p:spPr>
             <a:xfrm>
-              <a:off x="6076502" y="5123504"/>
-              <a:ext cx="245719" cy="44410"/>
+              <a:off x="6332459" y="5123504"/>
+              <a:ext cx="348102" cy="44410"/>
             </a:xfrm>
             <a:prstGeom prst="rect">
               <a:avLst/>
@@ -27583,8 +27583,8 @@
           </p:nvSpPr>
           <p:spPr>
             <a:xfrm>
-              <a:off x="6076502" y="5079093"/>
-              <a:ext cx="245719" cy="44410"/>
+              <a:off x="6332459" y="5079093"/>
+              <a:ext cx="348102" cy="44410"/>
             </a:xfrm>
             <a:prstGeom prst="rect">
               <a:avLst/>
@@ -27618,8 +27618,8 @@
           </p:nvSpPr>
           <p:spPr>
             <a:xfrm>
-              <a:off x="6076502" y="5034682"/>
-              <a:ext cx="245719" cy="44410"/>
+              <a:off x="6332459" y="5034682"/>
+              <a:ext cx="348102" cy="44410"/>
             </a:xfrm>
             <a:prstGeom prst="rect">
               <a:avLst/>
@@ -27653,8 +27653,8 @@
           </p:nvSpPr>
           <p:spPr>
             <a:xfrm>
-              <a:off x="6076502" y="4990272"/>
-              <a:ext cx="245719" cy="44410"/>
+              <a:off x="6332459" y="4990272"/>
+              <a:ext cx="348102" cy="44410"/>
             </a:xfrm>
             <a:prstGeom prst="rect">
               <a:avLst/>
@@ -27688,8 +27688,8 @@
           </p:nvSpPr>
           <p:spPr>
             <a:xfrm>
-              <a:off x="6076502" y="4945861"/>
-              <a:ext cx="245719" cy="44410"/>
+              <a:off x="6332459" y="4945861"/>
+              <a:ext cx="348102" cy="44410"/>
             </a:xfrm>
             <a:prstGeom prst="rect">
               <a:avLst/>
@@ -27723,8 +27723,8 @@
           </p:nvSpPr>
           <p:spPr>
             <a:xfrm>
-              <a:off x="6076502" y="4901450"/>
-              <a:ext cx="245719" cy="44410"/>
+              <a:off x="6332459" y="4901450"/>
+              <a:ext cx="348102" cy="44410"/>
             </a:xfrm>
             <a:prstGeom prst="rect">
               <a:avLst/>
@@ -27758,8 +27758,8 @@
           </p:nvSpPr>
           <p:spPr>
             <a:xfrm>
-              <a:off x="6076502" y="4857039"/>
-              <a:ext cx="245719" cy="44410"/>
+              <a:off x="6332459" y="4857039"/>
+              <a:ext cx="348102" cy="44410"/>
             </a:xfrm>
             <a:prstGeom prst="rect">
               <a:avLst/>
@@ -27793,8 +27793,8 @@
           </p:nvSpPr>
           <p:spPr>
             <a:xfrm>
-              <a:off x="6076502" y="4812628"/>
-              <a:ext cx="245719" cy="44410"/>
+              <a:off x="6332459" y="4812628"/>
+              <a:ext cx="348102" cy="44410"/>
             </a:xfrm>
             <a:prstGeom prst="rect">
               <a:avLst/>
@@ -27828,8 +27828,8 @@
           </p:nvSpPr>
           <p:spPr>
             <a:xfrm>
-              <a:off x="6076502" y="4768217"/>
-              <a:ext cx="245719" cy="44410"/>
+              <a:off x="6332459" y="4768217"/>
+              <a:ext cx="348102" cy="44410"/>
             </a:xfrm>
             <a:prstGeom prst="rect">
               <a:avLst/>
@@ -27863,8 +27863,8 @@
           </p:nvSpPr>
           <p:spPr>
             <a:xfrm>
-              <a:off x="6076502" y="4723806"/>
-              <a:ext cx="245719" cy="44410"/>
+              <a:off x="6332459" y="4723806"/>
+              <a:ext cx="348102" cy="44410"/>
             </a:xfrm>
             <a:prstGeom prst="rect">
               <a:avLst/>
@@ -27898,8 +27898,8 @@
           </p:nvSpPr>
           <p:spPr>
             <a:xfrm>
-              <a:off x="6076502" y="4679395"/>
-              <a:ext cx="245719" cy="44410"/>
+              <a:off x="6332459" y="4679395"/>
+              <a:ext cx="348102" cy="44410"/>
             </a:xfrm>
             <a:prstGeom prst="rect">
               <a:avLst/>
@@ -27933,8 +27933,8 @@
           </p:nvSpPr>
           <p:spPr>
             <a:xfrm>
-              <a:off x="6076502" y="4634984"/>
-              <a:ext cx="245719" cy="44410"/>
+              <a:off x="6332459" y="4634984"/>
+              <a:ext cx="348102" cy="44410"/>
             </a:xfrm>
             <a:prstGeom prst="rect">
               <a:avLst/>
@@ -27968,8 +27968,8 @@
           </p:nvSpPr>
           <p:spPr>
             <a:xfrm>
-              <a:off x="6076502" y="4590574"/>
-              <a:ext cx="245719" cy="44410"/>
+              <a:off x="6332459" y="4590574"/>
+              <a:ext cx="348102" cy="44410"/>
             </a:xfrm>
             <a:prstGeom prst="rect">
               <a:avLst/>
@@ -28003,8 +28003,8 @@
           </p:nvSpPr>
           <p:spPr>
             <a:xfrm>
-              <a:off x="6076502" y="4546163"/>
-              <a:ext cx="245719" cy="44410"/>
+              <a:off x="6332459" y="4546163"/>
+              <a:ext cx="348102" cy="44410"/>
             </a:xfrm>
             <a:prstGeom prst="rect">
               <a:avLst/>
@@ -28038,8 +28038,8 @@
           </p:nvSpPr>
           <p:spPr>
             <a:xfrm>
-              <a:off x="6076502" y="4501752"/>
-              <a:ext cx="245719" cy="44410"/>
+              <a:off x="6332459" y="4501752"/>
+              <a:ext cx="348102" cy="44410"/>
             </a:xfrm>
             <a:prstGeom prst="rect">
               <a:avLst/>
@@ -28073,8 +28073,8 @@
           </p:nvSpPr>
           <p:spPr>
             <a:xfrm>
-              <a:off x="6076502" y="4457341"/>
-              <a:ext cx="245719" cy="44410"/>
+              <a:off x="6332459" y="4457341"/>
+              <a:ext cx="348102" cy="44410"/>
             </a:xfrm>
             <a:prstGeom prst="rect">
               <a:avLst/>
@@ -28108,8 +28108,8 @@
           </p:nvSpPr>
           <p:spPr>
             <a:xfrm>
-              <a:off x="6076502" y="4412930"/>
-              <a:ext cx="245719" cy="44410"/>
+              <a:off x="6332459" y="4412930"/>
+              <a:ext cx="348102" cy="44410"/>
             </a:xfrm>
             <a:prstGeom prst="rect">
               <a:avLst/>
@@ -28143,8 +28143,8 @@
           </p:nvSpPr>
           <p:spPr>
             <a:xfrm>
-              <a:off x="6076502" y="4368519"/>
-              <a:ext cx="245719" cy="44410"/>
+              <a:off x="6332459" y="4368519"/>
+              <a:ext cx="348102" cy="44410"/>
             </a:xfrm>
             <a:prstGeom prst="rect">
               <a:avLst/>
@@ -28178,8 +28178,8 @@
           </p:nvSpPr>
           <p:spPr>
             <a:xfrm>
-              <a:off x="6076502" y="4324108"/>
-              <a:ext cx="245719" cy="44410"/>
+              <a:off x="6332459" y="4324108"/>
+              <a:ext cx="348102" cy="44410"/>
             </a:xfrm>
             <a:prstGeom prst="rect">
               <a:avLst/>
@@ -28213,8 +28213,8 @@
           </p:nvSpPr>
           <p:spPr>
             <a:xfrm>
-              <a:off x="6076502" y="4279697"/>
-              <a:ext cx="245719" cy="44410"/>
+              <a:off x="6332459" y="4279697"/>
+              <a:ext cx="348102" cy="44410"/>
             </a:xfrm>
             <a:prstGeom prst="rect">
               <a:avLst/>
@@ -28248,8 +28248,8 @@
           </p:nvSpPr>
           <p:spPr>
             <a:xfrm>
-              <a:off x="6076502" y="4235286"/>
-              <a:ext cx="245719" cy="44410"/>
+              <a:off x="6332459" y="4235286"/>
+              <a:ext cx="348102" cy="44410"/>
             </a:xfrm>
             <a:prstGeom prst="rect">
               <a:avLst/>
@@ -28283,8 +28283,8 @@
           </p:nvSpPr>
           <p:spPr>
             <a:xfrm>
-              <a:off x="6076502" y="4190876"/>
-              <a:ext cx="245719" cy="44410"/>
+              <a:off x="6332459" y="4190876"/>
+              <a:ext cx="348102" cy="44410"/>
             </a:xfrm>
             <a:prstGeom prst="rect">
               <a:avLst/>
@@ -28318,8 +28318,8 @@
           </p:nvSpPr>
           <p:spPr>
             <a:xfrm>
-              <a:off x="6076502" y="4146465"/>
-              <a:ext cx="245719" cy="44410"/>
+              <a:off x="6332459" y="4146465"/>
+              <a:ext cx="348102" cy="44410"/>
             </a:xfrm>
             <a:prstGeom prst="rect">
               <a:avLst/>
@@ -28353,8 +28353,8 @@
           </p:nvSpPr>
           <p:spPr>
             <a:xfrm>
-              <a:off x="6076502" y="4102054"/>
-              <a:ext cx="245719" cy="44410"/>
+              <a:off x="6332459" y="4102054"/>
+              <a:ext cx="348102" cy="44410"/>
             </a:xfrm>
             <a:prstGeom prst="rect">
               <a:avLst/>
@@ -28388,8 +28388,8 @@
           </p:nvSpPr>
           <p:spPr>
             <a:xfrm>
-              <a:off x="6076502" y="4057643"/>
-              <a:ext cx="245719" cy="44410"/>
+              <a:off x="6332459" y="4057643"/>
+              <a:ext cx="348102" cy="44410"/>
             </a:xfrm>
             <a:prstGeom prst="rect">
               <a:avLst/>
@@ -28423,8 +28423,8 @@
           </p:nvSpPr>
           <p:spPr>
             <a:xfrm>
-              <a:off x="6076502" y="4013232"/>
-              <a:ext cx="245719" cy="44410"/>
+              <a:off x="6332459" y="4013232"/>
+              <a:ext cx="348102" cy="44410"/>
             </a:xfrm>
             <a:prstGeom prst="rect">
               <a:avLst/>
@@ -28458,8 +28458,8 @@
           </p:nvSpPr>
           <p:spPr>
             <a:xfrm>
-              <a:off x="6076502" y="3968821"/>
-              <a:ext cx="245719" cy="44410"/>
+              <a:off x="6332459" y="3968821"/>
+              <a:ext cx="348102" cy="44410"/>
             </a:xfrm>
             <a:prstGeom prst="rect">
               <a:avLst/>
@@ -28493,8 +28493,8 @@
           </p:nvSpPr>
           <p:spPr>
             <a:xfrm>
-              <a:off x="6076502" y="3924410"/>
-              <a:ext cx="245719" cy="44410"/>
+              <a:off x="6332459" y="3924410"/>
+              <a:ext cx="348102" cy="44410"/>
             </a:xfrm>
             <a:prstGeom prst="rect">
               <a:avLst/>
@@ -28528,8 +28528,8 @@
           </p:nvSpPr>
           <p:spPr>
             <a:xfrm>
-              <a:off x="6076502" y="3879999"/>
-              <a:ext cx="245719" cy="44410"/>
+              <a:off x="6332459" y="3879999"/>
+              <a:ext cx="348102" cy="44410"/>
             </a:xfrm>
             <a:prstGeom prst="rect">
               <a:avLst/>
@@ -28563,8 +28563,8 @@
           </p:nvSpPr>
           <p:spPr>
             <a:xfrm>
-              <a:off x="6076502" y="3835588"/>
-              <a:ext cx="245719" cy="44410"/>
+              <a:off x="6332459" y="3835588"/>
+              <a:ext cx="348102" cy="44410"/>
             </a:xfrm>
             <a:prstGeom prst="rect">
               <a:avLst/>
@@ -28598,8 +28598,8 @@
           </p:nvSpPr>
           <p:spPr>
             <a:xfrm>
-              <a:off x="6076502" y="3791178"/>
-              <a:ext cx="245719" cy="44410"/>
+              <a:off x="6332459" y="3791178"/>
+              <a:ext cx="348102" cy="44410"/>
             </a:xfrm>
             <a:prstGeom prst="rect">
               <a:avLst/>
@@ -28633,8 +28633,8 @@
           </p:nvSpPr>
           <p:spPr>
             <a:xfrm>
-              <a:off x="6076502" y="3746767"/>
-              <a:ext cx="245719" cy="44410"/>
+              <a:off x="6332459" y="3746767"/>
+              <a:ext cx="348102" cy="44410"/>
             </a:xfrm>
             <a:prstGeom prst="rect">
               <a:avLst/>
@@ -28668,8 +28668,8 @@
           </p:nvSpPr>
           <p:spPr>
             <a:xfrm>
-              <a:off x="6076502" y="3702356"/>
-              <a:ext cx="245719" cy="44410"/>
+              <a:off x="6332459" y="3702356"/>
+              <a:ext cx="348102" cy="44410"/>
             </a:xfrm>
             <a:prstGeom prst="rect">
               <a:avLst/>
@@ -28703,8 +28703,8 @@
           </p:nvSpPr>
           <p:spPr>
             <a:xfrm>
-              <a:off x="6076502" y="3657945"/>
-              <a:ext cx="245719" cy="44410"/>
+              <a:off x="6332459" y="3657945"/>
+              <a:ext cx="348102" cy="44410"/>
             </a:xfrm>
             <a:prstGeom prst="rect">
               <a:avLst/>
@@ -28738,8 +28738,8 @@
           </p:nvSpPr>
           <p:spPr>
             <a:xfrm>
-              <a:off x="6076502" y="3613534"/>
-              <a:ext cx="245719" cy="44410"/>
+              <a:off x="6332459" y="3613534"/>
+              <a:ext cx="348102" cy="44410"/>
             </a:xfrm>
             <a:prstGeom prst="rect">
               <a:avLst/>
@@ -28773,8 +28773,8 @@
           </p:nvSpPr>
           <p:spPr>
             <a:xfrm>
-              <a:off x="6076502" y="3569123"/>
-              <a:ext cx="245719" cy="44410"/>
+              <a:off x="6332459" y="3569123"/>
+              <a:ext cx="348102" cy="44410"/>
             </a:xfrm>
             <a:prstGeom prst="rect">
               <a:avLst/>
@@ -28808,8 +28808,8 @@
           </p:nvSpPr>
           <p:spPr>
             <a:xfrm>
-              <a:off x="6076502" y="3524712"/>
-              <a:ext cx="245719" cy="44410"/>
+              <a:off x="6332459" y="3524712"/>
+              <a:ext cx="348102" cy="44410"/>
             </a:xfrm>
             <a:prstGeom prst="rect">
               <a:avLst/>
@@ -28843,8 +28843,8 @@
           </p:nvSpPr>
           <p:spPr>
             <a:xfrm>
-              <a:off x="6076502" y="3480301"/>
-              <a:ext cx="245719" cy="44410"/>
+              <a:off x="6332459" y="3480301"/>
+              <a:ext cx="348102" cy="44410"/>
             </a:xfrm>
             <a:prstGeom prst="rect">
               <a:avLst/>
@@ -28878,8 +28878,8 @@
           </p:nvSpPr>
           <p:spPr>
             <a:xfrm>
-              <a:off x="6076502" y="3435890"/>
-              <a:ext cx="245719" cy="44410"/>
+              <a:off x="6332459" y="3435890"/>
+              <a:ext cx="348102" cy="44410"/>
             </a:xfrm>
             <a:prstGeom prst="rect">
               <a:avLst/>
@@ -28913,8 +28913,8 @@
           </p:nvSpPr>
           <p:spPr>
             <a:xfrm>
-              <a:off x="6076502" y="3391480"/>
-              <a:ext cx="245719" cy="44410"/>
+              <a:off x="6332459" y="3391480"/>
+              <a:ext cx="348102" cy="44410"/>
             </a:xfrm>
             <a:prstGeom prst="rect">
               <a:avLst/>
@@ -28948,8 +28948,8 @@
           </p:nvSpPr>
           <p:spPr>
             <a:xfrm>
-              <a:off x="6076502" y="3347069"/>
-              <a:ext cx="245719" cy="44410"/>
+              <a:off x="6332459" y="3347069"/>
+              <a:ext cx="348102" cy="44410"/>
             </a:xfrm>
             <a:prstGeom prst="rect">
               <a:avLst/>
@@ -28983,8 +28983,8 @@
           </p:nvSpPr>
           <p:spPr>
             <a:xfrm>
-              <a:off x="6076502" y="3302658"/>
-              <a:ext cx="245719" cy="44410"/>
+              <a:off x="6332459" y="3302658"/>
+              <a:ext cx="348102" cy="44410"/>
             </a:xfrm>
             <a:prstGeom prst="rect">
               <a:avLst/>
@@ -29018,8 +29018,8 @@
           </p:nvSpPr>
           <p:spPr>
             <a:xfrm>
-              <a:off x="6076502" y="3258247"/>
-              <a:ext cx="245719" cy="44410"/>
+              <a:off x="6332459" y="3258247"/>
+              <a:ext cx="348102" cy="44410"/>
             </a:xfrm>
             <a:prstGeom prst="rect">
               <a:avLst/>
@@ -29053,8 +29053,8 @@
           </p:nvSpPr>
           <p:spPr>
             <a:xfrm>
-              <a:off x="6076502" y="3213836"/>
-              <a:ext cx="245719" cy="44410"/>
+              <a:off x="6332459" y="3213836"/>
+              <a:ext cx="348102" cy="44410"/>
             </a:xfrm>
             <a:prstGeom prst="rect">
               <a:avLst/>
@@ -29088,8 +29088,8 @@
           </p:nvSpPr>
           <p:spPr>
             <a:xfrm>
-              <a:off x="6076502" y="3169425"/>
-              <a:ext cx="245719" cy="44410"/>
+              <a:off x="6332459" y="3169425"/>
+              <a:ext cx="348102" cy="44410"/>
             </a:xfrm>
             <a:prstGeom prst="rect">
               <a:avLst/>
@@ -29123,8 +29123,8 @@
           </p:nvSpPr>
           <p:spPr>
             <a:xfrm>
-              <a:off x="6076502" y="3125014"/>
-              <a:ext cx="245719" cy="44410"/>
+              <a:off x="6332459" y="3125014"/>
+              <a:ext cx="348102" cy="44410"/>
             </a:xfrm>
             <a:prstGeom prst="rect">
               <a:avLst/>
@@ -29158,8 +29158,8 @@
           </p:nvSpPr>
           <p:spPr>
             <a:xfrm>
-              <a:off x="6076502" y="3080603"/>
-              <a:ext cx="245719" cy="44410"/>
+              <a:off x="6332459" y="3080603"/>
+              <a:ext cx="348102" cy="44410"/>
             </a:xfrm>
             <a:prstGeom prst="rect">
               <a:avLst/>
@@ -29193,8 +29193,8 @@
           </p:nvSpPr>
           <p:spPr>
             <a:xfrm>
-              <a:off x="6076502" y="3036192"/>
-              <a:ext cx="245719" cy="44410"/>
+              <a:off x="6332459" y="3036192"/>
+              <a:ext cx="348102" cy="44410"/>
             </a:xfrm>
             <a:prstGeom prst="rect">
               <a:avLst/>
@@ -29228,8 +29228,8 @@
           </p:nvSpPr>
           <p:spPr>
             <a:xfrm>
-              <a:off x="6076502" y="2991782"/>
-              <a:ext cx="245719" cy="44410"/>
+              <a:off x="6332459" y="2991782"/>
+              <a:ext cx="348102" cy="44410"/>
             </a:xfrm>
             <a:prstGeom prst="rect">
               <a:avLst/>
@@ -29263,8 +29263,8 @@
           </p:nvSpPr>
           <p:spPr>
             <a:xfrm>
-              <a:off x="6076502" y="2947371"/>
-              <a:ext cx="245719" cy="44410"/>
+              <a:off x="6332459" y="2947371"/>
+              <a:ext cx="348102" cy="44410"/>
             </a:xfrm>
             <a:prstGeom prst="rect">
               <a:avLst/>
@@ -29298,8 +29298,8 @@
           </p:nvSpPr>
           <p:spPr>
             <a:xfrm>
-              <a:off x="6076502" y="2902960"/>
-              <a:ext cx="245719" cy="44410"/>
+              <a:off x="6332459" y="2902960"/>
+              <a:ext cx="348102" cy="44410"/>
             </a:xfrm>
             <a:prstGeom prst="rect">
               <a:avLst/>
@@ -29333,8 +29333,8 @@
           </p:nvSpPr>
           <p:spPr>
             <a:xfrm>
-              <a:off x="6076502" y="2858549"/>
-              <a:ext cx="245719" cy="44410"/>
+              <a:off x="6332459" y="2858549"/>
+              <a:ext cx="348102" cy="44410"/>
             </a:xfrm>
             <a:prstGeom prst="rect">
               <a:avLst/>
@@ -29368,8 +29368,8 @@
           </p:nvSpPr>
           <p:spPr>
             <a:xfrm>
-              <a:off x="6076502" y="2814138"/>
-              <a:ext cx="245719" cy="44410"/>
+              <a:off x="6332459" y="2814138"/>
+              <a:ext cx="348102" cy="44410"/>
             </a:xfrm>
             <a:prstGeom prst="rect">
               <a:avLst/>
@@ -29403,8 +29403,8 @@
           </p:nvSpPr>
           <p:spPr>
             <a:xfrm>
-              <a:off x="6076502" y="2769727"/>
-              <a:ext cx="245719" cy="44410"/>
+              <a:off x="6332459" y="2769727"/>
+              <a:ext cx="348102" cy="44410"/>
             </a:xfrm>
             <a:prstGeom prst="rect">
               <a:avLst/>
@@ -29438,8 +29438,8 @@
           </p:nvSpPr>
           <p:spPr>
             <a:xfrm>
-              <a:off x="6076502" y="2725316"/>
-              <a:ext cx="245719" cy="44410"/>
+              <a:off x="6332459" y="2725316"/>
+              <a:ext cx="348102" cy="44410"/>
             </a:xfrm>
             <a:prstGeom prst="rect">
               <a:avLst/>
@@ -29473,8 +29473,8 @@
           </p:nvSpPr>
           <p:spPr>
             <a:xfrm>
-              <a:off x="6076502" y="2680905"/>
-              <a:ext cx="245719" cy="44410"/>
+              <a:off x="6332459" y="2680905"/>
+              <a:ext cx="348102" cy="44410"/>
             </a:xfrm>
             <a:prstGeom prst="rect">
               <a:avLst/>
@@ -29508,8 +29508,8 @@
           </p:nvSpPr>
           <p:spPr>
             <a:xfrm>
-              <a:off x="6076502" y="2636494"/>
-              <a:ext cx="245719" cy="44410"/>
+              <a:off x="6332459" y="2636494"/>
+              <a:ext cx="348102" cy="44410"/>
             </a:xfrm>
             <a:prstGeom prst="rect">
               <a:avLst/>
@@ -29543,8 +29543,8 @@
           </p:nvSpPr>
           <p:spPr>
             <a:xfrm>
-              <a:off x="6076502" y="2592084"/>
-              <a:ext cx="245719" cy="44410"/>
+              <a:off x="6332459" y="2592084"/>
+              <a:ext cx="348102" cy="44410"/>
             </a:xfrm>
             <a:prstGeom prst="rect">
               <a:avLst/>
@@ -29578,8 +29578,8 @@
           </p:nvSpPr>
           <p:spPr>
             <a:xfrm>
-              <a:off x="6076502" y="2547673"/>
-              <a:ext cx="245719" cy="44410"/>
+              <a:off x="6332459" y="2547673"/>
+              <a:ext cx="348102" cy="44410"/>
             </a:xfrm>
             <a:prstGeom prst="rect">
               <a:avLst/>
@@ -29613,8 +29613,8 @@
           </p:nvSpPr>
           <p:spPr>
             <a:xfrm>
-              <a:off x="6076502" y="2503262"/>
-              <a:ext cx="245719" cy="44410"/>
+              <a:off x="6332459" y="2503262"/>
+              <a:ext cx="348102" cy="44410"/>
             </a:xfrm>
             <a:prstGeom prst="rect">
               <a:avLst/>
@@ -29648,8 +29648,8 @@
           </p:nvSpPr>
           <p:spPr>
             <a:xfrm>
-              <a:off x="6076502" y="2458851"/>
-              <a:ext cx="245719" cy="44410"/>
+              <a:off x="6332459" y="2458851"/>
+              <a:ext cx="348102" cy="44410"/>
             </a:xfrm>
             <a:prstGeom prst="rect">
               <a:avLst/>
@@ -29683,8 +29683,8 @@
           </p:nvSpPr>
           <p:spPr>
             <a:xfrm>
-              <a:off x="6076502" y="2414440"/>
-              <a:ext cx="245719" cy="44410"/>
+              <a:off x="6332459" y="2414440"/>
+              <a:ext cx="348102" cy="44410"/>
             </a:xfrm>
             <a:prstGeom prst="rect">
               <a:avLst/>
@@ -29718,8 +29718,8 @@
           </p:nvSpPr>
           <p:spPr>
             <a:xfrm>
-              <a:off x="6076502" y="2370029"/>
-              <a:ext cx="245719" cy="44410"/>
+              <a:off x="6332459" y="2370029"/>
+              <a:ext cx="348102" cy="44410"/>
             </a:xfrm>
             <a:prstGeom prst="rect">
               <a:avLst/>
@@ -29753,8 +29753,8 @@
           </p:nvSpPr>
           <p:spPr>
             <a:xfrm>
-              <a:off x="6076502" y="2325618"/>
-              <a:ext cx="245719" cy="44410"/>
+              <a:off x="6332459" y="2325618"/>
+              <a:ext cx="348102" cy="44410"/>
             </a:xfrm>
             <a:prstGeom prst="rect">
               <a:avLst/>
@@ -29788,8 +29788,8 @@
           </p:nvSpPr>
           <p:spPr>
             <a:xfrm>
-              <a:off x="6076502" y="2281207"/>
-              <a:ext cx="245719" cy="44410"/>
+              <a:off x="6332459" y="2281207"/>
+              <a:ext cx="348102" cy="44410"/>
             </a:xfrm>
             <a:prstGeom prst="rect">
               <a:avLst/>
@@ -29823,8 +29823,8 @@
           </p:nvSpPr>
           <p:spPr>
             <a:xfrm>
-              <a:off x="6076502" y="2236796"/>
-              <a:ext cx="245719" cy="44410"/>
+              <a:off x="6332459" y="2236796"/>
+              <a:ext cx="348102" cy="44410"/>
             </a:xfrm>
             <a:prstGeom prst="rect">
               <a:avLst/>
@@ -29858,8 +29858,8 @@
           </p:nvSpPr>
           <p:spPr>
             <a:xfrm>
-              <a:off x="6076502" y="2192386"/>
-              <a:ext cx="245719" cy="44410"/>
+              <a:off x="6332459" y="2192386"/>
+              <a:ext cx="348102" cy="44410"/>
             </a:xfrm>
             <a:prstGeom prst="rect">
               <a:avLst/>
@@ -29893,8 +29893,8 @@
           </p:nvSpPr>
           <p:spPr>
             <a:xfrm>
-              <a:off x="6076502" y="2147975"/>
-              <a:ext cx="245719" cy="44410"/>
+              <a:off x="6332459" y="2147975"/>
+              <a:ext cx="348102" cy="44410"/>
             </a:xfrm>
             <a:prstGeom prst="rect">
               <a:avLst/>
@@ -29928,8 +29928,8 @@
           </p:nvSpPr>
           <p:spPr>
             <a:xfrm>
-              <a:off x="6076502" y="2103564"/>
-              <a:ext cx="245719" cy="44410"/>
+              <a:off x="6332459" y="2103564"/>
+              <a:ext cx="348102" cy="44410"/>
             </a:xfrm>
             <a:prstGeom prst="rect">
               <a:avLst/>
@@ -29963,8 +29963,8 @@
           </p:nvSpPr>
           <p:spPr>
             <a:xfrm>
-              <a:off x="6076502" y="2059153"/>
-              <a:ext cx="245719" cy="44410"/>
+              <a:off x="6332459" y="2059153"/>
+              <a:ext cx="348102" cy="44410"/>
             </a:xfrm>
             <a:prstGeom prst="rect">
               <a:avLst/>
@@ -29998,8 +29998,8 @@
           </p:nvSpPr>
           <p:spPr>
             <a:xfrm>
-              <a:off x="6076502" y="2014742"/>
-              <a:ext cx="245719" cy="44410"/>
+              <a:off x="6332459" y="2014742"/>
+              <a:ext cx="348102" cy="44410"/>
             </a:xfrm>
             <a:prstGeom prst="rect">
               <a:avLst/>
@@ -30033,8 +30033,8 @@
           </p:nvSpPr>
           <p:spPr>
             <a:xfrm>
-              <a:off x="6076502" y="1970331"/>
-              <a:ext cx="245719" cy="44410"/>
+              <a:off x="6332459" y="1970331"/>
+              <a:ext cx="348102" cy="44410"/>
             </a:xfrm>
             <a:prstGeom prst="rect">
               <a:avLst/>
@@ -30068,8 +30068,8 @@
           </p:nvSpPr>
           <p:spPr>
             <a:xfrm>
-              <a:off x="6076502" y="1925920"/>
-              <a:ext cx="245719" cy="44410"/>
+              <a:off x="6332459" y="1925920"/>
+              <a:ext cx="348102" cy="44410"/>
             </a:xfrm>
             <a:prstGeom prst="rect">
               <a:avLst/>
@@ -30103,8 +30103,8 @@
           </p:nvSpPr>
           <p:spPr>
             <a:xfrm>
-              <a:off x="6076502" y="1881509"/>
-              <a:ext cx="245719" cy="44410"/>
+              <a:off x="6332459" y="1881509"/>
+              <a:ext cx="348102" cy="44410"/>
             </a:xfrm>
             <a:prstGeom prst="rect">
               <a:avLst/>
@@ -30138,8 +30138,8 @@
           </p:nvSpPr>
           <p:spPr>
             <a:xfrm>
-              <a:off x="6076502" y="1837098"/>
-              <a:ext cx="245719" cy="44410"/>
+              <a:off x="6332459" y="1837098"/>
+              <a:ext cx="348102" cy="44410"/>
             </a:xfrm>
             <a:prstGeom prst="rect">
               <a:avLst/>
@@ -30173,8 +30173,8 @@
           </p:nvSpPr>
           <p:spPr>
             <a:xfrm>
-              <a:off x="6076502" y="1792688"/>
-              <a:ext cx="245719" cy="44410"/>
+              <a:off x="6332459" y="1792688"/>
+              <a:ext cx="348102" cy="44410"/>
             </a:xfrm>
             <a:prstGeom prst="rect">
               <a:avLst/>
@@ -30208,8 +30208,8 @@
           </p:nvSpPr>
           <p:spPr>
             <a:xfrm>
-              <a:off x="6076502" y="1748277"/>
-              <a:ext cx="245719" cy="44410"/>
+              <a:off x="6332459" y="1748277"/>
+              <a:ext cx="348102" cy="44410"/>
             </a:xfrm>
             <a:prstGeom prst="rect">
               <a:avLst/>
@@ -30243,8 +30243,8 @@
           </p:nvSpPr>
           <p:spPr>
             <a:xfrm>
-              <a:off x="6076502" y="1703866"/>
-              <a:ext cx="245719" cy="44410"/>
+              <a:off x="6332459" y="1703866"/>
+              <a:ext cx="348102" cy="44410"/>
             </a:xfrm>
             <a:prstGeom prst="rect">
               <a:avLst/>
@@ -30278,8 +30278,8 @@
           </p:nvSpPr>
           <p:spPr>
             <a:xfrm>
-              <a:off x="6076502" y="1659455"/>
-              <a:ext cx="245719" cy="44410"/>
+              <a:off x="6332459" y="1659455"/>
+              <a:ext cx="348102" cy="44410"/>
             </a:xfrm>
             <a:prstGeom prst="rect">
               <a:avLst/>
@@ -30313,8 +30313,8 @@
           </p:nvSpPr>
           <p:spPr>
             <a:xfrm>
-              <a:off x="6076502" y="1615044"/>
-              <a:ext cx="245719" cy="44410"/>
+              <a:off x="6332459" y="1615044"/>
+              <a:ext cx="348102" cy="44410"/>
             </a:xfrm>
             <a:prstGeom prst="rect">
               <a:avLst/>
@@ -30348,8 +30348,8 @@
           </p:nvSpPr>
           <p:spPr>
             <a:xfrm>
-              <a:off x="6076502" y="1570633"/>
-              <a:ext cx="245719" cy="44410"/>
+              <a:off x="6332459" y="1570633"/>
+              <a:ext cx="348102" cy="44410"/>
             </a:xfrm>
             <a:prstGeom prst="rect">
               <a:avLst/>
@@ -30383,8 +30383,8 @@
           </p:nvSpPr>
           <p:spPr>
             <a:xfrm>
-              <a:off x="6076502" y="1526222"/>
-              <a:ext cx="245719" cy="44410"/>
+              <a:off x="6332459" y="1526222"/>
+              <a:ext cx="348102" cy="44410"/>
             </a:xfrm>
             <a:prstGeom prst="rect">
               <a:avLst/>
@@ -30418,8 +30418,8 @@
           </p:nvSpPr>
           <p:spPr>
             <a:xfrm>
-              <a:off x="6076502" y="1481811"/>
-              <a:ext cx="245719" cy="44410"/>
+              <a:off x="6332459" y="1481811"/>
+              <a:ext cx="348102" cy="44410"/>
             </a:xfrm>
             <a:prstGeom prst="rect">
               <a:avLst/>
@@ -30453,8 +30453,8 @@
           </p:nvSpPr>
           <p:spPr>
             <a:xfrm>
-              <a:off x="6076502" y="1437400"/>
-              <a:ext cx="245719" cy="44410"/>
+              <a:off x="6332459" y="1437400"/>
+              <a:ext cx="348102" cy="44410"/>
             </a:xfrm>
             <a:prstGeom prst="rect">
               <a:avLst/>
@@ -30488,8 +30488,8 @@
           </p:nvSpPr>
           <p:spPr>
             <a:xfrm>
-              <a:off x="6076502" y="1392990"/>
-              <a:ext cx="245719" cy="44410"/>
+              <a:off x="6332459" y="1392990"/>
+              <a:ext cx="348102" cy="44410"/>
             </a:xfrm>
             <a:prstGeom prst="rect">
               <a:avLst/>
@@ -30523,8 +30523,8 @@
           </p:nvSpPr>
           <p:spPr>
             <a:xfrm>
-              <a:off x="6322221" y="7166405"/>
-              <a:ext cx="245719" cy="44410"/>
+              <a:off x="6680561" y="7166405"/>
+              <a:ext cx="348102" cy="44410"/>
             </a:xfrm>
             <a:prstGeom prst="rect">
               <a:avLst/>
@@ -30558,8 +30558,8 @@
           </p:nvSpPr>
           <p:spPr>
             <a:xfrm>
-              <a:off x="6322221" y="7121994"/>
-              <a:ext cx="245719" cy="44410"/>
+              <a:off x="6680561" y="7121994"/>
+              <a:ext cx="348102" cy="44410"/>
             </a:xfrm>
             <a:prstGeom prst="rect">
               <a:avLst/>
@@ -30593,8 +30593,8 @@
           </p:nvSpPr>
           <p:spPr>
             <a:xfrm>
-              <a:off x="6322221" y="7077583"/>
-              <a:ext cx="245719" cy="44410"/>
+              <a:off x="6680561" y="7077583"/>
+              <a:ext cx="348102" cy="44410"/>
             </a:xfrm>
             <a:prstGeom prst="rect">
               <a:avLst/>
@@ -30628,8 +30628,8 @@
           </p:nvSpPr>
           <p:spPr>
             <a:xfrm>
-              <a:off x="6322221" y="7033172"/>
-              <a:ext cx="245719" cy="44410"/>
+              <a:off x="6680561" y="7033172"/>
+              <a:ext cx="348102" cy="44410"/>
             </a:xfrm>
             <a:prstGeom prst="rect">
               <a:avLst/>
@@ -30663,8 +30663,8 @@
           </p:nvSpPr>
           <p:spPr>
             <a:xfrm>
-              <a:off x="6322221" y="6988761"/>
-              <a:ext cx="245719" cy="44410"/>
+              <a:off x="6680561" y="6988761"/>
+              <a:ext cx="348102" cy="44410"/>
             </a:xfrm>
             <a:prstGeom prst="rect">
               <a:avLst/>
@@ -30698,8 +30698,8 @@
           </p:nvSpPr>
           <p:spPr>
             <a:xfrm>
-              <a:off x="6322221" y="6944351"/>
-              <a:ext cx="245719" cy="44410"/>
+              <a:off x="6680561" y="6944351"/>
+              <a:ext cx="348102" cy="44410"/>
             </a:xfrm>
             <a:prstGeom prst="rect">
               <a:avLst/>
@@ -30733,8 +30733,8 @@
           </p:nvSpPr>
           <p:spPr>
             <a:xfrm>
-              <a:off x="6322221" y="6899940"/>
-              <a:ext cx="245719" cy="44410"/>
+              <a:off x="6680561" y="6899940"/>
+              <a:ext cx="348102" cy="44410"/>
             </a:xfrm>
             <a:prstGeom prst="rect">
               <a:avLst/>
@@ -30768,8 +30768,8 @@
           </p:nvSpPr>
           <p:spPr>
             <a:xfrm>
-              <a:off x="6322221" y="6855529"/>
-              <a:ext cx="245719" cy="44410"/>
+              <a:off x="6680561" y="6855529"/>
+              <a:ext cx="348102" cy="44410"/>
             </a:xfrm>
             <a:prstGeom prst="rect">
               <a:avLst/>
@@ -30803,8 +30803,8 @@
           </p:nvSpPr>
           <p:spPr>
             <a:xfrm>
-              <a:off x="6322221" y="6811118"/>
-              <a:ext cx="245719" cy="44410"/>
+              <a:off x="6680561" y="6811118"/>
+              <a:ext cx="348102" cy="44410"/>
             </a:xfrm>
             <a:prstGeom prst="rect">
               <a:avLst/>
@@ -30838,8 +30838,8 @@
           </p:nvSpPr>
           <p:spPr>
             <a:xfrm>
-              <a:off x="6322221" y="6766707"/>
-              <a:ext cx="245719" cy="44410"/>
+              <a:off x="6680561" y="6766707"/>
+              <a:ext cx="348102" cy="44410"/>
             </a:xfrm>
             <a:prstGeom prst="rect">
               <a:avLst/>
@@ -30873,8 +30873,8 @@
           </p:nvSpPr>
           <p:spPr>
             <a:xfrm>
-              <a:off x="6322221" y="6722296"/>
-              <a:ext cx="245719" cy="44410"/>
+              <a:off x="6680561" y="6722296"/>
+              <a:ext cx="348102" cy="44410"/>
             </a:xfrm>
             <a:prstGeom prst="rect">
               <a:avLst/>
@@ -30908,8 +30908,8 @@
           </p:nvSpPr>
           <p:spPr>
             <a:xfrm>
-              <a:off x="6322221" y="6677885"/>
-              <a:ext cx="245719" cy="44410"/>
+              <a:off x="6680561" y="6677885"/>
+              <a:ext cx="348102" cy="44410"/>
             </a:xfrm>
             <a:prstGeom prst="rect">
               <a:avLst/>
@@ -30943,8 +30943,8 @@
           </p:nvSpPr>
           <p:spPr>
             <a:xfrm>
-              <a:off x="6322221" y="6633474"/>
-              <a:ext cx="245719" cy="44410"/>
+              <a:off x="6680561" y="6633474"/>
+              <a:ext cx="348102" cy="44410"/>
             </a:xfrm>
             <a:prstGeom prst="rect">
               <a:avLst/>
@@ -30978,8 +30978,8 @@
           </p:nvSpPr>
           <p:spPr>
             <a:xfrm>
-              <a:off x="6322221" y="6589063"/>
-              <a:ext cx="245719" cy="44410"/>
+              <a:off x="6680561" y="6589063"/>
+              <a:ext cx="348102" cy="44410"/>
             </a:xfrm>
             <a:prstGeom prst="rect">
               <a:avLst/>
@@ -31013,8 +31013,8 @@
           </p:nvSpPr>
           <p:spPr>
             <a:xfrm>
-              <a:off x="6322221" y="6544653"/>
-              <a:ext cx="245719" cy="44410"/>
+              <a:off x="6680561" y="6544653"/>
+              <a:ext cx="348102" cy="44410"/>
             </a:xfrm>
             <a:prstGeom prst="rect">
               <a:avLst/>
@@ -31048,8 +31048,8 @@
           </p:nvSpPr>
           <p:spPr>
             <a:xfrm>
-              <a:off x="6322221" y="6500242"/>
-              <a:ext cx="245719" cy="44410"/>
+              <a:off x="6680561" y="6500242"/>
+              <a:ext cx="348102" cy="44410"/>
             </a:xfrm>
             <a:prstGeom prst="rect">
               <a:avLst/>
@@ -31083,8 +31083,8 @@
           </p:nvSpPr>
           <p:spPr>
             <a:xfrm>
-              <a:off x="6322221" y="6455831"/>
-              <a:ext cx="245719" cy="44410"/>
+              <a:off x="6680561" y="6455831"/>
+              <a:ext cx="348102" cy="44410"/>
             </a:xfrm>
             <a:prstGeom prst="rect">
               <a:avLst/>
@@ -31118,8 +31118,8 @@
           </p:nvSpPr>
           <p:spPr>
             <a:xfrm>
-              <a:off x="6322221" y="6411420"/>
-              <a:ext cx="245719" cy="44410"/>
+              <a:off x="6680561" y="6411420"/>
+              <a:ext cx="348102" cy="44410"/>
             </a:xfrm>
             <a:prstGeom prst="rect">
               <a:avLst/>
@@ -31153,8 +31153,8 @@
           </p:nvSpPr>
           <p:spPr>
             <a:xfrm>
-              <a:off x="6322221" y="6367009"/>
-              <a:ext cx="245719" cy="44410"/>
+              <a:off x="6680561" y="6367009"/>
+              <a:ext cx="348102" cy="44410"/>
             </a:xfrm>
             <a:prstGeom prst="rect">
               <a:avLst/>
@@ -31188,8 +31188,8 @@
           </p:nvSpPr>
           <p:spPr>
             <a:xfrm>
-              <a:off x="6322221" y="6322598"/>
-              <a:ext cx="245719" cy="44410"/>
+              <a:off x="6680561" y="6322598"/>
+              <a:ext cx="348102" cy="44410"/>
             </a:xfrm>
             <a:prstGeom prst="rect">
               <a:avLst/>
@@ -31223,8 +31223,8 @@
           </p:nvSpPr>
           <p:spPr>
             <a:xfrm>
-              <a:off x="6322221" y="6278187"/>
-              <a:ext cx="245719" cy="44410"/>
+              <a:off x="6680561" y="6278187"/>
+              <a:ext cx="348102" cy="44410"/>
             </a:xfrm>
             <a:prstGeom prst="rect">
               <a:avLst/>
@@ -31258,8 +31258,8 @@
           </p:nvSpPr>
           <p:spPr>
             <a:xfrm>
-              <a:off x="6322221" y="6233776"/>
-              <a:ext cx="245719" cy="44410"/>
+              <a:off x="6680561" y="6233776"/>
+              <a:ext cx="348102" cy="44410"/>
             </a:xfrm>
             <a:prstGeom prst="rect">
               <a:avLst/>
@@ -31293,8 +31293,8 @@
           </p:nvSpPr>
           <p:spPr>
             <a:xfrm>
-              <a:off x="6322221" y="6189366"/>
-              <a:ext cx="245719" cy="44410"/>
+              <a:off x="6680561" y="6189366"/>
+              <a:ext cx="348102" cy="44410"/>
             </a:xfrm>
             <a:prstGeom prst="rect">
               <a:avLst/>
@@ -31328,8 +31328,8 @@
           </p:nvSpPr>
           <p:spPr>
             <a:xfrm>
-              <a:off x="6322221" y="6144955"/>
-              <a:ext cx="245719" cy="44410"/>
+              <a:off x="6680561" y="6144955"/>
+              <a:ext cx="348102" cy="44410"/>
             </a:xfrm>
             <a:prstGeom prst="rect">
               <a:avLst/>
@@ -31363,8 +31363,8 @@
           </p:nvSpPr>
           <p:spPr>
             <a:xfrm>
-              <a:off x="6322221" y="6100544"/>
-              <a:ext cx="245719" cy="44410"/>
+              <a:off x="6680561" y="6100544"/>
+              <a:ext cx="348102" cy="44410"/>
             </a:xfrm>
             <a:prstGeom prst="rect">
               <a:avLst/>
@@ -31398,8 +31398,8 @@
           </p:nvSpPr>
           <p:spPr>
             <a:xfrm>
-              <a:off x="6322221" y="6056133"/>
-              <a:ext cx="245719" cy="44410"/>
+              <a:off x="6680561" y="6056133"/>
+              <a:ext cx="348102" cy="44410"/>
             </a:xfrm>
             <a:prstGeom prst="rect">
               <a:avLst/>
@@ -31433,8 +31433,8 @@
           </p:nvSpPr>
           <p:spPr>
             <a:xfrm>
-              <a:off x="6322221" y="6011722"/>
-              <a:ext cx="245719" cy="44410"/>
+              <a:off x="6680561" y="6011722"/>
+              <a:ext cx="348102" cy="44410"/>
             </a:xfrm>
             <a:prstGeom prst="rect">
               <a:avLst/>
@@ -31468,8 +31468,8 @@
           </p:nvSpPr>
           <p:spPr>
             <a:xfrm>
-              <a:off x="6322221" y="5967311"/>
-              <a:ext cx="245719" cy="44410"/>
+              <a:off x="6680561" y="5967311"/>
+              <a:ext cx="348102" cy="44410"/>
             </a:xfrm>
             <a:prstGeom prst="rect">
               <a:avLst/>
@@ -31503,8 +31503,8 @@
           </p:nvSpPr>
           <p:spPr>
             <a:xfrm>
-              <a:off x="6322221" y="5922900"/>
-              <a:ext cx="245719" cy="44410"/>
+              <a:off x="6680561" y="5922900"/>
+              <a:ext cx="348102" cy="44410"/>
             </a:xfrm>
             <a:prstGeom prst="rect">
               <a:avLst/>
@@ -31538,8 +31538,8 @@
           </p:nvSpPr>
           <p:spPr>
             <a:xfrm>
-              <a:off x="6322221" y="5878489"/>
-              <a:ext cx="245719" cy="44410"/>
+              <a:off x="6680561" y="5878489"/>
+              <a:ext cx="348102" cy="44410"/>
             </a:xfrm>
             <a:prstGeom prst="rect">
               <a:avLst/>
@@ -31573,8 +31573,8 @@
           </p:nvSpPr>
           <p:spPr>
             <a:xfrm>
-              <a:off x="6322221" y="5834078"/>
-              <a:ext cx="245719" cy="44410"/>
+              <a:off x="6680561" y="5834078"/>
+              <a:ext cx="348102" cy="44410"/>
             </a:xfrm>
             <a:prstGeom prst="rect">
               <a:avLst/>
@@ -31608,8 +31608,8 @@
           </p:nvSpPr>
           <p:spPr>
             <a:xfrm>
-              <a:off x="6322221" y="5789668"/>
-              <a:ext cx="245719" cy="44410"/>
+              <a:off x="6680561" y="5789668"/>
+              <a:ext cx="348102" cy="44410"/>
             </a:xfrm>
             <a:prstGeom prst="rect">
               <a:avLst/>
@@ -31643,8 +31643,8 @@
           </p:nvSpPr>
           <p:spPr>
             <a:xfrm>
-              <a:off x="6322221" y="5745257"/>
-              <a:ext cx="245719" cy="44410"/>
+              <a:off x="6680561" y="5745257"/>
+              <a:ext cx="348102" cy="44410"/>
             </a:xfrm>
             <a:prstGeom prst="rect">
               <a:avLst/>
@@ -31678,8 +31678,8 @@
           </p:nvSpPr>
           <p:spPr>
             <a:xfrm>
-              <a:off x="6322221" y="5700846"/>
-              <a:ext cx="245719" cy="44410"/>
+              <a:off x="6680561" y="5700846"/>
+              <a:ext cx="348102" cy="44410"/>
             </a:xfrm>
             <a:prstGeom prst="rect">
               <a:avLst/>
@@ -31713,8 +31713,8 @@
           </p:nvSpPr>
           <p:spPr>
             <a:xfrm>
-              <a:off x="6322221" y="5656435"/>
-              <a:ext cx="245719" cy="44410"/>
+              <a:off x="6680561" y="5656435"/>
+              <a:ext cx="348102" cy="44410"/>
             </a:xfrm>
             <a:prstGeom prst="rect">
               <a:avLst/>
@@ -31748,8 +31748,8 @@
           </p:nvSpPr>
           <p:spPr>
             <a:xfrm>
-              <a:off x="6322221" y="5612024"/>
-              <a:ext cx="245719" cy="44410"/>
+              <a:off x="6680561" y="5612024"/>
+              <a:ext cx="348102" cy="44410"/>
             </a:xfrm>
             <a:prstGeom prst="rect">
               <a:avLst/>
@@ -31783,8 +31783,8 @@
           </p:nvSpPr>
           <p:spPr>
             <a:xfrm>
-              <a:off x="6322221" y="5567613"/>
-              <a:ext cx="245719" cy="44410"/>
+              <a:off x="6680561" y="5567613"/>
+              <a:ext cx="348102" cy="44410"/>
             </a:xfrm>
             <a:prstGeom prst="rect">
               <a:avLst/>
@@ -31818,8 +31818,8 @@
           </p:nvSpPr>
           <p:spPr>
             <a:xfrm>
-              <a:off x="6322221" y="5523202"/>
-              <a:ext cx="245719" cy="44410"/>
+              <a:off x="6680561" y="5523202"/>
+              <a:ext cx="348102" cy="44410"/>
             </a:xfrm>
             <a:prstGeom prst="rect">
               <a:avLst/>
@@ -31853,8 +31853,8 @@
           </p:nvSpPr>
           <p:spPr>
             <a:xfrm>
-              <a:off x="6322221" y="5478791"/>
-              <a:ext cx="245719" cy="44410"/>
+              <a:off x="6680561" y="5478791"/>
+              <a:ext cx="348102" cy="44410"/>
             </a:xfrm>
             <a:prstGeom prst="rect">
               <a:avLst/>
@@ -31888,8 +31888,8 @@
           </p:nvSpPr>
           <p:spPr>
             <a:xfrm>
-              <a:off x="6322221" y="5434380"/>
-              <a:ext cx="245719" cy="44410"/>
+              <a:off x="6680561" y="5434380"/>
+              <a:ext cx="348102" cy="44410"/>
             </a:xfrm>
             <a:prstGeom prst="rect">
               <a:avLst/>
@@ -31923,8 +31923,8 @@
           </p:nvSpPr>
           <p:spPr>
             <a:xfrm>
-              <a:off x="6322221" y="5389970"/>
-              <a:ext cx="245719" cy="44410"/>
+              <a:off x="6680561" y="5389970"/>
+              <a:ext cx="348102" cy="44410"/>
             </a:xfrm>
             <a:prstGeom prst="rect">
               <a:avLst/>
@@ -31958,8 +31958,8 @@
           </p:nvSpPr>
           <p:spPr>
             <a:xfrm>
-              <a:off x="6322221" y="5345559"/>
-              <a:ext cx="245719" cy="44410"/>
+              <a:off x="6680561" y="5345559"/>
+              <a:ext cx="348102" cy="44410"/>
             </a:xfrm>
             <a:prstGeom prst="rect">
               <a:avLst/>
@@ -31993,8 +31993,8 @@
           </p:nvSpPr>
           <p:spPr>
             <a:xfrm>
-              <a:off x="6322221" y="5301148"/>
-              <a:ext cx="245719" cy="44410"/>
+              <a:off x="6680561" y="5301148"/>
+              <a:ext cx="348102" cy="44410"/>
             </a:xfrm>
             <a:prstGeom prst="rect">
               <a:avLst/>
@@ -32028,8 +32028,8 @@
           </p:nvSpPr>
           <p:spPr>
             <a:xfrm>
-              <a:off x="6322221" y="5256737"/>
-              <a:ext cx="245719" cy="44410"/>
+              <a:off x="6680561" y="5256737"/>
+              <a:ext cx="348102" cy="44410"/>
             </a:xfrm>
             <a:prstGeom prst="rect">
               <a:avLst/>
@@ -32063,8 +32063,8 @@
           </p:nvSpPr>
           <p:spPr>
             <a:xfrm>
-              <a:off x="6322221" y="5212326"/>
-              <a:ext cx="245719" cy="44410"/>
+              <a:off x="6680561" y="5212326"/>
+              <a:ext cx="348102" cy="44410"/>
             </a:xfrm>
             <a:prstGeom prst="rect">
               <a:avLst/>
@@ -32098,8 +32098,8 @@
           </p:nvSpPr>
           <p:spPr>
             <a:xfrm>
-              <a:off x="6322221" y="5167915"/>
-              <a:ext cx="245719" cy="44410"/>
+              <a:off x="6680561" y="5167915"/>
+              <a:ext cx="348102" cy="44410"/>
             </a:xfrm>
             <a:prstGeom prst="rect">
               <a:avLst/>
@@ -32133,8 +32133,8 @@
           </p:nvSpPr>
           <p:spPr>
             <a:xfrm>
-              <a:off x="6322221" y="5123504"/>
-              <a:ext cx="245719" cy="44410"/>
+              <a:off x="6680561" y="5123504"/>
+              <a:ext cx="348102" cy="44410"/>
             </a:xfrm>
             <a:prstGeom prst="rect">
               <a:avLst/>
@@ -32168,8 +32168,8 @@
           </p:nvSpPr>
           <p:spPr>
             <a:xfrm>
-              <a:off x="6322221" y="5079093"/>
-              <a:ext cx="245719" cy="44410"/>
+              <a:off x="6680561" y="5079093"/>
+              <a:ext cx="348102" cy="44410"/>
             </a:xfrm>
             <a:prstGeom prst="rect">
               <a:avLst/>
@@ -32203,8 +32203,8 @@
           </p:nvSpPr>
           <p:spPr>
             <a:xfrm>
-              <a:off x="6322221" y="5034682"/>
-              <a:ext cx="245719" cy="44410"/>
+              <a:off x="6680561" y="5034682"/>
+              <a:ext cx="348102" cy="44410"/>
             </a:xfrm>
             <a:prstGeom prst="rect">
               <a:avLst/>
@@ -32238,8 +32238,8 @@
           </p:nvSpPr>
           <p:spPr>
             <a:xfrm>
-              <a:off x="6322221" y="4990272"/>
-              <a:ext cx="245719" cy="44410"/>
+              <a:off x="6680561" y="4990272"/>
+              <a:ext cx="348102" cy="44410"/>
             </a:xfrm>
             <a:prstGeom prst="rect">
               <a:avLst/>
@@ -32273,8 +32273,8 @@
           </p:nvSpPr>
           <p:spPr>
             <a:xfrm>
-              <a:off x="6322221" y="4945861"/>
-              <a:ext cx="245719" cy="44410"/>
+              <a:off x="6680561" y="4945861"/>
+              <a:ext cx="348102" cy="44410"/>
             </a:xfrm>
             <a:prstGeom prst="rect">
               <a:avLst/>
@@ -32308,8 +32308,8 @@
           </p:nvSpPr>
           <p:spPr>
             <a:xfrm>
-              <a:off x="6322221" y="4901450"/>
-              <a:ext cx="245719" cy="44410"/>
+              <a:off x="6680561" y="4901450"/>
+              <a:ext cx="348102" cy="44410"/>
             </a:xfrm>
             <a:prstGeom prst="rect">
               <a:avLst/>
@@ -32343,8 +32343,8 @@
           </p:nvSpPr>
           <p:spPr>
             <a:xfrm>
-              <a:off x="6322221" y="4857039"/>
-              <a:ext cx="245719" cy="44410"/>
+              <a:off x="6680561" y="4857039"/>
+              <a:ext cx="348102" cy="44410"/>
             </a:xfrm>
             <a:prstGeom prst="rect">
               <a:avLst/>
@@ -32378,8 +32378,8 @@
           </p:nvSpPr>
           <p:spPr>
             <a:xfrm>
-              <a:off x="6322221" y="4812628"/>
-              <a:ext cx="245719" cy="44410"/>
+              <a:off x="6680561" y="4812628"/>
+              <a:ext cx="348102" cy="44410"/>
             </a:xfrm>
             <a:prstGeom prst="rect">
               <a:avLst/>
@@ -32413,8 +32413,8 @@
           </p:nvSpPr>
           <p:spPr>
             <a:xfrm>
-              <a:off x="6322221" y="4768217"/>
-              <a:ext cx="245719" cy="44410"/>
+              <a:off x="6680561" y="4768217"/>
+              <a:ext cx="348102" cy="44410"/>
             </a:xfrm>
             <a:prstGeom prst="rect">
               <a:avLst/>
@@ -32448,8 +32448,8 @@
           </p:nvSpPr>
           <p:spPr>
             <a:xfrm>
-              <a:off x="6322221" y="4723806"/>
-              <a:ext cx="245719" cy="44410"/>
+              <a:off x="6680561" y="4723806"/>
+              <a:ext cx="348102" cy="44410"/>
             </a:xfrm>
             <a:prstGeom prst="rect">
               <a:avLst/>
@@ -32483,8 +32483,8 @@
           </p:nvSpPr>
           <p:spPr>
             <a:xfrm>
-              <a:off x="6322221" y="4679395"/>
-              <a:ext cx="245719" cy="44410"/>
+              <a:off x="6680561" y="4679395"/>
+              <a:ext cx="348102" cy="44410"/>
             </a:xfrm>
             <a:prstGeom prst="rect">
               <a:avLst/>
@@ -32518,8 +32518,8 @@
           </p:nvSpPr>
           <p:spPr>
             <a:xfrm>
-              <a:off x="6322221" y="4634984"/>
-              <a:ext cx="245719" cy="44410"/>
+              <a:off x="6680561" y="4634984"/>
+              <a:ext cx="348102" cy="44410"/>
             </a:xfrm>
             <a:prstGeom prst="rect">
               <a:avLst/>
@@ -32553,8 +32553,8 @@
           </p:nvSpPr>
           <p:spPr>
             <a:xfrm>
-              <a:off x="6322221" y="4590574"/>
-              <a:ext cx="245719" cy="44410"/>
+              <a:off x="6680561" y="4590574"/>
+              <a:ext cx="348102" cy="44410"/>
             </a:xfrm>
             <a:prstGeom prst="rect">
               <a:avLst/>
@@ -32588,8 +32588,8 @@
           </p:nvSpPr>
           <p:spPr>
             <a:xfrm>
-              <a:off x="6322221" y="4546163"/>
-              <a:ext cx="245719" cy="44410"/>
+              <a:off x="6680561" y="4546163"/>
+              <a:ext cx="348102" cy="44410"/>
             </a:xfrm>
             <a:prstGeom prst="rect">
               <a:avLst/>
@@ -32623,8 +32623,8 @@
           </p:nvSpPr>
           <p:spPr>
             <a:xfrm>
-              <a:off x="6322221" y="4501752"/>
-              <a:ext cx="245719" cy="44410"/>
+              <a:off x="6680561" y="4501752"/>
+              <a:ext cx="348102" cy="44410"/>
             </a:xfrm>
             <a:prstGeom prst="rect">
               <a:avLst/>
@@ -32658,8 +32658,8 @@
           </p:nvSpPr>
           <p:spPr>
             <a:xfrm>
-              <a:off x="6322221" y="4457341"/>
-              <a:ext cx="245719" cy="44410"/>
+              <a:off x="6680561" y="4457341"/>
+              <a:ext cx="348102" cy="44410"/>
             </a:xfrm>
             <a:prstGeom prst="rect">
               <a:avLst/>
@@ -32693,8 +32693,8 @@
           </p:nvSpPr>
           <p:spPr>
             <a:xfrm>
-              <a:off x="6322221" y="4412930"/>
-              <a:ext cx="245719" cy="44410"/>
+              <a:off x="6680561" y="4412930"/>
+              <a:ext cx="348102" cy="44410"/>
             </a:xfrm>
             <a:prstGeom prst="rect">
               <a:avLst/>
@@ -32728,8 +32728,8 @@
           </p:nvSpPr>
           <p:spPr>
             <a:xfrm>
-              <a:off x="6322221" y="4368519"/>
-              <a:ext cx="245719" cy="44410"/>
+              <a:off x="6680561" y="4368519"/>
+              <a:ext cx="348102" cy="44410"/>
             </a:xfrm>
             <a:prstGeom prst="rect">
               <a:avLst/>
@@ -32763,8 +32763,8 @@
           </p:nvSpPr>
           <p:spPr>
             <a:xfrm>
-              <a:off x="6322221" y="4324108"/>
-              <a:ext cx="245719" cy="44410"/>
+              <a:off x="6680561" y="4324108"/>
+              <a:ext cx="348102" cy="44410"/>
             </a:xfrm>
             <a:prstGeom prst="rect">
               <a:avLst/>
@@ -32798,8 +32798,8 @@
           </p:nvSpPr>
           <p:spPr>
             <a:xfrm>
-              <a:off x="6322221" y="4279697"/>
-              <a:ext cx="245719" cy="44410"/>
+              <a:off x="6680561" y="4279697"/>
+              <a:ext cx="348102" cy="44410"/>
             </a:xfrm>
             <a:prstGeom prst="rect">
               <a:avLst/>
@@ -32833,8 +32833,8 @@
           </p:nvSpPr>
           <p:spPr>
             <a:xfrm>
-              <a:off x="6322221" y="4235286"/>
-              <a:ext cx="245719" cy="44410"/>
+              <a:off x="6680561" y="4235286"/>
+              <a:ext cx="348102" cy="44410"/>
             </a:xfrm>
             <a:prstGeom prst="rect">
               <a:avLst/>
@@ -32868,8 +32868,8 @@
           </p:nvSpPr>
           <p:spPr>
             <a:xfrm>
-              <a:off x="6322221" y="4190876"/>
-              <a:ext cx="245719" cy="44410"/>
+              <a:off x="6680561" y="4190876"/>
+              <a:ext cx="348102" cy="44410"/>
             </a:xfrm>
             <a:prstGeom prst="rect">
               <a:avLst/>
@@ -32903,8 +32903,8 @@
           </p:nvSpPr>
           <p:spPr>
             <a:xfrm>
-              <a:off x="6322221" y="4146465"/>
-              <a:ext cx="245719" cy="44410"/>
+              <a:off x="6680561" y="4146465"/>
+              <a:ext cx="348102" cy="44410"/>
             </a:xfrm>
             <a:prstGeom prst="rect">
               <a:avLst/>
@@ -32938,8 +32938,8 @@
           </p:nvSpPr>
           <p:spPr>
             <a:xfrm>
-              <a:off x="6322221" y="4102054"/>
-              <a:ext cx="245719" cy="44410"/>
+              <a:off x="6680561" y="4102054"/>
+              <a:ext cx="348102" cy="44410"/>
             </a:xfrm>
             <a:prstGeom prst="rect">
               <a:avLst/>
@@ -32973,8 +32973,8 @@
           </p:nvSpPr>
           <p:spPr>
             <a:xfrm>
-              <a:off x="6322221" y="4057643"/>
-              <a:ext cx="245719" cy="44410"/>
+              <a:off x="6680561" y="4057643"/>
+              <a:ext cx="348102" cy="44410"/>
             </a:xfrm>
             <a:prstGeom prst="rect">
               <a:avLst/>
@@ -33008,8 +33008,8 @@
           </p:nvSpPr>
           <p:spPr>
             <a:xfrm>
-              <a:off x="6322221" y="4013232"/>
-              <a:ext cx="245719" cy="44410"/>
+              <a:off x="6680561" y="4013232"/>
+              <a:ext cx="348102" cy="44410"/>
             </a:xfrm>
             <a:prstGeom prst="rect">
               <a:avLst/>
@@ -33043,8 +33043,8 @@
           </p:nvSpPr>
           <p:spPr>
             <a:xfrm>
-              <a:off x="6322221" y="3968821"/>
-              <a:ext cx="245719" cy="44410"/>
+              <a:off x="6680561" y="3968821"/>
+              <a:ext cx="348102" cy="44410"/>
             </a:xfrm>
             <a:prstGeom prst="rect">
               <a:avLst/>
@@ -33078,8 +33078,8 @@
           </p:nvSpPr>
           <p:spPr>
             <a:xfrm>
-              <a:off x="6322221" y="3924410"/>
-              <a:ext cx="245719" cy="44410"/>
+              <a:off x="6680561" y="3924410"/>
+              <a:ext cx="348102" cy="44410"/>
             </a:xfrm>
             <a:prstGeom prst="rect">
               <a:avLst/>
@@ -33113,8 +33113,8 @@
           </p:nvSpPr>
           <p:spPr>
             <a:xfrm>
-              <a:off x="6322221" y="3879999"/>
-              <a:ext cx="245719" cy="44410"/>
+              <a:off x="6680561" y="3879999"/>
+              <a:ext cx="348102" cy="44410"/>
             </a:xfrm>
             <a:prstGeom prst="rect">
               <a:avLst/>
@@ -33148,8 +33148,8 @@
           </p:nvSpPr>
           <p:spPr>
             <a:xfrm>
-              <a:off x="6322221" y="3835588"/>
-              <a:ext cx="245719" cy="44410"/>
+              <a:off x="6680561" y="3835588"/>
+              <a:ext cx="348102" cy="44410"/>
             </a:xfrm>
             <a:prstGeom prst="rect">
               <a:avLst/>
@@ -33183,8 +33183,8 @@
           </p:nvSpPr>
           <p:spPr>
             <a:xfrm>
-              <a:off x="6322221" y="3791178"/>
-              <a:ext cx="245719" cy="44410"/>
+              <a:off x="6680561" y="3791178"/>
+              <a:ext cx="348102" cy="44410"/>
             </a:xfrm>
             <a:prstGeom prst="rect">
               <a:avLst/>
@@ -33218,8 +33218,8 @@
           </p:nvSpPr>
           <p:spPr>
             <a:xfrm>
-              <a:off x="6322221" y="3746767"/>
-              <a:ext cx="245719" cy="44410"/>
+              <a:off x="6680561" y="3746767"/>
+              <a:ext cx="348102" cy="44410"/>
             </a:xfrm>
             <a:prstGeom prst="rect">
               <a:avLst/>
@@ -33253,8 +33253,8 @@
           </p:nvSpPr>
           <p:spPr>
             <a:xfrm>
-              <a:off x="6322221" y="3702356"/>
-              <a:ext cx="245719" cy="44410"/>
+              <a:off x="6680561" y="3702356"/>
+              <a:ext cx="348102" cy="44410"/>
             </a:xfrm>
             <a:prstGeom prst="rect">
               <a:avLst/>
@@ -33288,8 +33288,8 @@
           </p:nvSpPr>
           <p:spPr>
             <a:xfrm>
-              <a:off x="6322221" y="3657945"/>
-              <a:ext cx="245719" cy="44410"/>
+              <a:off x="6680561" y="3657945"/>
+              <a:ext cx="348102" cy="44410"/>
             </a:xfrm>
             <a:prstGeom prst="rect">
               <a:avLst/>
@@ -33323,8 +33323,8 @@
           </p:nvSpPr>
           <p:spPr>
             <a:xfrm>
-              <a:off x="6322221" y="3613534"/>
-              <a:ext cx="245719" cy="44410"/>
+              <a:off x="6680561" y="3613534"/>
+              <a:ext cx="348102" cy="44410"/>
             </a:xfrm>
             <a:prstGeom prst="rect">
               <a:avLst/>
@@ -33358,8 +33358,8 @@
           </p:nvSpPr>
           <p:spPr>
             <a:xfrm>
-              <a:off x="6322221" y="3569123"/>
-              <a:ext cx="245719" cy="44410"/>
+              <a:off x="6680561" y="3569123"/>
+              <a:ext cx="348102" cy="44410"/>
             </a:xfrm>
             <a:prstGeom prst="rect">
               <a:avLst/>
@@ -33393,8 +33393,8 @@
           </p:nvSpPr>
           <p:spPr>
             <a:xfrm>
-              <a:off x="6322221" y="3524712"/>
-              <a:ext cx="245719" cy="44410"/>
+              <a:off x="6680561" y="3524712"/>
+              <a:ext cx="348102" cy="44410"/>
             </a:xfrm>
             <a:prstGeom prst="rect">
               <a:avLst/>
@@ -33428,8 +33428,8 @@
           </p:nvSpPr>
           <p:spPr>
             <a:xfrm>
-              <a:off x="6322221" y="3480301"/>
-              <a:ext cx="245719" cy="44410"/>
+              <a:off x="6680561" y="3480301"/>
+              <a:ext cx="348102" cy="44410"/>
             </a:xfrm>
             <a:prstGeom prst="rect">
               <a:avLst/>
@@ -33463,8 +33463,8 @@
           </p:nvSpPr>
           <p:spPr>
             <a:xfrm>
-              <a:off x="6322221" y="3435890"/>
-              <a:ext cx="245719" cy="44410"/>
+              <a:off x="6680561" y="3435890"/>
+              <a:ext cx="348102" cy="44410"/>
             </a:xfrm>
             <a:prstGeom prst="rect">
               <a:avLst/>
@@ -33498,8 +33498,8 @@
           </p:nvSpPr>
           <p:spPr>
             <a:xfrm>
-              <a:off x="6322221" y="3391480"/>
-              <a:ext cx="245719" cy="44410"/>
+              <a:off x="6680561" y="3391480"/>
+              <a:ext cx="348102" cy="44410"/>
             </a:xfrm>
             <a:prstGeom prst="rect">
               <a:avLst/>
@@ -33533,8 +33533,8 @@
           </p:nvSpPr>
           <p:spPr>
             <a:xfrm>
-              <a:off x="6322221" y="3347069"/>
-              <a:ext cx="245719" cy="44410"/>
+              <a:off x="6680561" y="3347069"/>
+              <a:ext cx="348102" cy="44410"/>
             </a:xfrm>
             <a:prstGeom prst="rect">
               <a:avLst/>
@@ -33568,8 +33568,8 @@
           </p:nvSpPr>
           <p:spPr>
             <a:xfrm>
-              <a:off x="6322221" y="3302658"/>
-              <a:ext cx="245719" cy="44410"/>
+              <a:off x="6680561" y="3302658"/>
+              <a:ext cx="348102" cy="44410"/>
             </a:xfrm>
             <a:prstGeom prst="rect">
               <a:avLst/>
@@ -33603,8 +33603,8 @@
           </p:nvSpPr>
           <p:spPr>
             <a:xfrm>
-              <a:off x="6322221" y="3258247"/>
-              <a:ext cx="245719" cy="44410"/>
+              <a:off x="6680561" y="3258247"/>
+              <a:ext cx="348102" cy="44410"/>
             </a:xfrm>
             <a:prstGeom prst="rect">
               <a:avLst/>
@@ -33638,8 +33638,8 @@
           </p:nvSpPr>
           <p:spPr>
             <a:xfrm>
-              <a:off x="6322221" y="3213836"/>
-              <a:ext cx="245719" cy="44410"/>
+              <a:off x="6680561" y="3213836"/>
+              <a:ext cx="348102" cy="44410"/>
             </a:xfrm>
             <a:prstGeom prst="rect">
               <a:avLst/>
@@ -33673,8 +33673,8 @@
           </p:nvSpPr>
           <p:spPr>
             <a:xfrm>
-              <a:off x="6322221" y="3169425"/>
-              <a:ext cx="245719" cy="44410"/>
+              <a:off x="6680561" y="3169425"/>
+              <a:ext cx="348102" cy="44410"/>
             </a:xfrm>
             <a:prstGeom prst="rect">
               <a:avLst/>
@@ -33708,8 +33708,8 @@
           </p:nvSpPr>
           <p:spPr>
             <a:xfrm>
-              <a:off x="6322221" y="3125014"/>
-              <a:ext cx="245719" cy="44410"/>
+              <a:off x="6680561" y="3125014"/>
+              <a:ext cx="348102" cy="44410"/>
             </a:xfrm>
             <a:prstGeom prst="rect">
               <a:avLst/>
@@ -33743,8 +33743,8 @@
           </p:nvSpPr>
           <p:spPr>
             <a:xfrm>
-              <a:off x="6322221" y="3080603"/>
-              <a:ext cx="245719" cy="44410"/>
+              <a:off x="6680561" y="3080603"/>
+              <a:ext cx="348102" cy="44410"/>
             </a:xfrm>
             <a:prstGeom prst="rect">
               <a:avLst/>
@@ -33778,8 +33778,8 @@
           </p:nvSpPr>
           <p:spPr>
             <a:xfrm>
-              <a:off x="6322221" y="3036192"/>
-              <a:ext cx="245719" cy="44410"/>
+              <a:off x="6680561" y="3036192"/>
+              <a:ext cx="348102" cy="44410"/>
             </a:xfrm>
             <a:prstGeom prst="rect">
               <a:avLst/>
@@ -33813,8 +33813,8 @@
           </p:nvSpPr>
           <p:spPr>
             <a:xfrm>
-              <a:off x="6322221" y="2991782"/>
-              <a:ext cx="245719" cy="44410"/>
+              <a:off x="6680561" y="2991782"/>
+              <a:ext cx="348102" cy="44410"/>
             </a:xfrm>
             <a:prstGeom prst="rect">
               <a:avLst/>
@@ -33848,8 +33848,8 @@
           </p:nvSpPr>
           <p:spPr>
             <a:xfrm>
-              <a:off x="6322221" y="2947371"/>
-              <a:ext cx="245719" cy="44410"/>
+              <a:off x="6680561" y="2947371"/>
+              <a:ext cx="348102" cy="44410"/>
             </a:xfrm>
             <a:prstGeom prst="rect">
               <a:avLst/>
@@ -33883,8 +33883,8 @@
           </p:nvSpPr>
           <p:spPr>
             <a:xfrm>
-              <a:off x="6322221" y="2902960"/>
-              <a:ext cx="245719" cy="44410"/>
+              <a:off x="6680561" y="2902960"/>
+              <a:ext cx="348102" cy="44410"/>
             </a:xfrm>
             <a:prstGeom prst="rect">
               <a:avLst/>
@@ -33918,8 +33918,8 @@
           </p:nvSpPr>
           <p:spPr>
             <a:xfrm>
-              <a:off x="6322221" y="2858549"/>
-              <a:ext cx="245719" cy="44410"/>
+              <a:off x="6680561" y="2858549"/>
+              <a:ext cx="348102" cy="44410"/>
             </a:xfrm>
             <a:prstGeom prst="rect">
               <a:avLst/>
@@ -33953,8 +33953,8 @@
           </p:nvSpPr>
           <p:spPr>
             <a:xfrm>
-              <a:off x="6322221" y="2814138"/>
-              <a:ext cx="245719" cy="44410"/>
+              <a:off x="6680561" y="2814138"/>
+              <a:ext cx="348102" cy="44410"/>
             </a:xfrm>
             <a:prstGeom prst="rect">
               <a:avLst/>
@@ -33988,8 +33988,8 @@
           </p:nvSpPr>
           <p:spPr>
             <a:xfrm>
-              <a:off x="6322221" y="2769727"/>
-              <a:ext cx="245719" cy="44410"/>
+              <a:off x="6680561" y="2769727"/>
+              <a:ext cx="348102" cy="44410"/>
             </a:xfrm>
             <a:prstGeom prst="rect">
               <a:avLst/>
@@ -34023,8 +34023,8 @@
           </p:nvSpPr>
           <p:spPr>
             <a:xfrm>
-              <a:off x="6322221" y="2725316"/>
-              <a:ext cx="245719" cy="44410"/>
+              <a:off x="6680561" y="2725316"/>
+              <a:ext cx="348102" cy="44410"/>
             </a:xfrm>
             <a:prstGeom prst="rect">
               <a:avLst/>
@@ -34058,8 +34058,8 @@
           </p:nvSpPr>
           <p:spPr>
             <a:xfrm>
-              <a:off x="6322221" y="2680905"/>
-              <a:ext cx="245719" cy="44410"/>
+              <a:off x="6680561" y="2680905"/>
+              <a:ext cx="348102" cy="44410"/>
             </a:xfrm>
             <a:prstGeom prst="rect">
               <a:avLst/>
@@ -34093,8 +34093,8 @@
           </p:nvSpPr>
           <p:spPr>
             <a:xfrm>
-              <a:off x="6322221" y="2636494"/>
-              <a:ext cx="245719" cy="44410"/>
+              <a:off x="6680561" y="2636494"/>
+              <a:ext cx="348102" cy="44410"/>
             </a:xfrm>
             <a:prstGeom prst="rect">
               <a:avLst/>
@@ -34128,8 +34128,8 @@
           </p:nvSpPr>
           <p:spPr>
             <a:xfrm>
-              <a:off x="6322221" y="2592084"/>
-              <a:ext cx="245719" cy="44410"/>
+              <a:off x="6680561" y="2592084"/>
+              <a:ext cx="348102" cy="44410"/>
             </a:xfrm>
             <a:prstGeom prst="rect">
               <a:avLst/>
@@ -34163,8 +34163,8 @@
           </p:nvSpPr>
           <p:spPr>
             <a:xfrm>
-              <a:off x="6322221" y="2547673"/>
-              <a:ext cx="245719" cy="44410"/>
+              <a:off x="6680561" y="2547673"/>
+              <a:ext cx="348102" cy="44410"/>
             </a:xfrm>
             <a:prstGeom prst="rect">
               <a:avLst/>
@@ -34198,8 +34198,8 @@
           </p:nvSpPr>
           <p:spPr>
             <a:xfrm>
-              <a:off x="6322221" y="2503262"/>
-              <a:ext cx="245719" cy="44410"/>
+              <a:off x="6680561" y="2503262"/>
+              <a:ext cx="348102" cy="44410"/>
             </a:xfrm>
             <a:prstGeom prst="rect">
               <a:avLst/>
@@ -34233,8 +34233,8 @@
           </p:nvSpPr>
           <p:spPr>
             <a:xfrm>
-              <a:off x="6322221" y="2458851"/>
-              <a:ext cx="245719" cy="44410"/>
+              <a:off x="6680561" y="2458851"/>
+              <a:ext cx="348102" cy="44410"/>
             </a:xfrm>
             <a:prstGeom prst="rect">
               <a:avLst/>
@@ -34268,8 +34268,8 @@
           </p:nvSpPr>
           <p:spPr>
             <a:xfrm>
-              <a:off x="6322221" y="2414440"/>
-              <a:ext cx="245719" cy="44410"/>
+              <a:off x="6680561" y="2414440"/>
+              <a:ext cx="348102" cy="44410"/>
             </a:xfrm>
             <a:prstGeom prst="rect">
               <a:avLst/>
@@ -34303,8 +34303,8 @@
           </p:nvSpPr>
           <p:spPr>
             <a:xfrm>
-              <a:off x="6322221" y="2370029"/>
-              <a:ext cx="245719" cy="44410"/>
+              <a:off x="6680561" y="2370029"/>
+              <a:ext cx="348102" cy="44410"/>
             </a:xfrm>
             <a:prstGeom prst="rect">
               <a:avLst/>
@@ -34338,8 +34338,8 @@
           </p:nvSpPr>
           <p:spPr>
             <a:xfrm>
-              <a:off x="6322221" y="2325618"/>
-              <a:ext cx="245719" cy="44410"/>
+              <a:off x="6680561" y="2325618"/>
+              <a:ext cx="348102" cy="44410"/>
             </a:xfrm>
             <a:prstGeom prst="rect">
               <a:avLst/>
@@ -34373,8 +34373,8 @@
           </p:nvSpPr>
           <p:spPr>
             <a:xfrm>
-              <a:off x="6322221" y="2281207"/>
-              <a:ext cx="245719" cy="44410"/>
+              <a:off x="6680561" y="2281207"/>
+              <a:ext cx="348102" cy="44410"/>
             </a:xfrm>
             <a:prstGeom prst="rect">
               <a:avLst/>
@@ -34408,8 +34408,8 @@
           </p:nvSpPr>
           <p:spPr>
             <a:xfrm>
-              <a:off x="6322221" y="2236796"/>
-              <a:ext cx="245719" cy="44410"/>
+              <a:off x="6680561" y="2236796"/>
+              <a:ext cx="348102" cy="44410"/>
             </a:xfrm>
             <a:prstGeom prst="rect">
               <a:avLst/>
@@ -34443,8 +34443,8 @@
           </p:nvSpPr>
           <p:spPr>
             <a:xfrm>
-              <a:off x="6322221" y="2192386"/>
-              <a:ext cx="245719" cy="44410"/>
+              <a:off x="6680561" y="2192386"/>
+              <a:ext cx="348102" cy="44410"/>
             </a:xfrm>
             <a:prstGeom prst="rect">
               <a:avLst/>
@@ -34478,8 +34478,8 @@
           </p:nvSpPr>
           <p:spPr>
             <a:xfrm>
-              <a:off x="6322221" y="2147975"/>
-              <a:ext cx="245719" cy="44410"/>
+              <a:off x="6680561" y="2147975"/>
+              <a:ext cx="348102" cy="44410"/>
             </a:xfrm>
             <a:prstGeom prst="rect">
               <a:avLst/>
@@ -34513,8 +34513,8 @@
           </p:nvSpPr>
           <p:spPr>
             <a:xfrm>
-              <a:off x="6322221" y="2103564"/>
-              <a:ext cx="245719" cy="44410"/>
+              <a:off x="6680561" y="2103564"/>
+              <a:ext cx="348102" cy="44410"/>
             </a:xfrm>
             <a:prstGeom prst="rect">
               <a:avLst/>
@@ -34548,8 +34548,8 @@
           </p:nvSpPr>
           <p:spPr>
             <a:xfrm>
-              <a:off x="6322221" y="2059153"/>
-              <a:ext cx="245719" cy="44410"/>
+              <a:off x="6680561" y="2059153"/>
+              <a:ext cx="348102" cy="44410"/>
             </a:xfrm>
             <a:prstGeom prst="rect">
               <a:avLst/>
@@ -34583,8 +34583,8 @@
           </p:nvSpPr>
           <p:spPr>
             <a:xfrm>
-              <a:off x="6322221" y="2014742"/>
-              <a:ext cx="245719" cy="44410"/>
+              <a:off x="6680561" y="2014742"/>
+              <a:ext cx="348102" cy="44410"/>
             </a:xfrm>
             <a:prstGeom prst="rect">
               <a:avLst/>
@@ -34618,8 +34618,8 @@
           </p:nvSpPr>
           <p:spPr>
             <a:xfrm>
-              <a:off x="6322221" y="1970331"/>
-              <a:ext cx="245719" cy="44410"/>
+              <a:off x="6680561" y="1970331"/>
+              <a:ext cx="348102" cy="44410"/>
             </a:xfrm>
             <a:prstGeom prst="rect">
               <a:avLst/>
@@ -34653,8 +34653,8 @@
           </p:nvSpPr>
           <p:spPr>
             <a:xfrm>
-              <a:off x="6322221" y="1925920"/>
-              <a:ext cx="245719" cy="44410"/>
+              <a:off x="6680561" y="1925920"/>
+              <a:ext cx="348102" cy="44410"/>
             </a:xfrm>
             <a:prstGeom prst="rect">
               <a:avLst/>
@@ -34688,8 +34688,8 @@
           </p:nvSpPr>
           <p:spPr>
             <a:xfrm>
-              <a:off x="6322221" y="1881509"/>
-              <a:ext cx="245719" cy="44410"/>
+              <a:off x="6680561" y="1881509"/>
+              <a:ext cx="348102" cy="44410"/>
             </a:xfrm>
             <a:prstGeom prst="rect">
               <a:avLst/>
@@ -34723,8 +34723,8 @@
           </p:nvSpPr>
           <p:spPr>
             <a:xfrm>
-              <a:off x="6322221" y="1837098"/>
-              <a:ext cx="245719" cy="44410"/>
+              <a:off x="6680561" y="1837098"/>
+              <a:ext cx="348102" cy="44410"/>
             </a:xfrm>
             <a:prstGeom prst="rect">
               <a:avLst/>
@@ -34758,8 +34758,8 @@
           </p:nvSpPr>
           <p:spPr>
             <a:xfrm>
-              <a:off x="6322221" y="1792688"/>
-              <a:ext cx="245719" cy="44410"/>
+              <a:off x="6680561" y="1792688"/>
+              <a:ext cx="348102" cy="44410"/>
             </a:xfrm>
             <a:prstGeom prst="rect">
               <a:avLst/>
@@ -34793,8 +34793,8 @@
           </p:nvSpPr>
           <p:spPr>
             <a:xfrm>
-              <a:off x="6322221" y="1748277"/>
-              <a:ext cx="245719" cy="44410"/>
+              <a:off x="6680561" y="1748277"/>
+              <a:ext cx="348102" cy="44410"/>
             </a:xfrm>
             <a:prstGeom prst="rect">
               <a:avLst/>
@@ -34828,8 +34828,8 @@
           </p:nvSpPr>
           <p:spPr>
             <a:xfrm>
-              <a:off x="6322221" y="1703866"/>
-              <a:ext cx="245719" cy="44410"/>
+              <a:off x="6680561" y="1703866"/>
+              <a:ext cx="348102" cy="44410"/>
             </a:xfrm>
             <a:prstGeom prst="rect">
               <a:avLst/>
@@ -34863,8 +34863,8 @@
           </p:nvSpPr>
           <p:spPr>
             <a:xfrm>
-              <a:off x="6322221" y="1659455"/>
-              <a:ext cx="245719" cy="44410"/>
+              <a:off x="6680561" y="1659455"/>
+              <a:ext cx="348102" cy="44410"/>
             </a:xfrm>
             <a:prstGeom prst="rect">
               <a:avLst/>
@@ -34898,8 +34898,8 @@
           </p:nvSpPr>
           <p:spPr>
             <a:xfrm>
-              <a:off x="6322221" y="1615044"/>
-              <a:ext cx="245719" cy="44410"/>
+              <a:off x="6680561" y="1615044"/>
+              <a:ext cx="348102" cy="44410"/>
             </a:xfrm>
             <a:prstGeom prst="rect">
               <a:avLst/>
@@ -34933,8 +34933,8 @@
           </p:nvSpPr>
           <p:spPr>
             <a:xfrm>
-              <a:off x="6322221" y="1570633"/>
-              <a:ext cx="245719" cy="44410"/>
+              <a:off x="6680561" y="1570633"/>
+              <a:ext cx="348102" cy="44410"/>
             </a:xfrm>
             <a:prstGeom prst="rect">
               <a:avLst/>
@@ -34968,8 +34968,8 @@
           </p:nvSpPr>
           <p:spPr>
             <a:xfrm>
-              <a:off x="6322221" y="1526222"/>
-              <a:ext cx="245719" cy="44410"/>
+              <a:off x="6680561" y="1526222"/>
+              <a:ext cx="348102" cy="44410"/>
             </a:xfrm>
             <a:prstGeom prst="rect">
               <a:avLst/>
@@ -35003,8 +35003,8 @@
           </p:nvSpPr>
           <p:spPr>
             <a:xfrm>
-              <a:off x="6322221" y="1481811"/>
-              <a:ext cx="245719" cy="44410"/>
+              <a:off x="6680561" y="1481811"/>
+              <a:ext cx="348102" cy="44410"/>
             </a:xfrm>
             <a:prstGeom prst="rect">
               <a:avLst/>
@@ -35038,8 +35038,8 @@
           </p:nvSpPr>
           <p:spPr>
             <a:xfrm>
-              <a:off x="6322221" y="1437400"/>
-              <a:ext cx="245719" cy="44410"/>
+              <a:off x="6680561" y="1437400"/>
+              <a:ext cx="348102" cy="44410"/>
             </a:xfrm>
             <a:prstGeom prst="rect">
               <a:avLst/>
@@ -35073,8 +35073,8 @@
           </p:nvSpPr>
           <p:spPr>
             <a:xfrm>
-              <a:off x="6322221" y="1392990"/>
-              <a:ext cx="245719" cy="44410"/>
+              <a:off x="6680561" y="1392990"/>
+              <a:ext cx="348102" cy="44410"/>
             </a:xfrm>
             <a:prstGeom prst="rect">
               <a:avLst/>
@@ -35108,8 +35108,8 @@
           </p:nvSpPr>
           <p:spPr>
             <a:xfrm>
-              <a:off x="6567940" y="7166405"/>
-              <a:ext cx="245719" cy="44410"/>
+              <a:off x="7028663" y="7166405"/>
+              <a:ext cx="348102" cy="44410"/>
             </a:xfrm>
             <a:prstGeom prst="rect">
               <a:avLst/>
@@ -35143,8 +35143,8 @@
           </p:nvSpPr>
           <p:spPr>
             <a:xfrm>
-              <a:off x="6567940" y="7121994"/>
-              <a:ext cx="245719" cy="44410"/>
+              <a:off x="7028663" y="7121994"/>
+              <a:ext cx="348102" cy="44410"/>
             </a:xfrm>
             <a:prstGeom prst="rect">
               <a:avLst/>
@@ -35178,8 +35178,8 @@
           </p:nvSpPr>
           <p:spPr>
             <a:xfrm>
-              <a:off x="6567940" y="7077583"/>
-              <a:ext cx="245719" cy="44410"/>
+              <a:off x="7028663" y="7077583"/>
+              <a:ext cx="348102" cy="44410"/>
             </a:xfrm>
             <a:prstGeom prst="rect">
               <a:avLst/>
@@ -35213,8 +35213,8 @@
           </p:nvSpPr>
           <p:spPr>
             <a:xfrm>
-              <a:off x="6567940" y="7033172"/>
-              <a:ext cx="245719" cy="44410"/>
+              <a:off x="7028663" y="7033172"/>
+              <a:ext cx="348102" cy="44410"/>
             </a:xfrm>
             <a:prstGeom prst="rect">
               <a:avLst/>
@@ -35248,8 +35248,8 @@
           </p:nvSpPr>
           <p:spPr>
             <a:xfrm>
-              <a:off x="6567940" y="6988761"/>
-              <a:ext cx="245719" cy="44410"/>
+              <a:off x="7028663" y="6988761"/>
+              <a:ext cx="348102" cy="44410"/>
             </a:xfrm>
             <a:prstGeom prst="rect">
               <a:avLst/>
@@ -35283,8 +35283,8 @@
           </p:nvSpPr>
           <p:spPr>
             <a:xfrm>
-              <a:off x="6567940" y="6944351"/>
-              <a:ext cx="245719" cy="44410"/>
+              <a:off x="7028663" y="6944351"/>
+              <a:ext cx="348102" cy="44410"/>
             </a:xfrm>
             <a:prstGeom prst="rect">
               <a:avLst/>
@@ -35318,8 +35318,8 @@
           </p:nvSpPr>
           <p:spPr>
             <a:xfrm>
-              <a:off x="6567940" y="6899940"/>
-              <a:ext cx="245719" cy="44410"/>
+              <a:off x="7028663" y="6899940"/>
+              <a:ext cx="348102" cy="44410"/>
             </a:xfrm>
             <a:prstGeom prst="rect">
               <a:avLst/>
@@ -35353,8 +35353,8 @@
           </p:nvSpPr>
           <p:spPr>
             <a:xfrm>
-              <a:off x="6567940" y="6855529"/>
-              <a:ext cx="245719" cy="44410"/>
+              <a:off x="7028663" y="6855529"/>
+              <a:ext cx="348102" cy="44410"/>
             </a:xfrm>
             <a:prstGeom prst="rect">
               <a:avLst/>
@@ -35388,8 +35388,8 @@
           </p:nvSpPr>
           <p:spPr>
             <a:xfrm>
-              <a:off x="6567940" y="6811118"/>
-              <a:ext cx="245719" cy="44410"/>
+              <a:off x="7028663" y="6811118"/>
+              <a:ext cx="348102" cy="44410"/>
             </a:xfrm>
             <a:prstGeom prst="rect">
               <a:avLst/>
@@ -35423,8 +35423,8 @@
           </p:nvSpPr>
           <p:spPr>
             <a:xfrm>
-              <a:off x="6567940" y="6766707"/>
-              <a:ext cx="245719" cy="44410"/>
+              <a:off x="7028663" y="6766707"/>
+              <a:ext cx="348102" cy="44410"/>
             </a:xfrm>
             <a:prstGeom prst="rect">
               <a:avLst/>
@@ -35458,8 +35458,8 @@
           </p:nvSpPr>
           <p:spPr>
             <a:xfrm>
-              <a:off x="6567940" y="6722296"/>
-              <a:ext cx="245719" cy="44410"/>
+              <a:off x="7028663" y="6722296"/>
+              <a:ext cx="348102" cy="44410"/>
             </a:xfrm>
             <a:prstGeom prst="rect">
               <a:avLst/>
@@ -35493,8 +35493,8 @@
           </p:nvSpPr>
           <p:spPr>
             <a:xfrm>
-              <a:off x="6567940" y="6677885"/>
-              <a:ext cx="245719" cy="44410"/>
+              <a:off x="7028663" y="6677885"/>
+              <a:ext cx="348102" cy="44410"/>
             </a:xfrm>
             <a:prstGeom prst="rect">
               <a:avLst/>
@@ -35528,8 +35528,8 @@
           </p:nvSpPr>
           <p:spPr>
             <a:xfrm>
-              <a:off x="6567940" y="6633474"/>
-              <a:ext cx="245719" cy="44410"/>
+              <a:off x="7028663" y="6633474"/>
+              <a:ext cx="348102" cy="44410"/>
             </a:xfrm>
             <a:prstGeom prst="rect">
               <a:avLst/>
@@ -35563,8 +35563,8 @@
           </p:nvSpPr>
           <p:spPr>
             <a:xfrm>
-              <a:off x="6567940" y="6589063"/>
-              <a:ext cx="245719" cy="44410"/>
+              <a:off x="7028663" y="6589063"/>
+              <a:ext cx="348102" cy="44410"/>
             </a:xfrm>
             <a:prstGeom prst="rect">
               <a:avLst/>
@@ -35598,8 +35598,8 @@
           </p:nvSpPr>
           <p:spPr>
             <a:xfrm>
-              <a:off x="6567940" y="6544653"/>
-              <a:ext cx="245719" cy="44410"/>
+              <a:off x="7028663" y="6544653"/>
+              <a:ext cx="348102" cy="44410"/>
             </a:xfrm>
             <a:prstGeom prst="rect">
               <a:avLst/>
@@ -35633,8 +35633,8 @@
           </p:nvSpPr>
           <p:spPr>
             <a:xfrm>
-              <a:off x="6567940" y="6500242"/>
-              <a:ext cx="245719" cy="44410"/>
+              <a:off x="7028663" y="6500242"/>
+              <a:ext cx="348102" cy="44410"/>
             </a:xfrm>
             <a:prstGeom prst="rect">
               <a:avLst/>
@@ -35668,8 +35668,8 @@
           </p:nvSpPr>
           <p:spPr>
             <a:xfrm>
-              <a:off x="6567940" y="6455831"/>
-              <a:ext cx="245719" cy="44410"/>
+              <a:off x="7028663" y="6455831"/>
+              <a:ext cx="348102" cy="44410"/>
             </a:xfrm>
             <a:prstGeom prst="rect">
               <a:avLst/>
@@ -35703,8 +35703,8 @@
           </p:nvSpPr>
           <p:spPr>
             <a:xfrm>
-              <a:off x="6567940" y="6411420"/>
-              <a:ext cx="245719" cy="44410"/>
+              <a:off x="7028663" y="6411420"/>
+              <a:ext cx="348102" cy="44410"/>
             </a:xfrm>
             <a:prstGeom prst="rect">
               <a:avLst/>
@@ -35738,8 +35738,8 @@
           </p:nvSpPr>
           <p:spPr>
             <a:xfrm>
-              <a:off x="6567940" y="6367009"/>
-              <a:ext cx="245719" cy="44410"/>
+              <a:off x="7028663" y="6367009"/>
+              <a:ext cx="348102" cy="44410"/>
             </a:xfrm>
             <a:prstGeom prst="rect">
               <a:avLst/>
@@ -35773,8 +35773,8 @@
           </p:nvSpPr>
           <p:spPr>
             <a:xfrm>
-              <a:off x="6567940" y="6322598"/>
-              <a:ext cx="245719" cy="44410"/>
+              <a:off x="7028663" y="6322598"/>
+              <a:ext cx="348102" cy="44410"/>
             </a:xfrm>
             <a:prstGeom prst="rect">
               <a:avLst/>
@@ -35808,8 +35808,8 @@
           </p:nvSpPr>
           <p:spPr>
             <a:xfrm>
-              <a:off x="6567940" y="6278187"/>
-              <a:ext cx="245719" cy="44410"/>
+              <a:off x="7028663" y="6278187"/>
+              <a:ext cx="348102" cy="44410"/>
             </a:xfrm>
             <a:prstGeom prst="rect">
               <a:avLst/>
@@ -35843,8 +35843,8 @@
           </p:nvSpPr>
           <p:spPr>
             <a:xfrm>
-              <a:off x="6567940" y="6233776"/>
-              <a:ext cx="245719" cy="44410"/>
+              <a:off x="7028663" y="6233776"/>
+              <a:ext cx="348102" cy="44410"/>
             </a:xfrm>
             <a:prstGeom prst="rect">
               <a:avLst/>
@@ -35878,8 +35878,8 @@
           </p:nvSpPr>
           <p:spPr>
             <a:xfrm>
-              <a:off x="6567940" y="6189366"/>
-              <a:ext cx="245719" cy="44410"/>
+              <a:off x="7028663" y="6189366"/>
+              <a:ext cx="348102" cy="44410"/>
             </a:xfrm>
             <a:prstGeom prst="rect">
               <a:avLst/>
@@ -35913,8 +35913,8 @@
           </p:nvSpPr>
           <p:spPr>
             <a:xfrm>
-              <a:off x="6567940" y="6144955"/>
-              <a:ext cx="245719" cy="44410"/>
+              <a:off x="7028663" y="6144955"/>
+              <a:ext cx="348102" cy="44410"/>
             </a:xfrm>
             <a:prstGeom prst="rect">
               <a:avLst/>
@@ -35948,8 +35948,8 @@
           </p:nvSpPr>
           <p:spPr>
             <a:xfrm>
-              <a:off x="6567940" y="6100544"/>
-              <a:ext cx="245719" cy="44410"/>
+              <a:off x="7028663" y="6100544"/>
+              <a:ext cx="348102" cy="44410"/>
             </a:xfrm>
             <a:prstGeom prst="rect">
               <a:avLst/>
@@ -35983,8 +35983,8 @@
           </p:nvSpPr>
           <p:spPr>
             <a:xfrm>
-              <a:off x="6567940" y="6056133"/>
-              <a:ext cx="245719" cy="44410"/>
+              <a:off x="7028663" y="6056133"/>
+              <a:ext cx="348102" cy="44410"/>
             </a:xfrm>
             <a:prstGeom prst="rect">
               <a:avLst/>
@@ -36018,8 +36018,8 @@
           </p:nvSpPr>
           <p:spPr>
             <a:xfrm>
-              <a:off x="6567940" y="6011722"/>
-              <a:ext cx="245719" cy="44410"/>
+              <a:off x="7028663" y="6011722"/>
+              <a:ext cx="348102" cy="44410"/>
             </a:xfrm>
             <a:prstGeom prst="rect">
               <a:avLst/>
@@ -36053,8 +36053,8 @@
           </p:nvSpPr>
           <p:spPr>
             <a:xfrm>
-              <a:off x="6567940" y="5967311"/>
-              <a:ext cx="245719" cy="44410"/>
+              <a:off x="7028663" y="5967311"/>
+              <a:ext cx="348102" cy="44410"/>
             </a:xfrm>
             <a:prstGeom prst="rect">
               <a:avLst/>
@@ -36088,8 +36088,8 @@
           </p:nvSpPr>
           <p:spPr>
             <a:xfrm>
-              <a:off x="6567940" y="5922900"/>
-              <a:ext cx="245719" cy="44410"/>
+              <a:off x="7028663" y="5922900"/>
+              <a:ext cx="348102" cy="44410"/>
             </a:xfrm>
             <a:prstGeom prst="rect">
               <a:avLst/>
@@ -36123,8 +36123,8 @@
           </p:nvSpPr>
           <p:spPr>
             <a:xfrm>
-              <a:off x="6567940" y="5878489"/>
-              <a:ext cx="245719" cy="44410"/>
+              <a:off x="7028663" y="5878489"/>
+              <a:ext cx="348102" cy="44410"/>
             </a:xfrm>
             <a:prstGeom prst="rect">
               <a:avLst/>
@@ -36158,8 +36158,8 @@
           </p:nvSpPr>
           <p:spPr>
             <a:xfrm>
-              <a:off x="6567940" y="5834078"/>
-              <a:ext cx="245719" cy="44410"/>
+              <a:off x="7028663" y="5834078"/>
+              <a:ext cx="348102" cy="44410"/>
             </a:xfrm>
             <a:prstGeom prst="rect">
               <a:avLst/>
@@ -36193,8 +36193,8 @@
           </p:nvSpPr>
           <p:spPr>
             <a:xfrm>
-              <a:off x="6567940" y="5789668"/>
-              <a:ext cx="245719" cy="44410"/>
+              <a:off x="7028663" y="5789668"/>
+              <a:ext cx="348102" cy="44410"/>
             </a:xfrm>
             <a:prstGeom prst="rect">
               <a:avLst/>
@@ -36228,8 +36228,8 @@
           </p:nvSpPr>
           <p:spPr>
             <a:xfrm>
-              <a:off x="6567940" y="5745257"/>
-              <a:ext cx="245719" cy="44410"/>
+              <a:off x="7028663" y="5745257"/>
+              <a:ext cx="348102" cy="44410"/>
             </a:xfrm>
             <a:prstGeom prst="rect">
               <a:avLst/>
@@ -36263,8 +36263,8 @@
           </p:nvSpPr>
           <p:spPr>
             <a:xfrm>
-              <a:off x="6567940" y="5700846"/>
-              <a:ext cx="245719" cy="44410"/>
+              <a:off x="7028663" y="5700846"/>
+              <a:ext cx="348102" cy="44410"/>
             </a:xfrm>
             <a:prstGeom prst="rect">
               <a:avLst/>
@@ -36298,8 +36298,8 @@
           </p:nvSpPr>
           <p:spPr>
             <a:xfrm>
-              <a:off x="6567940" y="5656435"/>
-              <a:ext cx="245719" cy="44410"/>
+              <a:off x="7028663" y="5656435"/>
+              <a:ext cx="348102" cy="44410"/>
             </a:xfrm>
             <a:prstGeom prst="rect">
               <a:avLst/>
@@ -36333,8 +36333,8 @@
           </p:nvSpPr>
           <p:spPr>
             <a:xfrm>
-              <a:off x="6567940" y="5612024"/>
-              <a:ext cx="245719" cy="44410"/>
+              <a:off x="7028663" y="5612024"/>
+              <a:ext cx="348102" cy="44410"/>
             </a:xfrm>
             <a:prstGeom prst="rect">
               <a:avLst/>
@@ -36368,8 +36368,8 @@
           </p:nvSpPr>
           <p:spPr>
             <a:xfrm>
-              <a:off x="6567940" y="5567613"/>
-              <a:ext cx="245719" cy="44410"/>
+              <a:off x="7028663" y="5567613"/>
+              <a:ext cx="348102" cy="44410"/>
             </a:xfrm>
             <a:prstGeom prst="rect">
               <a:avLst/>
@@ -36403,8 +36403,8 @@
           </p:nvSpPr>
           <p:spPr>
             <a:xfrm>
-              <a:off x="6567940" y="5523202"/>
-              <a:ext cx="245719" cy="44410"/>
+              <a:off x="7028663" y="5523202"/>
+              <a:ext cx="348102" cy="44410"/>
             </a:xfrm>
             <a:prstGeom prst="rect">
               <a:avLst/>
@@ -36438,8 +36438,8 @@
           </p:nvSpPr>
           <p:spPr>
             <a:xfrm>
-              <a:off x="6567940" y="5478791"/>
-              <a:ext cx="245719" cy="44410"/>
+              <a:off x="7028663" y="5478791"/>
+              <a:ext cx="348102" cy="44410"/>
             </a:xfrm>
             <a:prstGeom prst="rect">
               <a:avLst/>
@@ -36473,8 +36473,8 @@
           </p:nvSpPr>
           <p:spPr>
             <a:xfrm>
-              <a:off x="6567940" y="5434380"/>
-              <a:ext cx="245719" cy="44410"/>
+              <a:off x="7028663" y="5434380"/>
+              <a:ext cx="348102" cy="44410"/>
             </a:xfrm>
             <a:prstGeom prst="rect">
               <a:avLst/>
@@ -36508,8 +36508,8 @@
           </p:nvSpPr>
           <p:spPr>
             <a:xfrm>
-              <a:off x="6567940" y="5389970"/>
-              <a:ext cx="245719" cy="44410"/>
+              <a:off x="7028663" y="5389970"/>
+              <a:ext cx="348102" cy="44410"/>
             </a:xfrm>
             <a:prstGeom prst="rect">
               <a:avLst/>
@@ -36543,8 +36543,8 @@
           </p:nvSpPr>
           <p:spPr>
             <a:xfrm>
-              <a:off x="6567940" y="5345559"/>
-              <a:ext cx="245719" cy="44410"/>
+              <a:off x="7028663" y="5345559"/>
+              <a:ext cx="348102" cy="44410"/>
             </a:xfrm>
             <a:prstGeom prst="rect">
               <a:avLst/>
@@ -36578,8 +36578,8 @@
           </p:nvSpPr>
           <p:spPr>
             <a:xfrm>
-              <a:off x="6567940" y="5301148"/>
-              <a:ext cx="245719" cy="44410"/>
+              <a:off x="7028663" y="5301148"/>
+              <a:ext cx="348102" cy="44410"/>
             </a:xfrm>
             <a:prstGeom prst="rect">
               <a:avLst/>
@@ -36613,8 +36613,8 @@
           </p:nvSpPr>
           <p:spPr>
             <a:xfrm>
-              <a:off x="6567940" y="5256737"/>
-              <a:ext cx="245719" cy="44410"/>
+              <a:off x="7028663" y="5256737"/>
+              <a:ext cx="348102" cy="44410"/>
             </a:xfrm>
             <a:prstGeom prst="rect">
               <a:avLst/>
@@ -36648,8 +36648,8 @@
           </p:nvSpPr>
           <p:spPr>
             <a:xfrm>
-              <a:off x="6567940" y="5212326"/>
-              <a:ext cx="245719" cy="44410"/>
+              <a:off x="7028663" y="5212326"/>
+              <a:ext cx="348102" cy="44410"/>
             </a:xfrm>
             <a:prstGeom prst="rect">
               <a:avLst/>
@@ -36683,8 +36683,8 @@
           </p:nvSpPr>
           <p:spPr>
             <a:xfrm>
-              <a:off x="6567940" y="5167915"/>
-              <a:ext cx="245719" cy="44410"/>
+              <a:off x="7028663" y="5167915"/>
+              <a:ext cx="348102" cy="44410"/>
             </a:xfrm>
             <a:prstGeom prst="rect">
               <a:avLst/>
@@ -36718,8 +36718,8 @@
           </p:nvSpPr>
           <p:spPr>
             <a:xfrm>
-              <a:off x="6567940" y="5123504"/>
-              <a:ext cx="245719" cy="44410"/>
+              <a:off x="7028663" y="5123504"/>
+              <a:ext cx="348102" cy="44410"/>
             </a:xfrm>
             <a:prstGeom prst="rect">
               <a:avLst/>
@@ -36753,8 +36753,8 @@
           </p:nvSpPr>
           <p:spPr>
             <a:xfrm>
-              <a:off x="6567940" y="5079093"/>
-              <a:ext cx="245719" cy="44410"/>
+              <a:off x="7028663" y="5079093"/>
+              <a:ext cx="348102" cy="44410"/>
             </a:xfrm>
             <a:prstGeom prst="rect">
               <a:avLst/>
@@ -36788,8 +36788,8 @@
           </p:nvSpPr>
           <p:spPr>
             <a:xfrm>
-              <a:off x="6567940" y="5034682"/>
-              <a:ext cx="245719" cy="44410"/>
+              <a:off x="7028663" y="5034682"/>
+              <a:ext cx="348102" cy="44410"/>
             </a:xfrm>
             <a:prstGeom prst="rect">
               <a:avLst/>
@@ -36823,8 +36823,8 @@
           </p:nvSpPr>
           <p:spPr>
             <a:xfrm>
-              <a:off x="6567940" y="4990272"/>
-              <a:ext cx="245719" cy="44410"/>
+              <a:off x="7028663" y="4990272"/>
+              <a:ext cx="348102" cy="44410"/>
             </a:xfrm>
             <a:prstGeom prst="rect">
               <a:avLst/>
@@ -36858,8 +36858,8 @@
           </p:nvSpPr>
           <p:spPr>
             <a:xfrm>
-              <a:off x="6567940" y="4945861"/>
-              <a:ext cx="245719" cy="44410"/>
+              <a:off x="7028663" y="4945861"/>
+              <a:ext cx="348102" cy="44410"/>
             </a:xfrm>
             <a:prstGeom prst="rect">
               <a:avLst/>
@@ -36893,8 +36893,8 @@
           </p:nvSpPr>
           <p:spPr>
             <a:xfrm>
-              <a:off x="6567940" y="4901450"/>
-              <a:ext cx="245719" cy="44410"/>
+              <a:off x="7028663" y="4901450"/>
+              <a:ext cx="348102" cy="44410"/>
             </a:xfrm>
             <a:prstGeom prst="rect">
               <a:avLst/>
@@ -36928,8 +36928,8 @@
           </p:nvSpPr>
           <p:spPr>
             <a:xfrm>
-              <a:off x="6567940" y="4857039"/>
-              <a:ext cx="245719" cy="44410"/>
+              <a:off x="7028663" y="4857039"/>
+              <a:ext cx="348102" cy="44410"/>
             </a:xfrm>
             <a:prstGeom prst="rect">
               <a:avLst/>
@@ -36963,8 +36963,8 @@
           </p:nvSpPr>
           <p:spPr>
             <a:xfrm>
-              <a:off x="6567940" y="4812628"/>
-              <a:ext cx="245719" cy="44410"/>
+              <a:off x="7028663" y="4812628"/>
+              <a:ext cx="348102" cy="44410"/>
             </a:xfrm>
             <a:prstGeom prst="rect">
               <a:avLst/>
@@ -36998,8 +36998,8 @@
           </p:nvSpPr>
           <p:spPr>
             <a:xfrm>
-              <a:off x="6567940" y="4768217"/>
-              <a:ext cx="245719" cy="44410"/>
+              <a:off x="7028663" y="4768217"/>
+              <a:ext cx="348102" cy="44410"/>
             </a:xfrm>
             <a:prstGeom prst="rect">
               <a:avLst/>
@@ -37033,8 +37033,8 @@
           </p:nvSpPr>
           <p:spPr>
             <a:xfrm>
-              <a:off x="6567940" y="4723806"/>
-              <a:ext cx="245719" cy="44410"/>
+              <a:off x="7028663" y="4723806"/>
+              <a:ext cx="348102" cy="44410"/>
             </a:xfrm>
             <a:prstGeom prst="rect">
               <a:avLst/>
@@ -37068,8 +37068,8 @@
           </p:nvSpPr>
           <p:spPr>
             <a:xfrm>
-              <a:off x="6567940" y="4679395"/>
-              <a:ext cx="245719" cy="44410"/>
+              <a:off x="7028663" y="4679395"/>
+              <a:ext cx="348102" cy="44410"/>
             </a:xfrm>
             <a:prstGeom prst="rect">
               <a:avLst/>
@@ -37103,8 +37103,8 @@
           </p:nvSpPr>
           <p:spPr>
             <a:xfrm>
-              <a:off x="6567940" y="4634984"/>
-              <a:ext cx="245719" cy="44410"/>
+              <a:off x="7028663" y="4634984"/>
+              <a:ext cx="348102" cy="44410"/>
             </a:xfrm>
             <a:prstGeom prst="rect">
               <a:avLst/>
@@ -37138,8 +37138,8 @@
           </p:nvSpPr>
           <p:spPr>
             <a:xfrm>
-              <a:off x="6567940" y="4590574"/>
-              <a:ext cx="245719" cy="44410"/>
+              <a:off x="7028663" y="4590574"/>
+              <a:ext cx="348102" cy="44410"/>
             </a:xfrm>
             <a:prstGeom prst="rect">
               <a:avLst/>
@@ -37173,8 +37173,8 @@
           </p:nvSpPr>
           <p:spPr>
             <a:xfrm>
-              <a:off x="6567940" y="4546163"/>
-              <a:ext cx="245719" cy="44410"/>
+              <a:off x="7028663" y="4546163"/>
+              <a:ext cx="348102" cy="44410"/>
             </a:xfrm>
             <a:prstGeom prst="rect">
               <a:avLst/>
@@ -37208,8 +37208,8 @@
           </p:nvSpPr>
           <p:spPr>
             <a:xfrm>
-              <a:off x="6567940" y="4501752"/>
-              <a:ext cx="245719" cy="44410"/>
+              <a:off x="7028663" y="4501752"/>
+              <a:ext cx="348102" cy="44410"/>
             </a:xfrm>
             <a:prstGeom prst="rect">
               <a:avLst/>
@@ -37243,8 +37243,8 @@
           </p:nvSpPr>
           <p:spPr>
             <a:xfrm>
-              <a:off x="6567940" y="4457341"/>
-              <a:ext cx="245719" cy="44410"/>
+              <a:off x="7028663" y="4457341"/>
+              <a:ext cx="348102" cy="44410"/>
             </a:xfrm>
             <a:prstGeom prst="rect">
               <a:avLst/>
@@ -37278,8 +37278,8 @@
           </p:nvSpPr>
           <p:spPr>
             <a:xfrm>
-              <a:off x="6567940" y="4412930"/>
-              <a:ext cx="245719" cy="44410"/>
+              <a:off x="7028663" y="4412930"/>
+              <a:ext cx="348102" cy="44410"/>
             </a:xfrm>
             <a:prstGeom prst="rect">
               <a:avLst/>
@@ -37313,8 +37313,8 @@
           </p:nvSpPr>
           <p:spPr>
             <a:xfrm>
-              <a:off x="6567940" y="4368519"/>
-              <a:ext cx="245719" cy="44410"/>
+              <a:off x="7028663" y="4368519"/>
+              <a:ext cx="348102" cy="44410"/>
             </a:xfrm>
             <a:prstGeom prst="rect">
               <a:avLst/>
@@ -37348,8 +37348,8 @@
           </p:nvSpPr>
           <p:spPr>
             <a:xfrm>
-              <a:off x="6567940" y="4324108"/>
-              <a:ext cx="245719" cy="44410"/>
+              <a:off x="7028663" y="4324108"/>
+              <a:ext cx="348102" cy="44410"/>
             </a:xfrm>
             <a:prstGeom prst="rect">
               <a:avLst/>
@@ -37383,8 +37383,8 @@
           </p:nvSpPr>
           <p:spPr>
             <a:xfrm>
-              <a:off x="6567940" y="4279697"/>
-              <a:ext cx="245719" cy="44410"/>
+              <a:off x="7028663" y="4279697"/>
+              <a:ext cx="348102" cy="44410"/>
             </a:xfrm>
             <a:prstGeom prst="rect">
               <a:avLst/>
@@ -37418,8 +37418,8 @@
           </p:nvSpPr>
           <p:spPr>
             <a:xfrm>
-              <a:off x="6567940" y="4235286"/>
-              <a:ext cx="245719" cy="44410"/>
+              <a:off x="7028663" y="4235286"/>
+              <a:ext cx="348102" cy="44410"/>
             </a:xfrm>
             <a:prstGeom prst="rect">
               <a:avLst/>
@@ -37453,8 +37453,8 @@
           </p:nvSpPr>
           <p:spPr>
             <a:xfrm>
-              <a:off x="6567940" y="4190876"/>
-              <a:ext cx="245719" cy="44410"/>
+              <a:off x="7028663" y="4190876"/>
+              <a:ext cx="348102" cy="44410"/>
             </a:xfrm>
             <a:prstGeom prst="rect">
               <a:avLst/>
@@ -37488,8 +37488,8 @@
           </p:nvSpPr>
           <p:spPr>
             <a:xfrm>
-              <a:off x="6567940" y="4146465"/>
-              <a:ext cx="245719" cy="44410"/>
+              <a:off x="7028663" y="4146465"/>
+              <a:ext cx="348102" cy="44410"/>
             </a:xfrm>
             <a:prstGeom prst="rect">
               <a:avLst/>
@@ -37523,8 +37523,8 @@
           </p:nvSpPr>
           <p:spPr>
             <a:xfrm>
-              <a:off x="6567940" y="4102054"/>
-              <a:ext cx="245719" cy="44410"/>
+              <a:off x="7028663" y="4102054"/>
+              <a:ext cx="348102" cy="44410"/>
             </a:xfrm>
             <a:prstGeom prst="rect">
               <a:avLst/>
@@ -37558,8 +37558,8 @@
           </p:nvSpPr>
           <p:spPr>
             <a:xfrm>
-              <a:off x="6567940" y="4057643"/>
-              <a:ext cx="245719" cy="44410"/>
+              <a:off x="7028663" y="4057643"/>
+              <a:ext cx="348102" cy="44410"/>
             </a:xfrm>
             <a:prstGeom prst="rect">
               <a:avLst/>
@@ -37593,8 +37593,8 @@
           </p:nvSpPr>
           <p:spPr>
             <a:xfrm>
-              <a:off x="6567940" y="4013232"/>
-              <a:ext cx="245719" cy="44410"/>
+              <a:off x="7028663" y="4013232"/>
+              <a:ext cx="348102" cy="44410"/>
             </a:xfrm>
             <a:prstGeom prst="rect">
               <a:avLst/>
@@ -37628,8 +37628,8 @@
           </p:nvSpPr>
           <p:spPr>
             <a:xfrm>
-              <a:off x="6567940" y="3968821"/>
-              <a:ext cx="245719" cy="44410"/>
+              <a:off x="7028663" y="3968821"/>
+              <a:ext cx="348102" cy="44410"/>
             </a:xfrm>
             <a:prstGeom prst="rect">
               <a:avLst/>
@@ -37663,8 +37663,8 @@
           </p:nvSpPr>
           <p:spPr>
             <a:xfrm>
-              <a:off x="6567940" y="3924410"/>
-              <a:ext cx="245719" cy="44410"/>
+              <a:off x="7028663" y="3924410"/>
+              <a:ext cx="348102" cy="44410"/>
             </a:xfrm>
             <a:prstGeom prst="rect">
               <a:avLst/>
@@ -37698,8 +37698,8 @@
           </p:nvSpPr>
           <p:spPr>
             <a:xfrm>
-              <a:off x="6567940" y="3879999"/>
-              <a:ext cx="245719" cy="44410"/>
+              <a:off x="7028663" y="3879999"/>
+              <a:ext cx="348102" cy="44410"/>
             </a:xfrm>
             <a:prstGeom prst="rect">
               <a:avLst/>
@@ -37733,8 +37733,8 @@
           </p:nvSpPr>
           <p:spPr>
             <a:xfrm>
-              <a:off x="6567940" y="3835588"/>
-              <a:ext cx="245719" cy="44410"/>
+              <a:off x="7028663" y="3835588"/>
+              <a:ext cx="348102" cy="44410"/>
             </a:xfrm>
             <a:prstGeom prst="rect">
               <a:avLst/>
@@ -37768,8 +37768,8 @@
           </p:nvSpPr>
           <p:spPr>
             <a:xfrm>
-              <a:off x="6567940" y="3791178"/>
-              <a:ext cx="245719" cy="44410"/>
+              <a:off x="7028663" y="3791178"/>
+              <a:ext cx="348102" cy="44410"/>
             </a:xfrm>
             <a:prstGeom prst="rect">
               <a:avLst/>
@@ -37803,8 +37803,8 @@
           </p:nvSpPr>
           <p:spPr>
             <a:xfrm>
-              <a:off x="6567940" y="3746767"/>
-              <a:ext cx="245719" cy="44410"/>
+              <a:off x="7028663" y="3746767"/>
+              <a:ext cx="348102" cy="44410"/>
             </a:xfrm>
             <a:prstGeom prst="rect">
               <a:avLst/>
@@ -37838,8 +37838,8 @@
           </p:nvSpPr>
           <p:spPr>
             <a:xfrm>
-              <a:off x="6567940" y="3702356"/>
-              <a:ext cx="245719" cy="44410"/>
+              <a:off x="7028663" y="3702356"/>
+              <a:ext cx="348102" cy="44410"/>
             </a:xfrm>
             <a:prstGeom prst="rect">
               <a:avLst/>
@@ -37873,8 +37873,8 @@
           </p:nvSpPr>
           <p:spPr>
             <a:xfrm>
-              <a:off x="6567940" y="3657945"/>
-              <a:ext cx="245719" cy="44410"/>
+              <a:off x="7028663" y="3657945"/>
+              <a:ext cx="348102" cy="44410"/>
             </a:xfrm>
             <a:prstGeom prst="rect">
               <a:avLst/>
@@ -37908,8 +37908,8 @@
           </p:nvSpPr>
           <p:spPr>
             <a:xfrm>
-              <a:off x="6567940" y="3613534"/>
-              <a:ext cx="245719" cy="44410"/>
+              <a:off x="7028663" y="3613534"/>
+              <a:ext cx="348102" cy="44410"/>
             </a:xfrm>
             <a:prstGeom prst="rect">
               <a:avLst/>
@@ -37943,8 +37943,8 @@
           </p:nvSpPr>
           <p:spPr>
             <a:xfrm>
-              <a:off x="6567940" y="3569123"/>
-              <a:ext cx="245719" cy="44410"/>
+              <a:off x="7028663" y="3569123"/>
+              <a:ext cx="348102" cy="44410"/>
             </a:xfrm>
             <a:prstGeom prst="rect">
               <a:avLst/>
@@ -37978,8 +37978,8 @@
           </p:nvSpPr>
           <p:spPr>
             <a:xfrm>
-              <a:off x="6567940" y="3524712"/>
-              <a:ext cx="245719" cy="44410"/>
+              <a:off x="7028663" y="3524712"/>
+              <a:ext cx="348102" cy="44410"/>
             </a:xfrm>
             <a:prstGeom prst="rect">
               <a:avLst/>
@@ -38013,8 +38013,8 @@
           </p:nvSpPr>
           <p:spPr>
             <a:xfrm>
-              <a:off x="6567940" y="3480301"/>
-              <a:ext cx="245719" cy="44410"/>
+              <a:off x="7028663" y="3480301"/>
+              <a:ext cx="348102" cy="44410"/>
             </a:xfrm>
             <a:prstGeom prst="rect">
               <a:avLst/>
@@ -38048,8 +38048,8 @@
           </p:nvSpPr>
           <p:spPr>
             <a:xfrm>
-              <a:off x="6567940" y="3435890"/>
-              <a:ext cx="245719" cy="44410"/>
+              <a:off x="7028663" y="3435890"/>
+              <a:ext cx="348102" cy="44410"/>
             </a:xfrm>
             <a:prstGeom prst="rect">
               <a:avLst/>
@@ -38083,8 +38083,8 @@
           </p:nvSpPr>
           <p:spPr>
             <a:xfrm>
-              <a:off x="6567940" y="3391480"/>
-              <a:ext cx="245719" cy="44410"/>
+              <a:off x="7028663" y="3391480"/>
+              <a:ext cx="348102" cy="44410"/>
             </a:xfrm>
             <a:prstGeom prst="rect">
               <a:avLst/>
@@ -38118,8 +38118,8 @@
           </p:nvSpPr>
           <p:spPr>
             <a:xfrm>
-              <a:off x="6567940" y="3347069"/>
-              <a:ext cx="245719" cy="44410"/>
+              <a:off x="7028663" y="3347069"/>
+              <a:ext cx="348102" cy="44410"/>
             </a:xfrm>
             <a:prstGeom prst="rect">
               <a:avLst/>
@@ -38153,8 +38153,8 @@
           </p:nvSpPr>
           <p:spPr>
             <a:xfrm>
-              <a:off x="6567940" y="3302658"/>
-              <a:ext cx="245719" cy="44410"/>
+              <a:off x="7028663" y="3302658"/>
+              <a:ext cx="348102" cy="44410"/>
             </a:xfrm>
             <a:prstGeom prst="rect">
               <a:avLst/>
@@ -38188,8 +38188,8 @@
           </p:nvSpPr>
           <p:spPr>
             <a:xfrm>
-              <a:off x="6567940" y="3258247"/>
-              <a:ext cx="245719" cy="44410"/>
+              <a:off x="7028663" y="3258247"/>
+              <a:ext cx="348102" cy="44410"/>
             </a:xfrm>
             <a:prstGeom prst="rect">
               <a:avLst/>
@@ -38223,8 +38223,8 @@
           </p:nvSpPr>
           <p:spPr>
             <a:xfrm>
-              <a:off x="6567940" y="3213836"/>
-              <a:ext cx="245719" cy="44410"/>
+              <a:off x="7028663" y="3213836"/>
+              <a:ext cx="348102" cy="44410"/>
             </a:xfrm>
             <a:prstGeom prst="rect">
               <a:avLst/>
@@ -38258,8 +38258,8 @@
           </p:nvSpPr>
           <p:spPr>
             <a:xfrm>
-              <a:off x="6567940" y="3169425"/>
-              <a:ext cx="245719" cy="44410"/>
+              <a:off x="7028663" y="3169425"/>
+              <a:ext cx="348102" cy="44410"/>
             </a:xfrm>
             <a:prstGeom prst="rect">
               <a:avLst/>
@@ -38293,8 +38293,8 @@
           </p:nvSpPr>
           <p:spPr>
             <a:xfrm>
-              <a:off x="6567940" y="3125014"/>
-              <a:ext cx="245719" cy="44410"/>
+              <a:off x="7028663" y="3125014"/>
+              <a:ext cx="348102" cy="44410"/>
             </a:xfrm>
             <a:prstGeom prst="rect">
               <a:avLst/>
@@ -38328,8 +38328,8 @@
           </p:nvSpPr>
           <p:spPr>
             <a:xfrm>
-              <a:off x="6567940" y="3080603"/>
-              <a:ext cx="245719" cy="44410"/>
+              <a:off x="7028663" y="3080603"/>
+              <a:ext cx="348102" cy="44410"/>
             </a:xfrm>
             <a:prstGeom prst="rect">
               <a:avLst/>
@@ -38363,8 +38363,8 @@
           </p:nvSpPr>
           <p:spPr>
             <a:xfrm>
-              <a:off x="6567940" y="3036192"/>
-              <a:ext cx="245719" cy="44410"/>
+              <a:off x="7028663" y="3036192"/>
+              <a:ext cx="348102" cy="44410"/>
             </a:xfrm>
             <a:prstGeom prst="rect">
               <a:avLst/>
@@ -38398,8 +38398,8 @@
           </p:nvSpPr>
           <p:spPr>
             <a:xfrm>
-              <a:off x="6567940" y="2991782"/>
-              <a:ext cx="245719" cy="44410"/>
+              <a:off x="7028663" y="2991782"/>
+              <a:ext cx="348102" cy="44410"/>
             </a:xfrm>
             <a:prstGeom prst="rect">
               <a:avLst/>
@@ -38433,8 +38433,8 @@
           </p:nvSpPr>
           <p:spPr>
             <a:xfrm>
-              <a:off x="6567940" y="2947371"/>
-              <a:ext cx="245719" cy="44410"/>
+              <a:off x="7028663" y="2947371"/>
+              <a:ext cx="348102" cy="44410"/>
             </a:xfrm>
             <a:prstGeom prst="rect">
               <a:avLst/>
@@ -38468,8 +38468,8 @@
           </p:nvSpPr>
           <p:spPr>
             <a:xfrm>
-              <a:off x="6567940" y="2902960"/>
-              <a:ext cx="245719" cy="44410"/>
+              <a:off x="7028663" y="2902960"/>
+              <a:ext cx="348102" cy="44410"/>
             </a:xfrm>
             <a:prstGeom prst="rect">
               <a:avLst/>
@@ -38503,8 +38503,8 @@
           </p:nvSpPr>
           <p:spPr>
             <a:xfrm>
-              <a:off x="6567940" y="2858549"/>
-              <a:ext cx="245719" cy="44410"/>
+              <a:off x="7028663" y="2858549"/>
+              <a:ext cx="348102" cy="44410"/>
             </a:xfrm>
             <a:prstGeom prst="rect">
               <a:avLst/>
@@ -38538,8 +38538,8 @@
           </p:nvSpPr>
           <p:spPr>
             <a:xfrm>
-              <a:off x="6567940" y="2814138"/>
-              <a:ext cx="245719" cy="44410"/>
+              <a:off x="7028663" y="2814138"/>
+              <a:ext cx="348102" cy="44410"/>
             </a:xfrm>
             <a:prstGeom prst="rect">
               <a:avLst/>
@@ -38573,8 +38573,8 @@
           </p:nvSpPr>
           <p:spPr>
             <a:xfrm>
-              <a:off x="6567940" y="2769727"/>
-              <a:ext cx="245719" cy="44410"/>
+              <a:off x="7028663" y="2769727"/>
+              <a:ext cx="348102" cy="44410"/>
             </a:xfrm>
             <a:prstGeom prst="rect">
               <a:avLst/>
@@ -38608,8 +38608,8 @@
           </p:nvSpPr>
           <p:spPr>
             <a:xfrm>
-              <a:off x="6567940" y="2725316"/>
-              <a:ext cx="245719" cy="44410"/>
+              <a:off x="7028663" y="2725316"/>
+              <a:ext cx="348102" cy="44410"/>
             </a:xfrm>
             <a:prstGeom prst="rect">
               <a:avLst/>
@@ -38643,8 +38643,8 @@
           </p:nvSpPr>
           <p:spPr>
             <a:xfrm>
-              <a:off x="6567940" y="2680905"/>
-              <a:ext cx="245719" cy="44410"/>
+              <a:off x="7028663" y="2680905"/>
+              <a:ext cx="348102" cy="44410"/>
             </a:xfrm>
             <a:prstGeom prst="rect">
               <a:avLst/>
@@ -38678,8 +38678,8 @@
           </p:nvSpPr>
           <p:spPr>
             <a:xfrm>
-              <a:off x="6567940" y="2636494"/>
-              <a:ext cx="245719" cy="44410"/>
+              <a:off x="7028663" y="2636494"/>
+              <a:ext cx="348102" cy="44410"/>
             </a:xfrm>
             <a:prstGeom prst="rect">
               <a:avLst/>
@@ -38713,8 +38713,8 @@
           </p:nvSpPr>
           <p:spPr>
             <a:xfrm>
-              <a:off x="6567940" y="2592084"/>
-              <a:ext cx="245719" cy="44410"/>
+              <a:off x="7028663" y="2592084"/>
+              <a:ext cx="348102" cy="44410"/>
             </a:xfrm>
             <a:prstGeom prst="rect">
               <a:avLst/>
@@ -38748,8 +38748,8 @@
           </p:nvSpPr>
           <p:spPr>
             <a:xfrm>
-              <a:off x="6567940" y="2547673"/>
-              <a:ext cx="245719" cy="44410"/>
+              <a:off x="7028663" y="2547673"/>
+              <a:ext cx="348102" cy="44410"/>
             </a:xfrm>
             <a:prstGeom prst="rect">
               <a:avLst/>
@@ -38783,8 +38783,8 @@
           </p:nvSpPr>
           <p:spPr>
             <a:xfrm>
-              <a:off x="6567940" y="2503262"/>
-              <a:ext cx="245719" cy="44410"/>
+              <a:off x="7028663" y="2503262"/>
+              <a:ext cx="348102" cy="44410"/>
             </a:xfrm>
             <a:prstGeom prst="rect">
               <a:avLst/>
@@ -38818,8 +38818,8 @@
           </p:nvSpPr>
           <p:spPr>
             <a:xfrm>
-              <a:off x="6567940" y="2458851"/>
-              <a:ext cx="245719" cy="44410"/>
+              <a:off x="7028663" y="2458851"/>
+              <a:ext cx="348102" cy="44410"/>
             </a:xfrm>
             <a:prstGeom prst="rect">
               <a:avLst/>
@@ -38853,8 +38853,8 @@
           </p:nvSpPr>
           <p:spPr>
             <a:xfrm>
-              <a:off x="6567940" y="2414440"/>
-              <a:ext cx="245719" cy="44410"/>
+              <a:off x="7028663" y="2414440"/>
+              <a:ext cx="348102" cy="44410"/>
             </a:xfrm>
             <a:prstGeom prst="rect">
               <a:avLst/>
@@ -38888,8 +38888,8 @@
           </p:nvSpPr>
           <p:spPr>
             <a:xfrm>
-              <a:off x="6567940" y="2370029"/>
-              <a:ext cx="245719" cy="44410"/>
+              <a:off x="7028663" y="2370029"/>
+              <a:ext cx="348102" cy="44410"/>
             </a:xfrm>
             <a:prstGeom prst="rect">
               <a:avLst/>
@@ -38923,8 +38923,8 @@
           </p:nvSpPr>
           <p:spPr>
             <a:xfrm>
-              <a:off x="6567940" y="2325618"/>
-              <a:ext cx="245719" cy="44410"/>
+              <a:off x="7028663" y="2325618"/>
+              <a:ext cx="348102" cy="44410"/>
             </a:xfrm>
             <a:prstGeom prst="rect">
               <a:avLst/>
@@ -38958,8 +38958,8 @@
           </p:nvSpPr>
           <p:spPr>
             <a:xfrm>
-              <a:off x="6567940" y="2281207"/>
-              <a:ext cx="245719" cy="44410"/>
+              <a:off x="7028663" y="2281207"/>
+              <a:ext cx="348102" cy="44410"/>
             </a:xfrm>
             <a:prstGeom prst="rect">
               <a:avLst/>
@@ -38993,8 +38993,8 @@
           </p:nvSpPr>
           <p:spPr>
             <a:xfrm>
-              <a:off x="6567940" y="2236796"/>
-              <a:ext cx="245719" cy="44410"/>
+              <a:off x="7028663" y="2236796"/>
+              <a:ext cx="348102" cy="44410"/>
             </a:xfrm>
             <a:prstGeom prst="rect">
               <a:avLst/>
@@ -39028,8 +39028,8 @@
           </p:nvSpPr>
           <p:spPr>
             <a:xfrm>
-              <a:off x="6567940" y="2192386"/>
-              <a:ext cx="245719" cy="44410"/>
+              <a:off x="7028663" y="2192386"/>
+              <a:ext cx="348102" cy="44410"/>
             </a:xfrm>
             <a:prstGeom prst="rect">
               <a:avLst/>
@@ -39063,8 +39063,8 @@
           </p:nvSpPr>
           <p:spPr>
             <a:xfrm>
-              <a:off x="6567940" y="2147975"/>
-              <a:ext cx="245719" cy="44410"/>
+              <a:off x="7028663" y="2147975"/>
+              <a:ext cx="348102" cy="44410"/>
             </a:xfrm>
             <a:prstGeom prst="rect">
               <a:avLst/>
@@ -39098,8 +39098,8 @@
           </p:nvSpPr>
           <p:spPr>
             <a:xfrm>
-              <a:off x="6567940" y="2103564"/>
-              <a:ext cx="245719" cy="44410"/>
+              <a:off x="7028663" y="2103564"/>
+              <a:ext cx="348102" cy="44410"/>
             </a:xfrm>
             <a:prstGeom prst="rect">
               <a:avLst/>
@@ -39133,8 +39133,8 @@
           </p:nvSpPr>
           <p:spPr>
             <a:xfrm>
-              <a:off x="6567940" y="2059153"/>
-              <a:ext cx="245719" cy="44410"/>
+              <a:off x="7028663" y="2059153"/>
+              <a:ext cx="348102" cy="44410"/>
             </a:xfrm>
             <a:prstGeom prst="rect">
               <a:avLst/>
@@ -39168,8 +39168,8 @@
           </p:nvSpPr>
           <p:spPr>
             <a:xfrm>
-              <a:off x="6567940" y="2014742"/>
-              <a:ext cx="245719" cy="44410"/>
+              <a:off x="7028663" y="2014742"/>
+              <a:ext cx="348102" cy="44410"/>
             </a:xfrm>
             <a:prstGeom prst="rect">
               <a:avLst/>
@@ -39203,8 +39203,8 @@
           </p:nvSpPr>
           <p:spPr>
             <a:xfrm>
-              <a:off x="6567940" y="1970331"/>
-              <a:ext cx="245719" cy="44410"/>
+              <a:off x="7028663" y="1970331"/>
+              <a:ext cx="348102" cy="44410"/>
             </a:xfrm>
             <a:prstGeom prst="rect">
               <a:avLst/>
@@ -39238,8 +39238,8 @@
           </p:nvSpPr>
           <p:spPr>
             <a:xfrm>
-              <a:off x="6567940" y="1925920"/>
-              <a:ext cx="245719" cy="44410"/>
+              <a:off x="7028663" y="1925920"/>
+              <a:ext cx="348102" cy="44410"/>
             </a:xfrm>
             <a:prstGeom prst="rect">
               <a:avLst/>
@@ -39273,8 +39273,8 @@
           </p:nvSpPr>
           <p:spPr>
             <a:xfrm>
-              <a:off x="6567940" y="1881509"/>
-              <a:ext cx="245719" cy="44410"/>
+              <a:off x="7028663" y="1881509"/>
+              <a:ext cx="348102" cy="44410"/>
             </a:xfrm>
             <a:prstGeom prst="rect">
               <a:avLst/>
@@ -39308,8 +39308,8 @@
           </p:nvSpPr>
           <p:spPr>
             <a:xfrm>
-              <a:off x="6567940" y="1837098"/>
-              <a:ext cx="245719" cy="44410"/>
+              <a:off x="7028663" y="1837098"/>
+              <a:ext cx="348102" cy="44410"/>
             </a:xfrm>
             <a:prstGeom prst="rect">
               <a:avLst/>
@@ -39343,8 +39343,8 @@
           </p:nvSpPr>
           <p:spPr>
             <a:xfrm>
-              <a:off x="6567940" y="1792688"/>
-              <a:ext cx="245719" cy="44410"/>
+              <a:off x="7028663" y="1792688"/>
+              <a:ext cx="348102" cy="44410"/>
             </a:xfrm>
             <a:prstGeom prst="rect">
               <a:avLst/>
@@ -39378,8 +39378,8 @@
           </p:nvSpPr>
           <p:spPr>
             <a:xfrm>
-              <a:off x="6567940" y="1748277"/>
-              <a:ext cx="245719" cy="44410"/>
+              <a:off x="7028663" y="1748277"/>
+              <a:ext cx="348102" cy="44410"/>
             </a:xfrm>
             <a:prstGeom prst="rect">
               <a:avLst/>
@@ -39413,8 +39413,8 @@
           </p:nvSpPr>
           <p:spPr>
             <a:xfrm>
-              <a:off x="6567940" y="1703866"/>
-              <a:ext cx="245719" cy="44410"/>
+              <a:off x="7028663" y="1703866"/>
+              <a:ext cx="348102" cy="44410"/>
             </a:xfrm>
             <a:prstGeom prst="rect">
               <a:avLst/>
@@ -39448,8 +39448,8 @@
           </p:nvSpPr>
           <p:spPr>
             <a:xfrm>
-              <a:off x="6567940" y="1659455"/>
-              <a:ext cx="245719" cy="44410"/>
+              <a:off x="7028663" y="1659455"/>
+              <a:ext cx="348102" cy="44410"/>
             </a:xfrm>
             <a:prstGeom prst="rect">
               <a:avLst/>
@@ -39483,8 +39483,8 @@
           </p:nvSpPr>
           <p:spPr>
             <a:xfrm>
-              <a:off x="6567940" y="1615044"/>
-              <a:ext cx="245719" cy="44410"/>
+              <a:off x="7028663" y="1615044"/>
+              <a:ext cx="348102" cy="44410"/>
             </a:xfrm>
             <a:prstGeom prst="rect">
               <a:avLst/>
@@ -39518,8 +39518,8 @@
           </p:nvSpPr>
           <p:spPr>
             <a:xfrm>
-              <a:off x="6567940" y="1570633"/>
-              <a:ext cx="245719" cy="44410"/>
+              <a:off x="7028663" y="1570633"/>
+              <a:ext cx="348102" cy="44410"/>
             </a:xfrm>
             <a:prstGeom prst="rect">
               <a:avLst/>
@@ -39553,8 +39553,8 @@
           </p:nvSpPr>
           <p:spPr>
             <a:xfrm>
-              <a:off x="6567940" y="1526222"/>
-              <a:ext cx="245719" cy="44410"/>
+              <a:off x="7028663" y="1526222"/>
+              <a:ext cx="348102" cy="44410"/>
             </a:xfrm>
             <a:prstGeom prst="rect">
               <a:avLst/>
@@ -39588,8 +39588,8 @@
           </p:nvSpPr>
           <p:spPr>
             <a:xfrm>
-              <a:off x="6567940" y="1481811"/>
-              <a:ext cx="245719" cy="44410"/>
+              <a:off x="7028663" y="1481811"/>
+              <a:ext cx="348102" cy="44410"/>
             </a:xfrm>
             <a:prstGeom prst="rect">
               <a:avLst/>
@@ -39623,8 +39623,8 @@
           </p:nvSpPr>
           <p:spPr>
             <a:xfrm>
-              <a:off x="6567940" y="1437400"/>
-              <a:ext cx="245719" cy="44410"/>
+              <a:off x="7028663" y="1437400"/>
+              <a:ext cx="348102" cy="44410"/>
             </a:xfrm>
             <a:prstGeom prst="rect">
               <a:avLst/>
@@ -39658,8 +39658,8 @@
           </p:nvSpPr>
           <p:spPr>
             <a:xfrm>
-              <a:off x="6567940" y="1392990"/>
-              <a:ext cx="245719" cy="44410"/>
+              <a:off x="7028663" y="1392990"/>
+              <a:ext cx="348102" cy="44410"/>
             </a:xfrm>
             <a:prstGeom prst="rect">
               <a:avLst/>
@@ -50999,7 +50999,7 @@
           </p:nvSpPr>
           <p:spPr>
             <a:xfrm>
-              <a:off x="6844374" y="7166405"/>
+              <a:off x="7458672" y="7166405"/>
               <a:ext cx="307148" cy="44410"/>
             </a:xfrm>
             <a:prstGeom prst="rect">
@@ -51034,7 +51034,7 @@
           </p:nvSpPr>
           <p:spPr>
             <a:xfrm>
-              <a:off x="6844374" y="7121994"/>
+              <a:off x="7458672" y="7121994"/>
               <a:ext cx="307148" cy="44410"/>
             </a:xfrm>
             <a:prstGeom prst="rect">
@@ -51069,7 +51069,7 @@
           </p:nvSpPr>
           <p:spPr>
             <a:xfrm>
-              <a:off x="6844374" y="7077583"/>
+              <a:off x="7458672" y="7077583"/>
               <a:ext cx="307148" cy="44410"/>
             </a:xfrm>
             <a:prstGeom prst="rect">
@@ -51104,7 +51104,7 @@
           </p:nvSpPr>
           <p:spPr>
             <a:xfrm>
-              <a:off x="6844374" y="7033172"/>
+              <a:off x="7458672" y="7033172"/>
               <a:ext cx="307148" cy="44410"/>
             </a:xfrm>
             <a:prstGeom prst="rect">
@@ -51139,7 +51139,7 @@
           </p:nvSpPr>
           <p:spPr>
             <a:xfrm>
-              <a:off x="6844374" y="6988761"/>
+              <a:off x="7458672" y="6988761"/>
               <a:ext cx="307148" cy="44410"/>
             </a:xfrm>
             <a:prstGeom prst="rect">
@@ -51174,7 +51174,7 @@
           </p:nvSpPr>
           <p:spPr>
             <a:xfrm>
-              <a:off x="6844374" y="6944351"/>
+              <a:off x="7458672" y="6944351"/>
               <a:ext cx="307148" cy="44410"/>
             </a:xfrm>
             <a:prstGeom prst="rect">
@@ -51209,7 +51209,7 @@
           </p:nvSpPr>
           <p:spPr>
             <a:xfrm>
-              <a:off x="6844374" y="6899940"/>
+              <a:off x="7458672" y="6899940"/>
               <a:ext cx="307148" cy="44410"/>
             </a:xfrm>
             <a:prstGeom prst="rect">
@@ -51244,7 +51244,7 @@
           </p:nvSpPr>
           <p:spPr>
             <a:xfrm>
-              <a:off x="6844374" y="6855529"/>
+              <a:off x="7458672" y="6855529"/>
               <a:ext cx="307148" cy="44410"/>
             </a:xfrm>
             <a:prstGeom prst="rect">
@@ -51279,7 +51279,7 @@
           </p:nvSpPr>
           <p:spPr>
             <a:xfrm>
-              <a:off x="6844374" y="6811118"/>
+              <a:off x="7458672" y="6811118"/>
               <a:ext cx="307148" cy="44410"/>
             </a:xfrm>
             <a:prstGeom prst="rect">
@@ -51314,7 +51314,7 @@
           </p:nvSpPr>
           <p:spPr>
             <a:xfrm>
-              <a:off x="6844374" y="6766707"/>
+              <a:off x="7458672" y="6766707"/>
               <a:ext cx="307148" cy="44410"/>
             </a:xfrm>
             <a:prstGeom prst="rect">
@@ -51349,7 +51349,7 @@
           </p:nvSpPr>
           <p:spPr>
             <a:xfrm>
-              <a:off x="6844374" y="6722296"/>
+              <a:off x="7458672" y="6722296"/>
               <a:ext cx="307148" cy="44410"/>
             </a:xfrm>
             <a:prstGeom prst="rect">
@@ -51384,7 +51384,7 @@
           </p:nvSpPr>
           <p:spPr>
             <a:xfrm>
-              <a:off x="6844374" y="6677885"/>
+              <a:off x="7458672" y="6677885"/>
               <a:ext cx="307148" cy="44410"/>
             </a:xfrm>
             <a:prstGeom prst="rect">
@@ -51419,7 +51419,7 @@
           </p:nvSpPr>
           <p:spPr>
             <a:xfrm>
-              <a:off x="6844374" y="6633474"/>
+              <a:off x="7458672" y="6633474"/>
               <a:ext cx="307148" cy="44410"/>
             </a:xfrm>
             <a:prstGeom prst="rect">
@@ -51454,7 +51454,7 @@
           </p:nvSpPr>
           <p:spPr>
             <a:xfrm>
-              <a:off x="6844374" y="6589063"/>
+              <a:off x="7458672" y="6589063"/>
               <a:ext cx="307148" cy="44410"/>
             </a:xfrm>
             <a:prstGeom prst="rect">
@@ -51489,7 +51489,7 @@
           </p:nvSpPr>
           <p:spPr>
             <a:xfrm>
-              <a:off x="6844374" y="6544653"/>
+              <a:off x="7458672" y="6544653"/>
               <a:ext cx="307148" cy="44410"/>
             </a:xfrm>
             <a:prstGeom prst="rect">
@@ -51524,7 +51524,7 @@
           </p:nvSpPr>
           <p:spPr>
             <a:xfrm>
-              <a:off x="6844374" y="6500242"/>
+              <a:off x="7458672" y="6500242"/>
               <a:ext cx="307148" cy="44410"/>
             </a:xfrm>
             <a:prstGeom prst="rect">
@@ -51559,7 +51559,7 @@
           </p:nvSpPr>
           <p:spPr>
             <a:xfrm>
-              <a:off x="6844374" y="6455831"/>
+              <a:off x="7458672" y="6455831"/>
               <a:ext cx="307148" cy="44410"/>
             </a:xfrm>
             <a:prstGeom prst="rect">
@@ -51594,7 +51594,7 @@
           </p:nvSpPr>
           <p:spPr>
             <a:xfrm>
-              <a:off x="6844374" y="6411420"/>
+              <a:off x="7458672" y="6411420"/>
               <a:ext cx="307148" cy="44410"/>
             </a:xfrm>
             <a:prstGeom prst="rect">
@@ -51629,7 +51629,7 @@
           </p:nvSpPr>
           <p:spPr>
             <a:xfrm>
-              <a:off x="6844374" y="6367009"/>
+              <a:off x="7458672" y="6367009"/>
               <a:ext cx="307148" cy="44410"/>
             </a:xfrm>
             <a:prstGeom prst="rect">
@@ -51664,7 +51664,7 @@
           </p:nvSpPr>
           <p:spPr>
             <a:xfrm>
-              <a:off x="6844374" y="6322598"/>
+              <a:off x="7458672" y="6322598"/>
               <a:ext cx="307148" cy="44410"/>
             </a:xfrm>
             <a:prstGeom prst="rect">
@@ -51699,7 +51699,7 @@
           </p:nvSpPr>
           <p:spPr>
             <a:xfrm>
-              <a:off x="6844374" y="6278187"/>
+              <a:off x="7458672" y="6278187"/>
               <a:ext cx="307148" cy="44410"/>
             </a:xfrm>
             <a:prstGeom prst="rect">
@@ -51734,7 +51734,7 @@
           </p:nvSpPr>
           <p:spPr>
             <a:xfrm>
-              <a:off x="6844374" y="6233776"/>
+              <a:off x="7458672" y="6233776"/>
               <a:ext cx="307148" cy="44410"/>
             </a:xfrm>
             <a:prstGeom prst="rect">
@@ -51769,7 +51769,7 @@
           </p:nvSpPr>
           <p:spPr>
             <a:xfrm>
-              <a:off x="6844374" y="6189366"/>
+              <a:off x="7458672" y="6189366"/>
               <a:ext cx="307148" cy="44410"/>
             </a:xfrm>
             <a:prstGeom prst="rect">
@@ -51804,7 +51804,7 @@
           </p:nvSpPr>
           <p:spPr>
             <a:xfrm>
-              <a:off x="6844374" y="6144955"/>
+              <a:off x="7458672" y="6144955"/>
               <a:ext cx="307148" cy="44410"/>
             </a:xfrm>
             <a:prstGeom prst="rect">
@@ -51839,7 +51839,7 @@
           </p:nvSpPr>
           <p:spPr>
             <a:xfrm>
-              <a:off x="6844374" y="6100544"/>
+              <a:off x="7458672" y="6100544"/>
               <a:ext cx="307148" cy="44410"/>
             </a:xfrm>
             <a:prstGeom prst="rect">
@@ -51874,7 +51874,7 @@
           </p:nvSpPr>
           <p:spPr>
             <a:xfrm>
-              <a:off x="6844374" y="6056133"/>
+              <a:off x="7458672" y="6056133"/>
               <a:ext cx="307148" cy="44410"/>
             </a:xfrm>
             <a:prstGeom prst="rect">
@@ -51909,7 +51909,7 @@
           </p:nvSpPr>
           <p:spPr>
             <a:xfrm>
-              <a:off x="6844374" y="6011722"/>
+              <a:off x="7458672" y="6011722"/>
               <a:ext cx="307148" cy="44410"/>
             </a:xfrm>
             <a:prstGeom prst="rect">
@@ -51944,7 +51944,7 @@
           </p:nvSpPr>
           <p:spPr>
             <a:xfrm>
-              <a:off x="6844374" y="5967311"/>
+              <a:off x="7458672" y="5967311"/>
               <a:ext cx="307148" cy="44410"/>
             </a:xfrm>
             <a:prstGeom prst="rect">
@@ -51979,7 +51979,7 @@
           </p:nvSpPr>
           <p:spPr>
             <a:xfrm>
-              <a:off x="6844374" y="5922900"/>
+              <a:off x="7458672" y="5922900"/>
               <a:ext cx="307148" cy="44410"/>
             </a:xfrm>
             <a:prstGeom prst="rect">
@@ -52014,7 +52014,7 @@
           </p:nvSpPr>
           <p:spPr>
             <a:xfrm>
-              <a:off x="6844374" y="5878489"/>
+              <a:off x="7458672" y="5878489"/>
               <a:ext cx="307148" cy="44410"/>
             </a:xfrm>
             <a:prstGeom prst="rect">
@@ -52049,7 +52049,7 @@
           </p:nvSpPr>
           <p:spPr>
             <a:xfrm>
-              <a:off x="6844374" y="5834078"/>
+              <a:off x="7458672" y="5834078"/>
               <a:ext cx="307148" cy="44410"/>
             </a:xfrm>
             <a:prstGeom prst="rect">
@@ -52084,7 +52084,7 @@
           </p:nvSpPr>
           <p:spPr>
             <a:xfrm>
-              <a:off x="6844374" y="5789668"/>
+              <a:off x="7458672" y="5789668"/>
               <a:ext cx="307148" cy="44410"/>
             </a:xfrm>
             <a:prstGeom prst="rect">
@@ -52119,7 +52119,7 @@
           </p:nvSpPr>
           <p:spPr>
             <a:xfrm>
-              <a:off x="6844374" y="5745257"/>
+              <a:off x="7458672" y="5745257"/>
               <a:ext cx="307148" cy="44410"/>
             </a:xfrm>
             <a:prstGeom prst="rect">
@@ -52154,7 +52154,7 @@
           </p:nvSpPr>
           <p:spPr>
             <a:xfrm>
-              <a:off x="6844374" y="5700846"/>
+              <a:off x="7458672" y="5700846"/>
               <a:ext cx="307148" cy="44410"/>
             </a:xfrm>
             <a:prstGeom prst="rect">
@@ -52189,7 +52189,7 @@
           </p:nvSpPr>
           <p:spPr>
             <a:xfrm>
-              <a:off x="6844374" y="5656435"/>
+              <a:off x="7458672" y="5656435"/>
               <a:ext cx="307148" cy="44410"/>
             </a:xfrm>
             <a:prstGeom prst="rect">
@@ -52224,7 +52224,7 @@
           </p:nvSpPr>
           <p:spPr>
             <a:xfrm>
-              <a:off x="6844374" y="5612024"/>
+              <a:off x="7458672" y="5612024"/>
               <a:ext cx="307148" cy="44410"/>
             </a:xfrm>
             <a:prstGeom prst="rect">
@@ -52259,7 +52259,7 @@
           </p:nvSpPr>
           <p:spPr>
             <a:xfrm>
-              <a:off x="6844374" y="5567613"/>
+              <a:off x="7458672" y="5567613"/>
               <a:ext cx="307148" cy="44410"/>
             </a:xfrm>
             <a:prstGeom prst="rect">
@@ -52294,7 +52294,7 @@
           </p:nvSpPr>
           <p:spPr>
             <a:xfrm>
-              <a:off x="6844374" y="5523202"/>
+              <a:off x="7458672" y="5523202"/>
               <a:ext cx="307148" cy="44410"/>
             </a:xfrm>
             <a:prstGeom prst="rect">
@@ -52329,7 +52329,7 @@
           </p:nvSpPr>
           <p:spPr>
             <a:xfrm>
-              <a:off x="6844374" y="5478791"/>
+              <a:off x="7458672" y="5478791"/>
               <a:ext cx="307148" cy="44410"/>
             </a:xfrm>
             <a:prstGeom prst="rect">
@@ -52364,7 +52364,7 @@
           </p:nvSpPr>
           <p:spPr>
             <a:xfrm>
-              <a:off x="6844374" y="5434380"/>
+              <a:off x="7458672" y="5434380"/>
               <a:ext cx="307148" cy="44410"/>
             </a:xfrm>
             <a:prstGeom prst="rect">
@@ -52399,7 +52399,7 @@
           </p:nvSpPr>
           <p:spPr>
             <a:xfrm>
-              <a:off x="6844374" y="5389970"/>
+              <a:off x="7458672" y="5389970"/>
               <a:ext cx="307148" cy="44410"/>
             </a:xfrm>
             <a:prstGeom prst="rect">
@@ -52434,7 +52434,7 @@
           </p:nvSpPr>
           <p:spPr>
             <a:xfrm>
-              <a:off x="6844374" y="5345559"/>
+              <a:off x="7458672" y="5345559"/>
               <a:ext cx="307148" cy="44410"/>
             </a:xfrm>
             <a:prstGeom prst="rect">
@@ -52469,7 +52469,7 @@
           </p:nvSpPr>
           <p:spPr>
             <a:xfrm>
-              <a:off x="6844374" y="5301148"/>
+              <a:off x="7458672" y="5301148"/>
               <a:ext cx="307148" cy="44410"/>
             </a:xfrm>
             <a:prstGeom prst="rect">
@@ -52504,7 +52504,7 @@
           </p:nvSpPr>
           <p:spPr>
             <a:xfrm>
-              <a:off x="6844374" y="5256737"/>
+              <a:off x="7458672" y="5256737"/>
               <a:ext cx="307148" cy="44410"/>
             </a:xfrm>
             <a:prstGeom prst="rect">
@@ -52539,7 +52539,7 @@
           </p:nvSpPr>
           <p:spPr>
             <a:xfrm>
-              <a:off x="6844374" y="5212326"/>
+              <a:off x="7458672" y="5212326"/>
               <a:ext cx="307148" cy="44410"/>
             </a:xfrm>
             <a:prstGeom prst="rect">
@@ -52574,7 +52574,7 @@
           </p:nvSpPr>
           <p:spPr>
             <a:xfrm>
-              <a:off x="6844374" y="5167915"/>
+              <a:off x="7458672" y="5167915"/>
               <a:ext cx="307148" cy="44410"/>
             </a:xfrm>
             <a:prstGeom prst="rect">
@@ -52609,7 +52609,7 @@
           </p:nvSpPr>
           <p:spPr>
             <a:xfrm>
-              <a:off x="6844374" y="5123504"/>
+              <a:off x="7458672" y="5123504"/>
               <a:ext cx="307148" cy="44410"/>
             </a:xfrm>
             <a:prstGeom prst="rect">
@@ -52644,7 +52644,7 @@
           </p:nvSpPr>
           <p:spPr>
             <a:xfrm>
-              <a:off x="6844374" y="5079093"/>
+              <a:off x="7458672" y="5079093"/>
               <a:ext cx="307148" cy="44410"/>
             </a:xfrm>
             <a:prstGeom prst="rect">
@@ -52679,7 +52679,7 @@
           </p:nvSpPr>
           <p:spPr>
             <a:xfrm>
-              <a:off x="6844374" y="5034682"/>
+              <a:off x="7458672" y="5034682"/>
               <a:ext cx="307148" cy="44410"/>
             </a:xfrm>
             <a:prstGeom prst="rect">
@@ -52714,7 +52714,7 @@
           </p:nvSpPr>
           <p:spPr>
             <a:xfrm>
-              <a:off x="6844374" y="4990272"/>
+              <a:off x="7458672" y="4990272"/>
               <a:ext cx="307148" cy="44410"/>
             </a:xfrm>
             <a:prstGeom prst="rect">
@@ -52749,7 +52749,7 @@
           </p:nvSpPr>
           <p:spPr>
             <a:xfrm>
-              <a:off x="6844374" y="4945861"/>
+              <a:off x="7458672" y="4945861"/>
               <a:ext cx="307148" cy="44410"/>
             </a:xfrm>
             <a:prstGeom prst="rect">
@@ -52784,7 +52784,7 @@
           </p:nvSpPr>
           <p:spPr>
             <a:xfrm>
-              <a:off x="6844374" y="4901450"/>
+              <a:off x="7458672" y="4901450"/>
               <a:ext cx="307148" cy="44410"/>
             </a:xfrm>
             <a:prstGeom prst="rect">
@@ -52819,7 +52819,7 @@
           </p:nvSpPr>
           <p:spPr>
             <a:xfrm>
-              <a:off x="6844374" y="4857039"/>
+              <a:off x="7458672" y="4857039"/>
               <a:ext cx="307148" cy="44410"/>
             </a:xfrm>
             <a:prstGeom prst="rect">
@@ -52854,7 +52854,7 @@
           </p:nvSpPr>
           <p:spPr>
             <a:xfrm>
-              <a:off x="6844374" y="4812628"/>
+              <a:off x="7458672" y="4812628"/>
               <a:ext cx="307148" cy="44410"/>
             </a:xfrm>
             <a:prstGeom prst="rect">
@@ -52889,7 +52889,7 @@
           </p:nvSpPr>
           <p:spPr>
             <a:xfrm>
-              <a:off x="6844374" y="4768217"/>
+              <a:off x="7458672" y="4768217"/>
               <a:ext cx="307148" cy="44410"/>
             </a:xfrm>
             <a:prstGeom prst="rect">
@@ -52924,7 +52924,7 @@
           </p:nvSpPr>
           <p:spPr>
             <a:xfrm>
-              <a:off x="6844374" y="4723806"/>
+              <a:off x="7458672" y="4723806"/>
               <a:ext cx="307148" cy="44410"/>
             </a:xfrm>
             <a:prstGeom prst="rect">
@@ -52959,7 +52959,7 @@
           </p:nvSpPr>
           <p:spPr>
             <a:xfrm>
-              <a:off x="6844374" y="4679395"/>
+              <a:off x="7458672" y="4679395"/>
               <a:ext cx="307148" cy="44410"/>
             </a:xfrm>
             <a:prstGeom prst="rect">
@@ -52994,7 +52994,7 @@
           </p:nvSpPr>
           <p:spPr>
             <a:xfrm>
-              <a:off x="6844374" y="4634984"/>
+              <a:off x="7458672" y="4634984"/>
               <a:ext cx="307148" cy="44410"/>
             </a:xfrm>
             <a:prstGeom prst="rect">
@@ -53029,7 +53029,7 @@
           </p:nvSpPr>
           <p:spPr>
             <a:xfrm>
-              <a:off x="6844374" y="4590574"/>
+              <a:off x="7458672" y="4590574"/>
               <a:ext cx="307148" cy="44410"/>
             </a:xfrm>
             <a:prstGeom prst="rect">
@@ -53064,7 +53064,7 @@
           </p:nvSpPr>
           <p:spPr>
             <a:xfrm>
-              <a:off x="6844374" y="4546163"/>
+              <a:off x="7458672" y="4546163"/>
               <a:ext cx="307148" cy="44410"/>
             </a:xfrm>
             <a:prstGeom prst="rect">
@@ -53099,7 +53099,7 @@
           </p:nvSpPr>
           <p:spPr>
             <a:xfrm>
-              <a:off x="6844374" y="4501752"/>
+              <a:off x="7458672" y="4501752"/>
               <a:ext cx="307148" cy="44410"/>
             </a:xfrm>
             <a:prstGeom prst="rect">
@@ -53134,7 +53134,7 @@
           </p:nvSpPr>
           <p:spPr>
             <a:xfrm>
-              <a:off x="6844374" y="4457341"/>
+              <a:off x="7458672" y="4457341"/>
               <a:ext cx="307148" cy="44410"/>
             </a:xfrm>
             <a:prstGeom prst="rect">
@@ -53169,7 +53169,7 @@
           </p:nvSpPr>
           <p:spPr>
             <a:xfrm>
-              <a:off x="6844374" y="4412930"/>
+              <a:off x="7458672" y="4412930"/>
               <a:ext cx="307148" cy="44410"/>
             </a:xfrm>
             <a:prstGeom prst="rect">
@@ -53204,7 +53204,7 @@
           </p:nvSpPr>
           <p:spPr>
             <a:xfrm>
-              <a:off x="6844374" y="4368519"/>
+              <a:off x="7458672" y="4368519"/>
               <a:ext cx="307148" cy="44410"/>
             </a:xfrm>
             <a:prstGeom prst="rect">
@@ -53239,7 +53239,7 @@
           </p:nvSpPr>
           <p:spPr>
             <a:xfrm>
-              <a:off x="6844374" y="4324108"/>
+              <a:off x="7458672" y="4324108"/>
               <a:ext cx="307148" cy="44410"/>
             </a:xfrm>
             <a:prstGeom prst="rect">
@@ -53274,7 +53274,7 @@
           </p:nvSpPr>
           <p:spPr>
             <a:xfrm>
-              <a:off x="6844374" y="4279697"/>
+              <a:off x="7458672" y="4279697"/>
               <a:ext cx="307148" cy="44410"/>
             </a:xfrm>
             <a:prstGeom prst="rect">
@@ -53309,7 +53309,7 @@
           </p:nvSpPr>
           <p:spPr>
             <a:xfrm>
-              <a:off x="6844374" y="4235286"/>
+              <a:off x="7458672" y="4235286"/>
               <a:ext cx="307148" cy="44410"/>
             </a:xfrm>
             <a:prstGeom prst="rect">
@@ -53344,7 +53344,7 @@
           </p:nvSpPr>
           <p:spPr>
             <a:xfrm>
-              <a:off x="6844374" y="4190876"/>
+              <a:off x="7458672" y="4190876"/>
               <a:ext cx="307148" cy="44410"/>
             </a:xfrm>
             <a:prstGeom prst="rect">
@@ -53379,7 +53379,7 @@
           </p:nvSpPr>
           <p:spPr>
             <a:xfrm>
-              <a:off x="6844374" y="4146465"/>
+              <a:off x="7458672" y="4146465"/>
               <a:ext cx="307148" cy="44410"/>
             </a:xfrm>
             <a:prstGeom prst="rect">
@@ -53414,7 +53414,7 @@
           </p:nvSpPr>
           <p:spPr>
             <a:xfrm>
-              <a:off x="6844374" y="4102054"/>
+              <a:off x="7458672" y="4102054"/>
               <a:ext cx="307148" cy="44410"/>
             </a:xfrm>
             <a:prstGeom prst="rect">
@@ -53449,7 +53449,7 @@
           </p:nvSpPr>
           <p:spPr>
             <a:xfrm>
-              <a:off x="6844374" y="4057643"/>
+              <a:off x="7458672" y="4057643"/>
               <a:ext cx="307148" cy="44410"/>
             </a:xfrm>
             <a:prstGeom prst="rect">
@@ -53484,7 +53484,7 @@
           </p:nvSpPr>
           <p:spPr>
             <a:xfrm>
-              <a:off x="6844374" y="4013232"/>
+              <a:off x="7458672" y="4013232"/>
               <a:ext cx="307148" cy="44410"/>
             </a:xfrm>
             <a:prstGeom prst="rect">
@@ -53519,7 +53519,7 @@
           </p:nvSpPr>
           <p:spPr>
             <a:xfrm>
-              <a:off x="6844374" y="3968821"/>
+              <a:off x="7458672" y="3968821"/>
               <a:ext cx="307148" cy="44410"/>
             </a:xfrm>
             <a:prstGeom prst="rect">
@@ -53554,7 +53554,7 @@
           </p:nvSpPr>
           <p:spPr>
             <a:xfrm>
-              <a:off x="6844374" y="3924410"/>
+              <a:off x="7458672" y="3924410"/>
               <a:ext cx="307148" cy="44410"/>
             </a:xfrm>
             <a:prstGeom prst="rect">
@@ -53589,7 +53589,7 @@
           </p:nvSpPr>
           <p:spPr>
             <a:xfrm>
-              <a:off x="6844374" y="3879999"/>
+              <a:off x="7458672" y="3879999"/>
               <a:ext cx="307148" cy="44410"/>
             </a:xfrm>
             <a:prstGeom prst="rect">
@@ -53624,7 +53624,7 @@
           </p:nvSpPr>
           <p:spPr>
             <a:xfrm>
-              <a:off x="6844374" y="3835588"/>
+              <a:off x="7458672" y="3835588"/>
               <a:ext cx="307148" cy="44410"/>
             </a:xfrm>
             <a:prstGeom prst="rect">
@@ -53659,7 +53659,7 @@
           </p:nvSpPr>
           <p:spPr>
             <a:xfrm>
-              <a:off x="6844374" y="3791178"/>
+              <a:off x="7458672" y="3791178"/>
               <a:ext cx="307148" cy="44410"/>
             </a:xfrm>
             <a:prstGeom prst="rect">
@@ -53694,7 +53694,7 @@
           </p:nvSpPr>
           <p:spPr>
             <a:xfrm>
-              <a:off x="6844374" y="3746767"/>
+              <a:off x="7458672" y="3746767"/>
               <a:ext cx="307148" cy="44410"/>
             </a:xfrm>
             <a:prstGeom prst="rect">
@@ -53729,7 +53729,7 @@
           </p:nvSpPr>
           <p:spPr>
             <a:xfrm>
-              <a:off x="6844374" y="3702356"/>
+              <a:off x="7458672" y="3702356"/>
               <a:ext cx="307148" cy="44410"/>
             </a:xfrm>
             <a:prstGeom prst="rect">
@@ -53764,7 +53764,7 @@
           </p:nvSpPr>
           <p:spPr>
             <a:xfrm>
-              <a:off x="6844374" y="3657945"/>
+              <a:off x="7458672" y="3657945"/>
               <a:ext cx="307148" cy="44410"/>
             </a:xfrm>
             <a:prstGeom prst="rect">
@@ -53799,7 +53799,7 @@
           </p:nvSpPr>
           <p:spPr>
             <a:xfrm>
-              <a:off x="6844374" y="3613534"/>
+              <a:off x="7458672" y="3613534"/>
               <a:ext cx="307148" cy="44410"/>
             </a:xfrm>
             <a:prstGeom prst="rect">
@@ -53834,7 +53834,7 @@
           </p:nvSpPr>
           <p:spPr>
             <a:xfrm>
-              <a:off x="6844374" y="3569123"/>
+              <a:off x="7458672" y="3569123"/>
               <a:ext cx="307148" cy="44410"/>
             </a:xfrm>
             <a:prstGeom prst="rect">
@@ -53869,7 +53869,7 @@
           </p:nvSpPr>
           <p:spPr>
             <a:xfrm>
-              <a:off x="6844374" y="3524712"/>
+              <a:off x="7458672" y="3524712"/>
               <a:ext cx="307148" cy="44410"/>
             </a:xfrm>
             <a:prstGeom prst="rect">
@@ -53904,7 +53904,7 @@
           </p:nvSpPr>
           <p:spPr>
             <a:xfrm>
-              <a:off x="6844374" y="3480301"/>
+              <a:off x="7458672" y="3480301"/>
               <a:ext cx="307148" cy="44410"/>
             </a:xfrm>
             <a:prstGeom prst="rect">
@@ -53939,7 +53939,7 @@
           </p:nvSpPr>
           <p:spPr>
             <a:xfrm>
-              <a:off x="6844374" y="3435890"/>
+              <a:off x="7458672" y="3435890"/>
               <a:ext cx="307148" cy="44410"/>
             </a:xfrm>
             <a:prstGeom prst="rect">
@@ -53974,7 +53974,7 @@
           </p:nvSpPr>
           <p:spPr>
             <a:xfrm>
-              <a:off x="6844374" y="3391480"/>
+              <a:off x="7458672" y="3391480"/>
               <a:ext cx="307148" cy="44410"/>
             </a:xfrm>
             <a:prstGeom prst="rect">
@@ -54009,7 +54009,7 @@
           </p:nvSpPr>
           <p:spPr>
             <a:xfrm>
-              <a:off x="6844374" y="3347069"/>
+              <a:off x="7458672" y="3347069"/>
               <a:ext cx="307148" cy="44410"/>
             </a:xfrm>
             <a:prstGeom prst="rect">
@@ -54044,7 +54044,7 @@
           </p:nvSpPr>
           <p:spPr>
             <a:xfrm>
-              <a:off x="6844374" y="3302658"/>
+              <a:off x="7458672" y="3302658"/>
               <a:ext cx="307148" cy="44410"/>
             </a:xfrm>
             <a:prstGeom prst="rect">
@@ -54079,7 +54079,7 @@
           </p:nvSpPr>
           <p:spPr>
             <a:xfrm>
-              <a:off x="6844374" y="3258247"/>
+              <a:off x="7458672" y="3258247"/>
               <a:ext cx="307148" cy="44410"/>
             </a:xfrm>
             <a:prstGeom prst="rect">
@@ -54114,7 +54114,7 @@
           </p:nvSpPr>
           <p:spPr>
             <a:xfrm>
-              <a:off x="6844374" y="3213836"/>
+              <a:off x="7458672" y="3213836"/>
               <a:ext cx="307148" cy="44410"/>
             </a:xfrm>
             <a:prstGeom prst="rect">
@@ -54149,7 +54149,7 @@
           </p:nvSpPr>
           <p:spPr>
             <a:xfrm>
-              <a:off x="6844374" y="3169425"/>
+              <a:off x="7458672" y="3169425"/>
               <a:ext cx="307148" cy="44410"/>
             </a:xfrm>
             <a:prstGeom prst="rect">
@@ -54184,7 +54184,7 @@
           </p:nvSpPr>
           <p:spPr>
             <a:xfrm>
-              <a:off x="6844374" y="3125014"/>
+              <a:off x="7458672" y="3125014"/>
               <a:ext cx="307148" cy="44410"/>
             </a:xfrm>
             <a:prstGeom prst="rect">
@@ -54219,7 +54219,7 @@
           </p:nvSpPr>
           <p:spPr>
             <a:xfrm>
-              <a:off x="6844374" y="3080603"/>
+              <a:off x="7458672" y="3080603"/>
               <a:ext cx="307148" cy="44410"/>
             </a:xfrm>
             <a:prstGeom prst="rect">
@@ -54254,7 +54254,7 @@
           </p:nvSpPr>
           <p:spPr>
             <a:xfrm>
-              <a:off x="6844374" y="3036192"/>
+              <a:off x="7458672" y="3036192"/>
               <a:ext cx="307148" cy="44410"/>
             </a:xfrm>
             <a:prstGeom prst="rect">
@@ -54289,7 +54289,7 @@
           </p:nvSpPr>
           <p:spPr>
             <a:xfrm>
-              <a:off x="6844374" y="2991782"/>
+              <a:off x="7458672" y="2991782"/>
               <a:ext cx="307148" cy="44410"/>
             </a:xfrm>
             <a:prstGeom prst="rect">
@@ -54324,7 +54324,7 @@
           </p:nvSpPr>
           <p:spPr>
             <a:xfrm>
-              <a:off x="6844374" y="2947371"/>
+              <a:off x="7458672" y="2947371"/>
               <a:ext cx="307148" cy="44410"/>
             </a:xfrm>
             <a:prstGeom prst="rect">
@@ -54359,7 +54359,7 @@
           </p:nvSpPr>
           <p:spPr>
             <a:xfrm>
-              <a:off x="6844374" y="2902960"/>
+              <a:off x="7458672" y="2902960"/>
               <a:ext cx="307148" cy="44410"/>
             </a:xfrm>
             <a:prstGeom prst="rect">
@@ -54394,7 +54394,7 @@
           </p:nvSpPr>
           <p:spPr>
             <a:xfrm>
-              <a:off x="6844374" y="2858549"/>
+              <a:off x="7458672" y="2858549"/>
               <a:ext cx="307148" cy="44410"/>
             </a:xfrm>
             <a:prstGeom prst="rect">
@@ -54429,7 +54429,7 @@
           </p:nvSpPr>
           <p:spPr>
             <a:xfrm>
-              <a:off x="6844374" y="2814138"/>
+              <a:off x="7458672" y="2814138"/>
               <a:ext cx="307148" cy="44410"/>
             </a:xfrm>
             <a:prstGeom prst="rect">
@@ -54464,7 +54464,7 @@
           </p:nvSpPr>
           <p:spPr>
             <a:xfrm>
-              <a:off x="6844374" y="2769727"/>
+              <a:off x="7458672" y="2769727"/>
               <a:ext cx="307148" cy="44410"/>
             </a:xfrm>
             <a:prstGeom prst="rect">
@@ -54499,7 +54499,7 @@
           </p:nvSpPr>
           <p:spPr>
             <a:xfrm>
-              <a:off x="6844374" y="2725316"/>
+              <a:off x="7458672" y="2725316"/>
               <a:ext cx="307148" cy="44410"/>
             </a:xfrm>
             <a:prstGeom prst="rect">
@@ -54534,7 +54534,7 @@
           </p:nvSpPr>
           <p:spPr>
             <a:xfrm>
-              <a:off x="6844374" y="2680905"/>
+              <a:off x="7458672" y="2680905"/>
               <a:ext cx="307148" cy="44410"/>
             </a:xfrm>
             <a:prstGeom prst="rect">
@@ -54569,7 +54569,7 @@
           </p:nvSpPr>
           <p:spPr>
             <a:xfrm>
-              <a:off x="6844374" y="2636494"/>
+              <a:off x="7458672" y="2636494"/>
               <a:ext cx="307148" cy="44410"/>
             </a:xfrm>
             <a:prstGeom prst="rect">
@@ -54604,7 +54604,7 @@
           </p:nvSpPr>
           <p:spPr>
             <a:xfrm>
-              <a:off x="6844374" y="2592084"/>
+              <a:off x="7458672" y="2592084"/>
               <a:ext cx="307148" cy="44410"/>
             </a:xfrm>
             <a:prstGeom prst="rect">
@@ -54639,7 +54639,7 @@
           </p:nvSpPr>
           <p:spPr>
             <a:xfrm>
-              <a:off x="6844374" y="2547673"/>
+              <a:off x="7458672" y="2547673"/>
               <a:ext cx="307148" cy="44410"/>
             </a:xfrm>
             <a:prstGeom prst="rect">
@@ -54674,7 +54674,7 @@
           </p:nvSpPr>
           <p:spPr>
             <a:xfrm>
-              <a:off x="6844374" y="2503262"/>
+              <a:off x="7458672" y="2503262"/>
               <a:ext cx="307148" cy="44410"/>
             </a:xfrm>
             <a:prstGeom prst="rect">
@@ -54709,7 +54709,7 @@
           </p:nvSpPr>
           <p:spPr>
             <a:xfrm>
-              <a:off x="6844374" y="2458851"/>
+              <a:off x="7458672" y="2458851"/>
               <a:ext cx="307148" cy="44410"/>
             </a:xfrm>
             <a:prstGeom prst="rect">
@@ -54744,7 +54744,7 @@
           </p:nvSpPr>
           <p:spPr>
             <a:xfrm>
-              <a:off x="6844374" y="2414440"/>
+              <a:off x="7458672" y="2414440"/>
               <a:ext cx="307148" cy="44410"/>
             </a:xfrm>
             <a:prstGeom prst="rect">
@@ -54779,7 +54779,7 @@
           </p:nvSpPr>
           <p:spPr>
             <a:xfrm>
-              <a:off x="6844374" y="2370029"/>
+              <a:off x="7458672" y="2370029"/>
               <a:ext cx="307148" cy="44410"/>
             </a:xfrm>
             <a:prstGeom prst="rect">
@@ -54814,7 +54814,7 @@
           </p:nvSpPr>
           <p:spPr>
             <a:xfrm>
-              <a:off x="6844374" y="2325618"/>
+              <a:off x="7458672" y="2325618"/>
               <a:ext cx="307148" cy="44410"/>
             </a:xfrm>
             <a:prstGeom prst="rect">
@@ -54849,7 +54849,7 @@
           </p:nvSpPr>
           <p:spPr>
             <a:xfrm>
-              <a:off x="6844374" y="2281207"/>
+              <a:off x="7458672" y="2281207"/>
               <a:ext cx="307148" cy="44410"/>
             </a:xfrm>
             <a:prstGeom prst="rect">
@@ -54884,7 +54884,7 @@
           </p:nvSpPr>
           <p:spPr>
             <a:xfrm>
-              <a:off x="6844374" y="2236796"/>
+              <a:off x="7458672" y="2236796"/>
               <a:ext cx="307148" cy="44410"/>
             </a:xfrm>
             <a:prstGeom prst="rect">
@@ -54919,7 +54919,7 @@
           </p:nvSpPr>
           <p:spPr>
             <a:xfrm>
-              <a:off x="6844374" y="2192386"/>
+              <a:off x="7458672" y="2192386"/>
               <a:ext cx="307148" cy="44410"/>
             </a:xfrm>
             <a:prstGeom prst="rect">
@@ -54954,7 +54954,7 @@
           </p:nvSpPr>
           <p:spPr>
             <a:xfrm>
-              <a:off x="6844374" y="2147975"/>
+              <a:off x="7458672" y="2147975"/>
               <a:ext cx="307148" cy="44410"/>
             </a:xfrm>
             <a:prstGeom prst="rect">
@@ -54989,7 +54989,7 @@
           </p:nvSpPr>
           <p:spPr>
             <a:xfrm>
-              <a:off x="6844374" y="2103564"/>
+              <a:off x="7458672" y="2103564"/>
               <a:ext cx="307148" cy="44410"/>
             </a:xfrm>
             <a:prstGeom prst="rect">
@@ -55024,7 +55024,7 @@
           </p:nvSpPr>
           <p:spPr>
             <a:xfrm>
-              <a:off x="6844374" y="2059153"/>
+              <a:off x="7458672" y="2059153"/>
               <a:ext cx="307148" cy="44410"/>
             </a:xfrm>
             <a:prstGeom prst="rect">
@@ -55059,7 +55059,7 @@
           </p:nvSpPr>
           <p:spPr>
             <a:xfrm>
-              <a:off x="6844374" y="2014742"/>
+              <a:off x="7458672" y="2014742"/>
               <a:ext cx="307148" cy="44410"/>
             </a:xfrm>
             <a:prstGeom prst="rect">
@@ -55094,7 +55094,7 @@
           </p:nvSpPr>
           <p:spPr>
             <a:xfrm>
-              <a:off x="6844374" y="1970331"/>
+              <a:off x="7458672" y="1970331"/>
               <a:ext cx="307148" cy="44410"/>
             </a:xfrm>
             <a:prstGeom prst="rect">
@@ -55129,7 +55129,7 @@
           </p:nvSpPr>
           <p:spPr>
             <a:xfrm>
-              <a:off x="6844374" y="1925920"/>
+              <a:off x="7458672" y="1925920"/>
               <a:ext cx="307148" cy="44410"/>
             </a:xfrm>
             <a:prstGeom prst="rect">
@@ -55164,7 +55164,7 @@
           </p:nvSpPr>
           <p:spPr>
             <a:xfrm>
-              <a:off x="6844374" y="1881509"/>
+              <a:off x="7458672" y="1881509"/>
               <a:ext cx="307148" cy="44410"/>
             </a:xfrm>
             <a:prstGeom prst="rect">
@@ -55199,7 +55199,7 @@
           </p:nvSpPr>
           <p:spPr>
             <a:xfrm>
-              <a:off x="6844374" y="1837098"/>
+              <a:off x="7458672" y="1837098"/>
               <a:ext cx="307148" cy="44410"/>
             </a:xfrm>
             <a:prstGeom prst="rect">
@@ -55234,7 +55234,7 @@
           </p:nvSpPr>
           <p:spPr>
             <a:xfrm>
-              <a:off x="6844374" y="1792688"/>
+              <a:off x="7458672" y="1792688"/>
               <a:ext cx="307148" cy="44410"/>
             </a:xfrm>
             <a:prstGeom prst="rect">
@@ -55269,7 +55269,7 @@
           </p:nvSpPr>
           <p:spPr>
             <a:xfrm>
-              <a:off x="6844374" y="1748277"/>
+              <a:off x="7458672" y="1748277"/>
               <a:ext cx="307148" cy="44410"/>
             </a:xfrm>
             <a:prstGeom prst="rect">
@@ -55304,7 +55304,7 @@
           </p:nvSpPr>
           <p:spPr>
             <a:xfrm>
-              <a:off x="6844374" y="1703866"/>
+              <a:off x="7458672" y="1703866"/>
               <a:ext cx="307148" cy="44410"/>
             </a:xfrm>
             <a:prstGeom prst="rect">
@@ -55339,7 +55339,7 @@
           </p:nvSpPr>
           <p:spPr>
             <a:xfrm>
-              <a:off x="6844374" y="1659455"/>
+              <a:off x="7458672" y="1659455"/>
               <a:ext cx="307148" cy="44410"/>
             </a:xfrm>
             <a:prstGeom prst="rect">
@@ -55374,7 +55374,7 @@
           </p:nvSpPr>
           <p:spPr>
             <a:xfrm>
-              <a:off x="6844374" y="1615044"/>
+              <a:off x="7458672" y="1615044"/>
               <a:ext cx="307148" cy="44410"/>
             </a:xfrm>
             <a:prstGeom prst="rect">
@@ -55409,7 +55409,7 @@
           </p:nvSpPr>
           <p:spPr>
             <a:xfrm>
-              <a:off x="6844374" y="1570633"/>
+              <a:off x="7458672" y="1570633"/>
               <a:ext cx="307148" cy="44410"/>
             </a:xfrm>
             <a:prstGeom prst="rect">
@@ -55444,7 +55444,7 @@
           </p:nvSpPr>
           <p:spPr>
             <a:xfrm>
-              <a:off x="6844374" y="1526222"/>
+              <a:off x="7458672" y="1526222"/>
               <a:ext cx="307148" cy="44410"/>
             </a:xfrm>
             <a:prstGeom prst="rect">
@@ -55479,7 +55479,7 @@
           </p:nvSpPr>
           <p:spPr>
             <a:xfrm>
-              <a:off x="6844374" y="1481811"/>
+              <a:off x="7458672" y="1481811"/>
               <a:ext cx="307148" cy="44410"/>
             </a:xfrm>
             <a:prstGeom prst="rect">
@@ -55514,7 +55514,7 @@
           </p:nvSpPr>
           <p:spPr>
             <a:xfrm>
-              <a:off x="6844374" y="1437400"/>
+              <a:off x="7458672" y="1437400"/>
               <a:ext cx="307148" cy="44410"/>
             </a:xfrm>
             <a:prstGeom prst="rect">
@@ -55549,7 +55549,7 @@
           </p:nvSpPr>
           <p:spPr>
             <a:xfrm>
-              <a:off x="6844374" y="1392990"/>
+              <a:off x="7458672" y="1392990"/>
               <a:ext cx="307148" cy="44410"/>
             </a:xfrm>
             <a:prstGeom prst="rect">

--- a/Images/Figures_PPT/AlvRhizHeatPlotMetaPlot.pptx
+++ b/Images/Figures_PPT/AlvRhizHeatPlotMetaPlot.pptx
@@ -51601,7 +51601,7 @@
               <a:avLst/>
             </a:prstGeom>
             <a:solidFill>
-              <a:srgbClr val="FE4A49">
+              <a:srgbClr val="D0D1AC">
                 <a:alpha val="100000"/>
               </a:srgbClr>
             </a:solidFill>
@@ -51636,7 +51636,7 @@
               <a:avLst/>
             </a:prstGeom>
             <a:solidFill>
-              <a:srgbClr val="FE4A49">
+              <a:srgbClr val="D0D1AC">
                 <a:alpha val="100000"/>
               </a:srgbClr>
             </a:solidFill>
@@ -51671,7 +51671,7 @@
               <a:avLst/>
             </a:prstGeom>
             <a:solidFill>
-              <a:srgbClr val="FE4A49">
+              <a:srgbClr val="D0D1AC">
                 <a:alpha val="100000"/>
               </a:srgbClr>
             </a:solidFill>
@@ -51706,7 +51706,7 @@
               <a:avLst/>
             </a:prstGeom>
             <a:solidFill>
-              <a:srgbClr val="FE4A49">
+              <a:srgbClr val="D0D1AC">
                 <a:alpha val="100000"/>
               </a:srgbClr>
             </a:solidFill>
@@ -51741,7 +51741,7 @@
               <a:avLst/>
             </a:prstGeom>
             <a:solidFill>
-              <a:srgbClr val="FE4A49">
+              <a:srgbClr val="D0D1AC">
                 <a:alpha val="100000"/>
               </a:srgbClr>
             </a:solidFill>
@@ -51776,7 +51776,7 @@
               <a:avLst/>
             </a:prstGeom>
             <a:solidFill>
-              <a:srgbClr val="FE4A49">
+              <a:srgbClr val="D0D1AC">
                 <a:alpha val="100000"/>
               </a:srgbClr>
             </a:solidFill>
@@ -51811,7 +51811,7 @@
               <a:avLst/>
             </a:prstGeom>
             <a:solidFill>
-              <a:srgbClr val="FE4A49">
+              <a:srgbClr val="D0D1AC">
                 <a:alpha val="100000"/>
               </a:srgbClr>
             </a:solidFill>
@@ -51846,7 +51846,7 @@
               <a:avLst/>
             </a:prstGeom>
             <a:solidFill>
-              <a:srgbClr val="FE4A49">
+              <a:srgbClr val="D0D1AC">
                 <a:alpha val="100000"/>
               </a:srgbClr>
             </a:solidFill>
@@ -51881,7 +51881,7 @@
               <a:avLst/>
             </a:prstGeom>
             <a:solidFill>
-              <a:srgbClr val="FE4A49">
+              <a:srgbClr val="D0D1AC">
                 <a:alpha val="100000"/>
               </a:srgbClr>
             </a:solidFill>
@@ -51916,7 +51916,7 @@
               <a:avLst/>
             </a:prstGeom>
             <a:solidFill>
-              <a:srgbClr val="FE4A49">
+              <a:srgbClr val="D0D1AC">
                 <a:alpha val="100000"/>
               </a:srgbClr>
             </a:solidFill>
@@ -51951,7 +51951,7 @@
               <a:avLst/>
             </a:prstGeom>
             <a:solidFill>
-              <a:srgbClr val="FE4A49">
+              <a:srgbClr val="D0D1AC">
                 <a:alpha val="100000"/>
               </a:srgbClr>
             </a:solidFill>
@@ -51986,7 +51986,7 @@
               <a:avLst/>
             </a:prstGeom>
             <a:solidFill>
-              <a:srgbClr val="FE4A49">
+              <a:srgbClr val="D0D1AC">
                 <a:alpha val="100000"/>
               </a:srgbClr>
             </a:solidFill>
@@ -52021,7 +52021,7 @@
               <a:avLst/>
             </a:prstGeom>
             <a:solidFill>
-              <a:srgbClr val="FE4A49">
+              <a:srgbClr val="D0D1AC">
                 <a:alpha val="100000"/>
               </a:srgbClr>
             </a:solidFill>
@@ -52056,7 +52056,7 @@
               <a:avLst/>
             </a:prstGeom>
             <a:solidFill>
-              <a:srgbClr val="FE4A49">
+              <a:srgbClr val="D0D1AC">
                 <a:alpha val="100000"/>
               </a:srgbClr>
             </a:solidFill>
@@ -52091,7 +52091,7 @@
               <a:avLst/>
             </a:prstGeom>
             <a:solidFill>
-              <a:srgbClr val="FE4A49">
+              <a:srgbClr val="D0D1AC">
                 <a:alpha val="100000"/>
               </a:srgbClr>
             </a:solidFill>
@@ -52126,7 +52126,7 @@
               <a:avLst/>
             </a:prstGeom>
             <a:solidFill>
-              <a:srgbClr val="FE4A49">
+              <a:srgbClr val="D0D1AC">
                 <a:alpha val="100000"/>
               </a:srgbClr>
             </a:solidFill>
@@ -52161,7 +52161,7 @@
               <a:avLst/>
             </a:prstGeom>
             <a:solidFill>
-              <a:srgbClr val="FE4A49">
+              <a:srgbClr val="D0D1AC">
                 <a:alpha val="100000"/>
               </a:srgbClr>
             </a:solidFill>
@@ -52196,7 +52196,7 @@
               <a:avLst/>
             </a:prstGeom>
             <a:solidFill>
-              <a:srgbClr val="FE4A49">
+              <a:srgbClr val="D0D1AC">
                 <a:alpha val="100000"/>
               </a:srgbClr>
             </a:solidFill>
@@ -52231,7 +52231,7 @@
               <a:avLst/>
             </a:prstGeom>
             <a:solidFill>
-              <a:srgbClr val="FE4A49">
+              <a:srgbClr val="D0D1AC">
                 <a:alpha val="100000"/>
               </a:srgbClr>
             </a:solidFill>
@@ -52266,7 +52266,7 @@
               <a:avLst/>
             </a:prstGeom>
             <a:solidFill>
-              <a:srgbClr val="FE4A49">
+              <a:srgbClr val="D0D1AC">
                 <a:alpha val="100000"/>
               </a:srgbClr>
             </a:solidFill>
@@ -52301,7 +52301,7 @@
               <a:avLst/>
             </a:prstGeom>
             <a:solidFill>
-              <a:srgbClr val="FE4A49">
+              <a:srgbClr val="D0D1AC">
                 <a:alpha val="100000"/>
               </a:srgbClr>
             </a:solidFill>
@@ -52336,7 +52336,7 @@
               <a:avLst/>
             </a:prstGeom>
             <a:solidFill>
-              <a:srgbClr val="FE4A49">
+              <a:srgbClr val="D0D1AC">
                 <a:alpha val="100000"/>
               </a:srgbClr>
             </a:solidFill>
@@ -52371,7 +52371,7 @@
               <a:avLst/>
             </a:prstGeom>
             <a:solidFill>
-              <a:srgbClr val="FE4A49">
+              <a:srgbClr val="D0D1AC">
                 <a:alpha val="100000"/>
               </a:srgbClr>
             </a:solidFill>
@@ -52406,7 +52406,7 @@
               <a:avLst/>
             </a:prstGeom>
             <a:solidFill>
-              <a:srgbClr val="FE4A49">
+              <a:srgbClr val="D0D1AC">
                 <a:alpha val="100000"/>
               </a:srgbClr>
             </a:solidFill>
@@ -52441,7 +52441,7 @@
               <a:avLst/>
             </a:prstGeom>
             <a:solidFill>
-              <a:srgbClr val="FE4A49">
+              <a:srgbClr val="D0D1AC">
                 <a:alpha val="100000"/>
               </a:srgbClr>
             </a:solidFill>
@@ -52476,7 +52476,7 @@
               <a:avLst/>
             </a:prstGeom>
             <a:solidFill>
-              <a:srgbClr val="FE4A49">
+              <a:srgbClr val="D0D1AC">
                 <a:alpha val="100000"/>
               </a:srgbClr>
             </a:solidFill>
@@ -52511,7 +52511,7 @@
               <a:avLst/>
             </a:prstGeom>
             <a:solidFill>
-              <a:srgbClr val="FE4A49">
+              <a:srgbClr val="D0D1AC">
                 <a:alpha val="100000"/>
               </a:srgbClr>
             </a:solidFill>
@@ -52546,7 +52546,7 @@
               <a:avLst/>
             </a:prstGeom>
             <a:solidFill>
-              <a:srgbClr val="FE4A49">
+              <a:srgbClr val="D0D1AC">
                 <a:alpha val="100000"/>
               </a:srgbClr>
             </a:solidFill>
@@ -52581,7 +52581,7 @@
               <a:avLst/>
             </a:prstGeom>
             <a:solidFill>
-              <a:srgbClr val="FE4A49">
+              <a:srgbClr val="D0D1AC">
                 <a:alpha val="100000"/>
               </a:srgbClr>
             </a:solidFill>
@@ -52616,7 +52616,7 @@
               <a:avLst/>
             </a:prstGeom>
             <a:solidFill>
-              <a:srgbClr val="FE4A49">
+              <a:srgbClr val="D0D1AC">
                 <a:alpha val="100000"/>
               </a:srgbClr>
             </a:solidFill>
@@ -52651,7 +52651,7 @@
               <a:avLst/>
             </a:prstGeom>
             <a:solidFill>
-              <a:srgbClr val="FE4A49">
+              <a:srgbClr val="D0D1AC">
                 <a:alpha val="100000"/>
               </a:srgbClr>
             </a:solidFill>
@@ -52686,7 +52686,7 @@
               <a:avLst/>
             </a:prstGeom>
             <a:solidFill>
-              <a:srgbClr val="FE4A49">
+              <a:srgbClr val="D0D1AC">
                 <a:alpha val="100000"/>
               </a:srgbClr>
             </a:solidFill>
@@ -52721,7 +52721,7 @@
               <a:avLst/>
             </a:prstGeom>
             <a:solidFill>
-              <a:srgbClr val="FE4A49">
+              <a:srgbClr val="D0D1AC">
                 <a:alpha val="100000"/>
               </a:srgbClr>
             </a:solidFill>
@@ -52756,7 +52756,7 @@
               <a:avLst/>
             </a:prstGeom>
             <a:solidFill>
-              <a:srgbClr val="FE4A49">
+              <a:srgbClr val="D0D1AC">
                 <a:alpha val="100000"/>
               </a:srgbClr>
             </a:solidFill>
@@ -52791,7 +52791,7 @@
               <a:avLst/>
             </a:prstGeom>
             <a:solidFill>
-              <a:srgbClr val="FE4A49">
+              <a:srgbClr val="D0D1AC">
                 <a:alpha val="100000"/>
               </a:srgbClr>
             </a:solidFill>
@@ -52826,7 +52826,7 @@
               <a:avLst/>
             </a:prstGeom>
             <a:solidFill>
-              <a:srgbClr val="FE4A49">
+              <a:srgbClr val="D0D1AC">
                 <a:alpha val="100000"/>
               </a:srgbClr>
             </a:solidFill>
@@ -52861,7 +52861,7 @@
               <a:avLst/>
             </a:prstGeom>
             <a:solidFill>
-              <a:srgbClr val="FE4A49">
+              <a:srgbClr val="D0D1AC">
                 <a:alpha val="100000"/>
               </a:srgbClr>
             </a:solidFill>
@@ -52896,7 +52896,7 @@
               <a:avLst/>
             </a:prstGeom>
             <a:solidFill>
-              <a:srgbClr val="FE4A49">
+              <a:srgbClr val="D0D1AC">
                 <a:alpha val="100000"/>
               </a:srgbClr>
             </a:solidFill>
@@ -52931,7 +52931,7 @@
               <a:avLst/>
             </a:prstGeom>
             <a:solidFill>
-              <a:srgbClr val="FE4A49">
+              <a:srgbClr val="D0D1AC">
                 <a:alpha val="100000"/>
               </a:srgbClr>
             </a:solidFill>
@@ -52966,7 +52966,7 @@
               <a:avLst/>
             </a:prstGeom>
             <a:solidFill>
-              <a:srgbClr val="FE4A49">
+              <a:srgbClr val="D0D1AC">
                 <a:alpha val="100000"/>
               </a:srgbClr>
             </a:solidFill>
@@ -53001,7 +53001,7 @@
               <a:avLst/>
             </a:prstGeom>
             <a:solidFill>
-              <a:srgbClr val="FE4A49">
+              <a:srgbClr val="D0D1AC">
                 <a:alpha val="100000"/>
               </a:srgbClr>
             </a:solidFill>
@@ -53036,7 +53036,7 @@
               <a:avLst/>
             </a:prstGeom>
             <a:solidFill>
-              <a:srgbClr val="FE4A49">
+              <a:srgbClr val="D0D1AC">
                 <a:alpha val="100000"/>
               </a:srgbClr>
             </a:solidFill>
@@ -53071,7 +53071,7 @@
               <a:avLst/>
             </a:prstGeom>
             <a:solidFill>
-              <a:srgbClr val="FE4A49">
+              <a:srgbClr val="D0D1AC">
                 <a:alpha val="100000"/>
               </a:srgbClr>
             </a:solidFill>
@@ -53106,7 +53106,7 @@
               <a:avLst/>
             </a:prstGeom>
             <a:solidFill>
-              <a:srgbClr val="FE4A49">
+              <a:srgbClr val="D0D1AC">
                 <a:alpha val="100000"/>
               </a:srgbClr>
             </a:solidFill>
@@ -53141,7 +53141,7 @@
               <a:avLst/>
             </a:prstGeom>
             <a:solidFill>
-              <a:srgbClr val="FE4A49">
+              <a:srgbClr val="D0D1AC">
                 <a:alpha val="100000"/>
               </a:srgbClr>
             </a:solidFill>
@@ -53176,7 +53176,7 @@
               <a:avLst/>
             </a:prstGeom>
             <a:solidFill>
-              <a:srgbClr val="FE4A49">
+              <a:srgbClr val="D0D1AC">
                 <a:alpha val="100000"/>
               </a:srgbClr>
             </a:solidFill>
@@ -53211,7 +53211,7 @@
               <a:avLst/>
             </a:prstGeom>
             <a:solidFill>
-              <a:srgbClr val="FE4A49">
+              <a:srgbClr val="D0D1AC">
                 <a:alpha val="100000"/>
               </a:srgbClr>
             </a:solidFill>
@@ -53246,7 +53246,7 @@
               <a:avLst/>
             </a:prstGeom>
             <a:solidFill>
-              <a:srgbClr val="FE4A49">
+              <a:srgbClr val="D0D1AC">
                 <a:alpha val="100000"/>
               </a:srgbClr>
             </a:solidFill>
@@ -53281,7 +53281,7 @@
               <a:avLst/>
             </a:prstGeom>
             <a:solidFill>
-              <a:srgbClr val="FE4A49">
+              <a:srgbClr val="D0D1AC">
                 <a:alpha val="100000"/>
               </a:srgbClr>
             </a:solidFill>
@@ -53316,7 +53316,7 @@
               <a:avLst/>
             </a:prstGeom>
             <a:solidFill>
-              <a:srgbClr val="FE4A49">
+              <a:srgbClr val="D0D1AC">
                 <a:alpha val="100000"/>
               </a:srgbClr>
             </a:solidFill>
@@ -53351,7 +53351,7 @@
               <a:avLst/>
             </a:prstGeom>
             <a:solidFill>
-              <a:srgbClr val="FE4A49">
+              <a:srgbClr val="D0D1AC">
                 <a:alpha val="100000"/>
               </a:srgbClr>
             </a:solidFill>
@@ -53386,7 +53386,7 @@
               <a:avLst/>
             </a:prstGeom>
             <a:solidFill>
-              <a:srgbClr val="FE4A49">
+              <a:srgbClr val="D0D1AC">
                 <a:alpha val="100000"/>
               </a:srgbClr>
             </a:solidFill>
@@ -53421,7 +53421,7 @@
               <a:avLst/>
             </a:prstGeom>
             <a:solidFill>
-              <a:srgbClr val="FE4A49">
+              <a:srgbClr val="D0D1AC">
                 <a:alpha val="100000"/>
               </a:srgbClr>
             </a:solidFill>
@@ -53456,7 +53456,7 @@
               <a:avLst/>
             </a:prstGeom>
             <a:solidFill>
-              <a:srgbClr val="FE4A49">
+              <a:srgbClr val="D0D1AC">
                 <a:alpha val="100000"/>
               </a:srgbClr>
             </a:solidFill>
@@ -53491,7 +53491,7 @@
               <a:avLst/>
             </a:prstGeom>
             <a:solidFill>
-              <a:srgbClr val="FE4A49">
+              <a:srgbClr val="D0D1AC">
                 <a:alpha val="100000"/>
               </a:srgbClr>
             </a:solidFill>
@@ -53526,7 +53526,7 @@
               <a:avLst/>
             </a:prstGeom>
             <a:solidFill>
-              <a:srgbClr val="FE4A49">
+              <a:srgbClr val="D0D1AC">
                 <a:alpha val="100000"/>
               </a:srgbClr>
             </a:solidFill>
@@ -53561,7 +53561,7 @@
               <a:avLst/>
             </a:prstGeom>
             <a:solidFill>
-              <a:srgbClr val="FE4A49">
+              <a:srgbClr val="D0D1AC">
                 <a:alpha val="100000"/>
               </a:srgbClr>
             </a:solidFill>
@@ -53596,7 +53596,7 @@
               <a:avLst/>
             </a:prstGeom>
             <a:solidFill>
-              <a:srgbClr val="FE4A49">
+              <a:srgbClr val="D0D1AC">
                 <a:alpha val="100000"/>
               </a:srgbClr>
             </a:solidFill>
@@ -53631,7 +53631,7 @@
               <a:avLst/>
             </a:prstGeom>
             <a:solidFill>
-              <a:srgbClr val="FE4A49">
+              <a:srgbClr val="D0D1AC">
                 <a:alpha val="100000"/>
               </a:srgbClr>
             </a:solidFill>
@@ -53666,7 +53666,7 @@
               <a:avLst/>
             </a:prstGeom>
             <a:solidFill>
-              <a:srgbClr val="FE4A49">
+              <a:srgbClr val="D0D1AC">
                 <a:alpha val="100000"/>
               </a:srgbClr>
             </a:solidFill>
@@ -53701,7 +53701,7 @@
               <a:avLst/>
             </a:prstGeom>
             <a:solidFill>
-              <a:srgbClr val="FE4A49">
+              <a:srgbClr val="D0D1AC">
                 <a:alpha val="100000"/>
               </a:srgbClr>
             </a:solidFill>
@@ -53736,7 +53736,7 @@
               <a:avLst/>
             </a:prstGeom>
             <a:solidFill>
-              <a:srgbClr val="FE4A49">
+              <a:srgbClr val="D0D1AC">
                 <a:alpha val="100000"/>
               </a:srgbClr>
             </a:solidFill>
@@ -53771,7 +53771,7 @@
               <a:avLst/>
             </a:prstGeom>
             <a:solidFill>
-              <a:srgbClr val="FE4A49">
+              <a:srgbClr val="D0D1AC">
                 <a:alpha val="100000"/>
               </a:srgbClr>
             </a:solidFill>
@@ -53806,7 +53806,7 @@
               <a:avLst/>
             </a:prstGeom>
             <a:solidFill>
-              <a:srgbClr val="FE4A49">
+              <a:srgbClr val="D0D1AC">
                 <a:alpha val="100000"/>
               </a:srgbClr>
             </a:solidFill>
@@ -53841,7 +53841,7 @@
               <a:avLst/>
             </a:prstGeom>
             <a:solidFill>
-              <a:srgbClr val="FE4A49">
+              <a:srgbClr val="D0D1AC">
                 <a:alpha val="100000"/>
               </a:srgbClr>
             </a:solidFill>
@@ -53876,7 +53876,7 @@
               <a:avLst/>
             </a:prstGeom>
             <a:solidFill>
-              <a:srgbClr val="FE4A49">
+              <a:srgbClr val="D0D1AC">
                 <a:alpha val="100000"/>
               </a:srgbClr>
             </a:solidFill>
@@ -53911,7 +53911,7 @@
               <a:avLst/>
             </a:prstGeom>
             <a:solidFill>
-              <a:srgbClr val="FE4A49">
+              <a:srgbClr val="D0D1AC">
                 <a:alpha val="100000"/>
               </a:srgbClr>
             </a:solidFill>
@@ -53946,7 +53946,7 @@
               <a:avLst/>
             </a:prstGeom>
             <a:solidFill>
-              <a:srgbClr val="FE4A49">
+              <a:srgbClr val="D0D1AC">
                 <a:alpha val="100000"/>
               </a:srgbClr>
             </a:solidFill>
@@ -53981,7 +53981,7 @@
               <a:avLst/>
             </a:prstGeom>
             <a:solidFill>
-              <a:srgbClr val="FE4A49">
+              <a:srgbClr val="D0D1AC">
                 <a:alpha val="100000"/>
               </a:srgbClr>
             </a:solidFill>
@@ -54016,7 +54016,7 @@
               <a:avLst/>
             </a:prstGeom>
             <a:solidFill>
-              <a:srgbClr val="FE4A49">
+              <a:srgbClr val="D0D1AC">
                 <a:alpha val="100000"/>
               </a:srgbClr>
             </a:solidFill>
@@ -54051,7 +54051,7 @@
               <a:avLst/>
             </a:prstGeom>
             <a:solidFill>
-              <a:srgbClr val="FE4A49">
+              <a:srgbClr val="D0D1AC">
                 <a:alpha val="100000"/>
               </a:srgbClr>
             </a:solidFill>
@@ -54086,7 +54086,7 @@
               <a:avLst/>
             </a:prstGeom>
             <a:solidFill>
-              <a:srgbClr val="FE4A49">
+              <a:srgbClr val="D0D1AC">
                 <a:alpha val="100000"/>
               </a:srgbClr>
             </a:solidFill>
@@ -54121,7 +54121,7 @@
               <a:avLst/>
             </a:prstGeom>
             <a:solidFill>
-              <a:srgbClr val="FE4A49">
+              <a:srgbClr val="D0D1AC">
                 <a:alpha val="100000"/>
               </a:srgbClr>
             </a:solidFill>
@@ -54156,7 +54156,7 @@
               <a:avLst/>
             </a:prstGeom>
             <a:solidFill>
-              <a:srgbClr val="FE4A49">
+              <a:srgbClr val="D0D1AC">
                 <a:alpha val="100000"/>
               </a:srgbClr>
             </a:solidFill>
@@ -54191,7 +54191,7 @@
               <a:avLst/>
             </a:prstGeom>
             <a:solidFill>
-              <a:srgbClr val="FE4A49">
+              <a:srgbClr val="D0D1AC">
                 <a:alpha val="100000"/>
               </a:srgbClr>
             </a:solidFill>
@@ -54226,7 +54226,7 @@
               <a:avLst/>
             </a:prstGeom>
             <a:solidFill>
-              <a:srgbClr val="FE4A49">
+              <a:srgbClr val="D0D1AC">
                 <a:alpha val="100000"/>
               </a:srgbClr>
             </a:solidFill>
@@ -54261,7 +54261,7 @@
               <a:avLst/>
             </a:prstGeom>
             <a:solidFill>
-              <a:srgbClr val="FE4A49">
+              <a:srgbClr val="D0D1AC">
                 <a:alpha val="100000"/>
               </a:srgbClr>
             </a:solidFill>
@@ -54296,7 +54296,7 @@
               <a:avLst/>
             </a:prstGeom>
             <a:solidFill>
-              <a:srgbClr val="FE4A49">
+              <a:srgbClr val="D0D1AC">
                 <a:alpha val="100000"/>
               </a:srgbClr>
             </a:solidFill>
@@ -54331,7 +54331,7 @@
               <a:avLst/>
             </a:prstGeom>
             <a:solidFill>
-              <a:srgbClr val="FE4A49">
+              <a:srgbClr val="D0D1AC">
                 <a:alpha val="100000"/>
               </a:srgbClr>
             </a:solidFill>
@@ -54366,7 +54366,7 @@
               <a:avLst/>
             </a:prstGeom>
             <a:solidFill>
-              <a:srgbClr val="FE4A49">
+              <a:srgbClr val="D0D1AC">
                 <a:alpha val="100000"/>
               </a:srgbClr>
             </a:solidFill>
@@ -54401,7 +54401,7 @@
               <a:avLst/>
             </a:prstGeom>
             <a:solidFill>
-              <a:srgbClr val="FE4A49">
+              <a:srgbClr val="D0D1AC">
                 <a:alpha val="100000"/>
               </a:srgbClr>
             </a:solidFill>
@@ -54436,7 +54436,7 @@
               <a:avLst/>
             </a:prstGeom>
             <a:solidFill>
-              <a:srgbClr val="FE4A49">
+              <a:srgbClr val="D0D1AC">
                 <a:alpha val="100000"/>
               </a:srgbClr>
             </a:solidFill>
@@ -54471,7 +54471,7 @@
               <a:avLst/>
             </a:prstGeom>
             <a:solidFill>
-              <a:srgbClr val="FE4A49">
+              <a:srgbClr val="D0D1AC">
                 <a:alpha val="100000"/>
               </a:srgbClr>
             </a:solidFill>
@@ -54506,7 +54506,7 @@
               <a:avLst/>
             </a:prstGeom>
             <a:solidFill>
-              <a:srgbClr val="FE4A49">
+              <a:srgbClr val="D0D1AC">
                 <a:alpha val="100000"/>
               </a:srgbClr>
             </a:solidFill>
@@ -54541,7 +54541,7 @@
               <a:avLst/>
             </a:prstGeom>
             <a:solidFill>
-              <a:srgbClr val="FE4A49">
+              <a:srgbClr val="D0D1AC">
                 <a:alpha val="100000"/>
               </a:srgbClr>
             </a:solidFill>
@@ -54576,7 +54576,7 @@
               <a:avLst/>
             </a:prstGeom>
             <a:solidFill>
-              <a:srgbClr val="FE4A49">
+              <a:srgbClr val="D0D1AC">
                 <a:alpha val="100000"/>
               </a:srgbClr>
             </a:solidFill>
@@ -54611,7 +54611,7 @@
               <a:avLst/>
             </a:prstGeom>
             <a:solidFill>
-              <a:srgbClr val="FE4A49">
+              <a:srgbClr val="D0D1AC">
                 <a:alpha val="100000"/>
               </a:srgbClr>
             </a:solidFill>
@@ -54646,7 +54646,7 @@
               <a:avLst/>
             </a:prstGeom>
             <a:solidFill>
-              <a:srgbClr val="FE4A49">
+              <a:srgbClr val="D0D1AC">
                 <a:alpha val="100000"/>
               </a:srgbClr>
             </a:solidFill>
@@ -54681,7 +54681,7 @@
               <a:avLst/>
             </a:prstGeom>
             <a:solidFill>
-              <a:srgbClr val="FE4A49">
+              <a:srgbClr val="D0D1AC">
                 <a:alpha val="100000"/>
               </a:srgbClr>
             </a:solidFill>
@@ -54716,7 +54716,7 @@
               <a:avLst/>
             </a:prstGeom>
             <a:solidFill>
-              <a:srgbClr val="FE4A49">
+              <a:srgbClr val="D0D1AC">
                 <a:alpha val="100000"/>
               </a:srgbClr>
             </a:solidFill>
@@ -54751,7 +54751,7 @@
               <a:avLst/>
             </a:prstGeom>
             <a:solidFill>
-              <a:srgbClr val="FE4A49">
+              <a:srgbClr val="D0D1AC">
                 <a:alpha val="100000"/>
               </a:srgbClr>
             </a:solidFill>
@@ -54786,7 +54786,7 @@
               <a:avLst/>
             </a:prstGeom>
             <a:solidFill>
-              <a:srgbClr val="FE4A49">
+              <a:srgbClr val="D0D1AC">
                 <a:alpha val="100000"/>
               </a:srgbClr>
             </a:solidFill>
@@ -54821,7 +54821,7 @@
               <a:avLst/>
             </a:prstGeom>
             <a:solidFill>
-              <a:srgbClr val="FE4A49">
+              <a:srgbClr val="D0D1AC">
                 <a:alpha val="100000"/>
               </a:srgbClr>
             </a:solidFill>
@@ -54856,7 +54856,7 @@
               <a:avLst/>
             </a:prstGeom>
             <a:solidFill>
-              <a:srgbClr val="FE4A49">
+              <a:srgbClr val="D0D1AC">
                 <a:alpha val="100000"/>
               </a:srgbClr>
             </a:solidFill>
@@ -54891,7 +54891,7 @@
               <a:avLst/>
             </a:prstGeom>
             <a:solidFill>
-              <a:srgbClr val="FE4A49">
+              <a:srgbClr val="D0D1AC">
                 <a:alpha val="100000"/>
               </a:srgbClr>
             </a:solidFill>
@@ -54926,7 +54926,7 @@
               <a:avLst/>
             </a:prstGeom>
             <a:solidFill>
-              <a:srgbClr val="FE4A49">
+              <a:srgbClr val="D0D1AC">
                 <a:alpha val="100000"/>
               </a:srgbClr>
             </a:solidFill>
@@ -54961,7 +54961,7 @@
               <a:avLst/>
             </a:prstGeom>
             <a:solidFill>
-              <a:srgbClr val="FE4A49">
+              <a:srgbClr val="D0D1AC">
                 <a:alpha val="100000"/>
               </a:srgbClr>
             </a:solidFill>
@@ -55066,7 +55066,7 @@
               <a:avLst/>
             </a:prstGeom>
             <a:solidFill>
-              <a:srgbClr val="FE4A49">
+              <a:srgbClr val="D0D1AC">
                 <a:alpha val="100000"/>
               </a:srgbClr>
             </a:solidFill>
@@ -55101,7 +55101,7 @@
               <a:avLst/>
             </a:prstGeom>
             <a:solidFill>
-              <a:srgbClr val="FE4A49">
+              <a:srgbClr val="D0D1AC">
                 <a:alpha val="100000"/>
               </a:srgbClr>
             </a:solidFill>
@@ -55486,7 +55486,7 @@
               <a:avLst/>
             </a:prstGeom>
             <a:solidFill>
-              <a:srgbClr val="FE4A49">
+              <a:srgbClr val="D0D1AC">
                 <a:alpha val="100000"/>
               </a:srgbClr>
             </a:solidFill>
@@ -55521,7 +55521,7 @@
               <a:avLst/>
             </a:prstGeom>
             <a:solidFill>
-              <a:srgbClr val="FE4A49">
+              <a:srgbClr val="D0D1AC">
                 <a:alpha val="100000"/>
               </a:srgbClr>
             </a:solidFill>
@@ -55556,7 +55556,7 @@
               <a:avLst/>
             </a:prstGeom>
             <a:solidFill>
-              <a:srgbClr val="FE4A49">
+              <a:srgbClr val="D0D1AC">
                 <a:alpha val="100000"/>
               </a:srgbClr>
             </a:solidFill>
@@ -55584,7 +55584,7 @@
           </p:nvSpPr>
           <p:spPr>
             <a:xfrm>
-              <a:off x="8816207" y="2168386"/>
+              <a:off x="8816207" y="1948930"/>
               <a:ext cx="1172603" cy="1417544"/>
             </a:xfrm>
             <a:prstGeom prst="rect">
@@ -55605,7 +55605,7 @@
           </p:nvSpPr>
           <p:spPr>
             <a:xfrm>
-              <a:off x="8885796" y="2220426"/>
+              <a:off x="8885796" y="2000970"/>
               <a:ext cx="1033425" cy="115341"/>
             </a:xfrm>
             <a:prstGeom prst="rect">
@@ -55657,7 +55657,7 @@
           </p:blipFill>
           <p:spPr>
             <a:xfrm>
-              <a:off x="8885796" y="2419062"/>
+              <a:off x="8885796" y="2199606"/>
               <a:ext cx="219455" cy="1097280"/>
             </a:xfrm>
             <a:prstGeom prst="rect">
@@ -55673,7 +55673,7 @@
           </p:nvSpPr>
           <p:spPr>
             <a:xfrm>
-              <a:off x="9061361" y="3257505"/>
+              <a:off x="9061361" y="3038049"/>
               <a:ext cx="43891" cy="0"/>
             </a:xfrm>
             <a:custGeom>
@@ -55713,7 +55713,7 @@
           </p:nvSpPr>
           <p:spPr>
             <a:xfrm>
-              <a:off x="9061361" y="2978633"/>
+              <a:off x="9061361" y="2759177"/>
               <a:ext cx="43891" cy="0"/>
             </a:xfrm>
             <a:custGeom>
@@ -55753,7 +55753,7 @@
           </p:nvSpPr>
           <p:spPr>
             <a:xfrm>
-              <a:off x="9061361" y="2699762"/>
+              <a:off x="9061361" y="2480306"/>
               <a:ext cx="43891" cy="0"/>
             </a:xfrm>
             <a:custGeom>
@@ -55793,7 +55793,7 @@
           </p:nvSpPr>
           <p:spPr>
             <a:xfrm>
-              <a:off x="9061361" y="2420890"/>
+              <a:off x="9061361" y="2201434"/>
               <a:ext cx="43891" cy="0"/>
             </a:xfrm>
             <a:custGeom>
@@ -55833,7 +55833,7 @@
           </p:nvSpPr>
           <p:spPr>
             <a:xfrm>
-              <a:off x="8885796" y="3257505"/>
+              <a:off x="8885796" y="3038049"/>
               <a:ext cx="43891" cy="0"/>
             </a:xfrm>
             <a:custGeom>
@@ -55873,7 +55873,7 @@
           </p:nvSpPr>
           <p:spPr>
             <a:xfrm>
-              <a:off x="8885796" y="2978633"/>
+              <a:off x="8885796" y="2759177"/>
               <a:ext cx="43891" cy="0"/>
             </a:xfrm>
             <a:custGeom>
@@ -55913,7 +55913,7 @@
           </p:nvSpPr>
           <p:spPr>
             <a:xfrm>
-              <a:off x="8885796" y="2699762"/>
+              <a:off x="8885796" y="2480306"/>
               <a:ext cx="43891" cy="0"/>
             </a:xfrm>
             <a:custGeom>
@@ -55953,7 +55953,7 @@
           </p:nvSpPr>
           <p:spPr>
             <a:xfrm>
-              <a:off x="8885796" y="2420890"/>
+              <a:off x="8885796" y="2201434"/>
               <a:ext cx="43891" cy="0"/>
             </a:xfrm>
             <a:custGeom>
@@ -55993,7 +55993,7 @@
           </p:nvSpPr>
           <p:spPr>
             <a:xfrm>
-              <a:off x="9174841" y="3232607"/>
+              <a:off x="9174841" y="3013151"/>
               <a:ext cx="69850" cy="48021"/>
             </a:xfrm>
             <a:prstGeom prst="rect">
@@ -56039,7 +56039,7 @@
           </p:nvSpPr>
           <p:spPr>
             <a:xfrm>
-              <a:off x="9174841" y="2953736"/>
+              <a:off x="9174841" y="2734280"/>
               <a:ext cx="69850" cy="48021"/>
             </a:xfrm>
             <a:prstGeom prst="rect">
@@ -56085,7 +56085,7 @@
           </p:nvSpPr>
           <p:spPr>
             <a:xfrm>
-              <a:off x="9174841" y="2675683"/>
+              <a:off x="9174841" y="2456227"/>
               <a:ext cx="69850" cy="47203"/>
             </a:xfrm>
             <a:prstGeom prst="rect">
@@ -56131,7 +56131,7 @@
           </p:nvSpPr>
           <p:spPr>
             <a:xfrm>
-              <a:off x="9174841" y="2395993"/>
+              <a:off x="9174841" y="2176537"/>
               <a:ext cx="104775" cy="48021"/>
             </a:xfrm>
             <a:prstGeom prst="rect">
@@ -56177,8 +56177,8 @@
           </p:nvSpPr>
           <p:spPr>
             <a:xfrm>
-              <a:off x="8816207" y="3593131"/>
-              <a:ext cx="1109041" cy="1417544"/>
+              <a:off x="8816207" y="3373675"/>
+              <a:ext cx="939935" cy="1417544"/>
             </a:xfrm>
             <a:prstGeom prst="rect">
               <a:avLst/>
@@ -56198,7 +56198,654 @@
           </p:nvSpPr>
           <p:spPr>
             <a:xfrm>
-              <a:off x="8885796" y="3644922"/>
+              <a:off x="8885796" y="3453124"/>
+              <a:ext cx="800757" cy="87932"/>
+            </a:xfrm>
+            <a:prstGeom prst="rect">
+              <a:avLst/>
+            </a:prstGeom>
+            <a:noFill/>
+          </p:spPr>
+          <p:txBody>
+            <a:bodyPr lIns="0" rIns="0" tIns="0" bIns="0" anchorCtr="1" anchor="ctr" wrap="none"/>
+            <a:lstStyle/>
+            <a:p>
+              <a:pPr algn="l" marL="0" marR="0" indent="0">
+                <a:lnSpc>
+                  <a:spcPts val="1000"/>
+                </a:lnSpc>
+                <a:spcBef>
+                  <a:spcPts val="0"/>
+                </a:spcBef>
+                <a:spcAft>
+                  <a:spcPts val="0"/>
+                </a:spcAft>
+              </a:pPr>
+              <a:r>
+                <a:rPr sz="1000">
+                  <a:solidFill>
+                    <a:srgbClr val="000000">
+                      <a:alpha val="100000"/>
+                    </a:srgbClr>
+                  </a:solidFill>
+                  <a:latin typeface="Times New Roman"/>
+                  <a:cs typeface="Times New Roman"/>
+                </a:rPr>
+                <a:t>HMMER Score</a:t>
+              </a:r>
+            </a:p>
+          </p:txBody>
+        </p:sp>
+        <p:sp>
+          <p:nvSpPr>
+            <p:cNvPr id="1433" name="rc1432"/>
+            <p:cNvSpPr/>
+            <p:nvPr/>
+          </p:nvSpPr>
+          <p:spPr>
+            <a:xfrm>
+              <a:off x="8885796" y="3624350"/>
+              <a:ext cx="219455" cy="219455"/>
+            </a:xfrm>
+            <a:prstGeom prst="rect">
+              <a:avLst/>
+            </a:prstGeom>
+            <a:solidFill>
+              <a:srgbClr val="FFFFFF">
+                <a:alpha val="100000"/>
+              </a:srgbClr>
+            </a:solidFill>
+            <a:ln w="13550" cap="rnd">
+              <a:solidFill>
+                <a:srgbClr val="FFFFFF">
+                  <a:alpha val="100000"/>
+                </a:srgbClr>
+              </a:solidFill>
+              <a:prstDash val="solid"/>
+              <a:round/>
+            </a:ln>
+          </p:spPr>
+          <p:txBody>
+            <a:bodyPr/>
+            <a:lstStyle/>
+            <a:p/>
+          </p:txBody>
+        </p:sp>
+        <p:sp>
+          <p:nvSpPr>
+            <p:cNvPr id="1434" name="rc1433"/>
+            <p:cNvSpPr/>
+            <p:nvPr/>
+          </p:nvSpPr>
+          <p:spPr>
+            <a:xfrm>
+              <a:off x="8887596" y="3626150"/>
+              <a:ext cx="215856" cy="215856"/>
+            </a:xfrm>
+            <a:prstGeom prst="rect">
+              <a:avLst/>
+            </a:prstGeom>
+            <a:solidFill>
+              <a:srgbClr val="AE5A41">
+                <a:alpha val="100000"/>
+              </a:srgbClr>
+            </a:solidFill>
+            <a:ln w="2710" cap="flat">
+              <a:solidFill>
+                <a:srgbClr val="FFFFFF">
+                  <a:alpha val="100000"/>
+                </a:srgbClr>
+              </a:solidFill>
+              <a:prstDash val="solid"/>
+              <a:miter/>
+            </a:ln>
+          </p:spPr>
+          <p:txBody>
+            <a:bodyPr/>
+            <a:lstStyle/>
+            <a:p/>
+          </p:txBody>
+        </p:sp>
+        <p:sp>
+          <p:nvSpPr>
+            <p:cNvPr id="1435" name="rc1434"/>
+            <p:cNvSpPr/>
+            <p:nvPr/>
+          </p:nvSpPr>
+          <p:spPr>
+            <a:xfrm>
+              <a:off x="8885796" y="3843806"/>
+              <a:ext cx="219455" cy="219456"/>
+            </a:xfrm>
+            <a:prstGeom prst="rect">
+              <a:avLst/>
+            </a:prstGeom>
+            <a:solidFill>
+              <a:srgbClr val="FFFFFF">
+                <a:alpha val="100000"/>
+              </a:srgbClr>
+            </a:solidFill>
+            <a:ln w="13550" cap="rnd">
+              <a:solidFill>
+                <a:srgbClr val="FFFFFF">
+                  <a:alpha val="100000"/>
+                </a:srgbClr>
+              </a:solidFill>
+              <a:prstDash val="solid"/>
+              <a:round/>
+            </a:ln>
+          </p:spPr>
+          <p:txBody>
+            <a:bodyPr/>
+            <a:lstStyle/>
+            <a:p/>
+          </p:txBody>
+        </p:sp>
+        <p:sp>
+          <p:nvSpPr>
+            <p:cNvPr id="1436" name="rc1435"/>
+            <p:cNvSpPr/>
+            <p:nvPr/>
+          </p:nvSpPr>
+          <p:spPr>
+            <a:xfrm>
+              <a:off x="8887596" y="3845606"/>
+              <a:ext cx="215856" cy="215856"/>
+            </a:xfrm>
+            <a:prstGeom prst="rect">
+              <a:avLst/>
+            </a:prstGeom>
+            <a:solidFill>
+              <a:srgbClr val="559E83">
+                <a:alpha val="100000"/>
+              </a:srgbClr>
+            </a:solidFill>
+            <a:ln w="2710" cap="flat">
+              <a:solidFill>
+                <a:srgbClr val="FFFFFF">
+                  <a:alpha val="100000"/>
+                </a:srgbClr>
+              </a:solidFill>
+              <a:prstDash val="solid"/>
+              <a:miter/>
+            </a:ln>
+          </p:spPr>
+          <p:txBody>
+            <a:bodyPr/>
+            <a:lstStyle/>
+            <a:p/>
+          </p:txBody>
+        </p:sp>
+        <p:sp>
+          <p:nvSpPr>
+            <p:cNvPr id="1437" name="rc1436"/>
+            <p:cNvSpPr/>
+            <p:nvPr/>
+          </p:nvSpPr>
+          <p:spPr>
+            <a:xfrm>
+              <a:off x="8885796" y="4063262"/>
+              <a:ext cx="219455" cy="219455"/>
+            </a:xfrm>
+            <a:prstGeom prst="rect">
+              <a:avLst/>
+            </a:prstGeom>
+            <a:solidFill>
+              <a:srgbClr val="FFFFFF">
+                <a:alpha val="100000"/>
+              </a:srgbClr>
+            </a:solidFill>
+            <a:ln w="13550" cap="rnd">
+              <a:solidFill>
+                <a:srgbClr val="FFFFFF">
+                  <a:alpha val="100000"/>
+                </a:srgbClr>
+              </a:solidFill>
+              <a:prstDash val="solid"/>
+              <a:round/>
+            </a:ln>
+          </p:spPr>
+          <p:txBody>
+            <a:bodyPr/>
+            <a:lstStyle/>
+            <a:p/>
+          </p:txBody>
+        </p:sp>
+        <p:sp>
+          <p:nvSpPr>
+            <p:cNvPr id="1438" name="rc1437"/>
+            <p:cNvSpPr/>
+            <p:nvPr/>
+          </p:nvSpPr>
+          <p:spPr>
+            <a:xfrm>
+              <a:off x="8887596" y="4065062"/>
+              <a:ext cx="215856" cy="215855"/>
+            </a:xfrm>
+            <a:prstGeom prst="rect">
+              <a:avLst/>
+            </a:prstGeom>
+            <a:solidFill>
+              <a:srgbClr val="B2D4AD">
+                <a:alpha val="100000"/>
+              </a:srgbClr>
+            </a:solidFill>
+            <a:ln w="2710" cap="flat">
+              <a:solidFill>
+                <a:srgbClr val="FFFFFF">
+                  <a:alpha val="100000"/>
+                </a:srgbClr>
+              </a:solidFill>
+              <a:prstDash val="solid"/>
+              <a:miter/>
+            </a:ln>
+          </p:spPr>
+          <p:txBody>
+            <a:bodyPr/>
+            <a:lstStyle/>
+            <a:p/>
+          </p:txBody>
+        </p:sp>
+        <p:sp>
+          <p:nvSpPr>
+            <p:cNvPr id="1439" name="rc1438"/>
+            <p:cNvSpPr/>
+            <p:nvPr/>
+          </p:nvSpPr>
+          <p:spPr>
+            <a:xfrm>
+              <a:off x="8885796" y="4282718"/>
+              <a:ext cx="219455" cy="219455"/>
+            </a:xfrm>
+            <a:prstGeom prst="rect">
+              <a:avLst/>
+            </a:prstGeom>
+            <a:solidFill>
+              <a:srgbClr val="FFFFFF">
+                <a:alpha val="100000"/>
+              </a:srgbClr>
+            </a:solidFill>
+            <a:ln w="13550" cap="rnd">
+              <a:solidFill>
+                <a:srgbClr val="FFFFFF">
+                  <a:alpha val="100000"/>
+                </a:srgbClr>
+              </a:solidFill>
+              <a:prstDash val="solid"/>
+              <a:round/>
+            </a:ln>
+          </p:spPr>
+          <p:txBody>
+            <a:bodyPr/>
+            <a:lstStyle/>
+            <a:p/>
+          </p:txBody>
+        </p:sp>
+        <p:sp>
+          <p:nvSpPr>
+            <p:cNvPr id="1440" name="rc1439"/>
+            <p:cNvSpPr/>
+            <p:nvPr/>
+          </p:nvSpPr>
+          <p:spPr>
+            <a:xfrm>
+              <a:off x="8887596" y="4284518"/>
+              <a:ext cx="215856" cy="215855"/>
+            </a:xfrm>
+            <a:prstGeom prst="rect">
+              <a:avLst/>
+            </a:prstGeom>
+            <a:solidFill>
+              <a:srgbClr val="DBC795">
+                <a:alpha val="100000"/>
+              </a:srgbClr>
+            </a:solidFill>
+            <a:ln w="2710" cap="flat">
+              <a:solidFill>
+                <a:srgbClr val="FFFFFF">
+                  <a:alpha val="100000"/>
+                </a:srgbClr>
+              </a:solidFill>
+              <a:prstDash val="solid"/>
+              <a:miter/>
+            </a:ln>
+          </p:spPr>
+          <p:txBody>
+            <a:bodyPr/>
+            <a:lstStyle/>
+            <a:p/>
+          </p:txBody>
+        </p:sp>
+        <p:sp>
+          <p:nvSpPr>
+            <p:cNvPr id="1441" name="rc1440"/>
+            <p:cNvSpPr/>
+            <p:nvPr/>
+          </p:nvSpPr>
+          <p:spPr>
+            <a:xfrm>
+              <a:off x="8885796" y="4502174"/>
+              <a:ext cx="219455" cy="219455"/>
+            </a:xfrm>
+            <a:prstGeom prst="rect">
+              <a:avLst/>
+            </a:prstGeom>
+            <a:solidFill>
+              <a:srgbClr val="FFFFFF">
+                <a:alpha val="100000"/>
+              </a:srgbClr>
+            </a:solidFill>
+            <a:ln w="13550" cap="rnd">
+              <a:solidFill>
+                <a:srgbClr val="FFFFFF">
+                  <a:alpha val="100000"/>
+                </a:srgbClr>
+              </a:solidFill>
+              <a:prstDash val="solid"/>
+              <a:round/>
+            </a:ln>
+          </p:spPr>
+          <p:txBody>
+            <a:bodyPr/>
+            <a:lstStyle/>
+            <a:p/>
+          </p:txBody>
+        </p:sp>
+        <p:sp>
+          <p:nvSpPr>
+            <p:cNvPr id="1442" name="rc1441"/>
+            <p:cNvSpPr/>
+            <p:nvPr/>
+          </p:nvSpPr>
+          <p:spPr>
+            <a:xfrm>
+              <a:off x="8887596" y="4503974"/>
+              <a:ext cx="215856" cy="215855"/>
+            </a:xfrm>
+            <a:prstGeom prst="rect">
+              <a:avLst/>
+            </a:prstGeom>
+            <a:solidFill>
+              <a:srgbClr val="FFFFFF">
+                <a:alpha val="100000"/>
+              </a:srgbClr>
+            </a:solidFill>
+            <a:ln w="2710" cap="flat">
+              <a:solidFill>
+                <a:srgbClr val="FFFFFF">
+                  <a:alpha val="100000"/>
+                </a:srgbClr>
+              </a:solidFill>
+              <a:prstDash val="solid"/>
+              <a:miter/>
+            </a:ln>
+          </p:spPr>
+          <p:txBody>
+            <a:bodyPr/>
+            <a:lstStyle/>
+            <a:p/>
+          </p:txBody>
+        </p:sp>
+        <p:sp>
+          <p:nvSpPr>
+            <p:cNvPr id="1443" name="tx1442"/>
+            <p:cNvSpPr/>
+            <p:nvPr/>
+          </p:nvSpPr>
+          <p:spPr>
+            <a:xfrm>
+              <a:off x="9174841" y="3710954"/>
+              <a:ext cx="50443" cy="46248"/>
+            </a:xfrm>
+            <a:prstGeom prst="rect">
+              <a:avLst/>
+            </a:prstGeom>
+            <a:noFill/>
+          </p:spPr>
+          <p:txBody>
+            <a:bodyPr lIns="0" rIns="0" tIns="0" bIns="0" anchorCtr="1" anchor="ctr" wrap="none"/>
+            <a:lstStyle/>
+            <a:p>
+              <a:pPr algn="l" marL="0" marR="0" indent="0">
+                <a:lnSpc>
+                  <a:spcPts val="550"/>
+                </a:lnSpc>
+                <a:spcBef>
+                  <a:spcPts val="0"/>
+                </a:spcBef>
+                <a:spcAft>
+                  <a:spcPts val="0"/>
+                </a:spcAft>
+              </a:pPr>
+              <a:r>
+                <a:rPr sz="550">
+                  <a:solidFill>
+                    <a:srgbClr val="000000">
+                      <a:alpha val="100000"/>
+                    </a:srgbClr>
+                  </a:solidFill>
+                  <a:latin typeface="Times New Roman"/>
+                  <a:cs typeface="Times New Roman"/>
+                </a:rPr>
+                <a:t>H</a:t>
+              </a:r>
+            </a:p>
+          </p:txBody>
+        </p:sp>
+        <p:sp>
+          <p:nvSpPr>
+            <p:cNvPr id="1444" name="tx1443"/>
+            <p:cNvSpPr/>
+            <p:nvPr/>
+          </p:nvSpPr>
+          <p:spPr>
+            <a:xfrm>
+              <a:off x="9174841" y="3930410"/>
+              <a:ext cx="62107" cy="46248"/>
+            </a:xfrm>
+            <a:prstGeom prst="rect">
+              <a:avLst/>
+            </a:prstGeom>
+            <a:noFill/>
+          </p:spPr>
+          <p:txBody>
+            <a:bodyPr lIns="0" rIns="0" tIns="0" bIns="0" anchorCtr="1" anchor="ctr" wrap="none"/>
+            <a:lstStyle/>
+            <a:p>
+              <a:pPr algn="l" marL="0" marR="0" indent="0">
+                <a:lnSpc>
+                  <a:spcPts val="550"/>
+                </a:lnSpc>
+                <a:spcBef>
+                  <a:spcPts val="0"/>
+                </a:spcBef>
+                <a:spcAft>
+                  <a:spcPts val="0"/>
+                </a:spcAft>
+              </a:pPr>
+              <a:r>
+                <a:rPr sz="550">
+                  <a:solidFill>
+                    <a:srgbClr val="000000">
+                      <a:alpha val="100000"/>
+                    </a:srgbClr>
+                  </a:solidFill>
+                  <a:latin typeface="Times New Roman"/>
+                  <a:cs typeface="Times New Roman"/>
+                </a:rPr>
+                <a:t>M</a:t>
+              </a:r>
+            </a:p>
+          </p:txBody>
+        </p:sp>
+        <p:sp>
+          <p:nvSpPr>
+            <p:cNvPr id="1445" name="tx1444"/>
+            <p:cNvSpPr/>
+            <p:nvPr/>
+          </p:nvSpPr>
+          <p:spPr>
+            <a:xfrm>
+              <a:off x="9174841" y="4149866"/>
+              <a:ext cx="42667" cy="46248"/>
+            </a:xfrm>
+            <a:prstGeom prst="rect">
+              <a:avLst/>
+            </a:prstGeom>
+            <a:noFill/>
+          </p:spPr>
+          <p:txBody>
+            <a:bodyPr lIns="0" rIns="0" tIns="0" bIns="0" anchorCtr="1" anchor="ctr" wrap="none"/>
+            <a:lstStyle/>
+            <a:p>
+              <a:pPr algn="l" marL="0" marR="0" indent="0">
+                <a:lnSpc>
+                  <a:spcPts val="550"/>
+                </a:lnSpc>
+                <a:spcBef>
+                  <a:spcPts val="0"/>
+                </a:spcBef>
+                <a:spcAft>
+                  <a:spcPts val="0"/>
+                </a:spcAft>
+              </a:pPr>
+              <a:r>
+                <a:rPr sz="550">
+                  <a:solidFill>
+                    <a:srgbClr val="000000">
+                      <a:alpha val="100000"/>
+                    </a:srgbClr>
+                  </a:solidFill>
+                  <a:latin typeface="Times New Roman"/>
+                  <a:cs typeface="Times New Roman"/>
+                </a:rPr>
+                <a:t>L</a:t>
+              </a:r>
+            </a:p>
+          </p:txBody>
+        </p:sp>
+        <p:sp>
+          <p:nvSpPr>
+            <p:cNvPr id="1446" name="tx1445"/>
+            <p:cNvSpPr/>
+            <p:nvPr/>
+          </p:nvSpPr>
+          <p:spPr>
+            <a:xfrm>
+              <a:off x="9174841" y="4369322"/>
+              <a:ext cx="38847" cy="46248"/>
+            </a:xfrm>
+            <a:prstGeom prst="rect">
+              <a:avLst/>
+            </a:prstGeom>
+            <a:noFill/>
+          </p:spPr>
+          <p:txBody>
+            <a:bodyPr lIns="0" rIns="0" tIns="0" bIns="0" anchorCtr="1" anchor="ctr" wrap="none"/>
+            <a:lstStyle/>
+            <a:p>
+              <a:pPr algn="l" marL="0" marR="0" indent="0">
+                <a:lnSpc>
+                  <a:spcPts val="550"/>
+                </a:lnSpc>
+                <a:spcBef>
+                  <a:spcPts val="0"/>
+                </a:spcBef>
+                <a:spcAft>
+                  <a:spcPts val="0"/>
+                </a:spcAft>
+              </a:pPr>
+              <a:r>
+                <a:rPr sz="550">
+                  <a:solidFill>
+                    <a:srgbClr val="000000">
+                      <a:alpha val="100000"/>
+                    </a:srgbClr>
+                  </a:solidFill>
+                  <a:latin typeface="Times New Roman"/>
+                  <a:cs typeface="Times New Roman"/>
+                </a:rPr>
+                <a:t>P</a:t>
+              </a:r>
+            </a:p>
+          </p:txBody>
+        </p:sp>
+        <p:sp>
+          <p:nvSpPr>
+            <p:cNvPr id="1447" name="tx1446"/>
+            <p:cNvSpPr/>
+            <p:nvPr/>
+          </p:nvSpPr>
+          <p:spPr>
+            <a:xfrm>
+              <a:off x="9174841" y="4586970"/>
+              <a:ext cx="100886" cy="48055"/>
+            </a:xfrm>
+            <a:prstGeom prst="rect">
+              <a:avLst/>
+            </a:prstGeom>
+            <a:noFill/>
+          </p:spPr>
+          <p:txBody>
+            <a:bodyPr lIns="0" rIns="0" tIns="0" bIns="0" anchorCtr="1" anchor="ctr" wrap="none"/>
+            <a:lstStyle/>
+            <a:p>
+              <a:pPr algn="l" marL="0" marR="0" indent="0">
+                <a:lnSpc>
+                  <a:spcPts val="550"/>
+                </a:lnSpc>
+                <a:spcBef>
+                  <a:spcPts val="0"/>
+                </a:spcBef>
+                <a:spcAft>
+                  <a:spcPts val="0"/>
+                </a:spcAft>
+              </a:pPr>
+              <a:r>
+                <a:rPr sz="550">
+                  <a:solidFill>
+                    <a:srgbClr val="000000">
+                      <a:alpha val="100000"/>
+                    </a:srgbClr>
+                  </a:solidFill>
+                  <a:latin typeface="Times New Roman"/>
+                  <a:cs typeface="Times New Roman"/>
+                </a:rPr>
+                <a:t>NA</a:t>
+              </a:r>
+            </a:p>
+          </p:txBody>
+        </p:sp>
+        <p:sp>
+          <p:nvSpPr>
+            <p:cNvPr id="1448" name="rc1447"/>
+            <p:cNvSpPr/>
+            <p:nvPr/>
+          </p:nvSpPr>
+          <p:spPr>
+            <a:xfrm>
+              <a:off x="8816207" y="4798419"/>
+              <a:ext cx="1109041" cy="1856456"/>
+            </a:xfrm>
+            <a:prstGeom prst="rect">
+              <a:avLst/>
+            </a:prstGeom>
+          </p:spPr>
+          <p:txBody>
+            <a:bodyPr/>
+            <a:lstStyle/>
+            <a:p/>
+          </p:txBody>
+        </p:sp>
+        <p:sp>
+          <p:nvSpPr>
+            <p:cNvPr id="1449" name="tx1448"/>
+            <p:cNvSpPr/>
+            <p:nvPr/>
+          </p:nvSpPr>
+          <p:spPr>
+            <a:xfrm>
+              <a:off x="8885796" y="4850211"/>
               <a:ext cx="969863" cy="115589"/>
             </a:xfrm>
             <a:prstGeom prst="rect">
@@ -56238,13 +56885,398 @@
         </p:sp>
         <p:sp>
           <p:nvSpPr>
-            <p:cNvPr id="1433" name="rc1432"/>
-            <p:cNvSpPr/>
-            <p:nvPr/>
-          </p:nvSpPr>
-          <p:spPr>
-            <a:xfrm>
-              <a:off x="8885796" y="3843806"/>
+            <p:cNvPr id="1450" name="rc1449"/>
+            <p:cNvSpPr/>
+            <p:nvPr/>
+          </p:nvSpPr>
+          <p:spPr>
+            <a:xfrm>
+              <a:off x="8885796" y="5049094"/>
+              <a:ext cx="219455" cy="219455"/>
+            </a:xfrm>
+            <a:prstGeom prst="rect">
+              <a:avLst/>
+            </a:prstGeom>
+            <a:solidFill>
+              <a:srgbClr val="FFFFFF">
+                <a:alpha val="100000"/>
+              </a:srgbClr>
+            </a:solidFill>
+            <a:ln w="13550" cap="rnd">
+              <a:solidFill>
+                <a:srgbClr val="FFFFFF">
+                  <a:alpha val="100000"/>
+                </a:srgbClr>
+              </a:solidFill>
+              <a:prstDash val="solid"/>
+              <a:round/>
+            </a:ln>
+          </p:spPr>
+          <p:txBody>
+            <a:bodyPr/>
+            <a:lstStyle/>
+            <a:p/>
+          </p:txBody>
+        </p:sp>
+        <p:sp>
+          <p:nvSpPr>
+            <p:cNvPr id="1451" name="rc1450"/>
+            <p:cNvSpPr/>
+            <p:nvPr/>
+          </p:nvSpPr>
+          <p:spPr>
+            <a:xfrm>
+              <a:off x="8887596" y="5050894"/>
+              <a:ext cx="215856" cy="215855"/>
+            </a:xfrm>
+            <a:prstGeom prst="rect">
+              <a:avLst/>
+            </a:prstGeom>
+            <a:solidFill>
+              <a:srgbClr val="3CBA26">
+                <a:alpha val="100000"/>
+              </a:srgbClr>
+            </a:solidFill>
+            <a:ln w="2710" cap="flat">
+              <a:solidFill>
+                <a:srgbClr val="FFFFFF">
+                  <a:alpha val="100000"/>
+                </a:srgbClr>
+              </a:solidFill>
+              <a:prstDash val="solid"/>
+              <a:miter/>
+            </a:ln>
+          </p:spPr>
+          <p:txBody>
+            <a:bodyPr/>
+            <a:lstStyle/>
+            <a:p/>
+          </p:txBody>
+        </p:sp>
+        <p:sp>
+          <p:nvSpPr>
+            <p:cNvPr id="1452" name="rc1451"/>
+            <p:cNvSpPr/>
+            <p:nvPr/>
+          </p:nvSpPr>
+          <p:spPr>
+            <a:xfrm>
+              <a:off x="8885796" y="5268550"/>
+              <a:ext cx="219455" cy="219455"/>
+            </a:xfrm>
+            <a:prstGeom prst="rect">
+              <a:avLst/>
+            </a:prstGeom>
+            <a:solidFill>
+              <a:srgbClr val="FFFFFF">
+                <a:alpha val="100000"/>
+              </a:srgbClr>
+            </a:solidFill>
+            <a:ln w="13550" cap="rnd">
+              <a:solidFill>
+                <a:srgbClr val="FFFFFF">
+                  <a:alpha val="100000"/>
+                </a:srgbClr>
+              </a:solidFill>
+              <a:prstDash val="solid"/>
+              <a:round/>
+            </a:ln>
+          </p:spPr>
+          <p:txBody>
+            <a:bodyPr/>
+            <a:lstStyle/>
+            <a:p/>
+          </p:txBody>
+        </p:sp>
+        <p:sp>
+          <p:nvSpPr>
+            <p:cNvPr id="1453" name="rc1452"/>
+            <p:cNvSpPr/>
+            <p:nvPr/>
+          </p:nvSpPr>
+          <p:spPr>
+            <a:xfrm>
+              <a:off x="8887596" y="5270350"/>
+              <a:ext cx="215856" cy="215855"/>
+            </a:xfrm>
+            <a:prstGeom prst="rect">
+              <a:avLst/>
+            </a:prstGeom>
+            <a:solidFill>
+              <a:srgbClr val="A87142">
+                <a:alpha val="100000"/>
+              </a:srgbClr>
+            </a:solidFill>
+            <a:ln w="2710" cap="flat">
+              <a:solidFill>
+                <a:srgbClr val="FFFFFF">
+                  <a:alpha val="100000"/>
+                </a:srgbClr>
+              </a:solidFill>
+              <a:prstDash val="solid"/>
+              <a:miter/>
+            </a:ln>
+          </p:spPr>
+          <p:txBody>
+            <a:bodyPr/>
+            <a:lstStyle/>
+            <a:p/>
+          </p:txBody>
+        </p:sp>
+        <p:sp>
+          <p:nvSpPr>
+            <p:cNvPr id="1454" name="rc1453"/>
+            <p:cNvSpPr/>
+            <p:nvPr/>
+          </p:nvSpPr>
+          <p:spPr>
+            <a:xfrm>
+              <a:off x="8885796" y="5488006"/>
+              <a:ext cx="219455" cy="219455"/>
+            </a:xfrm>
+            <a:prstGeom prst="rect">
+              <a:avLst/>
+            </a:prstGeom>
+            <a:solidFill>
+              <a:srgbClr val="FFFFFF">
+                <a:alpha val="100000"/>
+              </a:srgbClr>
+            </a:solidFill>
+            <a:ln w="13550" cap="rnd">
+              <a:solidFill>
+                <a:srgbClr val="FFFFFF">
+                  <a:alpha val="100000"/>
+                </a:srgbClr>
+              </a:solidFill>
+              <a:prstDash val="solid"/>
+              <a:round/>
+            </a:ln>
+          </p:spPr>
+          <p:txBody>
+            <a:bodyPr/>
+            <a:lstStyle/>
+            <a:p/>
+          </p:txBody>
+        </p:sp>
+        <p:sp>
+          <p:nvSpPr>
+            <p:cNvPr id="1455" name="rc1454"/>
+            <p:cNvSpPr/>
+            <p:nvPr/>
+          </p:nvSpPr>
+          <p:spPr>
+            <a:xfrm>
+              <a:off x="8887596" y="5489806"/>
+              <a:ext cx="215856" cy="215855"/>
+            </a:xfrm>
+            <a:prstGeom prst="rect">
+              <a:avLst/>
+            </a:prstGeom>
+            <a:solidFill>
+              <a:srgbClr val="63E3C5">
+                <a:alpha val="100000"/>
+              </a:srgbClr>
+            </a:solidFill>
+            <a:ln w="2710" cap="flat">
+              <a:solidFill>
+                <a:srgbClr val="FFFFFF">
+                  <a:alpha val="100000"/>
+                </a:srgbClr>
+              </a:solidFill>
+              <a:prstDash val="solid"/>
+              <a:miter/>
+            </a:ln>
+          </p:spPr>
+          <p:txBody>
+            <a:bodyPr/>
+            <a:lstStyle/>
+            <a:p/>
+          </p:txBody>
+        </p:sp>
+        <p:sp>
+          <p:nvSpPr>
+            <p:cNvPr id="1456" name="rc1455"/>
+            <p:cNvSpPr/>
+            <p:nvPr/>
+          </p:nvSpPr>
+          <p:spPr>
+            <a:xfrm>
+              <a:off x="8885796" y="5707462"/>
+              <a:ext cx="219455" cy="219455"/>
+            </a:xfrm>
+            <a:prstGeom prst="rect">
+              <a:avLst/>
+            </a:prstGeom>
+            <a:solidFill>
+              <a:srgbClr val="FFFFFF">
+                <a:alpha val="100000"/>
+              </a:srgbClr>
+            </a:solidFill>
+            <a:ln w="13550" cap="rnd">
+              <a:solidFill>
+                <a:srgbClr val="FFFFFF">
+                  <a:alpha val="100000"/>
+                </a:srgbClr>
+              </a:solidFill>
+              <a:prstDash val="solid"/>
+              <a:round/>
+            </a:ln>
+          </p:spPr>
+          <p:txBody>
+            <a:bodyPr/>
+            <a:lstStyle/>
+            <a:p/>
+          </p:txBody>
+        </p:sp>
+        <p:sp>
+          <p:nvSpPr>
+            <p:cNvPr id="1457" name="rc1456"/>
+            <p:cNvSpPr/>
+            <p:nvPr/>
+          </p:nvSpPr>
+          <p:spPr>
+            <a:xfrm>
+              <a:off x="8887596" y="5709262"/>
+              <a:ext cx="215856" cy="215855"/>
+            </a:xfrm>
+            <a:prstGeom prst="rect">
+              <a:avLst/>
+            </a:prstGeom>
+            <a:solidFill>
+              <a:srgbClr val="D0D1AC">
+                <a:alpha val="100000"/>
+              </a:srgbClr>
+            </a:solidFill>
+            <a:ln w="2710" cap="flat">
+              <a:solidFill>
+                <a:srgbClr val="FFFFFF">
+                  <a:alpha val="100000"/>
+                </a:srgbClr>
+              </a:solidFill>
+              <a:prstDash val="solid"/>
+              <a:miter/>
+            </a:ln>
+          </p:spPr>
+          <p:txBody>
+            <a:bodyPr/>
+            <a:lstStyle/>
+            <a:p/>
+          </p:txBody>
+        </p:sp>
+        <p:sp>
+          <p:nvSpPr>
+            <p:cNvPr id="1458" name="rc1457"/>
+            <p:cNvSpPr/>
+            <p:nvPr/>
+          </p:nvSpPr>
+          <p:spPr>
+            <a:xfrm>
+              <a:off x="8885796" y="5926918"/>
+              <a:ext cx="219455" cy="219455"/>
+            </a:xfrm>
+            <a:prstGeom prst="rect">
+              <a:avLst/>
+            </a:prstGeom>
+            <a:solidFill>
+              <a:srgbClr val="FFFFFF">
+                <a:alpha val="100000"/>
+              </a:srgbClr>
+            </a:solidFill>
+            <a:ln w="13550" cap="rnd">
+              <a:solidFill>
+                <a:srgbClr val="FFFFFF">
+                  <a:alpha val="100000"/>
+                </a:srgbClr>
+              </a:solidFill>
+              <a:prstDash val="solid"/>
+              <a:round/>
+            </a:ln>
+          </p:spPr>
+          <p:txBody>
+            <a:bodyPr/>
+            <a:lstStyle/>
+            <a:p/>
+          </p:txBody>
+        </p:sp>
+        <p:sp>
+          <p:nvSpPr>
+            <p:cNvPr id="1459" name="rc1458"/>
+            <p:cNvSpPr/>
+            <p:nvPr/>
+          </p:nvSpPr>
+          <p:spPr>
+            <a:xfrm>
+              <a:off x="8887596" y="5928718"/>
+              <a:ext cx="215856" cy="215855"/>
+            </a:xfrm>
+            <a:prstGeom prst="rect">
+              <a:avLst/>
+            </a:prstGeom>
+            <a:solidFill>
+              <a:srgbClr val="FE4A49">
+                <a:alpha val="100000"/>
+              </a:srgbClr>
+            </a:solidFill>
+            <a:ln w="2710" cap="flat">
+              <a:solidFill>
+                <a:srgbClr val="FFFFFF">
+                  <a:alpha val="100000"/>
+                </a:srgbClr>
+              </a:solidFill>
+              <a:prstDash val="solid"/>
+              <a:miter/>
+            </a:ln>
+          </p:spPr>
+          <p:txBody>
+            <a:bodyPr/>
+            <a:lstStyle/>
+            <a:p/>
+          </p:txBody>
+        </p:sp>
+        <p:sp>
+          <p:nvSpPr>
+            <p:cNvPr id="1460" name="rc1459"/>
+            <p:cNvSpPr/>
+            <p:nvPr/>
+          </p:nvSpPr>
+          <p:spPr>
+            <a:xfrm>
+              <a:off x="8885796" y="6146374"/>
+              <a:ext cx="219455" cy="219455"/>
+            </a:xfrm>
+            <a:prstGeom prst="rect">
+              <a:avLst/>
+            </a:prstGeom>
+            <a:solidFill>
+              <a:srgbClr val="FFFFFF">
+                <a:alpha val="100000"/>
+              </a:srgbClr>
+            </a:solidFill>
+            <a:ln w="13550" cap="rnd">
+              <a:solidFill>
+                <a:srgbClr val="FFFFFF">
+                  <a:alpha val="100000"/>
+                </a:srgbClr>
+              </a:solidFill>
+              <a:prstDash val="solid"/>
+              <a:round/>
+            </a:ln>
+          </p:spPr>
+          <p:txBody>
+            <a:bodyPr/>
+            <a:lstStyle/>
+            <a:p/>
+          </p:txBody>
+        </p:sp>
+        <p:sp>
+          <p:nvSpPr>
+            <p:cNvPr id="1461" name="rc1460"/>
+            <p:cNvSpPr/>
+            <p:nvPr/>
+          </p:nvSpPr>
+          <p:spPr>
+            <a:xfrm>
+              <a:off x="8885796" y="6365830"/>
               <a:ext cx="219455" cy="219456"/>
             </a:xfrm>
             <a:prstGeom prst="rect">
@@ -56273,299 +57305,19 @@
         </p:sp>
         <p:sp>
           <p:nvSpPr>
-            <p:cNvPr id="1434" name="rc1433"/>
-            <p:cNvSpPr/>
-            <p:nvPr/>
-          </p:nvSpPr>
-          <p:spPr>
-            <a:xfrm>
-              <a:off x="8887596" y="3845606"/>
+            <p:cNvPr id="1462" name="rc1461"/>
+            <p:cNvSpPr/>
+            <p:nvPr/>
+          </p:nvSpPr>
+          <p:spPr>
+            <a:xfrm>
+              <a:off x="8887596" y="6367630"/>
               <a:ext cx="215856" cy="215856"/>
             </a:xfrm>
             <a:prstGeom prst="rect">
               <a:avLst/>
             </a:prstGeom>
             <a:solidFill>
-              <a:srgbClr val="3CBA26">
-                <a:alpha val="100000"/>
-              </a:srgbClr>
-            </a:solidFill>
-            <a:ln w="2710" cap="flat">
-              <a:solidFill>
-                <a:srgbClr val="FFFFFF">
-                  <a:alpha val="100000"/>
-                </a:srgbClr>
-              </a:solidFill>
-              <a:prstDash val="solid"/>
-              <a:miter/>
-            </a:ln>
-          </p:spPr>
-          <p:txBody>
-            <a:bodyPr/>
-            <a:lstStyle/>
-            <a:p/>
-          </p:txBody>
-        </p:sp>
-        <p:sp>
-          <p:nvSpPr>
-            <p:cNvPr id="1435" name="rc1434"/>
-            <p:cNvSpPr/>
-            <p:nvPr/>
-          </p:nvSpPr>
-          <p:spPr>
-            <a:xfrm>
-              <a:off x="8885796" y="4063262"/>
-              <a:ext cx="219455" cy="219455"/>
-            </a:xfrm>
-            <a:prstGeom prst="rect">
-              <a:avLst/>
-            </a:prstGeom>
-            <a:solidFill>
-              <a:srgbClr val="FFFFFF">
-                <a:alpha val="100000"/>
-              </a:srgbClr>
-            </a:solidFill>
-            <a:ln w="13550" cap="rnd">
-              <a:solidFill>
-                <a:srgbClr val="FFFFFF">
-                  <a:alpha val="100000"/>
-                </a:srgbClr>
-              </a:solidFill>
-              <a:prstDash val="solid"/>
-              <a:round/>
-            </a:ln>
-          </p:spPr>
-          <p:txBody>
-            <a:bodyPr/>
-            <a:lstStyle/>
-            <a:p/>
-          </p:txBody>
-        </p:sp>
-        <p:sp>
-          <p:nvSpPr>
-            <p:cNvPr id="1436" name="rc1435"/>
-            <p:cNvSpPr/>
-            <p:nvPr/>
-          </p:nvSpPr>
-          <p:spPr>
-            <a:xfrm>
-              <a:off x="8887596" y="4065062"/>
-              <a:ext cx="215856" cy="215855"/>
-            </a:xfrm>
-            <a:prstGeom prst="rect">
-              <a:avLst/>
-            </a:prstGeom>
-            <a:solidFill>
-              <a:srgbClr val="A87142">
-                <a:alpha val="100000"/>
-              </a:srgbClr>
-            </a:solidFill>
-            <a:ln w="2710" cap="flat">
-              <a:solidFill>
-                <a:srgbClr val="FFFFFF">
-                  <a:alpha val="100000"/>
-                </a:srgbClr>
-              </a:solidFill>
-              <a:prstDash val="solid"/>
-              <a:miter/>
-            </a:ln>
-          </p:spPr>
-          <p:txBody>
-            <a:bodyPr/>
-            <a:lstStyle/>
-            <a:p/>
-          </p:txBody>
-        </p:sp>
-        <p:sp>
-          <p:nvSpPr>
-            <p:cNvPr id="1437" name="rc1436"/>
-            <p:cNvSpPr/>
-            <p:nvPr/>
-          </p:nvSpPr>
-          <p:spPr>
-            <a:xfrm>
-              <a:off x="8885796" y="4282718"/>
-              <a:ext cx="219455" cy="219455"/>
-            </a:xfrm>
-            <a:prstGeom prst="rect">
-              <a:avLst/>
-            </a:prstGeom>
-            <a:solidFill>
-              <a:srgbClr val="FFFFFF">
-                <a:alpha val="100000"/>
-              </a:srgbClr>
-            </a:solidFill>
-            <a:ln w="13550" cap="rnd">
-              <a:solidFill>
-                <a:srgbClr val="FFFFFF">
-                  <a:alpha val="100000"/>
-                </a:srgbClr>
-              </a:solidFill>
-              <a:prstDash val="solid"/>
-              <a:round/>
-            </a:ln>
-          </p:spPr>
-          <p:txBody>
-            <a:bodyPr/>
-            <a:lstStyle/>
-            <a:p/>
-          </p:txBody>
-        </p:sp>
-        <p:sp>
-          <p:nvSpPr>
-            <p:cNvPr id="1438" name="rc1437"/>
-            <p:cNvSpPr/>
-            <p:nvPr/>
-          </p:nvSpPr>
-          <p:spPr>
-            <a:xfrm>
-              <a:off x="8887596" y="4284518"/>
-              <a:ext cx="215856" cy="215855"/>
-            </a:xfrm>
-            <a:prstGeom prst="rect">
-              <a:avLst/>
-            </a:prstGeom>
-            <a:solidFill>
-              <a:srgbClr val="63E3C5">
-                <a:alpha val="100000"/>
-              </a:srgbClr>
-            </a:solidFill>
-            <a:ln w="2710" cap="flat">
-              <a:solidFill>
-                <a:srgbClr val="FFFFFF">
-                  <a:alpha val="100000"/>
-                </a:srgbClr>
-              </a:solidFill>
-              <a:prstDash val="solid"/>
-              <a:miter/>
-            </a:ln>
-          </p:spPr>
-          <p:txBody>
-            <a:bodyPr/>
-            <a:lstStyle/>
-            <a:p/>
-          </p:txBody>
-        </p:sp>
-        <p:sp>
-          <p:nvSpPr>
-            <p:cNvPr id="1439" name="rc1438"/>
-            <p:cNvSpPr/>
-            <p:nvPr/>
-          </p:nvSpPr>
-          <p:spPr>
-            <a:xfrm>
-              <a:off x="8885796" y="4502174"/>
-              <a:ext cx="219455" cy="219455"/>
-            </a:xfrm>
-            <a:prstGeom prst="rect">
-              <a:avLst/>
-            </a:prstGeom>
-            <a:solidFill>
-              <a:srgbClr val="FFFFFF">
-                <a:alpha val="100000"/>
-              </a:srgbClr>
-            </a:solidFill>
-            <a:ln w="13550" cap="rnd">
-              <a:solidFill>
-                <a:srgbClr val="FFFFFF">
-                  <a:alpha val="100000"/>
-                </a:srgbClr>
-              </a:solidFill>
-              <a:prstDash val="solid"/>
-              <a:round/>
-            </a:ln>
-          </p:spPr>
-          <p:txBody>
-            <a:bodyPr/>
-            <a:lstStyle/>
-            <a:p/>
-          </p:txBody>
-        </p:sp>
-        <p:sp>
-          <p:nvSpPr>
-            <p:cNvPr id="1440" name="rc1439"/>
-            <p:cNvSpPr/>
-            <p:nvPr/>
-          </p:nvSpPr>
-          <p:spPr>
-            <a:xfrm>
-              <a:off x="8887596" y="4503974"/>
-              <a:ext cx="215856" cy="215855"/>
-            </a:xfrm>
-            <a:prstGeom prst="rect">
-              <a:avLst/>
-            </a:prstGeom>
-            <a:solidFill>
-              <a:srgbClr val="FE4A49">
-                <a:alpha val="100000"/>
-              </a:srgbClr>
-            </a:solidFill>
-            <a:ln w="2710" cap="flat">
-              <a:solidFill>
-                <a:srgbClr val="FFFFFF">
-                  <a:alpha val="100000"/>
-                </a:srgbClr>
-              </a:solidFill>
-              <a:prstDash val="solid"/>
-              <a:miter/>
-            </a:ln>
-          </p:spPr>
-          <p:txBody>
-            <a:bodyPr/>
-            <a:lstStyle/>
-            <a:p/>
-          </p:txBody>
-        </p:sp>
-        <p:sp>
-          <p:nvSpPr>
-            <p:cNvPr id="1441" name="rc1440"/>
-            <p:cNvSpPr/>
-            <p:nvPr/>
-          </p:nvSpPr>
-          <p:spPr>
-            <a:xfrm>
-              <a:off x="8885796" y="4721630"/>
-              <a:ext cx="219455" cy="219455"/>
-            </a:xfrm>
-            <a:prstGeom prst="rect">
-              <a:avLst/>
-            </a:prstGeom>
-            <a:solidFill>
-              <a:srgbClr val="FFFFFF">
-                <a:alpha val="100000"/>
-              </a:srgbClr>
-            </a:solidFill>
-            <a:ln w="13550" cap="rnd">
-              <a:solidFill>
-                <a:srgbClr val="FFFFFF">
-                  <a:alpha val="100000"/>
-                </a:srgbClr>
-              </a:solidFill>
-              <a:prstDash val="solid"/>
-              <a:round/>
-            </a:ln>
-          </p:spPr>
-          <p:txBody>
-            <a:bodyPr/>
-            <a:lstStyle/>
-            <a:p/>
-          </p:txBody>
-        </p:sp>
-        <p:sp>
-          <p:nvSpPr>
-            <p:cNvPr id="1442" name="rc1441"/>
-            <p:cNvSpPr/>
-            <p:nvPr/>
-          </p:nvSpPr>
-          <p:spPr>
-            <a:xfrm>
-              <a:off x="8887596" y="4723430"/>
-              <a:ext cx="215856" cy="215855"/>
-            </a:xfrm>
-            <a:prstGeom prst="rect">
-              <a:avLst/>
-            </a:prstGeom>
-            <a:solidFill>
               <a:srgbClr val="A020F0">
                 <a:alpha val="100000"/>
               </a:srgbClr>
@@ -56588,13 +57340,13 @@
         </p:sp>
         <p:sp>
           <p:nvSpPr>
-            <p:cNvPr id="1443" name="tx1442"/>
-            <p:cNvSpPr/>
-            <p:nvPr/>
-          </p:nvSpPr>
-          <p:spPr>
-            <a:xfrm>
-              <a:off x="9174841" y="3913220"/>
+            <p:cNvPr id="1463" name="tx1462"/>
+            <p:cNvSpPr/>
+            <p:nvPr/>
+          </p:nvSpPr>
+          <p:spPr>
+            <a:xfrm>
+              <a:off x="9174841" y="5118508"/>
               <a:ext cx="337551" cy="63437"/>
             </a:xfrm>
             <a:prstGeom prst="rect">
@@ -56634,13 +57386,13 @@
         </p:sp>
         <p:sp>
           <p:nvSpPr>
-            <p:cNvPr id="1444" name="tx1443"/>
-            <p:cNvSpPr/>
-            <p:nvPr/>
-          </p:nvSpPr>
-          <p:spPr>
-            <a:xfrm>
-              <a:off x="9174841" y="4132676"/>
+            <p:cNvPr id="1464" name="tx1463"/>
+            <p:cNvSpPr/>
+            <p:nvPr/>
+          </p:nvSpPr>
+          <p:spPr>
+            <a:xfrm>
+              <a:off x="9174841" y="5337964"/>
               <a:ext cx="337483" cy="63437"/>
             </a:xfrm>
             <a:prstGeom prst="rect">
@@ -56680,13 +57432,13 @@
         </p:sp>
         <p:sp>
           <p:nvSpPr>
-            <p:cNvPr id="1445" name="tx1444"/>
-            <p:cNvSpPr/>
-            <p:nvPr/>
-          </p:nvSpPr>
-          <p:spPr>
-            <a:xfrm>
-              <a:off x="9174841" y="4352132"/>
+            <p:cNvPr id="1465" name="tx1464"/>
+            <p:cNvSpPr/>
+            <p:nvPr/>
+          </p:nvSpPr>
+          <p:spPr>
+            <a:xfrm>
+              <a:off x="9174841" y="5557420"/>
               <a:ext cx="298806" cy="63437"/>
             </a:xfrm>
             <a:prstGeom prst="rect">
@@ -56726,14 +57478,14 @@
         </p:sp>
         <p:sp>
           <p:nvSpPr>
-            <p:cNvPr id="1446" name="tx1445"/>
-            <p:cNvSpPr/>
-            <p:nvPr/>
-          </p:nvSpPr>
-          <p:spPr>
-            <a:xfrm>
-              <a:off x="9174841" y="4585572"/>
-              <a:ext cx="221112" cy="49454"/>
+            <p:cNvPr id="1466" name="tx1465"/>
+            <p:cNvSpPr/>
+            <p:nvPr/>
+          </p:nvSpPr>
+          <p:spPr>
+            <a:xfrm>
+              <a:off x="9174841" y="5790860"/>
+              <a:ext cx="428752" cy="49454"/>
             </a:xfrm>
             <a:prstGeom prst="rect">
               <a:avLst/>
@@ -56765,20 +57517,112 @@
                   <a:latin typeface="Times New Roman"/>
                   <a:cs typeface="Times New Roman"/>
                 </a:rPr>
-                <a:t>Parasite</a:t>
+                <a:t>Plastid Parasite</a:t>
               </a:r>
             </a:p>
           </p:txBody>
         </p:sp>
         <p:sp>
           <p:nvSpPr>
-            <p:cNvPr id="1447" name="tx1446"/>
-            <p:cNvSpPr/>
-            <p:nvPr/>
-          </p:nvSpPr>
-          <p:spPr>
-            <a:xfrm>
-              <a:off x="9174841" y="4790908"/>
+            <p:cNvPr id="1467" name="tx1466"/>
+            <p:cNvSpPr/>
+            <p:nvPr/>
+          </p:nvSpPr>
+          <p:spPr>
+            <a:xfrm>
+              <a:off x="9174841" y="6010316"/>
+              <a:ext cx="572306" cy="49454"/>
+            </a:xfrm>
+            <a:prstGeom prst="rect">
+              <a:avLst/>
+            </a:prstGeom>
+            <a:noFill/>
+          </p:spPr>
+          <p:txBody>
+            <a:bodyPr lIns="0" rIns="0" tIns="0" bIns="0" anchorCtr="1" anchor="ctr" wrap="none"/>
+            <a:lstStyle/>
+            <a:p>
+              <a:pPr algn="l" marL="0" marR="0" indent="0">
+                <a:lnSpc>
+                  <a:spcPts val="550"/>
+                </a:lnSpc>
+                <a:spcBef>
+                  <a:spcPts val="0"/>
+                </a:spcBef>
+                <a:spcAft>
+                  <a:spcPts val="0"/>
+                </a:spcAft>
+              </a:pPr>
+              <a:r>
+                <a:rPr sz="550">
+                  <a:solidFill>
+                    <a:srgbClr val="000000">
+                      <a:alpha val="100000"/>
+                    </a:srgbClr>
+                  </a:solidFill>
+                  <a:latin typeface="Times New Roman"/>
+                  <a:cs typeface="Times New Roman"/>
+                </a:rPr>
+                <a:t>Non-Plastid Parasite</a:t>
+              </a:r>
+            </a:p>
+          </p:txBody>
+        </p:sp>
+        <p:sp>
+          <p:nvSpPr>
+            <p:cNvPr id="1468" name="tx1467"/>
+            <p:cNvSpPr/>
+            <p:nvPr/>
+          </p:nvSpPr>
+          <p:spPr>
+            <a:xfrm>
+              <a:off x="9174841" y="6215652"/>
+              <a:ext cx="591610" cy="63574"/>
+            </a:xfrm>
+            <a:prstGeom prst="rect">
+              <a:avLst/>
+            </a:prstGeom>
+            <a:noFill/>
+          </p:spPr>
+          <p:txBody>
+            <a:bodyPr lIns="0" rIns="0" tIns="0" bIns="0" anchorCtr="1" anchor="ctr" wrap="none"/>
+            <a:lstStyle/>
+            <a:p>
+              <a:pPr algn="l" marL="0" marR="0" indent="0">
+                <a:lnSpc>
+                  <a:spcPts val="550"/>
+                </a:lnSpc>
+                <a:spcBef>
+                  <a:spcPts val="0"/>
+                </a:spcBef>
+                <a:spcAft>
+                  <a:spcPts val="0"/>
+                </a:spcAft>
+              </a:pPr>
+              <a:r>
+                <a:rPr sz="550">
+                  <a:solidFill>
+                    <a:srgbClr val="000000">
+                      <a:alpha val="100000"/>
+                    </a:srgbClr>
+                  </a:solidFill>
+                  <a:latin typeface="Times New Roman"/>
+                  <a:cs typeface="Times New Roman"/>
+                </a:rPr>
+                <a:t>Streptophyta parasite</a:t>
+              </a:r>
+            </a:p>
+          </p:txBody>
+        </p:sp>
+        <p:sp>
+          <p:nvSpPr>
+            <p:cNvPr id="1469" name="tx1468"/>
+            <p:cNvSpPr/>
+            <p:nvPr/>
+          </p:nvSpPr>
+          <p:spPr>
+            <a:xfrm>
+              <a:off x="9174841" y="6435108"/>
               <a:ext cx="422954" cy="63574"/>
             </a:xfrm>
             <a:prstGeom prst="rect">
@@ -56818,654 +57662,7 @@
         </p:sp>
         <p:sp>
           <p:nvSpPr>
-            <p:cNvPr id="1448" name="rc1447"/>
-            <p:cNvSpPr/>
-            <p:nvPr/>
-          </p:nvSpPr>
-          <p:spPr>
-            <a:xfrm>
-              <a:off x="8816207" y="5017875"/>
-              <a:ext cx="939935" cy="1417544"/>
-            </a:xfrm>
-            <a:prstGeom prst="rect">
-              <a:avLst/>
-            </a:prstGeom>
-          </p:spPr>
-          <p:txBody>
-            <a:bodyPr/>
-            <a:lstStyle/>
-            <a:p/>
-          </p:txBody>
-        </p:sp>
-        <p:sp>
-          <p:nvSpPr>
-            <p:cNvPr id="1449" name="tx1448"/>
-            <p:cNvSpPr/>
-            <p:nvPr/>
-          </p:nvSpPr>
-          <p:spPr>
-            <a:xfrm>
-              <a:off x="8885796" y="5097324"/>
-              <a:ext cx="800757" cy="87932"/>
-            </a:xfrm>
-            <a:prstGeom prst="rect">
-              <a:avLst/>
-            </a:prstGeom>
-            <a:noFill/>
-          </p:spPr>
-          <p:txBody>
-            <a:bodyPr lIns="0" rIns="0" tIns="0" bIns="0" anchorCtr="1" anchor="ctr" wrap="none"/>
-            <a:lstStyle/>
-            <a:p>
-              <a:pPr algn="l" marL="0" marR="0" indent="0">
-                <a:lnSpc>
-                  <a:spcPts val="1000"/>
-                </a:lnSpc>
-                <a:spcBef>
-                  <a:spcPts val="0"/>
-                </a:spcBef>
-                <a:spcAft>
-                  <a:spcPts val="0"/>
-                </a:spcAft>
-              </a:pPr>
-              <a:r>
-                <a:rPr sz="1000">
-                  <a:solidFill>
-                    <a:srgbClr val="000000">
-                      <a:alpha val="100000"/>
-                    </a:srgbClr>
-                  </a:solidFill>
-                  <a:latin typeface="Times New Roman"/>
-                  <a:cs typeface="Times New Roman"/>
-                </a:rPr>
-                <a:t>HMMER Score</a:t>
-              </a:r>
-            </a:p>
-          </p:txBody>
-        </p:sp>
-        <p:sp>
-          <p:nvSpPr>
-            <p:cNvPr id="1450" name="rc1449"/>
-            <p:cNvSpPr/>
-            <p:nvPr/>
-          </p:nvSpPr>
-          <p:spPr>
-            <a:xfrm>
-              <a:off x="8885796" y="5268550"/>
-              <a:ext cx="219455" cy="219455"/>
-            </a:xfrm>
-            <a:prstGeom prst="rect">
-              <a:avLst/>
-            </a:prstGeom>
-            <a:solidFill>
-              <a:srgbClr val="FFFFFF">
-                <a:alpha val="100000"/>
-              </a:srgbClr>
-            </a:solidFill>
-            <a:ln w="13550" cap="rnd">
-              <a:solidFill>
-                <a:srgbClr val="FFFFFF">
-                  <a:alpha val="100000"/>
-                </a:srgbClr>
-              </a:solidFill>
-              <a:prstDash val="solid"/>
-              <a:round/>
-            </a:ln>
-          </p:spPr>
-          <p:txBody>
-            <a:bodyPr/>
-            <a:lstStyle/>
-            <a:p/>
-          </p:txBody>
-        </p:sp>
-        <p:sp>
-          <p:nvSpPr>
-            <p:cNvPr id="1451" name="rc1450"/>
-            <p:cNvSpPr/>
-            <p:nvPr/>
-          </p:nvSpPr>
-          <p:spPr>
-            <a:xfrm>
-              <a:off x="8887596" y="5270350"/>
-              <a:ext cx="215856" cy="215855"/>
-            </a:xfrm>
-            <a:prstGeom prst="rect">
-              <a:avLst/>
-            </a:prstGeom>
-            <a:solidFill>
-              <a:srgbClr val="AE5A41">
-                <a:alpha val="100000"/>
-              </a:srgbClr>
-            </a:solidFill>
-            <a:ln w="2710" cap="flat">
-              <a:solidFill>
-                <a:srgbClr val="FFFFFF">
-                  <a:alpha val="100000"/>
-                </a:srgbClr>
-              </a:solidFill>
-              <a:prstDash val="solid"/>
-              <a:miter/>
-            </a:ln>
-          </p:spPr>
-          <p:txBody>
-            <a:bodyPr/>
-            <a:lstStyle/>
-            <a:p/>
-          </p:txBody>
-        </p:sp>
-        <p:sp>
-          <p:nvSpPr>
-            <p:cNvPr id="1452" name="rc1451"/>
-            <p:cNvSpPr/>
-            <p:nvPr/>
-          </p:nvSpPr>
-          <p:spPr>
-            <a:xfrm>
-              <a:off x="8885796" y="5488006"/>
-              <a:ext cx="219455" cy="219455"/>
-            </a:xfrm>
-            <a:prstGeom prst="rect">
-              <a:avLst/>
-            </a:prstGeom>
-            <a:solidFill>
-              <a:srgbClr val="FFFFFF">
-                <a:alpha val="100000"/>
-              </a:srgbClr>
-            </a:solidFill>
-            <a:ln w="13550" cap="rnd">
-              <a:solidFill>
-                <a:srgbClr val="FFFFFF">
-                  <a:alpha val="100000"/>
-                </a:srgbClr>
-              </a:solidFill>
-              <a:prstDash val="solid"/>
-              <a:round/>
-            </a:ln>
-          </p:spPr>
-          <p:txBody>
-            <a:bodyPr/>
-            <a:lstStyle/>
-            <a:p/>
-          </p:txBody>
-        </p:sp>
-        <p:sp>
-          <p:nvSpPr>
-            <p:cNvPr id="1453" name="rc1452"/>
-            <p:cNvSpPr/>
-            <p:nvPr/>
-          </p:nvSpPr>
-          <p:spPr>
-            <a:xfrm>
-              <a:off x="8887596" y="5489806"/>
-              <a:ext cx="215856" cy="215855"/>
-            </a:xfrm>
-            <a:prstGeom prst="rect">
-              <a:avLst/>
-            </a:prstGeom>
-            <a:solidFill>
-              <a:srgbClr val="559E83">
-                <a:alpha val="100000"/>
-              </a:srgbClr>
-            </a:solidFill>
-            <a:ln w="2710" cap="flat">
-              <a:solidFill>
-                <a:srgbClr val="FFFFFF">
-                  <a:alpha val="100000"/>
-                </a:srgbClr>
-              </a:solidFill>
-              <a:prstDash val="solid"/>
-              <a:miter/>
-            </a:ln>
-          </p:spPr>
-          <p:txBody>
-            <a:bodyPr/>
-            <a:lstStyle/>
-            <a:p/>
-          </p:txBody>
-        </p:sp>
-        <p:sp>
-          <p:nvSpPr>
-            <p:cNvPr id="1454" name="rc1453"/>
-            <p:cNvSpPr/>
-            <p:nvPr/>
-          </p:nvSpPr>
-          <p:spPr>
-            <a:xfrm>
-              <a:off x="8885796" y="5707462"/>
-              <a:ext cx="219455" cy="219455"/>
-            </a:xfrm>
-            <a:prstGeom prst="rect">
-              <a:avLst/>
-            </a:prstGeom>
-            <a:solidFill>
-              <a:srgbClr val="FFFFFF">
-                <a:alpha val="100000"/>
-              </a:srgbClr>
-            </a:solidFill>
-            <a:ln w="13550" cap="rnd">
-              <a:solidFill>
-                <a:srgbClr val="FFFFFF">
-                  <a:alpha val="100000"/>
-                </a:srgbClr>
-              </a:solidFill>
-              <a:prstDash val="solid"/>
-              <a:round/>
-            </a:ln>
-          </p:spPr>
-          <p:txBody>
-            <a:bodyPr/>
-            <a:lstStyle/>
-            <a:p/>
-          </p:txBody>
-        </p:sp>
-        <p:sp>
-          <p:nvSpPr>
-            <p:cNvPr id="1455" name="rc1454"/>
-            <p:cNvSpPr/>
-            <p:nvPr/>
-          </p:nvSpPr>
-          <p:spPr>
-            <a:xfrm>
-              <a:off x="8887596" y="5709262"/>
-              <a:ext cx="215856" cy="215855"/>
-            </a:xfrm>
-            <a:prstGeom prst="rect">
-              <a:avLst/>
-            </a:prstGeom>
-            <a:solidFill>
-              <a:srgbClr val="B2D4AD">
-                <a:alpha val="100000"/>
-              </a:srgbClr>
-            </a:solidFill>
-            <a:ln w="2710" cap="flat">
-              <a:solidFill>
-                <a:srgbClr val="FFFFFF">
-                  <a:alpha val="100000"/>
-                </a:srgbClr>
-              </a:solidFill>
-              <a:prstDash val="solid"/>
-              <a:miter/>
-            </a:ln>
-          </p:spPr>
-          <p:txBody>
-            <a:bodyPr/>
-            <a:lstStyle/>
-            <a:p/>
-          </p:txBody>
-        </p:sp>
-        <p:sp>
-          <p:nvSpPr>
-            <p:cNvPr id="1456" name="rc1455"/>
-            <p:cNvSpPr/>
-            <p:nvPr/>
-          </p:nvSpPr>
-          <p:spPr>
-            <a:xfrm>
-              <a:off x="8885796" y="5926918"/>
-              <a:ext cx="219455" cy="219455"/>
-            </a:xfrm>
-            <a:prstGeom prst="rect">
-              <a:avLst/>
-            </a:prstGeom>
-            <a:solidFill>
-              <a:srgbClr val="FFFFFF">
-                <a:alpha val="100000"/>
-              </a:srgbClr>
-            </a:solidFill>
-            <a:ln w="13550" cap="rnd">
-              <a:solidFill>
-                <a:srgbClr val="FFFFFF">
-                  <a:alpha val="100000"/>
-                </a:srgbClr>
-              </a:solidFill>
-              <a:prstDash val="solid"/>
-              <a:round/>
-            </a:ln>
-          </p:spPr>
-          <p:txBody>
-            <a:bodyPr/>
-            <a:lstStyle/>
-            <a:p/>
-          </p:txBody>
-        </p:sp>
-        <p:sp>
-          <p:nvSpPr>
-            <p:cNvPr id="1457" name="rc1456"/>
-            <p:cNvSpPr/>
-            <p:nvPr/>
-          </p:nvSpPr>
-          <p:spPr>
-            <a:xfrm>
-              <a:off x="8887596" y="5928718"/>
-              <a:ext cx="215856" cy="215855"/>
-            </a:xfrm>
-            <a:prstGeom prst="rect">
-              <a:avLst/>
-            </a:prstGeom>
-            <a:solidFill>
-              <a:srgbClr val="DBC795">
-                <a:alpha val="100000"/>
-              </a:srgbClr>
-            </a:solidFill>
-            <a:ln w="2710" cap="flat">
-              <a:solidFill>
-                <a:srgbClr val="FFFFFF">
-                  <a:alpha val="100000"/>
-                </a:srgbClr>
-              </a:solidFill>
-              <a:prstDash val="solid"/>
-              <a:miter/>
-            </a:ln>
-          </p:spPr>
-          <p:txBody>
-            <a:bodyPr/>
-            <a:lstStyle/>
-            <a:p/>
-          </p:txBody>
-        </p:sp>
-        <p:sp>
-          <p:nvSpPr>
-            <p:cNvPr id="1458" name="rc1457"/>
-            <p:cNvSpPr/>
-            <p:nvPr/>
-          </p:nvSpPr>
-          <p:spPr>
-            <a:xfrm>
-              <a:off x="8885796" y="6146374"/>
-              <a:ext cx="219455" cy="219455"/>
-            </a:xfrm>
-            <a:prstGeom prst="rect">
-              <a:avLst/>
-            </a:prstGeom>
-            <a:solidFill>
-              <a:srgbClr val="FFFFFF">
-                <a:alpha val="100000"/>
-              </a:srgbClr>
-            </a:solidFill>
-            <a:ln w="13550" cap="rnd">
-              <a:solidFill>
-                <a:srgbClr val="FFFFFF">
-                  <a:alpha val="100000"/>
-                </a:srgbClr>
-              </a:solidFill>
-              <a:prstDash val="solid"/>
-              <a:round/>
-            </a:ln>
-          </p:spPr>
-          <p:txBody>
-            <a:bodyPr/>
-            <a:lstStyle/>
-            <a:p/>
-          </p:txBody>
-        </p:sp>
-        <p:sp>
-          <p:nvSpPr>
-            <p:cNvPr id="1459" name="rc1458"/>
-            <p:cNvSpPr/>
-            <p:nvPr/>
-          </p:nvSpPr>
-          <p:spPr>
-            <a:xfrm>
-              <a:off x="8887596" y="6148174"/>
-              <a:ext cx="215856" cy="215855"/>
-            </a:xfrm>
-            <a:prstGeom prst="rect">
-              <a:avLst/>
-            </a:prstGeom>
-            <a:solidFill>
-              <a:srgbClr val="FFFFFF">
-                <a:alpha val="100000"/>
-              </a:srgbClr>
-            </a:solidFill>
-            <a:ln w="2710" cap="flat">
-              <a:solidFill>
-                <a:srgbClr val="FFFFFF">
-                  <a:alpha val="100000"/>
-                </a:srgbClr>
-              </a:solidFill>
-              <a:prstDash val="solid"/>
-              <a:miter/>
-            </a:ln>
-          </p:spPr>
-          <p:txBody>
-            <a:bodyPr/>
-            <a:lstStyle/>
-            <a:p/>
-          </p:txBody>
-        </p:sp>
-        <p:sp>
-          <p:nvSpPr>
-            <p:cNvPr id="1460" name="tx1459"/>
-            <p:cNvSpPr/>
-            <p:nvPr/>
-          </p:nvSpPr>
-          <p:spPr>
-            <a:xfrm>
-              <a:off x="9174841" y="5355154"/>
-              <a:ext cx="50443" cy="46248"/>
-            </a:xfrm>
-            <a:prstGeom prst="rect">
-              <a:avLst/>
-            </a:prstGeom>
-            <a:noFill/>
-          </p:spPr>
-          <p:txBody>
-            <a:bodyPr lIns="0" rIns="0" tIns="0" bIns="0" anchorCtr="1" anchor="ctr" wrap="none"/>
-            <a:lstStyle/>
-            <a:p>
-              <a:pPr algn="l" marL="0" marR="0" indent="0">
-                <a:lnSpc>
-                  <a:spcPts val="550"/>
-                </a:lnSpc>
-                <a:spcBef>
-                  <a:spcPts val="0"/>
-                </a:spcBef>
-                <a:spcAft>
-                  <a:spcPts val="0"/>
-                </a:spcAft>
-              </a:pPr>
-              <a:r>
-                <a:rPr sz="550">
-                  <a:solidFill>
-                    <a:srgbClr val="000000">
-                      <a:alpha val="100000"/>
-                    </a:srgbClr>
-                  </a:solidFill>
-                  <a:latin typeface="Times New Roman"/>
-                  <a:cs typeface="Times New Roman"/>
-                </a:rPr>
-                <a:t>H</a:t>
-              </a:r>
-            </a:p>
-          </p:txBody>
-        </p:sp>
-        <p:sp>
-          <p:nvSpPr>
-            <p:cNvPr id="1461" name="tx1460"/>
-            <p:cNvSpPr/>
-            <p:nvPr/>
-          </p:nvSpPr>
-          <p:spPr>
-            <a:xfrm>
-              <a:off x="9174841" y="5574610"/>
-              <a:ext cx="62107" cy="46248"/>
-            </a:xfrm>
-            <a:prstGeom prst="rect">
-              <a:avLst/>
-            </a:prstGeom>
-            <a:noFill/>
-          </p:spPr>
-          <p:txBody>
-            <a:bodyPr lIns="0" rIns="0" tIns="0" bIns="0" anchorCtr="1" anchor="ctr" wrap="none"/>
-            <a:lstStyle/>
-            <a:p>
-              <a:pPr algn="l" marL="0" marR="0" indent="0">
-                <a:lnSpc>
-                  <a:spcPts val="550"/>
-                </a:lnSpc>
-                <a:spcBef>
-                  <a:spcPts val="0"/>
-                </a:spcBef>
-                <a:spcAft>
-                  <a:spcPts val="0"/>
-                </a:spcAft>
-              </a:pPr>
-              <a:r>
-                <a:rPr sz="550">
-                  <a:solidFill>
-                    <a:srgbClr val="000000">
-                      <a:alpha val="100000"/>
-                    </a:srgbClr>
-                  </a:solidFill>
-                  <a:latin typeface="Times New Roman"/>
-                  <a:cs typeface="Times New Roman"/>
-                </a:rPr>
-                <a:t>M</a:t>
-              </a:r>
-            </a:p>
-          </p:txBody>
-        </p:sp>
-        <p:sp>
-          <p:nvSpPr>
-            <p:cNvPr id="1462" name="tx1461"/>
-            <p:cNvSpPr/>
-            <p:nvPr/>
-          </p:nvSpPr>
-          <p:spPr>
-            <a:xfrm>
-              <a:off x="9174841" y="5794066"/>
-              <a:ext cx="42667" cy="46248"/>
-            </a:xfrm>
-            <a:prstGeom prst="rect">
-              <a:avLst/>
-            </a:prstGeom>
-            <a:noFill/>
-          </p:spPr>
-          <p:txBody>
-            <a:bodyPr lIns="0" rIns="0" tIns="0" bIns="0" anchorCtr="1" anchor="ctr" wrap="none"/>
-            <a:lstStyle/>
-            <a:p>
-              <a:pPr algn="l" marL="0" marR="0" indent="0">
-                <a:lnSpc>
-                  <a:spcPts val="550"/>
-                </a:lnSpc>
-                <a:spcBef>
-                  <a:spcPts val="0"/>
-                </a:spcBef>
-                <a:spcAft>
-                  <a:spcPts val="0"/>
-                </a:spcAft>
-              </a:pPr>
-              <a:r>
-                <a:rPr sz="550">
-                  <a:solidFill>
-                    <a:srgbClr val="000000">
-                      <a:alpha val="100000"/>
-                    </a:srgbClr>
-                  </a:solidFill>
-                  <a:latin typeface="Times New Roman"/>
-                  <a:cs typeface="Times New Roman"/>
-                </a:rPr>
-                <a:t>L</a:t>
-              </a:r>
-            </a:p>
-          </p:txBody>
-        </p:sp>
-        <p:sp>
-          <p:nvSpPr>
-            <p:cNvPr id="1463" name="tx1462"/>
-            <p:cNvSpPr/>
-            <p:nvPr/>
-          </p:nvSpPr>
-          <p:spPr>
-            <a:xfrm>
-              <a:off x="9174841" y="6013522"/>
-              <a:ext cx="38847" cy="46248"/>
-            </a:xfrm>
-            <a:prstGeom prst="rect">
-              <a:avLst/>
-            </a:prstGeom>
-            <a:noFill/>
-          </p:spPr>
-          <p:txBody>
-            <a:bodyPr lIns="0" rIns="0" tIns="0" bIns="0" anchorCtr="1" anchor="ctr" wrap="none"/>
-            <a:lstStyle/>
-            <a:p>
-              <a:pPr algn="l" marL="0" marR="0" indent="0">
-                <a:lnSpc>
-                  <a:spcPts val="550"/>
-                </a:lnSpc>
-                <a:spcBef>
-                  <a:spcPts val="0"/>
-                </a:spcBef>
-                <a:spcAft>
-                  <a:spcPts val="0"/>
-                </a:spcAft>
-              </a:pPr>
-              <a:r>
-                <a:rPr sz="550">
-                  <a:solidFill>
-                    <a:srgbClr val="000000">
-                      <a:alpha val="100000"/>
-                    </a:srgbClr>
-                  </a:solidFill>
-                  <a:latin typeface="Times New Roman"/>
-                  <a:cs typeface="Times New Roman"/>
-                </a:rPr>
-                <a:t>P</a:t>
-              </a:r>
-            </a:p>
-          </p:txBody>
-        </p:sp>
-        <p:sp>
-          <p:nvSpPr>
-            <p:cNvPr id="1464" name="tx1463"/>
-            <p:cNvSpPr/>
-            <p:nvPr/>
-          </p:nvSpPr>
-          <p:spPr>
-            <a:xfrm>
-              <a:off x="9174841" y="6231170"/>
-              <a:ext cx="100886" cy="48055"/>
-            </a:xfrm>
-            <a:prstGeom prst="rect">
-              <a:avLst/>
-            </a:prstGeom>
-            <a:noFill/>
-          </p:spPr>
-          <p:txBody>
-            <a:bodyPr lIns="0" rIns="0" tIns="0" bIns="0" anchorCtr="1" anchor="ctr" wrap="none"/>
-            <a:lstStyle/>
-            <a:p>
-              <a:pPr algn="l" marL="0" marR="0" indent="0">
-                <a:lnSpc>
-                  <a:spcPts val="550"/>
-                </a:lnSpc>
-                <a:spcBef>
-                  <a:spcPts val="0"/>
-                </a:spcBef>
-                <a:spcAft>
-                  <a:spcPts val="0"/>
-                </a:spcAft>
-              </a:pPr>
-              <a:r>
-                <a:rPr sz="550">
-                  <a:solidFill>
-                    <a:srgbClr val="000000">
-                      <a:alpha val="100000"/>
-                    </a:srgbClr>
-                  </a:solidFill>
-                  <a:latin typeface="Times New Roman"/>
-                  <a:cs typeface="Times New Roman"/>
-                </a:rPr>
-                <a:t>NA</a:t>
-              </a:r>
-            </a:p>
-          </p:txBody>
-        </p:sp>
-        <p:sp>
-          <p:nvSpPr>
-            <p:cNvPr id="1465" name="tx1464"/>
+            <p:cNvPr id="1470" name="tx1469"/>
             <p:cNvSpPr/>
             <p:nvPr/>
           </p:nvSpPr>
@@ -57511,7 +57708,7 @@
         </p:sp>
         <p:sp>
           <p:nvSpPr>
-            <p:cNvPr id="1466" name="tx1465"/>
+            <p:cNvPr id="1471" name="tx1470"/>
             <p:cNvSpPr/>
             <p:nvPr/>
           </p:nvSpPr>
